--- a/design/2016/models/2_analysis_model.pptx
+++ b/design/2016/models/2_analysis_model.pptx
@@ -4439,9 +4439,824 @@
                 <a:ea typeface="メイリオ" panose="020B0604030504040204" pitchFamily="50" charset="-128"/>
                 <a:cs typeface="メイリオ" panose="020B0604030504040204" pitchFamily="50" charset="-128"/>
               </a:rPr>
-              <a:t>ここに一文を入力</a:t>
+              <a:t>抽象化したゲームエリア上での走行体の振る舞いと実際の操作を分離</a:t>
             </a:r>
             <a:endParaRPr lang="ja-JP" altLang="en-US" sz="2716" dirty="0">
+              <a:latin typeface="メイリオ" panose="020B0604030504040204" pitchFamily="50" charset="-128"/>
+              <a:ea typeface="メイリオ" panose="020B0604030504040204" pitchFamily="50" charset="-128"/>
+              <a:cs typeface="メイリオ" panose="020B0604030504040204" pitchFamily="50" charset="-128"/>
+            </a:endParaRPr>
+          </a:p>
+        </p:txBody>
+      </p:sp>
+      <p:sp>
+        <p:nvSpPr>
+          <p:cNvPr id="2" name="正方形/長方形 1"/>
+          <p:cNvSpPr/>
+          <p:nvPr/>
+        </p:nvSpPr>
+        <p:spPr>
+          <a:xfrm>
+            <a:off x="361022" y="1777928"/>
+            <a:ext cx="8208266" cy="1846416"/>
+          </a:xfrm>
+          <a:prstGeom prst="rect">
+            <a:avLst/>
+          </a:prstGeom>
+          <a:noFill/>
+          <a:ln w="25400">
+            <a:solidFill>
+              <a:srgbClr val="D24726"/>
+            </a:solidFill>
+          </a:ln>
+        </p:spPr>
+        <p:style>
+          <a:lnRef idx="2">
+            <a:schemeClr val="accent1">
+              <a:shade val="50000"/>
+            </a:schemeClr>
+          </a:lnRef>
+          <a:fillRef idx="1">
+            <a:schemeClr val="accent1"/>
+          </a:fillRef>
+          <a:effectRef idx="0">
+            <a:schemeClr val="accent1"/>
+          </a:effectRef>
+          <a:fontRef idx="minor">
+            <a:schemeClr val="lt1"/>
+          </a:fontRef>
+        </p:style>
+        <p:txBody>
+          <a:bodyPr rtlCol="0" anchor="ctr"/>
+          <a:lstStyle/>
+          <a:p>
+            <a:pPr algn="ctr"/>
+            <a:endParaRPr kumimoji="1" lang="ja-JP" altLang="en-US"/>
+          </a:p>
+        </p:txBody>
+      </p:sp>
+      <p:sp>
+        <p:nvSpPr>
+          <p:cNvPr id="3" name="テキスト ボックス 2"/>
+          <p:cNvSpPr txBox="1"/>
+          <p:nvPr/>
+        </p:nvSpPr>
+        <p:spPr>
+          <a:xfrm>
+            <a:off x="8569289" y="1777830"/>
+            <a:ext cx="2881964" cy="369332"/>
+          </a:xfrm>
+          <a:prstGeom prst="rect">
+            <a:avLst/>
+          </a:prstGeom>
+          <a:solidFill>
+            <a:srgbClr val="D24726"/>
+          </a:solidFill>
+        </p:spPr>
+        <p:txBody>
+          <a:bodyPr wrap="square" rtlCol="0">
+            <a:spAutoFit/>
+          </a:bodyPr>
+          <a:lstStyle/>
+          <a:p>
+            <a:r>
+              <a:rPr kumimoji="1" lang="en-US" altLang="ja-JP" sz="1800" b="1" dirty="0" smtClean="0">
+                <a:solidFill>
+                  <a:schemeClr val="bg1"/>
+                </a:solidFill>
+                <a:latin typeface="メイリオ" panose="020B0604030504040204" pitchFamily="50" charset="-128"/>
+                <a:ea typeface="メイリオ" panose="020B0604030504040204" pitchFamily="50" charset="-128"/>
+                <a:cs typeface="メイリオ" panose="020B0604030504040204" pitchFamily="50" charset="-128"/>
+              </a:rPr>
+              <a:t>2-2.</a:t>
+            </a:r>
+            <a:r>
+              <a:rPr kumimoji="1" lang="ja-JP" altLang="en-US" sz="1800" b="1" dirty="0" smtClean="0">
+                <a:solidFill>
+                  <a:schemeClr val="bg1"/>
+                </a:solidFill>
+                <a:latin typeface="メイリオ" panose="020B0604030504040204" pitchFamily="50" charset="-128"/>
+                <a:ea typeface="メイリオ" panose="020B0604030504040204" pitchFamily="50" charset="-128"/>
+                <a:cs typeface="メイリオ" panose="020B0604030504040204" pitchFamily="50" charset="-128"/>
+              </a:rPr>
+              <a:t> ゲーム全体のフロー</a:t>
+            </a:r>
+            <a:endParaRPr kumimoji="1" lang="ja-JP" altLang="en-US" sz="1800" b="1" dirty="0">
+              <a:solidFill>
+                <a:schemeClr val="bg1"/>
+              </a:solidFill>
+              <a:latin typeface="メイリオ" panose="020B0604030504040204" pitchFamily="50" charset="-128"/>
+              <a:ea typeface="メイリオ" panose="020B0604030504040204" pitchFamily="50" charset="-128"/>
+              <a:cs typeface="メイリオ" panose="020B0604030504040204" pitchFamily="50" charset="-128"/>
+            </a:endParaRPr>
+          </a:p>
+        </p:txBody>
+      </p:sp>
+      <p:sp>
+        <p:nvSpPr>
+          <p:cNvPr id="13" name="正方形/長方形 12"/>
+          <p:cNvSpPr/>
+          <p:nvPr/>
+        </p:nvSpPr>
+        <p:spPr>
+          <a:xfrm>
+            <a:off x="8569291" y="1777927"/>
+            <a:ext cx="6349865" cy="7393311"/>
+          </a:xfrm>
+          <a:prstGeom prst="rect">
+            <a:avLst/>
+          </a:prstGeom>
+          <a:noFill/>
+          <a:ln w="25400">
+            <a:solidFill>
+              <a:srgbClr val="D24726"/>
+            </a:solidFill>
+          </a:ln>
+        </p:spPr>
+        <p:style>
+          <a:lnRef idx="2">
+            <a:schemeClr val="accent1">
+              <a:shade val="50000"/>
+            </a:schemeClr>
+          </a:lnRef>
+          <a:fillRef idx="1">
+            <a:schemeClr val="accent1"/>
+          </a:fillRef>
+          <a:effectRef idx="0">
+            <a:schemeClr val="accent1"/>
+          </a:effectRef>
+          <a:fontRef idx="minor">
+            <a:schemeClr val="lt1"/>
+          </a:fontRef>
+        </p:style>
+        <p:txBody>
+          <a:bodyPr rtlCol="0" anchor="ctr"/>
+          <a:lstStyle/>
+          <a:p>
+            <a:pPr algn="ctr"/>
+            <a:endParaRPr kumimoji="1" lang="ja-JP" altLang="en-US"/>
+          </a:p>
+        </p:txBody>
+      </p:sp>
+      <p:sp>
+        <p:nvSpPr>
+          <p:cNvPr id="16" name="テキスト ボックス 15"/>
+          <p:cNvSpPr txBox="1"/>
+          <p:nvPr/>
+        </p:nvSpPr>
+        <p:spPr>
+          <a:xfrm>
+            <a:off x="367256" y="1777927"/>
+            <a:ext cx="3991798" cy="369332"/>
+          </a:xfrm>
+          <a:prstGeom prst="rect">
+            <a:avLst/>
+          </a:prstGeom>
+          <a:solidFill>
+            <a:srgbClr val="D24726"/>
+          </a:solidFill>
+        </p:spPr>
+        <p:txBody>
+          <a:bodyPr wrap="none" rtlCol="0">
+            <a:spAutoFit/>
+          </a:bodyPr>
+          <a:lstStyle/>
+          <a:p>
+            <a:r>
+              <a:rPr kumimoji="1" lang="en-US" altLang="ja-JP" sz="1800" b="1" dirty="0" smtClean="0">
+                <a:solidFill>
+                  <a:schemeClr val="bg1"/>
+                </a:solidFill>
+                <a:latin typeface="メイリオ" panose="020B0604030504040204" pitchFamily="50" charset="-128"/>
+                <a:ea typeface="メイリオ" panose="020B0604030504040204" pitchFamily="50" charset="-128"/>
+                <a:cs typeface="メイリオ" panose="020B0604030504040204" pitchFamily="50" charset="-128"/>
+              </a:rPr>
+              <a:t>2-1.</a:t>
+            </a:r>
+            <a:r>
+              <a:rPr kumimoji="1" lang="ja-JP" altLang="en-US" sz="1800" b="1" dirty="0" smtClean="0">
+                <a:solidFill>
+                  <a:schemeClr val="bg1"/>
+                </a:solidFill>
+                <a:latin typeface="メイリオ" panose="020B0604030504040204" pitchFamily="50" charset="-128"/>
+                <a:ea typeface="メイリオ" panose="020B0604030504040204" pitchFamily="50" charset="-128"/>
+                <a:cs typeface="メイリオ" panose="020B0604030504040204" pitchFamily="50" charset="-128"/>
+              </a:rPr>
+              <a:t> ゲームエリアと走行体の抽象化</a:t>
+            </a:r>
+            <a:endParaRPr kumimoji="1" lang="ja-JP" altLang="en-US" sz="1800" b="1" dirty="0">
+              <a:solidFill>
+                <a:schemeClr val="bg1"/>
+              </a:solidFill>
+              <a:latin typeface="メイリオ" panose="020B0604030504040204" pitchFamily="50" charset="-128"/>
+              <a:ea typeface="メイリオ" panose="020B0604030504040204" pitchFamily="50" charset="-128"/>
+              <a:cs typeface="メイリオ" panose="020B0604030504040204" pitchFamily="50" charset="-128"/>
+            </a:endParaRPr>
+          </a:p>
+        </p:txBody>
+      </p:sp>
+      <p:sp>
+        <p:nvSpPr>
+          <p:cNvPr id="10" name="テキスト ボックス 9"/>
+          <p:cNvSpPr txBox="1"/>
+          <p:nvPr/>
+        </p:nvSpPr>
+        <p:spPr>
+          <a:xfrm>
+            <a:off x="361024" y="2157909"/>
+            <a:ext cx="4789734" cy="1323439"/>
+          </a:xfrm>
+          <a:prstGeom prst="rect">
+            <a:avLst/>
+          </a:prstGeom>
+          <a:noFill/>
+        </p:spPr>
+        <p:txBody>
+          <a:bodyPr wrap="square" rtlCol="0">
+            <a:spAutoFit/>
+          </a:bodyPr>
+          <a:lstStyle/>
+          <a:p>
+            <a:r>
+              <a:rPr kumimoji="1" lang="ja-JP" altLang="en-US" sz="1600" dirty="0" smtClean="0">
+                <a:latin typeface="メイリオ" panose="020B0604030504040204" pitchFamily="50" charset="-128"/>
+                <a:ea typeface="メイリオ" panose="020B0604030504040204" pitchFamily="50" charset="-128"/>
+                <a:cs typeface="メイリオ" panose="020B0604030504040204" pitchFamily="50" charset="-128"/>
+              </a:rPr>
+              <a:t>４ｘ４マスの格子であるゲームエリアを、格子点間の中点で分割し</a:t>
+            </a:r>
+            <a:r>
+              <a:rPr kumimoji="1" lang="ja-JP" altLang="en-US" sz="1600" dirty="0" smtClean="0">
+                <a:latin typeface="メイリオ" panose="020B0604030504040204" pitchFamily="50" charset="-128"/>
+                <a:ea typeface="メイリオ" panose="020B0604030504040204" pitchFamily="50" charset="-128"/>
+                <a:cs typeface="メイリオ" panose="020B0604030504040204" pitchFamily="50" charset="-128"/>
+              </a:rPr>
+              <a:t>、右図</a:t>
+            </a:r>
+            <a:r>
+              <a:rPr kumimoji="1" lang="ja-JP" altLang="en-US" sz="1600" dirty="0" smtClean="0">
+                <a:latin typeface="メイリオ" panose="020B0604030504040204" pitchFamily="50" charset="-128"/>
+                <a:ea typeface="メイリオ" panose="020B0604030504040204" pitchFamily="50" charset="-128"/>
+                <a:cs typeface="メイリオ" panose="020B0604030504040204" pitchFamily="50" charset="-128"/>
+              </a:rPr>
+              <a:t>のような座標系で表現した</a:t>
+            </a:r>
+            <a:r>
+              <a:rPr kumimoji="1" lang="ja-JP" altLang="en-US" sz="1600" b="1" dirty="0" smtClean="0">
+                <a:solidFill>
+                  <a:srgbClr val="0000FF"/>
+                </a:solidFill>
+                <a:latin typeface="メイリオ" panose="020B0604030504040204" pitchFamily="50" charset="-128"/>
+                <a:ea typeface="メイリオ" panose="020B0604030504040204" pitchFamily="50" charset="-128"/>
+                <a:cs typeface="メイリオ" panose="020B0604030504040204" pitchFamily="50" charset="-128"/>
+              </a:rPr>
+              <a:t>抽象マップ</a:t>
+            </a:r>
+            <a:r>
+              <a:rPr kumimoji="1" lang="ja-JP" altLang="en-US" sz="1600" dirty="0" smtClean="0">
+                <a:latin typeface="メイリオ" panose="020B0604030504040204" pitchFamily="50" charset="-128"/>
+                <a:ea typeface="メイリオ" panose="020B0604030504040204" pitchFamily="50" charset="-128"/>
+                <a:cs typeface="メイリオ" panose="020B0604030504040204" pitchFamily="50" charset="-128"/>
+              </a:rPr>
+              <a:t>を設ける。抽象マップ上では</a:t>
+            </a:r>
+            <a:r>
+              <a:rPr lang="ja-JP" altLang="en-US" sz="1600" dirty="0" smtClean="0">
+                <a:latin typeface="メイリオ" panose="020B0604030504040204" pitchFamily="50" charset="-128"/>
+                <a:ea typeface="メイリオ" panose="020B0604030504040204" pitchFamily="50" charset="-128"/>
+                <a:cs typeface="メイリオ" panose="020B0604030504040204" pitchFamily="50" charset="-128"/>
+              </a:rPr>
+              <a:t>走行体は位置、向き、</a:t>
+            </a:r>
+            <a:r>
+              <a:rPr lang="ja-JP" altLang="en-US" sz="1600" dirty="0">
+                <a:latin typeface="メイリオ" panose="020B0604030504040204" pitchFamily="50" charset="-128"/>
+                <a:ea typeface="メイリオ" panose="020B0604030504040204" pitchFamily="50" charset="-128"/>
+                <a:cs typeface="メイリオ" panose="020B0604030504040204" pitchFamily="50" charset="-128"/>
+              </a:rPr>
+              <a:t>把持</a:t>
+            </a:r>
+            <a:r>
+              <a:rPr lang="ja-JP" altLang="en-US" sz="1600" dirty="0" smtClean="0">
+                <a:latin typeface="メイリオ" panose="020B0604030504040204" pitchFamily="50" charset="-128"/>
+                <a:ea typeface="メイリオ" panose="020B0604030504040204" pitchFamily="50" charset="-128"/>
+                <a:cs typeface="メイリオ" panose="020B0604030504040204" pitchFamily="50" charset="-128"/>
+              </a:rPr>
+              <a:t>ブロック</a:t>
+            </a:r>
+            <a:r>
+              <a:rPr lang="ja-JP" altLang="en-US" sz="1600" dirty="0" smtClean="0">
+                <a:latin typeface="メイリオ" panose="020B0604030504040204" pitchFamily="50" charset="-128"/>
+                <a:ea typeface="メイリオ" panose="020B0604030504040204" pitchFamily="50" charset="-128"/>
+                <a:cs typeface="メイリオ" panose="020B0604030504040204" pitchFamily="50" charset="-128"/>
+              </a:rPr>
+              <a:t>の有無および色の</a:t>
+            </a:r>
+            <a:r>
+              <a:rPr lang="ja-JP" altLang="en-US" sz="1600" dirty="0" smtClean="0">
+                <a:latin typeface="メイリオ" panose="020B0604030504040204" pitchFamily="50" charset="-128"/>
+                <a:ea typeface="メイリオ" panose="020B0604030504040204" pitchFamily="50" charset="-128"/>
+                <a:cs typeface="メイリオ" panose="020B0604030504040204" pitchFamily="50" charset="-128"/>
+              </a:rPr>
+              <a:t>状態を持つ</a:t>
+            </a:r>
+            <a:r>
+              <a:rPr lang="ja-JP" altLang="en-US" sz="1600" b="1" dirty="0" smtClean="0">
+                <a:solidFill>
+                  <a:srgbClr val="0000FF"/>
+                </a:solidFill>
+                <a:latin typeface="メイリオ" panose="020B0604030504040204" pitchFamily="50" charset="-128"/>
+                <a:ea typeface="メイリオ" panose="020B0604030504040204" pitchFamily="50" charset="-128"/>
+                <a:cs typeface="メイリオ" panose="020B0604030504040204" pitchFamily="50" charset="-128"/>
+              </a:rPr>
+              <a:t>抽象走行体</a:t>
+            </a:r>
+            <a:r>
+              <a:rPr lang="ja-JP" altLang="en-US" sz="1600" dirty="0" smtClean="0">
+                <a:latin typeface="メイリオ" panose="020B0604030504040204" pitchFamily="50" charset="-128"/>
+                <a:ea typeface="メイリオ" panose="020B0604030504040204" pitchFamily="50" charset="-128"/>
+                <a:cs typeface="メイリオ" panose="020B0604030504040204" pitchFamily="50" charset="-128"/>
+              </a:rPr>
+              <a:t>として表現される。</a:t>
+            </a:r>
+            <a:endParaRPr lang="en-US" altLang="ja-JP" sz="1600" dirty="0" smtClean="0">
+              <a:latin typeface="メイリオ" panose="020B0604030504040204" pitchFamily="50" charset="-128"/>
+              <a:ea typeface="メイリオ" panose="020B0604030504040204" pitchFamily="50" charset="-128"/>
+              <a:cs typeface="メイリオ" panose="020B0604030504040204" pitchFamily="50" charset="-128"/>
+            </a:endParaRPr>
+          </a:p>
+        </p:txBody>
+      </p:sp>
+      <p:pic>
+        <p:nvPicPr>
+          <p:cNvPr id="11" name="図 10"/>
+          <p:cNvPicPr>
+            <a:picLocks noChangeAspect="1"/>
+          </p:cNvPicPr>
+          <p:nvPr/>
+        </p:nvPicPr>
+        <p:blipFill>
+          <a:blip r:embed="rId2"/>
+          <a:stretch>
+            <a:fillRect/>
+          </a:stretch>
+        </p:blipFill>
+        <p:spPr>
+          <a:xfrm>
+            <a:off x="5136160" y="2055630"/>
+            <a:ext cx="1023597" cy="1177247"/>
+          </a:xfrm>
+          <a:prstGeom prst="rect">
+            <a:avLst/>
+          </a:prstGeom>
+        </p:spPr>
+      </p:pic>
+      <p:sp>
+        <p:nvSpPr>
+          <p:cNvPr id="12" name="右矢印 11"/>
+          <p:cNvSpPr/>
+          <p:nvPr/>
+        </p:nvSpPr>
+        <p:spPr>
+          <a:xfrm>
+            <a:off x="6257619" y="2396602"/>
+            <a:ext cx="457200" cy="495300"/>
+          </a:xfrm>
+          <a:prstGeom prst="rightArrow">
+            <a:avLst/>
+          </a:prstGeom>
+        </p:spPr>
+        <p:style>
+          <a:lnRef idx="2">
+            <a:schemeClr val="accent1">
+              <a:shade val="50000"/>
+            </a:schemeClr>
+          </a:lnRef>
+          <a:fillRef idx="1">
+            <a:schemeClr val="accent1"/>
+          </a:fillRef>
+          <a:effectRef idx="0">
+            <a:schemeClr val="accent1"/>
+          </a:effectRef>
+          <a:fontRef idx="minor">
+            <a:schemeClr val="lt1"/>
+          </a:fontRef>
+        </p:style>
+        <p:txBody>
+          <a:bodyPr rtlCol="0" anchor="ctr"/>
+          <a:lstStyle/>
+          <a:p>
+            <a:pPr algn="ctr"/>
+            <a:endParaRPr kumimoji="1" lang="ja-JP" altLang="en-US"/>
+          </a:p>
+        </p:txBody>
+      </p:sp>
+      <p:pic>
+        <p:nvPicPr>
+          <p:cNvPr id="17" name="図 16"/>
+          <p:cNvPicPr>
+            <a:picLocks noChangeAspect="1"/>
+          </p:cNvPicPr>
+          <p:nvPr/>
+        </p:nvPicPr>
+        <p:blipFill>
+          <a:blip r:embed="rId3"/>
+          <a:stretch>
+            <a:fillRect/>
+          </a:stretch>
+        </p:blipFill>
+        <p:spPr>
+          <a:xfrm>
+            <a:off x="6785981" y="1952080"/>
+            <a:ext cx="1758131" cy="1384345"/>
+          </a:xfrm>
+          <a:prstGeom prst="rect">
+            <a:avLst/>
+          </a:prstGeom>
+        </p:spPr>
+      </p:pic>
+      <p:pic>
+        <p:nvPicPr>
+          <p:cNvPr id="4" name="図 3"/>
+          <p:cNvPicPr>
+            <a:picLocks noChangeAspect="1"/>
+          </p:cNvPicPr>
+          <p:nvPr/>
+        </p:nvPicPr>
+        <p:blipFill>
+          <a:blip r:embed="rId4"/>
+          <a:stretch>
+            <a:fillRect/>
+          </a:stretch>
+        </p:blipFill>
+        <p:spPr>
+          <a:xfrm>
+            <a:off x="8619645" y="2199445"/>
+            <a:ext cx="6299512" cy="6971792"/>
+          </a:xfrm>
+          <a:prstGeom prst="rect">
+            <a:avLst/>
+          </a:prstGeom>
+        </p:spPr>
+      </p:pic>
+      <p:pic>
+        <p:nvPicPr>
+          <p:cNvPr id="5" name="図 4"/>
+          <p:cNvPicPr>
+            <a:picLocks noChangeAspect="1"/>
+          </p:cNvPicPr>
+          <p:nvPr/>
+        </p:nvPicPr>
+        <p:blipFill>
+          <a:blip r:embed="rId5"/>
+          <a:stretch>
+            <a:fillRect/>
+          </a:stretch>
+        </p:blipFill>
+        <p:spPr>
+          <a:xfrm>
+            <a:off x="13287183" y="4738415"/>
+            <a:ext cx="1525145" cy="1875031"/>
+          </a:xfrm>
+          <a:prstGeom prst="rect">
+            <a:avLst/>
+          </a:prstGeom>
+        </p:spPr>
+      </p:pic>
+      <p:sp>
+        <p:nvSpPr>
+          <p:cNvPr id="22" name="正方形/長方形 21"/>
+          <p:cNvSpPr/>
+          <p:nvPr/>
+        </p:nvSpPr>
+        <p:spPr>
+          <a:xfrm>
+            <a:off x="361022" y="6578526"/>
+            <a:ext cx="8208266" cy="2592711"/>
+          </a:xfrm>
+          <a:prstGeom prst="rect">
+            <a:avLst/>
+          </a:prstGeom>
+          <a:noFill/>
+          <a:ln w="25400">
+            <a:solidFill>
+              <a:srgbClr val="D24726"/>
+            </a:solidFill>
+          </a:ln>
+        </p:spPr>
+        <p:style>
+          <a:lnRef idx="2">
+            <a:schemeClr val="accent1">
+              <a:shade val="50000"/>
+            </a:schemeClr>
+          </a:lnRef>
+          <a:fillRef idx="1">
+            <a:schemeClr val="accent1"/>
+          </a:fillRef>
+          <a:effectRef idx="0">
+            <a:schemeClr val="accent1"/>
+          </a:effectRef>
+          <a:fontRef idx="minor">
+            <a:schemeClr val="lt1"/>
+          </a:fontRef>
+        </p:style>
+        <p:txBody>
+          <a:bodyPr rtlCol="0" anchor="ctr"/>
+          <a:lstStyle/>
+          <a:p>
+            <a:pPr algn="ctr"/>
+            <a:endParaRPr kumimoji="1" lang="ja-JP" altLang="en-US"/>
+          </a:p>
+        </p:txBody>
+      </p:sp>
+      <p:sp>
+        <p:nvSpPr>
+          <p:cNvPr id="24" name="テキスト ボックス 23"/>
+          <p:cNvSpPr txBox="1"/>
+          <p:nvPr/>
+        </p:nvSpPr>
+        <p:spPr>
+          <a:xfrm>
+            <a:off x="361019" y="6578525"/>
+            <a:ext cx="6992620" cy="369332"/>
+          </a:xfrm>
+          <a:prstGeom prst="rect">
+            <a:avLst/>
+          </a:prstGeom>
+          <a:solidFill>
+            <a:srgbClr val="D24726"/>
+          </a:solidFill>
+        </p:spPr>
+        <p:txBody>
+          <a:bodyPr wrap="none" rtlCol="0">
+            <a:spAutoFit/>
+          </a:bodyPr>
+          <a:lstStyle/>
+          <a:p>
+            <a:r>
+              <a:rPr kumimoji="1" lang="en-US" altLang="ja-JP" sz="1800" b="1" dirty="0" smtClean="0">
+                <a:solidFill>
+                  <a:schemeClr val="bg1"/>
+                </a:solidFill>
+                <a:latin typeface="メイリオ" panose="020B0604030504040204" pitchFamily="50" charset="-128"/>
+                <a:ea typeface="メイリオ" panose="020B0604030504040204" pitchFamily="50" charset="-128"/>
+                <a:cs typeface="メイリオ" panose="020B0604030504040204" pitchFamily="50" charset="-128"/>
+              </a:rPr>
+              <a:t>2-3.</a:t>
+            </a:r>
+            <a:r>
+              <a:rPr kumimoji="1" lang="ja-JP" altLang="en-US" sz="1800" b="1" dirty="0" smtClean="0">
+                <a:solidFill>
+                  <a:schemeClr val="bg1"/>
+                </a:solidFill>
+                <a:latin typeface="メイリオ" panose="020B0604030504040204" pitchFamily="50" charset="-128"/>
+                <a:ea typeface="メイリオ" panose="020B0604030504040204" pitchFamily="50" charset="-128"/>
+                <a:cs typeface="メイリオ" panose="020B0604030504040204" pitchFamily="50" charset="-128"/>
+              </a:rPr>
+              <a:t> 抽象走行体の進入位置および最初の移動候補ブロックの決定</a:t>
+            </a:r>
+            <a:endParaRPr kumimoji="1" lang="ja-JP" altLang="en-US" sz="1800" b="1" dirty="0">
+              <a:solidFill>
+                <a:schemeClr val="bg1"/>
+              </a:solidFill>
+              <a:latin typeface="メイリオ" panose="020B0604030504040204" pitchFamily="50" charset="-128"/>
+              <a:ea typeface="メイリオ" panose="020B0604030504040204" pitchFamily="50" charset="-128"/>
+              <a:cs typeface="メイリオ" panose="020B0604030504040204" pitchFamily="50" charset="-128"/>
+            </a:endParaRPr>
+          </a:p>
+        </p:txBody>
+      </p:sp>
+      <p:sp>
+        <p:nvSpPr>
+          <p:cNvPr id="25" name="テキスト ボックス 24"/>
+          <p:cNvSpPr txBox="1"/>
+          <p:nvPr/>
+        </p:nvSpPr>
+        <p:spPr>
+          <a:xfrm>
+            <a:off x="397500" y="6978001"/>
+            <a:ext cx="6388481" cy="830997"/>
+          </a:xfrm>
+          <a:prstGeom prst="rect">
+            <a:avLst/>
+          </a:prstGeom>
+          <a:noFill/>
+        </p:spPr>
+        <p:txBody>
+          <a:bodyPr wrap="square" rtlCol="0">
+            <a:spAutoFit/>
+          </a:bodyPr>
+          <a:lstStyle/>
+          <a:p>
+            <a:r>
+              <a:rPr lang="ja-JP" altLang="en-US" sz="1600" dirty="0" smtClean="0">
+                <a:latin typeface="メイリオ" panose="020B0604030504040204" pitchFamily="50" charset="-128"/>
+                <a:ea typeface="メイリオ" panose="020B0604030504040204" pitchFamily="50" charset="-128"/>
+                <a:cs typeface="メイリオ" panose="020B0604030504040204" pitchFamily="50" charset="-128"/>
+              </a:rPr>
+              <a:t>抽象マップ上の侵入位置の候補を</a:t>
+            </a:r>
+            <a:r>
+              <a:rPr lang="en-US" altLang="ja-JP" sz="1600" dirty="0" smtClean="0">
+                <a:latin typeface="メイリオ" panose="020B0604030504040204" pitchFamily="50" charset="-128"/>
+                <a:ea typeface="メイリオ" panose="020B0604030504040204" pitchFamily="50" charset="-128"/>
+                <a:cs typeface="メイリオ" panose="020B0604030504040204" pitchFamily="50" charset="-128"/>
+              </a:rPr>
+              <a:t>(0,1)</a:t>
+            </a:r>
+            <a:r>
+              <a:rPr lang="ja-JP" altLang="en-US" sz="1600" dirty="0" err="1" smtClean="0">
+                <a:latin typeface="メイリオ" panose="020B0604030504040204" pitchFamily="50" charset="-128"/>
+                <a:ea typeface="メイリオ" panose="020B0604030504040204" pitchFamily="50" charset="-128"/>
+                <a:cs typeface="メイリオ" panose="020B0604030504040204" pitchFamily="50" charset="-128"/>
+              </a:rPr>
+              <a:t>、</a:t>
+            </a:r>
+            <a:r>
+              <a:rPr lang="en-US" altLang="ja-JP" sz="1600" dirty="0" smtClean="0">
+                <a:latin typeface="メイリオ" panose="020B0604030504040204" pitchFamily="50" charset="-128"/>
+                <a:ea typeface="メイリオ" panose="020B0604030504040204" pitchFamily="50" charset="-128"/>
+                <a:cs typeface="メイリオ" panose="020B0604030504040204" pitchFamily="50" charset="-128"/>
+              </a:rPr>
+              <a:t>(0,3)</a:t>
+            </a:r>
+            <a:r>
+              <a:rPr lang="ja-JP" altLang="en-US" sz="1600" dirty="0" err="1" smtClean="0">
+                <a:latin typeface="メイリオ" panose="020B0604030504040204" pitchFamily="50" charset="-128"/>
+                <a:ea typeface="メイリオ" panose="020B0604030504040204" pitchFamily="50" charset="-128"/>
+                <a:cs typeface="メイリオ" panose="020B0604030504040204" pitchFamily="50" charset="-128"/>
+              </a:rPr>
+              <a:t>、</a:t>
+            </a:r>
+            <a:r>
+              <a:rPr lang="en-US" altLang="ja-JP" sz="1600" dirty="0" smtClean="0">
+                <a:latin typeface="メイリオ" panose="020B0604030504040204" pitchFamily="50" charset="-128"/>
+                <a:ea typeface="メイリオ" panose="020B0604030504040204" pitchFamily="50" charset="-128"/>
+                <a:cs typeface="メイリオ" panose="020B0604030504040204" pitchFamily="50" charset="-128"/>
+              </a:rPr>
+              <a:t>(0,5)</a:t>
+            </a:r>
+            <a:r>
+              <a:rPr lang="ja-JP" altLang="en-US" sz="1600" dirty="0" smtClean="0">
+                <a:latin typeface="メイリオ" panose="020B0604030504040204" pitchFamily="50" charset="-128"/>
+                <a:ea typeface="メイリオ" panose="020B0604030504040204" pitchFamily="50" charset="-128"/>
+                <a:cs typeface="メイリオ" panose="020B0604030504040204" pitchFamily="50" charset="-128"/>
+              </a:rPr>
+              <a:t>とする。各点ごとに、最近の移動候補ブロックを囲むまでの</a:t>
+            </a:r>
+            <a:r>
+              <a:rPr lang="ja-JP" altLang="en-US" sz="1600" b="1" dirty="0">
+                <a:solidFill>
+                  <a:srgbClr val="0000FF"/>
+                </a:solidFill>
+                <a:latin typeface="メイリオ" panose="020B0604030504040204" pitchFamily="50" charset="-128"/>
+                <a:ea typeface="メイリオ" panose="020B0604030504040204" pitchFamily="50" charset="-128"/>
+                <a:cs typeface="メイリオ" panose="020B0604030504040204" pitchFamily="50" charset="-128"/>
+              </a:rPr>
+              <a:t>移動</a:t>
+            </a:r>
+            <a:r>
+              <a:rPr lang="ja-JP" altLang="en-US" sz="1600" b="1" dirty="0" smtClean="0">
+                <a:solidFill>
+                  <a:srgbClr val="0000FF"/>
+                </a:solidFill>
+                <a:latin typeface="メイリオ" panose="020B0604030504040204" pitchFamily="50" charset="-128"/>
+                <a:ea typeface="メイリオ" panose="020B0604030504040204" pitchFamily="50" charset="-128"/>
+                <a:cs typeface="メイリオ" panose="020B0604030504040204" pitchFamily="50" charset="-128"/>
+              </a:rPr>
+              <a:t>経路</a:t>
+            </a:r>
+            <a:r>
+              <a:rPr lang="ja-JP" altLang="en-US" sz="1600" dirty="0" smtClean="0">
+                <a:latin typeface="メイリオ" panose="020B0604030504040204" pitchFamily="50" charset="-128"/>
+                <a:ea typeface="メイリオ" panose="020B0604030504040204" pitchFamily="50" charset="-128"/>
+                <a:cs typeface="メイリオ" panose="020B0604030504040204" pitchFamily="50" charset="-128"/>
+              </a:rPr>
+              <a:t>を計算し、その</a:t>
+            </a:r>
+            <a:r>
+              <a:rPr lang="ja-JP" altLang="en-US" sz="1600" b="1" dirty="0" smtClean="0">
+                <a:solidFill>
+                  <a:srgbClr val="0000FF"/>
+                </a:solidFill>
+                <a:latin typeface="メイリオ" panose="020B0604030504040204" pitchFamily="50" charset="-128"/>
+                <a:ea typeface="メイリオ" panose="020B0604030504040204" pitchFamily="50" charset="-128"/>
+                <a:cs typeface="メイリオ" panose="020B0604030504040204" pitchFamily="50" charset="-128"/>
+              </a:rPr>
+              <a:t>移動コスト</a:t>
+            </a:r>
+            <a:r>
+              <a:rPr lang="ja-JP" altLang="en-US" sz="1600" dirty="0" smtClean="0">
+                <a:latin typeface="メイリオ" panose="020B0604030504040204" pitchFamily="50" charset="-128"/>
+                <a:ea typeface="メイリオ" panose="020B0604030504040204" pitchFamily="50" charset="-128"/>
+                <a:cs typeface="メイリオ" panose="020B0604030504040204" pitchFamily="50" charset="-128"/>
+              </a:rPr>
+              <a:t>を計算し、移動コストが</a:t>
+            </a:r>
+            <a:endParaRPr lang="en-US" altLang="ja-JP" sz="1600" dirty="0" smtClean="0">
+              <a:latin typeface="メイリオ" panose="020B0604030504040204" pitchFamily="50" charset="-128"/>
+              <a:ea typeface="メイリオ" panose="020B0604030504040204" pitchFamily="50" charset="-128"/>
+              <a:cs typeface="メイリオ" panose="020B0604030504040204" pitchFamily="50" charset="-128"/>
+            </a:endParaRPr>
+          </a:p>
+        </p:txBody>
+      </p:sp>
+      <p:sp>
+        <p:nvSpPr>
+          <p:cNvPr id="26" name="正方形/長方形 25"/>
+          <p:cNvSpPr/>
+          <p:nvPr/>
+        </p:nvSpPr>
+        <p:spPr>
+          <a:xfrm>
+            <a:off x="361022" y="3620976"/>
+            <a:ext cx="8208266" cy="2592711"/>
+          </a:xfrm>
+          <a:prstGeom prst="rect">
+            <a:avLst/>
+          </a:prstGeom>
+          <a:noFill/>
+          <a:ln w="25400">
+            <a:solidFill>
+              <a:srgbClr val="D24726"/>
+            </a:solidFill>
+          </a:ln>
+        </p:spPr>
+        <p:style>
+          <a:lnRef idx="2">
+            <a:schemeClr val="accent1">
+              <a:shade val="50000"/>
+            </a:schemeClr>
+          </a:lnRef>
+          <a:fillRef idx="1">
+            <a:schemeClr val="accent1"/>
+          </a:fillRef>
+          <a:effectRef idx="0">
+            <a:schemeClr val="accent1"/>
+          </a:effectRef>
+          <a:fontRef idx="minor">
+            <a:schemeClr val="lt1"/>
+          </a:fontRef>
+        </p:style>
+        <p:txBody>
+          <a:bodyPr rtlCol="0" anchor="ctr"/>
+          <a:lstStyle/>
+          <a:p>
+            <a:pPr algn="ctr"/>
+            <a:endParaRPr kumimoji="1" lang="ja-JP" altLang="en-US"/>
+          </a:p>
+        </p:txBody>
+      </p:sp>
+      <p:sp>
+        <p:nvSpPr>
+          <p:cNvPr id="27" name="テキスト ボックス 26"/>
+          <p:cNvSpPr txBox="1"/>
+          <p:nvPr/>
+        </p:nvSpPr>
+        <p:spPr>
+          <a:xfrm>
+            <a:off x="361019" y="3620975"/>
+            <a:ext cx="1452642" cy="369332"/>
+          </a:xfrm>
+          <a:prstGeom prst="rect">
+            <a:avLst/>
+          </a:prstGeom>
+          <a:solidFill>
+            <a:srgbClr val="D24726"/>
+          </a:solidFill>
+        </p:spPr>
+        <p:txBody>
+          <a:bodyPr wrap="none" rtlCol="0">
+            <a:spAutoFit/>
+          </a:bodyPr>
+          <a:lstStyle/>
+          <a:p>
+            <a:r>
+              <a:rPr kumimoji="1" lang="en-US" altLang="ja-JP" sz="1800" b="1" dirty="0" smtClean="0">
+                <a:solidFill>
+                  <a:schemeClr val="bg1"/>
+                </a:solidFill>
+                <a:latin typeface="メイリオ" panose="020B0604030504040204" pitchFamily="50" charset="-128"/>
+                <a:ea typeface="メイリオ" panose="020B0604030504040204" pitchFamily="50" charset="-128"/>
+                <a:cs typeface="メイリオ" panose="020B0604030504040204" pitchFamily="50" charset="-128"/>
+              </a:rPr>
+              <a:t>2-2.</a:t>
+            </a:r>
+            <a:r>
+              <a:rPr kumimoji="1" lang="ja-JP" altLang="en-US" sz="1800" b="1" dirty="0" smtClean="0">
+                <a:solidFill>
+                  <a:schemeClr val="bg1"/>
+                </a:solidFill>
+                <a:latin typeface="メイリオ" panose="020B0604030504040204" pitchFamily="50" charset="-128"/>
+                <a:ea typeface="メイリオ" panose="020B0604030504040204" pitchFamily="50" charset="-128"/>
+                <a:cs typeface="メイリオ" panose="020B0604030504040204" pitchFamily="50" charset="-128"/>
+              </a:rPr>
+              <a:t> 候補点</a:t>
+            </a:r>
+            <a:endParaRPr kumimoji="1" lang="ja-JP" altLang="en-US" sz="1800" b="1" dirty="0">
+              <a:solidFill>
+                <a:schemeClr val="bg1"/>
+              </a:solidFill>
               <a:latin typeface="メイリオ" panose="020B0604030504040204" pitchFamily="50" charset="-128"/>
               <a:ea typeface="メイリオ" panose="020B0604030504040204" pitchFamily="50" charset="-128"/>
               <a:cs typeface="メイリオ" panose="020B0604030504040204" pitchFamily="50" charset="-128"/>

--- a/design/2016/models/2_analysis_model.pptx
+++ b/design/2016/models/2_analysis_model.pptx
@@ -109,7 +109,7 @@
   </p:defaultTextStyle>
   <p:extLst>
     <p:ext uri="{EFAFB233-063F-42B5-8137-9DF3F51BA10A}">
-      <p15:sldGuideLst xmlns:p15="http://schemas.microsoft.com/office/powerpoint/2012/main"/>
+      <p15:sldGuideLst xmlns:p15="http://schemas.microsoft.com/office/powerpoint/2012/main" xmlns=""/>
     </p:ext>
   </p:extLst>
 </p:presentation>
@@ -197,7 +197,7 @@
           <a:p>
             <a:fld id="{729140AA-5DCF-4644-846F-5EE03622738A}" type="datetimeFigureOut">
               <a:rPr kumimoji="1" lang="ja-JP" altLang="en-US" smtClean="0"/>
-              <a:t>2016/8/15</a:t>
+              <a:t>2016/8/16</a:t>
             </a:fld>
             <a:endParaRPr kumimoji="1" lang="ja-JP" altLang="en-US"/>
           </a:p>
@@ -628,7 +628,7 @@
           <a:p>
             <a:fld id="{D72B48E1-50D5-40B7-9AA4-D680720A3CD4}" type="datetimeFigureOut">
               <a:rPr kumimoji="1" lang="ja-JP" altLang="en-US" smtClean="0"/>
-              <a:t>2016/8/15</a:t>
+              <a:t>2016/8/16</a:t>
             </a:fld>
             <a:endParaRPr kumimoji="1" lang="ja-JP" altLang="en-US"/>
           </a:p>
@@ -830,7 +830,7 @@
           <a:p>
             <a:fld id="{D72B48E1-50D5-40B7-9AA4-D680720A3CD4}" type="datetimeFigureOut">
               <a:rPr kumimoji="1" lang="ja-JP" altLang="en-US" smtClean="0"/>
-              <a:t>2016/8/15</a:t>
+              <a:t>2016/8/16</a:t>
             </a:fld>
             <a:endParaRPr kumimoji="1" lang="ja-JP" altLang="en-US"/>
           </a:p>
@@ -1042,7 +1042,7 @@
           <a:p>
             <a:fld id="{D72B48E1-50D5-40B7-9AA4-D680720A3CD4}" type="datetimeFigureOut">
               <a:rPr kumimoji="1" lang="ja-JP" altLang="en-US" smtClean="0"/>
-              <a:t>2016/8/15</a:t>
+              <a:t>2016/8/16</a:t>
             </a:fld>
             <a:endParaRPr kumimoji="1" lang="ja-JP" altLang="en-US"/>
           </a:p>
@@ -1281,7 +1281,7 @@
           <a:p>
             <a:fld id="{D72B48E1-50D5-40B7-9AA4-D680720A3CD4}" type="datetimeFigureOut">
               <a:rPr kumimoji="1" lang="ja-JP" altLang="en-US" smtClean="0"/>
-              <a:t>2016/8/15</a:t>
+              <a:t>2016/8/16</a:t>
             </a:fld>
             <a:endParaRPr kumimoji="1" lang="ja-JP" altLang="en-US"/>
           </a:p>
@@ -1525,7 +1525,7 @@
           <a:p>
             <a:fld id="{D72B48E1-50D5-40B7-9AA4-D680720A3CD4}" type="datetimeFigureOut">
               <a:rPr kumimoji="1" lang="ja-JP" altLang="en-US" smtClean="0"/>
-              <a:t>2016/8/15</a:t>
+              <a:t>2016/8/16</a:t>
             </a:fld>
             <a:endParaRPr kumimoji="1" lang="ja-JP" altLang="en-US"/>
           </a:p>
@@ -1821,7 +1821,7 @@
           <a:p>
             <a:fld id="{D72B48E1-50D5-40B7-9AA4-D680720A3CD4}" type="datetimeFigureOut">
               <a:rPr kumimoji="1" lang="ja-JP" altLang="en-US" smtClean="0"/>
-              <a:t>2016/8/15</a:t>
+              <a:t>2016/8/16</a:t>
             </a:fld>
             <a:endParaRPr kumimoji="1" lang="ja-JP" altLang="en-US"/>
           </a:p>
@@ -2252,7 +2252,7 @@
           <a:p>
             <a:fld id="{D72B48E1-50D5-40B7-9AA4-D680720A3CD4}" type="datetimeFigureOut">
               <a:rPr kumimoji="1" lang="ja-JP" altLang="en-US" smtClean="0"/>
-              <a:t>2016/8/15</a:t>
+              <a:t>2016/8/16</a:t>
             </a:fld>
             <a:endParaRPr kumimoji="1" lang="ja-JP" altLang="en-US"/>
           </a:p>
@@ -2370,7 +2370,7 @@
           <a:p>
             <a:fld id="{D72B48E1-50D5-40B7-9AA4-D680720A3CD4}" type="datetimeFigureOut">
               <a:rPr kumimoji="1" lang="ja-JP" altLang="en-US" smtClean="0"/>
-              <a:t>2016/8/15</a:t>
+              <a:t>2016/8/16</a:t>
             </a:fld>
             <a:endParaRPr kumimoji="1" lang="ja-JP" altLang="en-US"/>
           </a:p>
@@ -2465,7 +2465,7 @@
           <a:p>
             <a:fld id="{D72B48E1-50D5-40B7-9AA4-D680720A3CD4}" type="datetimeFigureOut">
               <a:rPr kumimoji="1" lang="ja-JP" altLang="en-US" smtClean="0"/>
-              <a:t>2016/8/15</a:t>
+              <a:t>2016/8/16</a:t>
             </a:fld>
             <a:endParaRPr kumimoji="1" lang="ja-JP" altLang="en-US"/>
           </a:p>
@@ -2774,7 +2774,7 @@
           <a:p>
             <a:fld id="{D72B48E1-50D5-40B7-9AA4-D680720A3CD4}" type="datetimeFigureOut">
               <a:rPr kumimoji="1" lang="ja-JP" altLang="en-US" smtClean="0"/>
-              <a:t>2016/8/15</a:t>
+              <a:t>2016/8/16</a:t>
             </a:fld>
             <a:endParaRPr kumimoji="1" lang="ja-JP" altLang="en-US"/>
           </a:p>
@@ -3031,7 +3031,7 @@
           <a:p>
             <a:fld id="{D72B48E1-50D5-40B7-9AA4-D680720A3CD4}" type="datetimeFigureOut">
               <a:rPr kumimoji="1" lang="ja-JP" altLang="en-US" smtClean="0"/>
-              <a:t>2016/8/15</a:t>
+              <a:t>2016/8/16</a:t>
             </a:fld>
             <a:endParaRPr kumimoji="1" lang="ja-JP" altLang="en-US"/>
           </a:p>
@@ -3276,7 +3276,7 @@
           <a:p>
             <a:fld id="{D72B48E1-50D5-40B7-9AA4-D680720A3CD4}" type="datetimeFigureOut">
               <a:rPr kumimoji="1" lang="ja-JP" altLang="en-US" smtClean="0"/>
-              <a:t>2016/8/15</a:t>
+              <a:t>2016/8/16</a:t>
             </a:fld>
             <a:endParaRPr kumimoji="1" lang="ja-JP" altLang="en-US"/>
           </a:p>
@@ -4457,8 +4457,8 @@
         </p:nvSpPr>
         <p:spPr>
           <a:xfrm>
-            <a:off x="361022" y="1777928"/>
-            <a:ext cx="8208266" cy="1846416"/>
+            <a:off x="361020" y="1777928"/>
+            <a:ext cx="5896599" cy="3711985"/>
           </a:xfrm>
           <a:prstGeom prst="rect">
             <a:avLst/>
@@ -4503,8 +4503,8 @@
         </p:nvSpPr>
         <p:spPr>
           <a:xfrm>
-            <a:off x="8569289" y="1777830"/>
-            <a:ext cx="2881964" cy="369332"/>
+            <a:off x="6260542" y="6387063"/>
+            <a:ext cx="2616535" cy="307777"/>
           </a:xfrm>
           <a:prstGeom prst="rect">
             <a:avLst/>
@@ -4520,7 +4520,7 @@
           <a:lstStyle/>
           <a:p>
             <a:r>
-              <a:rPr kumimoji="1" lang="en-US" altLang="ja-JP" sz="1800" b="1" dirty="0" smtClean="0">
+              <a:rPr kumimoji="1" lang="en-US" altLang="ja-JP" sz="1400" b="1" dirty="0" smtClean="0">
                 <a:solidFill>
                   <a:schemeClr val="bg1"/>
                 </a:solidFill>
@@ -4528,10 +4528,10 @@
                 <a:ea typeface="メイリオ" panose="020B0604030504040204" pitchFamily="50" charset="-128"/>
                 <a:cs typeface="メイリオ" panose="020B0604030504040204" pitchFamily="50" charset="-128"/>
               </a:rPr>
-              <a:t>2-2.</a:t>
-            </a:r>
-            <a:r>
-              <a:rPr kumimoji="1" lang="ja-JP" altLang="en-US" sz="1800" b="1" dirty="0" smtClean="0">
+              <a:t>2-4.</a:t>
+            </a:r>
+            <a:r>
+              <a:rPr kumimoji="1" lang="ja-JP" altLang="en-US" sz="1400" b="1" dirty="0" smtClean="0">
                 <a:solidFill>
                   <a:schemeClr val="bg1"/>
                 </a:solidFill>
@@ -4539,9 +4539,9 @@
                 <a:ea typeface="メイリオ" panose="020B0604030504040204" pitchFamily="50" charset="-128"/>
                 <a:cs typeface="メイリオ" panose="020B0604030504040204" pitchFamily="50" charset="-128"/>
               </a:rPr>
-              <a:t> ゲーム全体のフロー</a:t>
-            </a:r>
-            <a:endParaRPr kumimoji="1" lang="ja-JP" altLang="en-US" sz="1800" b="1" dirty="0">
+              <a:t> 経路の移動コストの算出</a:t>
+            </a:r>
+            <a:endParaRPr kumimoji="1" lang="ja-JP" altLang="en-US" sz="1400" b="1" dirty="0">
               <a:solidFill>
                 <a:schemeClr val="bg1"/>
               </a:solidFill>
@@ -4560,8 +4560,8 @@
         </p:nvSpPr>
         <p:spPr>
           <a:xfrm>
-            <a:off x="8569291" y="1777927"/>
-            <a:ext cx="6349865" cy="7393311"/>
+            <a:off x="6260542" y="6387064"/>
+            <a:ext cx="8423020" cy="3054426"/>
           </a:xfrm>
           <a:prstGeom prst="rect">
             <a:avLst/>
@@ -4607,7 +4607,7 @@
         <p:spPr>
           <a:xfrm>
             <a:off x="367256" y="1777927"/>
-            <a:ext cx="3991798" cy="369332"/>
+            <a:ext cx="3147015" cy="307777"/>
           </a:xfrm>
           <a:prstGeom prst="rect">
             <a:avLst/>
@@ -4623,7 +4623,7 @@
           <a:lstStyle/>
           <a:p>
             <a:r>
-              <a:rPr kumimoji="1" lang="en-US" altLang="ja-JP" sz="1800" b="1" dirty="0" smtClean="0">
+              <a:rPr kumimoji="1" lang="en-US" altLang="ja-JP" sz="1400" b="1" dirty="0" smtClean="0">
                 <a:solidFill>
                   <a:schemeClr val="bg1"/>
                 </a:solidFill>
@@ -4634,7 +4634,7 @@
               <a:t>2-1.</a:t>
             </a:r>
             <a:r>
-              <a:rPr kumimoji="1" lang="ja-JP" altLang="en-US" sz="1800" b="1" dirty="0" smtClean="0">
+              <a:rPr kumimoji="1" lang="ja-JP" altLang="en-US" sz="1400" b="1" dirty="0" smtClean="0">
                 <a:solidFill>
                   <a:schemeClr val="bg1"/>
                 </a:solidFill>
@@ -4644,7 +4644,7 @@
               </a:rPr>
               <a:t> ゲームエリアと走行体の抽象化</a:t>
             </a:r>
-            <a:endParaRPr kumimoji="1" lang="ja-JP" altLang="en-US" sz="1800" b="1" dirty="0">
+            <a:endParaRPr kumimoji="1" lang="ja-JP" altLang="en-US" sz="1400" b="1" dirty="0">
               <a:solidFill>
                 <a:schemeClr val="bg1"/>
               </a:solidFill>
@@ -4663,8 +4663,8 @@
         </p:nvSpPr>
         <p:spPr>
           <a:xfrm>
-            <a:off x="361024" y="2157909"/>
-            <a:ext cx="4789734" cy="1323439"/>
+            <a:off x="392103" y="1894505"/>
+            <a:ext cx="5938710" cy="1015663"/>
           </a:xfrm>
           <a:prstGeom prst="rect">
             <a:avLst/>
@@ -4677,32 +4677,17 @@
           </a:bodyPr>
           <a:lstStyle/>
           <a:p>
-            <a:r>
-              <a:rPr kumimoji="1" lang="ja-JP" altLang="en-US" sz="1600" dirty="0" smtClean="0">
-                <a:latin typeface="メイリオ" panose="020B0604030504040204" pitchFamily="50" charset="-128"/>
-                <a:ea typeface="メイリオ" panose="020B0604030504040204" pitchFamily="50" charset="-128"/>
-                <a:cs typeface="メイリオ" panose="020B0604030504040204" pitchFamily="50" charset="-128"/>
-              </a:rPr>
-              <a:t>４ｘ４マスの格子であるゲームエリアを、格子点間の中点で分割し</a:t>
-            </a:r>
-            <a:r>
-              <a:rPr kumimoji="1" lang="ja-JP" altLang="en-US" sz="1600" dirty="0" smtClean="0">
-                <a:latin typeface="メイリオ" panose="020B0604030504040204" pitchFamily="50" charset="-128"/>
-                <a:ea typeface="メイリオ" panose="020B0604030504040204" pitchFamily="50" charset="-128"/>
-                <a:cs typeface="メイリオ" panose="020B0604030504040204" pitchFamily="50" charset="-128"/>
-              </a:rPr>
-              <a:t>、右図</a:t>
-            </a:r>
-            <a:r>
-              <a:rPr kumimoji="1" lang="ja-JP" altLang="en-US" sz="1600" dirty="0" smtClean="0">
-                <a:latin typeface="メイリオ" panose="020B0604030504040204" pitchFamily="50" charset="-128"/>
-                <a:ea typeface="メイリオ" panose="020B0604030504040204" pitchFamily="50" charset="-128"/>
-                <a:cs typeface="メイリオ" panose="020B0604030504040204" pitchFamily="50" charset="-128"/>
-              </a:rPr>
-              <a:t>のような座標系で表現した</a:t>
-            </a:r>
-            <a:r>
-              <a:rPr kumimoji="1" lang="ja-JP" altLang="en-US" sz="1600" b="1" dirty="0" smtClean="0">
+            <a:pPr indent="3048000"/>
+            <a:r>
+              <a:rPr kumimoji="1" lang="ja-JP" altLang="en-US" sz="1200" dirty="0" smtClean="0">
+                <a:latin typeface="メイリオ" panose="020B0604030504040204" pitchFamily="50" charset="-128"/>
+                <a:ea typeface="メイリオ" panose="020B0604030504040204" pitchFamily="50" charset="-128"/>
+                <a:cs typeface="メイリオ" panose="020B0604030504040204" pitchFamily="50" charset="-128"/>
+              </a:rPr>
+              <a:t>４ｘ４マスの格子であるゲームエリアを、格子点間の中点で分割し、右図のような座標系で表現した</a:t>
+            </a:r>
+            <a:r>
+              <a:rPr kumimoji="1" lang="ja-JP" altLang="en-US" sz="1200" b="1" dirty="0" smtClean="0">
                 <a:solidFill>
                   <a:srgbClr val="0000FF"/>
                 </a:solidFill>
@@ -4713,7 +4698,7 @@
               <a:t>抽象マップ</a:t>
             </a:r>
             <a:r>
-              <a:rPr kumimoji="1" lang="ja-JP" altLang="en-US" sz="1600" dirty="0" smtClean="0">
+              <a:rPr kumimoji="1" lang="ja-JP" altLang="en-US" sz="1200" dirty="0" smtClean="0">
                 <a:latin typeface="メイリオ" panose="020B0604030504040204" pitchFamily="50" charset="-128"/>
                 <a:ea typeface="メイリオ" panose="020B0604030504040204" pitchFamily="50" charset="-128"/>
                 <a:cs typeface="メイリオ" panose="020B0604030504040204" pitchFamily="50" charset="-128"/>
@@ -4721,7 +4706,7 @@
               <a:t>を設ける。抽象マップ上では</a:t>
             </a:r>
             <a:r>
-              <a:rPr lang="ja-JP" altLang="en-US" sz="1600" dirty="0" smtClean="0">
+              <a:rPr lang="ja-JP" altLang="en-US" sz="1200" dirty="0" smtClean="0">
                 <a:latin typeface="メイリオ" panose="020B0604030504040204" pitchFamily="50" charset="-128"/>
                 <a:ea typeface="メイリオ" panose="020B0604030504040204" pitchFamily="50" charset="-128"/>
                 <a:cs typeface="メイリオ" panose="020B0604030504040204" pitchFamily="50" charset="-128"/>
@@ -4729,7 +4714,7 @@
               <a:t>走行体は位置、向き、</a:t>
             </a:r>
             <a:r>
-              <a:rPr lang="ja-JP" altLang="en-US" sz="1600" dirty="0">
+              <a:rPr lang="ja-JP" altLang="en-US" sz="1200" dirty="0">
                 <a:latin typeface="メイリオ" panose="020B0604030504040204" pitchFamily="50" charset="-128"/>
                 <a:ea typeface="メイリオ" panose="020B0604030504040204" pitchFamily="50" charset="-128"/>
                 <a:cs typeface="メイリオ" panose="020B0604030504040204" pitchFamily="50" charset="-128"/>
@@ -4737,31 +4722,31 @@
               <a:t>把持</a:t>
             </a:r>
             <a:r>
-              <a:rPr lang="ja-JP" altLang="en-US" sz="1600" dirty="0" smtClean="0">
-                <a:latin typeface="メイリオ" panose="020B0604030504040204" pitchFamily="50" charset="-128"/>
-                <a:ea typeface="メイリオ" panose="020B0604030504040204" pitchFamily="50" charset="-128"/>
-                <a:cs typeface="メイリオ" panose="020B0604030504040204" pitchFamily="50" charset="-128"/>
-              </a:rPr>
-              <a:t>ブロック</a:t>
-            </a:r>
-            <a:r>
-              <a:rPr lang="ja-JP" altLang="en-US" sz="1600" dirty="0" smtClean="0">
-                <a:latin typeface="メイリオ" panose="020B0604030504040204" pitchFamily="50" charset="-128"/>
-                <a:ea typeface="メイリオ" panose="020B0604030504040204" pitchFamily="50" charset="-128"/>
-                <a:cs typeface="メイリオ" panose="020B0604030504040204" pitchFamily="50" charset="-128"/>
-              </a:rPr>
-              <a:t>の有無および色の</a:t>
-            </a:r>
-            <a:r>
-              <a:rPr lang="ja-JP" altLang="en-US" sz="1600" dirty="0" smtClean="0">
-                <a:latin typeface="メイリオ" panose="020B0604030504040204" pitchFamily="50" charset="-128"/>
-                <a:ea typeface="メイリオ" panose="020B0604030504040204" pitchFamily="50" charset="-128"/>
-                <a:cs typeface="メイリオ" panose="020B0604030504040204" pitchFamily="50" charset="-128"/>
-              </a:rPr>
-              <a:t>状態を持つ</a:t>
-            </a:r>
-            <a:r>
-              <a:rPr lang="ja-JP" altLang="en-US" sz="1600" b="1" dirty="0" smtClean="0">
+              <a:rPr lang="ja-JP" altLang="en-US" sz="1200" dirty="0" smtClean="0">
+                <a:latin typeface="メイリオ" panose="020B0604030504040204" pitchFamily="50" charset="-128"/>
+                <a:ea typeface="メイリオ" panose="020B0604030504040204" pitchFamily="50" charset="-128"/>
+                <a:cs typeface="メイリオ" panose="020B0604030504040204" pitchFamily="50" charset="-128"/>
+              </a:rPr>
+              <a:t>ブロックの</a:t>
+            </a:r>
+            <a:r>
+              <a:rPr lang="ja-JP" altLang="en-US" sz="1200" dirty="0" smtClean="0">
+                <a:latin typeface="メイリオ" panose="020B0604030504040204" pitchFamily="50" charset="-128"/>
+                <a:ea typeface="メイリオ" panose="020B0604030504040204" pitchFamily="50" charset="-128"/>
+                <a:cs typeface="メイリオ" panose="020B0604030504040204" pitchFamily="50" charset="-128"/>
+              </a:rPr>
+              <a:t>有無を</a:t>
+            </a:r>
+            <a:r>
+              <a:rPr lang="ja-JP" altLang="en-US" sz="1200" dirty="0" smtClean="0">
+                <a:latin typeface="メイリオ" panose="020B0604030504040204" pitchFamily="50" charset="-128"/>
+                <a:ea typeface="メイリオ" panose="020B0604030504040204" pitchFamily="50" charset="-128"/>
+                <a:cs typeface="メイリオ" panose="020B0604030504040204" pitchFamily="50" charset="-128"/>
+              </a:rPr>
+              <a:t>持つ</a:t>
+            </a:r>
+            <a:r>
+              <a:rPr lang="ja-JP" altLang="en-US" sz="1200" b="1" dirty="0" smtClean="0">
                 <a:solidFill>
                   <a:srgbClr val="0000FF"/>
                 </a:solidFill>
@@ -4772,14 +4757,22 @@
               <a:t>抽象走行体</a:t>
             </a:r>
             <a:r>
-              <a:rPr lang="ja-JP" altLang="en-US" sz="1600" dirty="0" smtClean="0">
-                <a:latin typeface="メイリオ" panose="020B0604030504040204" pitchFamily="50" charset="-128"/>
-                <a:ea typeface="メイリオ" panose="020B0604030504040204" pitchFamily="50" charset="-128"/>
-                <a:cs typeface="メイリオ" panose="020B0604030504040204" pitchFamily="50" charset="-128"/>
-              </a:rPr>
-              <a:t>として表現される。</a:t>
-            </a:r>
-            <a:endParaRPr lang="en-US" altLang="ja-JP" sz="1600" dirty="0" smtClean="0">
+              <a:rPr lang="ja-JP" altLang="en-US" sz="1200" dirty="0" smtClean="0">
+                <a:latin typeface="メイリオ" panose="020B0604030504040204" pitchFamily="50" charset="-128"/>
+                <a:ea typeface="メイリオ" panose="020B0604030504040204" pitchFamily="50" charset="-128"/>
+                <a:cs typeface="メイリオ" panose="020B0604030504040204" pitchFamily="50" charset="-128"/>
+              </a:rPr>
+              <a:t>として表現される</a:t>
+            </a:r>
+            <a:r>
+              <a:rPr lang="ja-JP" altLang="en-US" sz="1200" dirty="0" smtClean="0">
+                <a:latin typeface="メイリオ" panose="020B0604030504040204" pitchFamily="50" charset="-128"/>
+                <a:ea typeface="メイリオ" panose="020B0604030504040204" pitchFamily="50" charset="-128"/>
+                <a:cs typeface="メイリオ" panose="020B0604030504040204" pitchFamily="50" charset="-128"/>
+              </a:rPr>
+              <a:t>。走行体の振る舞いはこの抽象マップ上で検討され、実際の動作へと変換される。</a:t>
+            </a:r>
+            <a:endParaRPr lang="en-US" altLang="ja-JP" sz="1200" dirty="0" smtClean="0">
               <a:latin typeface="メイリオ" panose="020B0604030504040204" pitchFamily="50" charset="-128"/>
               <a:ea typeface="メイリオ" panose="020B0604030504040204" pitchFamily="50" charset="-128"/>
               <a:cs typeface="メイリオ" panose="020B0604030504040204" pitchFamily="50" charset="-128"/>
@@ -4787,142 +4780,6 @@
           </a:p>
         </p:txBody>
       </p:sp>
-      <p:pic>
-        <p:nvPicPr>
-          <p:cNvPr id="11" name="図 10"/>
-          <p:cNvPicPr>
-            <a:picLocks noChangeAspect="1"/>
-          </p:cNvPicPr>
-          <p:nvPr/>
-        </p:nvPicPr>
-        <p:blipFill>
-          <a:blip r:embed="rId2"/>
-          <a:stretch>
-            <a:fillRect/>
-          </a:stretch>
-        </p:blipFill>
-        <p:spPr>
-          <a:xfrm>
-            <a:off x="5136160" y="2055630"/>
-            <a:ext cx="1023597" cy="1177247"/>
-          </a:xfrm>
-          <a:prstGeom prst="rect">
-            <a:avLst/>
-          </a:prstGeom>
-        </p:spPr>
-      </p:pic>
-      <p:sp>
-        <p:nvSpPr>
-          <p:cNvPr id="12" name="右矢印 11"/>
-          <p:cNvSpPr/>
-          <p:nvPr/>
-        </p:nvSpPr>
-        <p:spPr>
-          <a:xfrm>
-            <a:off x="6257619" y="2396602"/>
-            <a:ext cx="457200" cy="495300"/>
-          </a:xfrm>
-          <a:prstGeom prst="rightArrow">
-            <a:avLst/>
-          </a:prstGeom>
-        </p:spPr>
-        <p:style>
-          <a:lnRef idx="2">
-            <a:schemeClr val="accent1">
-              <a:shade val="50000"/>
-            </a:schemeClr>
-          </a:lnRef>
-          <a:fillRef idx="1">
-            <a:schemeClr val="accent1"/>
-          </a:fillRef>
-          <a:effectRef idx="0">
-            <a:schemeClr val="accent1"/>
-          </a:effectRef>
-          <a:fontRef idx="minor">
-            <a:schemeClr val="lt1"/>
-          </a:fontRef>
-        </p:style>
-        <p:txBody>
-          <a:bodyPr rtlCol="0" anchor="ctr"/>
-          <a:lstStyle/>
-          <a:p>
-            <a:pPr algn="ctr"/>
-            <a:endParaRPr kumimoji="1" lang="ja-JP" altLang="en-US"/>
-          </a:p>
-        </p:txBody>
-      </p:sp>
-      <p:pic>
-        <p:nvPicPr>
-          <p:cNvPr id="17" name="図 16"/>
-          <p:cNvPicPr>
-            <a:picLocks noChangeAspect="1"/>
-          </p:cNvPicPr>
-          <p:nvPr/>
-        </p:nvPicPr>
-        <p:blipFill>
-          <a:blip r:embed="rId3"/>
-          <a:stretch>
-            <a:fillRect/>
-          </a:stretch>
-        </p:blipFill>
-        <p:spPr>
-          <a:xfrm>
-            <a:off x="6785981" y="1952080"/>
-            <a:ext cx="1758131" cy="1384345"/>
-          </a:xfrm>
-          <a:prstGeom prst="rect">
-            <a:avLst/>
-          </a:prstGeom>
-        </p:spPr>
-      </p:pic>
-      <p:pic>
-        <p:nvPicPr>
-          <p:cNvPr id="4" name="図 3"/>
-          <p:cNvPicPr>
-            <a:picLocks noChangeAspect="1"/>
-          </p:cNvPicPr>
-          <p:nvPr/>
-        </p:nvPicPr>
-        <p:blipFill>
-          <a:blip r:embed="rId4"/>
-          <a:stretch>
-            <a:fillRect/>
-          </a:stretch>
-        </p:blipFill>
-        <p:spPr>
-          <a:xfrm>
-            <a:off x="8619645" y="2199445"/>
-            <a:ext cx="6299512" cy="6971792"/>
-          </a:xfrm>
-          <a:prstGeom prst="rect">
-            <a:avLst/>
-          </a:prstGeom>
-        </p:spPr>
-      </p:pic>
-      <p:pic>
-        <p:nvPicPr>
-          <p:cNvPr id="5" name="図 4"/>
-          <p:cNvPicPr>
-            <a:picLocks noChangeAspect="1"/>
-          </p:cNvPicPr>
-          <p:nvPr/>
-        </p:nvPicPr>
-        <p:blipFill>
-          <a:blip r:embed="rId5"/>
-          <a:stretch>
-            <a:fillRect/>
-          </a:stretch>
-        </p:blipFill>
-        <p:spPr>
-          <a:xfrm>
-            <a:off x="13287183" y="4738415"/>
-            <a:ext cx="1525145" cy="1875031"/>
-          </a:xfrm>
-          <a:prstGeom prst="rect">
-            <a:avLst/>
-          </a:prstGeom>
-        </p:spPr>
-      </p:pic>
       <p:sp>
         <p:nvSpPr>
           <p:cNvPr id="22" name="正方形/長方形 21"/>
@@ -4931,8 +4788,8 @@
         </p:nvSpPr>
         <p:spPr>
           <a:xfrm>
-            <a:off x="361022" y="6578526"/>
-            <a:ext cx="8208266" cy="2592711"/>
+            <a:off x="6257619" y="1777930"/>
+            <a:ext cx="8425943" cy="1488607"/>
           </a:xfrm>
           <a:prstGeom prst="rect">
             <a:avLst/>
@@ -4977,8 +4834,8 @@
         </p:nvSpPr>
         <p:spPr>
           <a:xfrm>
-            <a:off x="361019" y="6578525"/>
-            <a:ext cx="6992620" cy="369332"/>
+            <a:off x="6268469" y="9441489"/>
+            <a:ext cx="2249334" cy="307777"/>
           </a:xfrm>
           <a:prstGeom prst="rect">
             <a:avLst/>
@@ -4994,7 +4851,7 @@
           <a:lstStyle/>
           <a:p>
             <a:r>
-              <a:rPr kumimoji="1" lang="en-US" altLang="ja-JP" sz="1800" b="1" dirty="0" smtClean="0">
+              <a:rPr kumimoji="1" lang="en-US" altLang="ja-JP" sz="1400" b="1" dirty="0" smtClean="0">
                 <a:solidFill>
                   <a:schemeClr val="bg1"/>
                 </a:solidFill>
@@ -5002,10 +4859,10 @@
                 <a:ea typeface="メイリオ" panose="020B0604030504040204" pitchFamily="50" charset="-128"/>
                 <a:cs typeface="メイリオ" panose="020B0604030504040204" pitchFamily="50" charset="-128"/>
               </a:rPr>
-              <a:t>2-3.</a:t>
-            </a:r>
-            <a:r>
-              <a:rPr kumimoji="1" lang="ja-JP" altLang="en-US" sz="1800" b="1" dirty="0" smtClean="0">
+              <a:t>2-5.</a:t>
+            </a:r>
+            <a:r>
+              <a:rPr kumimoji="1" lang="ja-JP" altLang="en-US" sz="1400" b="1" dirty="0" smtClean="0">
                 <a:solidFill>
                   <a:schemeClr val="bg1"/>
                 </a:solidFill>
@@ -5013,147 +4870,12 @@
                 <a:ea typeface="メイリオ" panose="020B0604030504040204" pitchFamily="50" charset="-128"/>
                 <a:cs typeface="メイリオ" panose="020B0604030504040204" pitchFamily="50" charset="-128"/>
               </a:rPr>
-              <a:t> 抽象走行体の進入位置および最初の移動候補ブロックの決定</a:t>
-            </a:r>
-            <a:endParaRPr kumimoji="1" lang="ja-JP" altLang="en-US" sz="1800" b="1" dirty="0">
+              <a:t> ブロックの色の管理</a:t>
+            </a:r>
+            <a:endParaRPr kumimoji="1" lang="ja-JP" altLang="en-US" sz="1400" b="1" dirty="0">
               <a:solidFill>
                 <a:schemeClr val="bg1"/>
               </a:solidFill>
-              <a:latin typeface="メイリオ" panose="020B0604030504040204" pitchFamily="50" charset="-128"/>
-              <a:ea typeface="メイリオ" panose="020B0604030504040204" pitchFamily="50" charset="-128"/>
-              <a:cs typeface="メイリオ" panose="020B0604030504040204" pitchFamily="50" charset="-128"/>
-            </a:endParaRPr>
-          </a:p>
-        </p:txBody>
-      </p:sp>
-      <p:sp>
-        <p:nvSpPr>
-          <p:cNvPr id="25" name="テキスト ボックス 24"/>
-          <p:cNvSpPr txBox="1"/>
-          <p:nvPr/>
-        </p:nvSpPr>
-        <p:spPr>
-          <a:xfrm>
-            <a:off x="397500" y="6978001"/>
-            <a:ext cx="6388481" cy="830997"/>
-          </a:xfrm>
-          <a:prstGeom prst="rect">
-            <a:avLst/>
-          </a:prstGeom>
-          <a:noFill/>
-        </p:spPr>
-        <p:txBody>
-          <a:bodyPr wrap="square" rtlCol="0">
-            <a:spAutoFit/>
-          </a:bodyPr>
-          <a:lstStyle/>
-          <a:p>
-            <a:r>
-              <a:rPr lang="ja-JP" altLang="en-US" sz="1600" dirty="0" smtClean="0">
-                <a:latin typeface="メイリオ" panose="020B0604030504040204" pitchFamily="50" charset="-128"/>
-                <a:ea typeface="メイリオ" panose="020B0604030504040204" pitchFamily="50" charset="-128"/>
-                <a:cs typeface="メイリオ" panose="020B0604030504040204" pitchFamily="50" charset="-128"/>
-              </a:rPr>
-              <a:t>抽象マップ上の侵入位置の候補を</a:t>
-            </a:r>
-            <a:r>
-              <a:rPr lang="en-US" altLang="ja-JP" sz="1600" dirty="0" smtClean="0">
-                <a:latin typeface="メイリオ" panose="020B0604030504040204" pitchFamily="50" charset="-128"/>
-                <a:ea typeface="メイリオ" panose="020B0604030504040204" pitchFamily="50" charset="-128"/>
-                <a:cs typeface="メイリオ" panose="020B0604030504040204" pitchFamily="50" charset="-128"/>
-              </a:rPr>
-              <a:t>(0,1)</a:t>
-            </a:r>
-            <a:r>
-              <a:rPr lang="ja-JP" altLang="en-US" sz="1600" dirty="0" err="1" smtClean="0">
-                <a:latin typeface="メイリオ" panose="020B0604030504040204" pitchFamily="50" charset="-128"/>
-                <a:ea typeface="メイリオ" panose="020B0604030504040204" pitchFamily="50" charset="-128"/>
-                <a:cs typeface="メイリオ" panose="020B0604030504040204" pitchFamily="50" charset="-128"/>
-              </a:rPr>
-              <a:t>、</a:t>
-            </a:r>
-            <a:r>
-              <a:rPr lang="en-US" altLang="ja-JP" sz="1600" dirty="0" smtClean="0">
-                <a:latin typeface="メイリオ" panose="020B0604030504040204" pitchFamily="50" charset="-128"/>
-                <a:ea typeface="メイリオ" panose="020B0604030504040204" pitchFamily="50" charset="-128"/>
-                <a:cs typeface="メイリオ" panose="020B0604030504040204" pitchFamily="50" charset="-128"/>
-              </a:rPr>
-              <a:t>(0,3)</a:t>
-            </a:r>
-            <a:r>
-              <a:rPr lang="ja-JP" altLang="en-US" sz="1600" dirty="0" err="1" smtClean="0">
-                <a:latin typeface="メイリオ" panose="020B0604030504040204" pitchFamily="50" charset="-128"/>
-                <a:ea typeface="メイリオ" panose="020B0604030504040204" pitchFamily="50" charset="-128"/>
-                <a:cs typeface="メイリオ" panose="020B0604030504040204" pitchFamily="50" charset="-128"/>
-              </a:rPr>
-              <a:t>、</a:t>
-            </a:r>
-            <a:r>
-              <a:rPr lang="en-US" altLang="ja-JP" sz="1600" dirty="0" smtClean="0">
-                <a:latin typeface="メイリオ" panose="020B0604030504040204" pitchFamily="50" charset="-128"/>
-                <a:ea typeface="メイリオ" panose="020B0604030504040204" pitchFamily="50" charset="-128"/>
-                <a:cs typeface="メイリオ" panose="020B0604030504040204" pitchFamily="50" charset="-128"/>
-              </a:rPr>
-              <a:t>(0,5)</a:t>
-            </a:r>
-            <a:r>
-              <a:rPr lang="ja-JP" altLang="en-US" sz="1600" dirty="0" smtClean="0">
-                <a:latin typeface="メイリオ" panose="020B0604030504040204" pitchFamily="50" charset="-128"/>
-                <a:ea typeface="メイリオ" panose="020B0604030504040204" pitchFamily="50" charset="-128"/>
-                <a:cs typeface="メイリオ" panose="020B0604030504040204" pitchFamily="50" charset="-128"/>
-              </a:rPr>
-              <a:t>とする。各点ごとに、最近の移動候補ブロックを囲むまでの</a:t>
-            </a:r>
-            <a:r>
-              <a:rPr lang="ja-JP" altLang="en-US" sz="1600" b="1" dirty="0">
-                <a:solidFill>
-                  <a:srgbClr val="0000FF"/>
-                </a:solidFill>
-                <a:latin typeface="メイリオ" panose="020B0604030504040204" pitchFamily="50" charset="-128"/>
-                <a:ea typeface="メイリオ" panose="020B0604030504040204" pitchFamily="50" charset="-128"/>
-                <a:cs typeface="メイリオ" panose="020B0604030504040204" pitchFamily="50" charset="-128"/>
-              </a:rPr>
-              <a:t>移動</a:t>
-            </a:r>
-            <a:r>
-              <a:rPr lang="ja-JP" altLang="en-US" sz="1600" b="1" dirty="0" smtClean="0">
-                <a:solidFill>
-                  <a:srgbClr val="0000FF"/>
-                </a:solidFill>
-                <a:latin typeface="メイリオ" panose="020B0604030504040204" pitchFamily="50" charset="-128"/>
-                <a:ea typeface="メイリオ" panose="020B0604030504040204" pitchFamily="50" charset="-128"/>
-                <a:cs typeface="メイリオ" panose="020B0604030504040204" pitchFamily="50" charset="-128"/>
-              </a:rPr>
-              <a:t>経路</a:t>
-            </a:r>
-            <a:r>
-              <a:rPr lang="ja-JP" altLang="en-US" sz="1600" dirty="0" smtClean="0">
-                <a:latin typeface="メイリオ" panose="020B0604030504040204" pitchFamily="50" charset="-128"/>
-                <a:ea typeface="メイリオ" panose="020B0604030504040204" pitchFamily="50" charset="-128"/>
-                <a:cs typeface="メイリオ" panose="020B0604030504040204" pitchFamily="50" charset="-128"/>
-              </a:rPr>
-              <a:t>を計算し、その</a:t>
-            </a:r>
-            <a:r>
-              <a:rPr lang="ja-JP" altLang="en-US" sz="1600" b="1" dirty="0" smtClean="0">
-                <a:solidFill>
-                  <a:srgbClr val="0000FF"/>
-                </a:solidFill>
-                <a:latin typeface="メイリオ" panose="020B0604030504040204" pitchFamily="50" charset="-128"/>
-                <a:ea typeface="メイリオ" panose="020B0604030504040204" pitchFamily="50" charset="-128"/>
-                <a:cs typeface="メイリオ" panose="020B0604030504040204" pitchFamily="50" charset="-128"/>
-              </a:rPr>
-              <a:t>移動コスト</a:t>
-            </a:r>
-            <a:r>
-              <a:rPr lang="ja-JP" altLang="en-US" sz="1600" dirty="0" smtClean="0">
-                <a:latin typeface="メイリオ" panose="020B0604030504040204" pitchFamily="50" charset="-128"/>
-                <a:ea typeface="メイリオ" panose="020B0604030504040204" pitchFamily="50" charset="-128"/>
-                <a:cs typeface="メイリオ" panose="020B0604030504040204" pitchFamily="50" charset="-128"/>
-              </a:rPr>
-              <a:t>を計算し、移動コストが</a:t>
-            </a:r>
-            <a:endParaRPr lang="en-US" altLang="ja-JP" sz="1600" dirty="0" smtClean="0">
               <a:latin typeface="メイリオ" panose="020B0604030504040204" pitchFamily="50" charset="-128"/>
               <a:ea typeface="メイリオ" panose="020B0604030504040204" pitchFamily="50" charset="-128"/>
               <a:cs typeface="メイリオ" panose="020B0604030504040204" pitchFamily="50" charset="-128"/>
@@ -5169,8 +4891,8 @@
         </p:nvSpPr>
         <p:spPr>
           <a:xfrm>
-            <a:off x="361022" y="3620976"/>
-            <a:ext cx="8208266" cy="2592711"/>
+            <a:off x="6254614" y="9441489"/>
+            <a:ext cx="8428948" cy="1139811"/>
           </a:xfrm>
           <a:prstGeom prst="rect">
             <a:avLst/>
@@ -5215,8 +4937,8 @@
         </p:nvSpPr>
         <p:spPr>
           <a:xfrm>
-            <a:off x="361019" y="3620975"/>
-            <a:ext cx="1452642" cy="369332"/>
+            <a:off x="6265802" y="1777929"/>
+            <a:ext cx="2967479" cy="307777"/>
           </a:xfrm>
           <a:prstGeom prst="rect">
             <a:avLst/>
@@ -5232,7 +4954,7 @@
           <a:lstStyle/>
           <a:p>
             <a:r>
-              <a:rPr kumimoji="1" lang="en-US" altLang="ja-JP" sz="1800" b="1" dirty="0" smtClean="0">
+              <a:rPr kumimoji="1" lang="en-US" altLang="ja-JP" sz="1400" b="1" dirty="0" smtClean="0">
                 <a:solidFill>
                   <a:schemeClr val="bg1"/>
                 </a:solidFill>
@@ -5243,7 +4965,7 @@
               <a:t>2-2.</a:t>
             </a:r>
             <a:r>
-              <a:rPr kumimoji="1" lang="ja-JP" altLang="en-US" sz="1800" b="1" dirty="0" smtClean="0">
+              <a:rPr kumimoji="1" lang="ja-JP" altLang="en-US" sz="1400" b="1" dirty="0" smtClean="0">
                 <a:solidFill>
                   <a:schemeClr val="bg1"/>
                 </a:solidFill>
@@ -5251,12 +4973,8466 @@
                 <a:ea typeface="メイリオ" panose="020B0604030504040204" pitchFamily="50" charset="-128"/>
                 <a:cs typeface="メイリオ" panose="020B0604030504040204" pitchFamily="50" charset="-128"/>
               </a:rPr>
-              <a:t> 候補点</a:t>
-            </a:r>
-            <a:endParaRPr kumimoji="1" lang="ja-JP" altLang="en-US" sz="1800" b="1" dirty="0">
+              <a:t> </a:t>
+            </a:r>
+            <a:r>
+              <a:rPr kumimoji="1" lang="ja-JP" altLang="en-US" sz="1400" b="1" dirty="0" smtClean="0">
+                <a:solidFill>
+                  <a:schemeClr val="bg1"/>
+                </a:solidFill>
+                <a:latin typeface="メイリオ" panose="020B0604030504040204" pitchFamily="50" charset="-128"/>
+                <a:ea typeface="メイリオ" panose="020B0604030504040204" pitchFamily="50" charset="-128"/>
+                <a:cs typeface="メイリオ" panose="020B0604030504040204" pitchFamily="50" charset="-128"/>
+              </a:rPr>
+              <a:t>抽象マップ上での移動の規則</a:t>
+            </a:r>
+            <a:endParaRPr kumimoji="1" lang="ja-JP" altLang="en-US" sz="1400" b="1" dirty="0">
               <a:solidFill>
                 <a:schemeClr val="bg1"/>
               </a:solidFill>
+              <a:latin typeface="メイリオ" panose="020B0604030504040204" pitchFamily="50" charset="-128"/>
+              <a:ea typeface="メイリオ" panose="020B0604030504040204" pitchFamily="50" charset="-128"/>
+              <a:cs typeface="メイリオ" panose="020B0604030504040204" pitchFamily="50" charset="-128"/>
+            </a:endParaRPr>
+          </a:p>
+        </p:txBody>
+      </p:sp>
+      <p:sp>
+        <p:nvSpPr>
+          <p:cNvPr id="19" name="正方形/長方形 18"/>
+          <p:cNvSpPr/>
+          <p:nvPr/>
+        </p:nvSpPr>
+        <p:spPr>
+          <a:xfrm>
+            <a:off x="6391775" y="1836444"/>
+            <a:ext cx="6608362" cy="1323439"/>
+          </a:xfrm>
+          <a:prstGeom prst="rect">
+            <a:avLst/>
+          </a:prstGeom>
+        </p:spPr>
+        <p:txBody>
+          <a:bodyPr wrap="square">
+            <a:spAutoFit/>
+          </a:bodyPr>
+          <a:lstStyle/>
+          <a:p>
+            <a:pPr indent="2870200"/>
+            <a:r>
+              <a:rPr lang="ja-JP" altLang="en-US" sz="1200" dirty="0" smtClean="0">
+                <a:latin typeface="メイリオ" panose="020B0604030504040204" pitchFamily="50" charset="-128"/>
+                <a:ea typeface="メイリオ" panose="020B0604030504040204" pitchFamily="50" charset="-128"/>
+                <a:cs typeface="メイリオ" panose="020B0604030504040204" pitchFamily="50" charset="-128"/>
+              </a:rPr>
+              <a:t>抽象走行体の移動は以下の規則に従う。</a:t>
+            </a:r>
+            <a:endParaRPr lang="en-US" altLang="ja-JP" sz="1200" dirty="0" smtClean="0">
+              <a:latin typeface="メイリオ" panose="020B0604030504040204" pitchFamily="50" charset="-128"/>
+              <a:ea typeface="メイリオ" panose="020B0604030504040204" pitchFamily="50" charset="-128"/>
+              <a:cs typeface="メイリオ" panose="020B0604030504040204" pitchFamily="50" charset="-128"/>
+            </a:endParaRPr>
+          </a:p>
+          <a:p>
+            <a:endParaRPr lang="en-US" altLang="ja-JP" sz="800" dirty="0" smtClean="0">
+              <a:latin typeface="メイリオ" panose="020B0604030504040204" pitchFamily="50" charset="-128"/>
+              <a:ea typeface="メイリオ" panose="020B0604030504040204" pitchFamily="50" charset="-128"/>
+              <a:cs typeface="メイリオ" panose="020B0604030504040204" pitchFamily="50" charset="-128"/>
+            </a:endParaRPr>
+          </a:p>
+          <a:p>
+            <a:pPr marL="228600" indent="-228600">
+              <a:buAutoNum type="arabicPeriod"/>
+            </a:pPr>
+            <a:r>
+              <a:rPr lang="ja-JP" altLang="en-US" sz="1200" dirty="0" smtClean="0">
+                <a:latin typeface="メイリオ" panose="020B0604030504040204" pitchFamily="50" charset="-128"/>
+                <a:ea typeface="メイリオ" panose="020B0604030504040204" pitchFamily="50" charset="-128"/>
+                <a:cs typeface="メイリオ" panose="020B0604030504040204" pitchFamily="50" charset="-128"/>
+              </a:rPr>
+              <a:t>移動中を除き、常に</a:t>
+            </a:r>
+            <a:r>
+              <a:rPr lang="en-US" altLang="ja-JP" sz="1200" dirty="0" smtClean="0">
+                <a:latin typeface="メイリオ" panose="020B0604030504040204" pitchFamily="50" charset="-128"/>
+                <a:ea typeface="メイリオ" panose="020B0604030504040204" pitchFamily="50" charset="-128"/>
+                <a:cs typeface="メイリオ" panose="020B0604030504040204" pitchFamily="50" charset="-128"/>
+              </a:rPr>
+              <a:t>XY</a:t>
+            </a:r>
+            <a:r>
+              <a:rPr lang="ja-JP" altLang="en-US" sz="1200" dirty="0" smtClean="0">
+                <a:latin typeface="メイリオ" panose="020B0604030504040204" pitchFamily="50" charset="-128"/>
+                <a:ea typeface="メイリオ" panose="020B0604030504040204" pitchFamily="50" charset="-128"/>
+                <a:cs typeface="メイリオ" panose="020B0604030504040204" pitchFamily="50" charset="-128"/>
+              </a:rPr>
+              <a:t>座標の</a:t>
+            </a:r>
+            <a:r>
+              <a:rPr lang="ja-JP" altLang="en-US" sz="1200" b="1" dirty="0" smtClean="0">
+                <a:latin typeface="メイリオ" panose="020B0604030504040204" pitchFamily="50" charset="-128"/>
+                <a:ea typeface="メイリオ" panose="020B0604030504040204" pitchFamily="50" charset="-128"/>
+                <a:cs typeface="メイリオ" panose="020B0604030504040204" pitchFamily="50" charset="-128"/>
+              </a:rPr>
+              <a:t>一方のみが奇数</a:t>
+            </a:r>
+            <a:r>
+              <a:rPr lang="ja-JP" altLang="en-US" sz="1200" dirty="0" smtClean="0">
+                <a:latin typeface="メイリオ" panose="020B0604030504040204" pitchFamily="50" charset="-128"/>
+                <a:ea typeface="メイリオ" panose="020B0604030504040204" pitchFamily="50" charset="-128"/>
+                <a:cs typeface="メイリオ" panose="020B0604030504040204" pitchFamily="50" charset="-128"/>
+              </a:rPr>
+              <a:t>の点（以後、</a:t>
+            </a:r>
+            <a:r>
+              <a:rPr lang="ja-JP" altLang="en-US" sz="1200" b="1" dirty="0" smtClean="0">
+                <a:solidFill>
+                  <a:srgbClr val="0000FF"/>
+                </a:solidFill>
+                <a:latin typeface="メイリオ" panose="020B0604030504040204" pitchFamily="50" charset="-128"/>
+                <a:ea typeface="メイリオ" panose="020B0604030504040204" pitchFamily="50" charset="-128"/>
+                <a:cs typeface="メイリオ" panose="020B0604030504040204" pitchFamily="50" charset="-128"/>
+              </a:rPr>
+              <a:t>中間点</a:t>
+            </a:r>
+            <a:r>
+              <a:rPr lang="ja-JP" altLang="en-US" sz="1200" dirty="0" smtClean="0">
+                <a:latin typeface="メイリオ" panose="020B0604030504040204" pitchFamily="50" charset="-128"/>
+                <a:ea typeface="メイリオ" panose="020B0604030504040204" pitchFamily="50" charset="-128"/>
+                <a:cs typeface="メイリオ" panose="020B0604030504040204" pitchFamily="50" charset="-128"/>
+              </a:rPr>
+              <a:t>）に存在する。</a:t>
+            </a:r>
+            <a:endParaRPr lang="en-US" altLang="ja-JP" sz="1200" dirty="0" smtClean="0">
+              <a:latin typeface="メイリオ" panose="020B0604030504040204" pitchFamily="50" charset="-128"/>
+              <a:ea typeface="メイリオ" panose="020B0604030504040204" pitchFamily="50" charset="-128"/>
+              <a:cs typeface="メイリオ" panose="020B0604030504040204" pitchFamily="50" charset="-128"/>
+            </a:endParaRPr>
+          </a:p>
+          <a:p>
+            <a:r>
+              <a:rPr lang="en-US" altLang="ja-JP" sz="1200" dirty="0" smtClean="0">
+                <a:latin typeface="メイリオ" panose="020B0604030504040204" pitchFamily="50" charset="-128"/>
+                <a:ea typeface="メイリオ" panose="020B0604030504040204" pitchFamily="50" charset="-128"/>
+                <a:cs typeface="メイリオ" panose="020B0604030504040204" pitchFamily="50" charset="-128"/>
+              </a:rPr>
+              <a:t>2.</a:t>
+            </a:r>
+            <a:r>
+              <a:rPr lang="ja-JP" altLang="en-US" sz="1200" dirty="0" smtClean="0">
+                <a:latin typeface="メイリオ" panose="020B0604030504040204" pitchFamily="50" charset="-128"/>
+                <a:ea typeface="メイリオ" panose="020B0604030504040204" pitchFamily="50" charset="-128"/>
+                <a:cs typeface="メイリオ" panose="020B0604030504040204" pitchFamily="50" charset="-128"/>
+              </a:rPr>
+              <a:t> </a:t>
+            </a:r>
+            <a:r>
+              <a:rPr lang="ja-JP" altLang="en-US" sz="1200" dirty="0">
+                <a:latin typeface="メイリオ" panose="020B0604030504040204" pitchFamily="50" charset="-128"/>
+                <a:ea typeface="メイリオ" panose="020B0604030504040204" pitchFamily="50" charset="-128"/>
+                <a:cs typeface="メイリオ" panose="020B0604030504040204" pitchFamily="50" charset="-128"/>
+              </a:rPr>
+              <a:t>停止中の向きは必ず</a:t>
+            </a:r>
+            <a:r>
+              <a:rPr lang="en-US" altLang="ja-JP" sz="1200" dirty="0">
+                <a:latin typeface="メイリオ" panose="020B0604030504040204" pitchFamily="50" charset="-128"/>
+                <a:ea typeface="メイリオ" panose="020B0604030504040204" pitchFamily="50" charset="-128"/>
+                <a:cs typeface="メイリオ" panose="020B0604030504040204" pitchFamily="50" charset="-128"/>
+              </a:rPr>
+              <a:t>X</a:t>
+            </a:r>
+            <a:r>
+              <a:rPr lang="ja-JP" altLang="en-US" sz="1200" dirty="0">
+                <a:latin typeface="メイリオ" panose="020B0604030504040204" pitchFamily="50" charset="-128"/>
+                <a:ea typeface="メイリオ" panose="020B0604030504040204" pitchFamily="50" charset="-128"/>
+                <a:cs typeface="メイリオ" panose="020B0604030504040204" pitchFamily="50" charset="-128"/>
+              </a:rPr>
+              <a:t>または</a:t>
+            </a:r>
+            <a:r>
+              <a:rPr lang="en-US" altLang="ja-JP" sz="1200" dirty="0">
+                <a:latin typeface="メイリオ" panose="020B0604030504040204" pitchFamily="50" charset="-128"/>
+                <a:ea typeface="メイリオ" panose="020B0604030504040204" pitchFamily="50" charset="-128"/>
+                <a:cs typeface="メイリオ" panose="020B0604030504040204" pitchFamily="50" charset="-128"/>
+              </a:rPr>
+              <a:t>Y</a:t>
+            </a:r>
+            <a:r>
+              <a:rPr lang="ja-JP" altLang="en-US" sz="1200" dirty="0">
+                <a:latin typeface="メイリオ" panose="020B0604030504040204" pitchFamily="50" charset="-128"/>
+                <a:ea typeface="メイリオ" panose="020B0604030504040204" pitchFamily="50" charset="-128"/>
+                <a:cs typeface="メイリオ" panose="020B0604030504040204" pitchFamily="50" charset="-128"/>
+              </a:rPr>
+              <a:t>軸に平行である。</a:t>
+            </a:r>
+            <a:endParaRPr lang="en-US" altLang="ja-JP" sz="1200" dirty="0" smtClean="0">
+              <a:latin typeface="メイリオ" panose="020B0604030504040204" pitchFamily="50" charset="-128"/>
+              <a:ea typeface="メイリオ" panose="020B0604030504040204" pitchFamily="50" charset="-128"/>
+              <a:cs typeface="メイリオ" panose="020B0604030504040204" pitchFamily="50" charset="-128"/>
+            </a:endParaRPr>
+          </a:p>
+          <a:p>
+            <a:r>
+              <a:rPr lang="en-US" altLang="ja-JP" sz="1200" dirty="0" smtClean="0">
+                <a:latin typeface="メイリオ" panose="020B0604030504040204" pitchFamily="50" charset="-128"/>
+                <a:ea typeface="メイリオ" panose="020B0604030504040204" pitchFamily="50" charset="-128"/>
+                <a:cs typeface="メイリオ" panose="020B0604030504040204" pitchFamily="50" charset="-128"/>
+              </a:rPr>
+              <a:t>3.</a:t>
+            </a:r>
+            <a:r>
+              <a:rPr lang="ja-JP" altLang="en-US" sz="1200" dirty="0" smtClean="0">
+                <a:latin typeface="メイリオ" panose="020B0604030504040204" pitchFamily="50" charset="-128"/>
+                <a:ea typeface="メイリオ" panose="020B0604030504040204" pitchFamily="50" charset="-128"/>
+                <a:cs typeface="メイリオ" panose="020B0604030504040204" pitchFamily="50" charset="-128"/>
+              </a:rPr>
+              <a:t> ブロックを</a:t>
+            </a:r>
+            <a:r>
+              <a:rPr lang="ja-JP" altLang="en-US" sz="1200" b="1" dirty="0" smtClean="0">
+                <a:latin typeface="メイリオ" panose="020B0604030504040204" pitchFamily="50" charset="-128"/>
+                <a:ea typeface="メイリオ" panose="020B0604030504040204" pitchFamily="50" charset="-128"/>
+                <a:cs typeface="メイリオ" panose="020B0604030504040204" pitchFamily="50" charset="-128"/>
+              </a:rPr>
+              <a:t>把持しておらずかつ停止中のみ</a:t>
+            </a:r>
+            <a:r>
+              <a:rPr lang="ja-JP" altLang="en-US" sz="1200" dirty="0" smtClean="0">
+                <a:latin typeface="メイリオ" panose="020B0604030504040204" pitchFamily="50" charset="-128"/>
+                <a:ea typeface="メイリオ" panose="020B0604030504040204" pitchFamily="50" charset="-128"/>
+                <a:cs typeface="メイリオ" panose="020B0604030504040204" pitchFamily="50" charset="-128"/>
+              </a:rPr>
+              <a:t>左右</a:t>
+            </a:r>
+            <a:r>
+              <a:rPr lang="en-US" altLang="ja-JP" sz="1200" b="1" dirty="0" smtClean="0">
+                <a:latin typeface="メイリオ" panose="020B0604030504040204" pitchFamily="50" charset="-128"/>
+                <a:ea typeface="メイリオ" panose="020B0604030504040204" pitchFamily="50" charset="-128"/>
+                <a:cs typeface="メイリオ" panose="020B0604030504040204" pitchFamily="50" charset="-128"/>
+              </a:rPr>
+              <a:t>90</a:t>
+            </a:r>
+            <a:r>
+              <a:rPr lang="ja-JP" altLang="en-US" sz="1200" dirty="0" smtClean="0">
+                <a:latin typeface="メイリオ" panose="020B0604030504040204" pitchFamily="50" charset="-128"/>
+                <a:ea typeface="メイリオ" panose="020B0604030504040204" pitchFamily="50" charset="-128"/>
+                <a:cs typeface="メイリオ" panose="020B0604030504040204" pitchFamily="50" charset="-128"/>
+              </a:rPr>
+              <a:t>または</a:t>
+            </a:r>
+            <a:r>
+              <a:rPr lang="en-US" altLang="ja-JP" sz="1200" b="1" dirty="0">
+                <a:latin typeface="メイリオ" panose="020B0604030504040204" pitchFamily="50" charset="-128"/>
+                <a:ea typeface="メイリオ" panose="020B0604030504040204" pitchFamily="50" charset="-128"/>
+                <a:cs typeface="メイリオ" panose="020B0604030504040204" pitchFamily="50" charset="-128"/>
+              </a:rPr>
+              <a:t>18</a:t>
+            </a:r>
+            <a:r>
+              <a:rPr lang="en-US" altLang="ja-JP" sz="1200" b="1" dirty="0" smtClean="0">
+                <a:latin typeface="メイリオ" panose="020B0604030504040204" pitchFamily="50" charset="-128"/>
+                <a:ea typeface="メイリオ" panose="020B0604030504040204" pitchFamily="50" charset="-128"/>
+                <a:cs typeface="メイリオ" panose="020B0604030504040204" pitchFamily="50" charset="-128"/>
+              </a:rPr>
+              <a:t>0</a:t>
+            </a:r>
+            <a:r>
+              <a:rPr lang="ja-JP" altLang="en-US" sz="1200" b="1" dirty="0" smtClean="0">
+                <a:latin typeface="メイリオ" panose="020B0604030504040204" pitchFamily="50" charset="-128"/>
+                <a:ea typeface="メイリオ" panose="020B0604030504040204" pitchFamily="50" charset="-128"/>
+                <a:cs typeface="メイリオ" panose="020B0604030504040204" pitchFamily="50" charset="-128"/>
+              </a:rPr>
+              <a:t>度</a:t>
+            </a:r>
+            <a:r>
+              <a:rPr lang="ja-JP" altLang="en-US" sz="1200" dirty="0" smtClean="0">
+                <a:latin typeface="メイリオ" panose="020B0604030504040204" pitchFamily="50" charset="-128"/>
+                <a:ea typeface="メイリオ" panose="020B0604030504040204" pitchFamily="50" charset="-128"/>
+                <a:cs typeface="メイリオ" panose="020B0604030504040204" pitchFamily="50" charset="-128"/>
+              </a:rPr>
+              <a:t>向きを変えることができる。</a:t>
+            </a:r>
+            <a:endParaRPr lang="en-US" altLang="ja-JP" sz="1200" dirty="0" smtClean="0">
+              <a:latin typeface="メイリオ" panose="020B0604030504040204" pitchFamily="50" charset="-128"/>
+              <a:ea typeface="メイリオ" panose="020B0604030504040204" pitchFamily="50" charset="-128"/>
+              <a:cs typeface="メイリオ" panose="020B0604030504040204" pitchFamily="50" charset="-128"/>
+            </a:endParaRPr>
+          </a:p>
+          <a:p>
+            <a:r>
+              <a:rPr lang="en-US" altLang="ja-JP" sz="1200" dirty="0" smtClean="0">
+                <a:latin typeface="メイリオ" panose="020B0604030504040204" pitchFamily="50" charset="-128"/>
+                <a:ea typeface="メイリオ" panose="020B0604030504040204" pitchFamily="50" charset="-128"/>
+                <a:cs typeface="メイリオ" panose="020B0604030504040204" pitchFamily="50" charset="-128"/>
+              </a:rPr>
+              <a:t>4.</a:t>
+            </a:r>
+            <a:r>
+              <a:rPr lang="ja-JP" altLang="en-US" sz="1200" dirty="0" smtClean="0">
+                <a:latin typeface="メイリオ" panose="020B0604030504040204" pitchFamily="50" charset="-128"/>
+                <a:ea typeface="メイリオ" panose="020B0604030504040204" pitchFamily="50" charset="-128"/>
+                <a:cs typeface="メイリオ" panose="020B0604030504040204" pitchFamily="50" charset="-128"/>
+              </a:rPr>
+              <a:t> </a:t>
+            </a:r>
+            <a:r>
+              <a:rPr lang="ja-JP" altLang="en-US" sz="1200" b="1" dirty="0" smtClean="0">
+                <a:latin typeface="メイリオ" panose="020B0604030504040204" pitchFamily="50" charset="-128"/>
+                <a:ea typeface="メイリオ" panose="020B0604030504040204" pitchFamily="50" charset="-128"/>
+                <a:cs typeface="メイリオ" panose="020B0604030504040204" pitchFamily="50" charset="-128"/>
+              </a:rPr>
+              <a:t>移動中かつ格子点上でのみ</a:t>
+            </a:r>
+            <a:r>
+              <a:rPr lang="ja-JP" altLang="en-US" sz="1200" dirty="0" smtClean="0">
+                <a:latin typeface="メイリオ" panose="020B0604030504040204" pitchFamily="50" charset="-128"/>
+                <a:ea typeface="メイリオ" panose="020B0604030504040204" pitchFamily="50" charset="-128"/>
+                <a:cs typeface="メイリオ" panose="020B0604030504040204" pitchFamily="50" charset="-128"/>
+              </a:rPr>
+              <a:t>その向きを左右</a:t>
+            </a:r>
+            <a:r>
+              <a:rPr lang="en-US" altLang="ja-JP" sz="1200" b="1" dirty="0" smtClean="0">
+                <a:latin typeface="メイリオ" panose="020B0604030504040204" pitchFamily="50" charset="-128"/>
+                <a:ea typeface="メイリオ" panose="020B0604030504040204" pitchFamily="50" charset="-128"/>
+                <a:cs typeface="メイリオ" panose="020B0604030504040204" pitchFamily="50" charset="-128"/>
+              </a:rPr>
+              <a:t>45</a:t>
+            </a:r>
+            <a:r>
+              <a:rPr lang="ja-JP" altLang="en-US" sz="1200" dirty="0" smtClean="0">
+                <a:latin typeface="メイリオ" panose="020B0604030504040204" pitchFamily="50" charset="-128"/>
+                <a:ea typeface="メイリオ" panose="020B0604030504040204" pitchFamily="50" charset="-128"/>
+                <a:cs typeface="メイリオ" panose="020B0604030504040204" pitchFamily="50" charset="-128"/>
+              </a:rPr>
+              <a:t>変えることができる（左図に例示）。</a:t>
+            </a:r>
+            <a:endParaRPr lang="en-US" altLang="ja-JP" sz="1200" dirty="0" smtClean="0">
+              <a:latin typeface="メイリオ" panose="020B0604030504040204" pitchFamily="50" charset="-128"/>
+              <a:ea typeface="メイリオ" panose="020B0604030504040204" pitchFamily="50" charset="-128"/>
+              <a:cs typeface="メイリオ" panose="020B0604030504040204" pitchFamily="50" charset="-128"/>
+            </a:endParaRPr>
+          </a:p>
+          <a:p>
+            <a:r>
+              <a:rPr lang="en-US" altLang="ja-JP" sz="1200" dirty="0">
+                <a:latin typeface="メイリオ" panose="020B0604030504040204" pitchFamily="50" charset="-128"/>
+                <a:ea typeface="メイリオ" panose="020B0604030504040204" pitchFamily="50" charset="-128"/>
+                <a:cs typeface="メイリオ" panose="020B0604030504040204" pitchFamily="50" charset="-128"/>
+              </a:rPr>
+              <a:t>5</a:t>
+            </a:r>
+            <a:r>
+              <a:rPr lang="en-US" altLang="ja-JP" sz="1200" dirty="0" smtClean="0">
+                <a:latin typeface="メイリオ" panose="020B0604030504040204" pitchFamily="50" charset="-128"/>
+                <a:ea typeface="メイリオ" panose="020B0604030504040204" pitchFamily="50" charset="-128"/>
+                <a:cs typeface="メイリオ" panose="020B0604030504040204" pitchFamily="50" charset="-128"/>
+              </a:rPr>
+              <a:t>.</a:t>
+            </a:r>
+            <a:r>
+              <a:rPr lang="ja-JP" altLang="en-US" sz="1200" dirty="0" smtClean="0">
+                <a:latin typeface="メイリオ" panose="020B0604030504040204" pitchFamily="50" charset="-128"/>
+                <a:ea typeface="メイリオ" panose="020B0604030504040204" pitchFamily="50" charset="-128"/>
+                <a:cs typeface="メイリオ" panose="020B0604030504040204" pitchFamily="50" charset="-128"/>
+              </a:rPr>
+              <a:t> ブロックを把持する際を除き、ブロックが設置されている点を通過しない。</a:t>
+            </a:r>
+            <a:endParaRPr lang="en-US" altLang="ja-JP" sz="1200" dirty="0" smtClean="0">
+              <a:latin typeface="メイリオ" panose="020B0604030504040204" pitchFamily="50" charset="-128"/>
+              <a:ea typeface="メイリオ" panose="020B0604030504040204" pitchFamily="50" charset="-128"/>
+              <a:cs typeface="メイリオ" panose="020B0604030504040204" pitchFamily="50" charset="-128"/>
+            </a:endParaRPr>
+          </a:p>
+        </p:txBody>
+      </p:sp>
+      <p:sp>
+        <p:nvSpPr>
+          <p:cNvPr id="691" name="正方形/長方形 690"/>
+          <p:cNvSpPr/>
+          <p:nvPr/>
+        </p:nvSpPr>
+        <p:spPr>
+          <a:xfrm>
+            <a:off x="6273040" y="3604403"/>
+            <a:ext cx="6279074" cy="2739211"/>
+          </a:xfrm>
+          <a:prstGeom prst="rect">
+            <a:avLst/>
+          </a:prstGeom>
+          <a:ln>
+            <a:noFill/>
+          </a:ln>
+        </p:spPr>
+        <p:txBody>
+          <a:bodyPr wrap="square">
+            <a:spAutoFit/>
+          </a:bodyPr>
+          <a:lstStyle/>
+          <a:p>
+            <a:r>
+              <a:rPr lang="en-US" altLang="ja-JP" sz="1200" b="1" u="sng" dirty="0" smtClean="0">
+                <a:latin typeface="メイリオ" panose="020B0604030504040204" pitchFamily="50" charset="-128"/>
+                <a:ea typeface="メイリオ" panose="020B0604030504040204" pitchFamily="50" charset="-128"/>
+                <a:cs typeface="メイリオ" panose="020B0604030504040204" pitchFamily="50" charset="-128"/>
+              </a:rPr>
+              <a:t>1.</a:t>
+            </a:r>
+            <a:r>
+              <a:rPr lang="ja-JP" altLang="en-US" sz="1200" b="1" u="sng" dirty="0" smtClean="0">
+                <a:latin typeface="メイリオ" panose="020B0604030504040204" pitchFamily="50" charset="-128"/>
+                <a:ea typeface="メイリオ" panose="020B0604030504040204" pitchFamily="50" charset="-128"/>
+                <a:cs typeface="メイリオ" panose="020B0604030504040204" pitchFamily="50" charset="-128"/>
+              </a:rPr>
+              <a:t> 探索範囲および経由点の設定</a:t>
+            </a:r>
+            <a:r>
+              <a:rPr lang="ja-JP" altLang="en-US" sz="1200" dirty="0" smtClean="0">
+                <a:latin typeface="メイリオ" panose="020B0604030504040204" pitchFamily="50" charset="-128"/>
+                <a:ea typeface="メイリオ" panose="020B0604030504040204" pitchFamily="50" charset="-128"/>
+                <a:cs typeface="メイリオ" panose="020B0604030504040204" pitchFamily="50" charset="-128"/>
+              </a:rPr>
+              <a:t>  始点から終点への経路の探索範囲は、始点と、終点での走行体と反対の向きの隣接点（右図の</a:t>
+            </a:r>
+            <a:r>
+              <a:rPr lang="ja-JP" altLang="en-US" sz="1200" dirty="0" smtClean="0">
+                <a:solidFill>
+                  <a:srgbClr val="0000FF"/>
+                </a:solidFill>
+                <a:latin typeface="メイリオ" panose="020B0604030504040204" pitchFamily="50" charset="-128"/>
+                <a:ea typeface="メイリオ" panose="020B0604030504040204" pitchFamily="50" charset="-128"/>
+                <a:cs typeface="メイリオ" panose="020B0604030504040204" pitchFamily="50" charset="-128"/>
+              </a:rPr>
+              <a:t>点</a:t>
+            </a:r>
+            <a:r>
+              <a:rPr lang="en-US" altLang="ja-JP" sz="1200" dirty="0" smtClean="0">
+                <a:solidFill>
+                  <a:srgbClr val="0000FF"/>
+                </a:solidFill>
+                <a:latin typeface="メイリオ" panose="020B0604030504040204" pitchFamily="50" charset="-128"/>
+                <a:ea typeface="メイリオ" panose="020B0604030504040204" pitchFamily="50" charset="-128"/>
+                <a:cs typeface="メイリオ" panose="020B0604030504040204" pitchFamily="50" charset="-128"/>
+              </a:rPr>
+              <a:t>C</a:t>
+            </a:r>
+            <a:r>
+              <a:rPr lang="ja-JP" altLang="en-US" sz="1200" dirty="0" smtClean="0">
+                <a:latin typeface="メイリオ" panose="020B0604030504040204" pitchFamily="50" charset="-128"/>
+                <a:ea typeface="メイリオ" panose="020B0604030504040204" pitchFamily="50" charset="-128"/>
+                <a:cs typeface="メイリオ" panose="020B0604030504040204" pitchFamily="50" charset="-128"/>
+              </a:rPr>
+              <a:t>）を中心とする</a:t>
+            </a:r>
+            <a:r>
+              <a:rPr lang="ja-JP" altLang="en-US" sz="1200" b="1" dirty="0" smtClean="0">
+                <a:latin typeface="メイリオ" panose="020B0604030504040204" pitchFamily="50" charset="-128"/>
+                <a:ea typeface="メイリオ" panose="020B0604030504040204" pitchFamily="50" charset="-128"/>
+                <a:cs typeface="メイリオ" panose="020B0604030504040204" pitchFamily="50" charset="-128"/>
+              </a:rPr>
+              <a:t>最大</a:t>
+            </a:r>
+            <a:r>
+              <a:rPr lang="en-US" altLang="ja-JP" sz="1200" b="1" dirty="0" smtClean="0">
+                <a:latin typeface="メイリオ" panose="020B0604030504040204" pitchFamily="50" charset="-128"/>
+                <a:ea typeface="メイリオ" panose="020B0604030504040204" pitchFamily="50" charset="-128"/>
+                <a:cs typeface="メイリオ" panose="020B0604030504040204" pitchFamily="50" charset="-128"/>
+              </a:rPr>
+              <a:t>2x2</a:t>
+            </a:r>
+            <a:r>
+              <a:rPr lang="ja-JP" altLang="en-US" sz="1200" b="1" dirty="0" smtClean="0">
+                <a:latin typeface="メイリオ" panose="020B0604030504040204" pitchFamily="50" charset="-128"/>
+                <a:ea typeface="メイリオ" panose="020B0604030504040204" pitchFamily="50" charset="-128"/>
+                <a:cs typeface="メイリオ" panose="020B0604030504040204" pitchFamily="50" charset="-128"/>
+              </a:rPr>
+              <a:t>の矩形</a:t>
+            </a:r>
+            <a:r>
+              <a:rPr lang="ja-JP" altLang="en-US" sz="1200" dirty="0" smtClean="0">
+                <a:latin typeface="メイリオ" panose="020B0604030504040204" pitchFamily="50" charset="-128"/>
+                <a:ea typeface="メイリオ" panose="020B0604030504040204" pitchFamily="50" charset="-128"/>
+                <a:cs typeface="メイリオ" panose="020B0604030504040204" pitchFamily="50" charset="-128"/>
+              </a:rPr>
+              <a:t>（以降、</a:t>
+            </a:r>
+            <a:r>
+              <a:rPr lang="ja-JP" altLang="en-US" sz="1200" b="1" dirty="0" smtClean="0">
+                <a:solidFill>
+                  <a:srgbClr val="0000FF"/>
+                </a:solidFill>
+                <a:latin typeface="メイリオ" panose="020B0604030504040204" pitchFamily="50" charset="-128"/>
+                <a:ea typeface="メイリオ" panose="020B0604030504040204" pitchFamily="50" charset="-128"/>
+                <a:cs typeface="メイリオ" panose="020B0604030504040204" pitchFamily="50" charset="-128"/>
+              </a:rPr>
+              <a:t>終点近傍</a:t>
+            </a:r>
+            <a:r>
+              <a:rPr lang="ja-JP" altLang="en-US" sz="1200" dirty="0" smtClean="0">
+                <a:latin typeface="メイリオ" panose="020B0604030504040204" pitchFamily="50" charset="-128"/>
+                <a:ea typeface="メイリオ" panose="020B0604030504040204" pitchFamily="50" charset="-128"/>
+                <a:cs typeface="メイリオ" panose="020B0604030504040204" pitchFamily="50" charset="-128"/>
+              </a:rPr>
+              <a:t>：右図の</a:t>
+            </a:r>
+            <a:r>
+              <a:rPr lang="ja-JP" altLang="en-US" sz="1200" dirty="0" smtClean="0">
+                <a:solidFill>
+                  <a:srgbClr val="FF0000"/>
+                </a:solidFill>
+                <a:latin typeface="メイリオ" panose="020B0604030504040204" pitchFamily="50" charset="-128"/>
+                <a:ea typeface="メイリオ" panose="020B0604030504040204" pitchFamily="50" charset="-128"/>
+                <a:cs typeface="メイリオ" panose="020B0604030504040204" pitchFamily="50" charset="-128"/>
+              </a:rPr>
+              <a:t>赤破線</a:t>
+            </a:r>
+            <a:r>
+              <a:rPr lang="ja-JP" altLang="en-US" sz="1200" dirty="0" smtClean="0">
+                <a:latin typeface="メイリオ" panose="020B0604030504040204" pitchFamily="50" charset="-128"/>
+                <a:ea typeface="メイリオ" panose="020B0604030504040204" pitchFamily="50" charset="-128"/>
+                <a:cs typeface="メイリオ" panose="020B0604030504040204" pitchFamily="50" charset="-128"/>
+              </a:rPr>
+              <a:t>）を含む矩形（右図の</a:t>
+            </a:r>
+            <a:r>
+              <a:rPr lang="ja-JP" altLang="en-US" sz="1200" dirty="0" smtClean="0">
+                <a:solidFill>
+                  <a:srgbClr val="0000FF"/>
+                </a:solidFill>
+                <a:latin typeface="メイリオ" panose="020B0604030504040204" pitchFamily="50" charset="-128"/>
+                <a:ea typeface="メイリオ" panose="020B0604030504040204" pitchFamily="50" charset="-128"/>
+                <a:cs typeface="メイリオ" panose="020B0604030504040204" pitchFamily="50" charset="-128"/>
+              </a:rPr>
+              <a:t>青破線</a:t>
+            </a:r>
+            <a:r>
+              <a:rPr lang="ja-JP" altLang="en-US" sz="1200" dirty="0" smtClean="0">
+                <a:latin typeface="メイリオ" panose="020B0604030504040204" pitchFamily="50" charset="-128"/>
+                <a:ea typeface="メイリオ" panose="020B0604030504040204" pitchFamily="50" charset="-128"/>
+                <a:cs typeface="メイリオ" panose="020B0604030504040204" pitchFamily="50" charset="-128"/>
+              </a:rPr>
+              <a:t>）とする。走行体は探索範囲中の格子点を経由するが</a:t>
+            </a:r>
+            <a:r>
+              <a:rPr lang="ja-JP" altLang="en-US" sz="1200" dirty="0">
+                <a:latin typeface="メイリオ" panose="020B0604030504040204" pitchFamily="50" charset="-128"/>
+                <a:ea typeface="メイリオ" panose="020B0604030504040204" pitchFamily="50" charset="-128"/>
+                <a:cs typeface="メイリオ" panose="020B0604030504040204" pitchFamily="50" charset="-128"/>
+              </a:rPr>
+              <a:t>（以降、</a:t>
+            </a:r>
+            <a:r>
+              <a:rPr lang="ja-JP" altLang="en-US" sz="1200" b="1" dirty="0" smtClean="0">
+                <a:solidFill>
+                  <a:srgbClr val="0000FF"/>
+                </a:solidFill>
+                <a:latin typeface="メイリオ" panose="020B0604030504040204" pitchFamily="50" charset="-128"/>
+                <a:ea typeface="メイリオ" panose="020B0604030504040204" pitchFamily="50" charset="-128"/>
+                <a:cs typeface="メイリオ" panose="020B0604030504040204" pitchFamily="50" charset="-128"/>
+              </a:rPr>
+              <a:t>経由点</a:t>
+            </a:r>
+            <a:r>
+              <a:rPr lang="ja-JP" altLang="en-US" sz="1200" dirty="0" smtClean="0">
+                <a:latin typeface="メイリオ" panose="020B0604030504040204" pitchFamily="50" charset="-128"/>
+                <a:ea typeface="メイリオ" panose="020B0604030504040204" pitchFamily="50" charset="-128"/>
+                <a:cs typeface="メイリオ" panose="020B0604030504040204" pitchFamily="50" charset="-128"/>
+              </a:rPr>
+              <a:t>：右図の</a:t>
+            </a:r>
+            <a:r>
+              <a:rPr lang="ja-JP" altLang="en-US" sz="1200" dirty="0" smtClean="0">
+                <a:solidFill>
+                  <a:srgbClr val="FF00FF"/>
+                </a:solidFill>
+                <a:latin typeface="メイリオ" panose="020B0604030504040204" pitchFamily="50" charset="-128"/>
+                <a:ea typeface="メイリオ" panose="020B0604030504040204" pitchFamily="50" charset="-128"/>
+                <a:cs typeface="メイリオ" panose="020B0604030504040204" pitchFamily="50" charset="-128"/>
+              </a:rPr>
+              <a:t>ピンク色の点</a:t>
+            </a:r>
+            <a:r>
+              <a:rPr lang="ja-JP" altLang="en-US" sz="1200" dirty="0" smtClean="0">
+                <a:latin typeface="メイリオ" panose="020B0604030504040204" pitchFamily="50" charset="-128"/>
+                <a:ea typeface="メイリオ" panose="020B0604030504040204" pitchFamily="50" charset="-128"/>
+                <a:cs typeface="メイリオ" panose="020B0604030504040204" pitchFamily="50" charset="-128"/>
+              </a:rPr>
+              <a:t>）、始点と終点を除く矩形の頂点は除外される。</a:t>
+            </a:r>
+            <a:endParaRPr lang="en-US" altLang="ja-JP" sz="1200" dirty="0" smtClean="0">
+              <a:latin typeface="メイリオ" panose="020B0604030504040204" pitchFamily="50" charset="-128"/>
+              <a:ea typeface="メイリオ" panose="020B0604030504040204" pitchFamily="50" charset="-128"/>
+              <a:cs typeface="メイリオ" panose="020B0604030504040204" pitchFamily="50" charset="-128"/>
+            </a:endParaRPr>
+          </a:p>
+          <a:p>
+            <a:endParaRPr lang="en-US" altLang="ja-JP" sz="800" dirty="0">
+              <a:latin typeface="メイリオ" panose="020B0604030504040204" pitchFamily="50" charset="-128"/>
+              <a:ea typeface="メイリオ" panose="020B0604030504040204" pitchFamily="50" charset="-128"/>
+              <a:cs typeface="メイリオ" panose="020B0604030504040204" pitchFamily="50" charset="-128"/>
+            </a:endParaRPr>
+          </a:p>
+          <a:p>
+            <a:r>
+              <a:rPr lang="en-US" altLang="ja-JP" sz="1200" b="1" u="sng" dirty="0" smtClean="0">
+                <a:latin typeface="メイリオ" panose="020B0604030504040204" pitchFamily="50" charset="-128"/>
+                <a:ea typeface="メイリオ" panose="020B0604030504040204" pitchFamily="50" charset="-128"/>
+                <a:cs typeface="メイリオ" panose="020B0604030504040204" pitchFamily="50" charset="-128"/>
+              </a:rPr>
+              <a:t>2.</a:t>
+            </a:r>
+            <a:r>
+              <a:rPr lang="ja-JP" altLang="en-US" sz="1200" b="1" u="sng" dirty="0" smtClean="0">
+                <a:latin typeface="メイリオ" panose="020B0604030504040204" pitchFamily="50" charset="-128"/>
+                <a:ea typeface="メイリオ" panose="020B0604030504040204" pitchFamily="50" charset="-128"/>
+                <a:cs typeface="メイリオ" panose="020B0604030504040204" pitchFamily="50" charset="-128"/>
+              </a:rPr>
+              <a:t> 経路の探索</a:t>
+            </a:r>
+            <a:r>
+              <a:rPr lang="ja-JP" altLang="en-US" sz="1200" b="1" dirty="0" smtClean="0">
+                <a:latin typeface="メイリオ" panose="020B0604030504040204" pitchFamily="50" charset="-128"/>
+                <a:ea typeface="メイリオ" panose="020B0604030504040204" pitchFamily="50" charset="-128"/>
+                <a:cs typeface="メイリオ" panose="020B0604030504040204" pitchFamily="50" charset="-128"/>
+              </a:rPr>
+              <a:t>  </a:t>
+            </a:r>
+            <a:r>
+              <a:rPr lang="ja-JP" altLang="en-US" sz="1200" dirty="0" smtClean="0">
+                <a:latin typeface="メイリオ" panose="020B0604030504040204" pitchFamily="50" charset="-128"/>
+                <a:ea typeface="メイリオ" panose="020B0604030504040204" pitchFamily="50" charset="-128"/>
+                <a:cs typeface="メイリオ" panose="020B0604030504040204" pitchFamily="50" charset="-128"/>
+              </a:rPr>
+              <a:t>始点を出発し</a:t>
+            </a:r>
+            <a:r>
+              <a:rPr lang="en-US" altLang="ja-JP" sz="1200" b="1" dirty="0" smtClean="0">
+                <a:solidFill>
+                  <a:srgbClr val="D24726"/>
+                </a:solidFill>
+                <a:latin typeface="メイリオ" panose="020B0604030504040204" pitchFamily="50" charset="-128"/>
+                <a:ea typeface="メイリオ" panose="020B0604030504040204" pitchFamily="50" charset="-128"/>
+                <a:cs typeface="メイリオ" panose="020B0604030504040204" pitchFamily="50" charset="-128"/>
+              </a:rPr>
+              <a:t>2-2</a:t>
+            </a:r>
+            <a:r>
+              <a:rPr lang="ja-JP" altLang="en-US" sz="1200" dirty="0" smtClean="0">
+                <a:latin typeface="メイリオ" panose="020B0604030504040204" pitchFamily="50" charset="-128"/>
+                <a:ea typeface="メイリオ" panose="020B0604030504040204" pitchFamily="50" charset="-128"/>
+                <a:cs typeface="メイリオ" panose="020B0604030504040204" pitchFamily="50" charset="-128"/>
+              </a:rPr>
+              <a:t>の規則に従って移動しながら通過した経由点を記録する</a:t>
+            </a:r>
+            <a:r>
+              <a:rPr lang="ja-JP" altLang="en-US" sz="1200" b="1" dirty="0" smtClean="0">
+                <a:solidFill>
+                  <a:srgbClr val="0000FF"/>
+                </a:solidFill>
+                <a:latin typeface="メイリオ" panose="020B0604030504040204" pitchFamily="50" charset="-128"/>
+                <a:ea typeface="メイリオ" panose="020B0604030504040204" pitchFamily="50" charset="-128"/>
+                <a:cs typeface="メイリオ" panose="020B0604030504040204" pitchFamily="50" charset="-128"/>
+              </a:rPr>
+              <a:t>探索子</a:t>
+            </a:r>
+            <a:r>
+              <a:rPr lang="ja-JP" altLang="en-US" sz="1200" dirty="0" smtClean="0">
+                <a:latin typeface="メイリオ" panose="020B0604030504040204" pitchFamily="50" charset="-128"/>
+                <a:ea typeface="メイリオ" panose="020B0604030504040204" pitchFamily="50" charset="-128"/>
+                <a:cs typeface="メイリオ" panose="020B0604030504040204" pitchFamily="50" charset="-128"/>
+              </a:rPr>
+              <a:t>を設ける。探索子は向きを変える度に複製・分岐され、それぞれの方向に移動する。探索子の停止条件は以下の通り。</a:t>
+            </a:r>
+            <a:endParaRPr lang="en-US" altLang="ja-JP" sz="1200" dirty="0" smtClean="0">
+              <a:latin typeface="メイリオ" panose="020B0604030504040204" pitchFamily="50" charset="-128"/>
+              <a:ea typeface="メイリオ" panose="020B0604030504040204" pitchFamily="50" charset="-128"/>
+              <a:cs typeface="メイリオ" panose="020B0604030504040204" pitchFamily="50" charset="-128"/>
+            </a:endParaRPr>
+          </a:p>
+          <a:p>
+            <a:endParaRPr lang="en-US" altLang="ja-JP" sz="800" dirty="0">
+              <a:latin typeface="メイリオ" panose="020B0604030504040204" pitchFamily="50" charset="-128"/>
+              <a:ea typeface="メイリオ" panose="020B0604030504040204" pitchFamily="50" charset="-128"/>
+              <a:cs typeface="メイリオ" panose="020B0604030504040204" pitchFamily="50" charset="-128"/>
+            </a:endParaRPr>
+          </a:p>
+          <a:p>
+            <a:r>
+              <a:rPr lang="ja-JP" altLang="en-US" sz="1200" dirty="0">
+                <a:latin typeface="メイリオ" panose="020B0604030504040204" pitchFamily="50" charset="-128"/>
+                <a:ea typeface="メイリオ" panose="020B0604030504040204" pitchFamily="50" charset="-128"/>
+                <a:cs typeface="メイリオ" panose="020B0604030504040204" pitchFamily="50" charset="-128"/>
+              </a:rPr>
+              <a:t>・終点に到達し、走行体の向きとの違いが</a:t>
+            </a:r>
+            <a:r>
+              <a:rPr lang="en-US" altLang="ja-JP" sz="1200" dirty="0">
+                <a:latin typeface="メイリオ" panose="020B0604030504040204" pitchFamily="50" charset="-128"/>
+                <a:ea typeface="メイリオ" panose="020B0604030504040204" pitchFamily="50" charset="-128"/>
+                <a:cs typeface="メイリオ" panose="020B0604030504040204" pitchFamily="50" charset="-128"/>
+              </a:rPr>
+              <a:t>±45</a:t>
+            </a:r>
+            <a:r>
+              <a:rPr lang="ja-JP" altLang="en-US" sz="1200" dirty="0">
+                <a:latin typeface="メイリオ" panose="020B0604030504040204" pitchFamily="50" charset="-128"/>
+                <a:ea typeface="メイリオ" panose="020B0604030504040204" pitchFamily="50" charset="-128"/>
+                <a:cs typeface="メイリオ" panose="020B0604030504040204" pitchFamily="50" charset="-128"/>
+              </a:rPr>
+              <a:t>度以内で</a:t>
+            </a:r>
+            <a:r>
+              <a:rPr lang="ja-JP" altLang="en-US" sz="1200" dirty="0" smtClean="0">
+                <a:latin typeface="メイリオ" panose="020B0604030504040204" pitchFamily="50" charset="-128"/>
+                <a:ea typeface="メイリオ" panose="020B0604030504040204" pitchFamily="50" charset="-128"/>
+                <a:cs typeface="メイリオ" panose="020B0604030504040204" pitchFamily="50" charset="-128"/>
+              </a:rPr>
+              <a:t>ある。</a:t>
+            </a:r>
+            <a:r>
+              <a:rPr lang="en-US" altLang="ja-JP" sz="1200" dirty="0" smtClean="0">
+                <a:latin typeface="メイリオ" panose="020B0604030504040204" pitchFamily="50" charset="-128"/>
+                <a:ea typeface="メイリオ" panose="020B0604030504040204" pitchFamily="50" charset="-128"/>
+                <a:cs typeface="メイリオ" panose="020B0604030504040204" pitchFamily="50" charset="-128"/>
+              </a:rPr>
+              <a:t>…</a:t>
+            </a:r>
+            <a:r>
+              <a:rPr lang="ja-JP" altLang="en-US" sz="1200" dirty="0" smtClean="0">
+                <a:latin typeface="メイリオ" panose="020B0604030504040204" pitchFamily="50" charset="-128"/>
+                <a:ea typeface="メイリオ" panose="020B0604030504040204" pitchFamily="50" charset="-128"/>
+                <a:cs typeface="メイリオ" panose="020B0604030504040204" pitchFamily="50" charset="-128"/>
+              </a:rPr>
+              <a:t> </a:t>
+            </a:r>
+            <a:r>
+              <a:rPr lang="ja-JP" altLang="en-US" sz="1200" b="1" dirty="0" smtClean="0">
+                <a:solidFill>
+                  <a:srgbClr val="FF0000"/>
+                </a:solidFill>
+                <a:latin typeface="メイリオ" panose="020B0604030504040204" pitchFamily="50" charset="-128"/>
+                <a:ea typeface="メイリオ" panose="020B0604030504040204" pitchFamily="50" charset="-128"/>
+                <a:cs typeface="メイリオ" panose="020B0604030504040204" pitchFamily="50" charset="-128"/>
+              </a:rPr>
+              <a:t>探索成功</a:t>
+            </a:r>
+            <a:endParaRPr lang="en-US" altLang="ja-JP" sz="1200" b="1" dirty="0" smtClean="0">
+              <a:solidFill>
+                <a:srgbClr val="FF0000"/>
+              </a:solidFill>
+              <a:latin typeface="メイリオ" panose="020B0604030504040204" pitchFamily="50" charset="-128"/>
+              <a:ea typeface="メイリオ" panose="020B0604030504040204" pitchFamily="50" charset="-128"/>
+              <a:cs typeface="メイリオ" panose="020B0604030504040204" pitchFamily="50" charset="-128"/>
+            </a:endParaRPr>
+          </a:p>
+          <a:p>
+            <a:r>
+              <a:rPr lang="ja-JP" altLang="en-US" sz="1200" dirty="0">
+                <a:latin typeface="メイリオ" panose="020B0604030504040204" pitchFamily="50" charset="-128"/>
+                <a:ea typeface="メイリオ" panose="020B0604030504040204" pitchFamily="50" charset="-128"/>
+                <a:cs typeface="メイリオ" panose="020B0604030504040204" pitchFamily="50" charset="-128"/>
+              </a:rPr>
+              <a:t>・終点に到達し</a:t>
+            </a:r>
+            <a:r>
+              <a:rPr lang="ja-JP" altLang="en-US" sz="1200" dirty="0" smtClean="0">
+                <a:latin typeface="メイリオ" panose="020B0604030504040204" pitchFamily="50" charset="-128"/>
+                <a:ea typeface="メイリオ" panose="020B0604030504040204" pitchFamily="50" charset="-128"/>
+                <a:cs typeface="メイリオ" panose="020B0604030504040204" pitchFamily="50" charset="-128"/>
+              </a:rPr>
+              <a:t>、</a:t>
+            </a:r>
+            <a:r>
+              <a:rPr lang="ja-JP" altLang="en-US" sz="1200" dirty="0">
+                <a:latin typeface="メイリオ" panose="020B0604030504040204" pitchFamily="50" charset="-128"/>
+                <a:ea typeface="メイリオ" panose="020B0604030504040204" pitchFamily="50" charset="-128"/>
+                <a:cs typeface="メイリオ" panose="020B0604030504040204" pitchFamily="50" charset="-128"/>
+              </a:rPr>
+              <a:t>走行体の向きとの違いが</a:t>
+            </a:r>
+            <a:r>
+              <a:rPr lang="en-US" altLang="ja-JP" sz="1200" dirty="0" smtClean="0">
+                <a:latin typeface="メイリオ" panose="020B0604030504040204" pitchFamily="50" charset="-128"/>
+                <a:ea typeface="メイリオ" panose="020B0604030504040204" pitchFamily="50" charset="-128"/>
+                <a:cs typeface="メイリオ" panose="020B0604030504040204" pitchFamily="50" charset="-128"/>
+              </a:rPr>
+              <a:t>±</a:t>
+            </a:r>
+            <a:r>
+              <a:rPr lang="en-US" altLang="ja-JP" sz="1200" dirty="0">
+                <a:latin typeface="メイリオ" panose="020B0604030504040204" pitchFamily="50" charset="-128"/>
+                <a:ea typeface="メイリオ" panose="020B0604030504040204" pitchFamily="50" charset="-128"/>
+                <a:cs typeface="メイリオ" panose="020B0604030504040204" pitchFamily="50" charset="-128"/>
+              </a:rPr>
+              <a:t>90</a:t>
+            </a:r>
+            <a:r>
+              <a:rPr lang="ja-JP" altLang="en-US" sz="1200" dirty="0" smtClean="0">
+                <a:latin typeface="メイリオ" panose="020B0604030504040204" pitchFamily="50" charset="-128"/>
+                <a:ea typeface="メイリオ" panose="020B0604030504040204" pitchFamily="50" charset="-128"/>
+                <a:cs typeface="メイリオ" panose="020B0604030504040204" pitchFamily="50" charset="-128"/>
+              </a:rPr>
+              <a:t>度以上である。</a:t>
+            </a:r>
+            <a:r>
+              <a:rPr lang="en-US" altLang="ja-JP" sz="1200" dirty="0" smtClean="0">
+                <a:latin typeface="メイリオ" panose="020B0604030504040204" pitchFamily="50" charset="-128"/>
+                <a:ea typeface="メイリオ" panose="020B0604030504040204" pitchFamily="50" charset="-128"/>
+                <a:cs typeface="メイリオ" panose="020B0604030504040204" pitchFamily="50" charset="-128"/>
+              </a:rPr>
+              <a:t>…</a:t>
+            </a:r>
+            <a:r>
+              <a:rPr lang="ja-JP" altLang="en-US" sz="1200" dirty="0" smtClean="0">
+                <a:latin typeface="メイリオ" panose="020B0604030504040204" pitchFamily="50" charset="-128"/>
+                <a:ea typeface="メイリオ" panose="020B0604030504040204" pitchFamily="50" charset="-128"/>
+                <a:cs typeface="メイリオ" panose="020B0604030504040204" pitchFamily="50" charset="-128"/>
+              </a:rPr>
+              <a:t> 探索失敗</a:t>
+            </a:r>
+            <a:endParaRPr lang="en-US" altLang="ja-JP" sz="1200" dirty="0" smtClean="0">
+              <a:latin typeface="メイリオ" panose="020B0604030504040204" pitchFamily="50" charset="-128"/>
+              <a:ea typeface="メイリオ" panose="020B0604030504040204" pitchFamily="50" charset="-128"/>
+              <a:cs typeface="メイリオ" panose="020B0604030504040204" pitchFamily="50" charset="-128"/>
+            </a:endParaRPr>
+          </a:p>
+          <a:p>
+            <a:r>
+              <a:rPr lang="ja-JP" altLang="en-US" sz="1200" dirty="0" smtClean="0">
+                <a:latin typeface="メイリオ" panose="020B0604030504040204" pitchFamily="50" charset="-128"/>
+                <a:ea typeface="メイリオ" panose="020B0604030504040204" pitchFamily="50" charset="-128"/>
+                <a:cs typeface="メイリオ" panose="020B0604030504040204" pitchFamily="50" charset="-128"/>
+              </a:rPr>
+              <a:t>・点</a:t>
+            </a:r>
+            <a:r>
+              <a:rPr lang="en-US" altLang="ja-JP" sz="1200" dirty="0" smtClean="0">
+                <a:latin typeface="メイリオ" panose="020B0604030504040204" pitchFamily="50" charset="-128"/>
+                <a:ea typeface="メイリオ" panose="020B0604030504040204" pitchFamily="50" charset="-128"/>
+                <a:cs typeface="メイリオ" panose="020B0604030504040204" pitchFamily="50" charset="-128"/>
+              </a:rPr>
+              <a:t>C</a:t>
+            </a:r>
+            <a:r>
+              <a:rPr lang="ja-JP" altLang="en-US" sz="1200" dirty="0" smtClean="0">
+                <a:latin typeface="メイリオ" panose="020B0604030504040204" pitchFamily="50" charset="-128"/>
+                <a:ea typeface="メイリオ" panose="020B0604030504040204" pitchFamily="50" charset="-128"/>
+                <a:cs typeface="メイリオ" panose="020B0604030504040204" pitchFamily="50" charset="-128"/>
+              </a:rPr>
+              <a:t>を除く</a:t>
+            </a:r>
+            <a:r>
+              <a:rPr lang="ja-JP" altLang="en-US" sz="1200" b="1" dirty="0" smtClean="0">
+                <a:solidFill>
+                  <a:srgbClr val="0000FF"/>
+                </a:solidFill>
+                <a:latin typeface="メイリオ" panose="020B0604030504040204" pitchFamily="50" charset="-128"/>
+                <a:ea typeface="メイリオ" panose="020B0604030504040204" pitchFamily="50" charset="-128"/>
+                <a:cs typeface="メイリオ" panose="020B0604030504040204" pitchFamily="50" charset="-128"/>
+              </a:rPr>
+              <a:t>終点近傍</a:t>
+            </a:r>
+            <a:r>
+              <a:rPr lang="ja-JP" altLang="en-US" sz="1200" dirty="0" smtClean="0">
+                <a:latin typeface="メイリオ" panose="020B0604030504040204" pitchFamily="50" charset="-128"/>
+                <a:ea typeface="メイリオ" panose="020B0604030504040204" pitchFamily="50" charset="-128"/>
+                <a:cs typeface="メイリオ" panose="020B0604030504040204" pitchFamily="50" charset="-128"/>
+              </a:rPr>
+              <a:t>の点を</a:t>
+            </a:r>
+            <a:r>
+              <a:rPr lang="en-US" altLang="ja-JP" sz="1200" dirty="0" smtClean="0">
+                <a:latin typeface="メイリオ" panose="020B0604030504040204" pitchFamily="50" charset="-128"/>
+                <a:ea typeface="メイリオ" panose="020B0604030504040204" pitchFamily="50" charset="-128"/>
+                <a:cs typeface="メイリオ" panose="020B0604030504040204" pitchFamily="50" charset="-128"/>
+              </a:rPr>
+              <a:t>2</a:t>
+            </a:r>
+            <a:r>
+              <a:rPr lang="ja-JP" altLang="en-US" sz="1200" dirty="0" smtClean="0">
+                <a:latin typeface="メイリオ" panose="020B0604030504040204" pitchFamily="50" charset="-128"/>
+                <a:ea typeface="メイリオ" panose="020B0604030504040204" pitchFamily="50" charset="-128"/>
+                <a:cs typeface="メイリオ" panose="020B0604030504040204" pitchFamily="50" charset="-128"/>
+              </a:rPr>
+              <a:t>回通過する。</a:t>
+            </a:r>
+            <a:endParaRPr lang="en-US" altLang="ja-JP" sz="1200" dirty="0" smtClean="0">
+              <a:latin typeface="メイリオ" panose="020B0604030504040204" pitchFamily="50" charset="-128"/>
+              <a:ea typeface="メイリオ" panose="020B0604030504040204" pitchFamily="50" charset="-128"/>
+              <a:cs typeface="メイリオ" panose="020B0604030504040204" pitchFamily="50" charset="-128"/>
+            </a:endParaRPr>
+          </a:p>
+          <a:p>
+            <a:r>
+              <a:rPr lang="ja-JP" altLang="en-US" sz="1200" dirty="0" smtClean="0">
+                <a:latin typeface="メイリオ" panose="020B0604030504040204" pitchFamily="50" charset="-128"/>
+                <a:ea typeface="メイリオ" panose="020B0604030504040204" pitchFamily="50" charset="-128"/>
+                <a:cs typeface="メイリオ" panose="020B0604030504040204" pitchFamily="50" charset="-128"/>
+              </a:rPr>
+              <a:t>・同じ経由点を</a:t>
+            </a:r>
+            <a:r>
+              <a:rPr lang="en-US" altLang="ja-JP" sz="1200" dirty="0">
+                <a:latin typeface="メイリオ" panose="020B0604030504040204" pitchFamily="50" charset="-128"/>
+                <a:ea typeface="メイリオ" panose="020B0604030504040204" pitchFamily="50" charset="-128"/>
+                <a:cs typeface="メイリオ" panose="020B0604030504040204" pitchFamily="50" charset="-128"/>
+              </a:rPr>
+              <a:t>2</a:t>
+            </a:r>
+            <a:r>
+              <a:rPr lang="ja-JP" altLang="en-US" sz="1200" dirty="0" smtClean="0">
+                <a:latin typeface="メイリオ" panose="020B0604030504040204" pitchFamily="50" charset="-128"/>
+                <a:ea typeface="メイリオ" panose="020B0604030504040204" pitchFamily="50" charset="-128"/>
+                <a:cs typeface="メイリオ" panose="020B0604030504040204" pitchFamily="50" charset="-128"/>
+              </a:rPr>
+              <a:t>回通過する。</a:t>
+            </a:r>
+            <a:r>
+              <a:rPr lang="en-US" altLang="ja-JP" sz="1200" dirty="0" smtClean="0">
+                <a:latin typeface="メイリオ" panose="020B0604030504040204" pitchFamily="50" charset="-128"/>
+                <a:ea typeface="メイリオ" panose="020B0604030504040204" pitchFamily="50" charset="-128"/>
+                <a:cs typeface="メイリオ" panose="020B0604030504040204" pitchFamily="50" charset="-128"/>
+              </a:rPr>
+              <a:t>…</a:t>
+            </a:r>
+            <a:r>
+              <a:rPr lang="ja-JP" altLang="en-US" sz="1200" dirty="0" smtClean="0">
+                <a:latin typeface="メイリオ" panose="020B0604030504040204" pitchFamily="50" charset="-128"/>
+                <a:ea typeface="メイリオ" panose="020B0604030504040204" pitchFamily="50" charset="-128"/>
+                <a:cs typeface="メイリオ" panose="020B0604030504040204" pitchFamily="50" charset="-128"/>
+              </a:rPr>
+              <a:t> </a:t>
+            </a:r>
+            <a:r>
+              <a:rPr lang="ja-JP" altLang="en-US" sz="1200" dirty="0">
+                <a:latin typeface="メイリオ" panose="020B0604030504040204" pitchFamily="50" charset="-128"/>
+                <a:ea typeface="メイリオ" panose="020B0604030504040204" pitchFamily="50" charset="-128"/>
+                <a:cs typeface="メイリオ" panose="020B0604030504040204" pitchFamily="50" charset="-128"/>
+              </a:rPr>
+              <a:t>探索</a:t>
+            </a:r>
+            <a:r>
+              <a:rPr lang="ja-JP" altLang="en-US" sz="1200" dirty="0" smtClean="0">
+                <a:latin typeface="メイリオ" panose="020B0604030504040204" pitchFamily="50" charset="-128"/>
+                <a:ea typeface="メイリオ" panose="020B0604030504040204" pitchFamily="50" charset="-128"/>
+                <a:cs typeface="メイリオ" panose="020B0604030504040204" pitchFamily="50" charset="-128"/>
+              </a:rPr>
+              <a:t>失敗</a:t>
+            </a:r>
+            <a:endParaRPr lang="en-US" altLang="ja-JP" sz="1200" dirty="0" smtClean="0">
+              <a:latin typeface="メイリオ" panose="020B0604030504040204" pitchFamily="50" charset="-128"/>
+              <a:ea typeface="メイリオ" panose="020B0604030504040204" pitchFamily="50" charset="-128"/>
+              <a:cs typeface="メイリオ" panose="020B0604030504040204" pitchFamily="50" charset="-128"/>
+            </a:endParaRPr>
+          </a:p>
+          <a:p>
+            <a:r>
+              <a:rPr lang="ja-JP" altLang="en-US" sz="1200" dirty="0" smtClean="0">
+                <a:latin typeface="メイリオ" panose="020B0604030504040204" pitchFamily="50" charset="-128"/>
+                <a:ea typeface="メイリオ" panose="020B0604030504040204" pitchFamily="50" charset="-128"/>
+                <a:cs typeface="メイリオ" panose="020B0604030504040204" pitchFamily="50" charset="-128"/>
+              </a:rPr>
+              <a:t>・移動可能な経由点が存在しない。</a:t>
+            </a:r>
+            <a:r>
+              <a:rPr lang="en-US" altLang="ja-JP" sz="1200" dirty="0" smtClean="0">
+                <a:latin typeface="メイリオ" panose="020B0604030504040204" pitchFamily="50" charset="-128"/>
+                <a:ea typeface="メイリオ" panose="020B0604030504040204" pitchFamily="50" charset="-128"/>
+                <a:cs typeface="メイリオ" panose="020B0604030504040204" pitchFamily="50" charset="-128"/>
+              </a:rPr>
+              <a:t>…</a:t>
+            </a:r>
+            <a:r>
+              <a:rPr lang="ja-JP" altLang="en-US" sz="1200" dirty="0" smtClean="0">
+                <a:latin typeface="メイリオ" panose="020B0604030504040204" pitchFamily="50" charset="-128"/>
+                <a:ea typeface="メイリオ" panose="020B0604030504040204" pitchFamily="50" charset="-128"/>
+                <a:cs typeface="メイリオ" panose="020B0604030504040204" pitchFamily="50" charset="-128"/>
+              </a:rPr>
+              <a:t> </a:t>
+            </a:r>
+            <a:r>
+              <a:rPr lang="ja-JP" altLang="en-US" sz="1200" dirty="0">
+                <a:latin typeface="メイリオ" panose="020B0604030504040204" pitchFamily="50" charset="-128"/>
+                <a:ea typeface="メイリオ" panose="020B0604030504040204" pitchFamily="50" charset="-128"/>
+                <a:cs typeface="メイリオ" panose="020B0604030504040204" pitchFamily="50" charset="-128"/>
+              </a:rPr>
+              <a:t>探索</a:t>
+            </a:r>
+            <a:r>
+              <a:rPr lang="ja-JP" altLang="en-US" sz="1200" dirty="0" smtClean="0">
+                <a:latin typeface="メイリオ" panose="020B0604030504040204" pitchFamily="50" charset="-128"/>
+                <a:ea typeface="メイリオ" panose="020B0604030504040204" pitchFamily="50" charset="-128"/>
+                <a:cs typeface="メイリオ" panose="020B0604030504040204" pitchFamily="50" charset="-128"/>
+              </a:rPr>
+              <a:t>失敗</a:t>
+            </a:r>
+            <a:endParaRPr lang="en-US" altLang="ja-JP" sz="1200" dirty="0" smtClean="0">
+              <a:latin typeface="メイリオ" panose="020B0604030504040204" pitchFamily="50" charset="-128"/>
+              <a:ea typeface="メイリオ" panose="020B0604030504040204" pitchFamily="50" charset="-128"/>
+              <a:cs typeface="メイリオ" panose="020B0604030504040204" pitchFamily="50" charset="-128"/>
+            </a:endParaRPr>
+          </a:p>
+        </p:txBody>
+      </p:sp>
+      <p:pic>
+        <p:nvPicPr>
+          <p:cNvPr id="1031" name="Picture 7"/>
+          <p:cNvPicPr>
+            <a:picLocks noChangeAspect="1" noChangeArrowheads="1"/>
+          </p:cNvPicPr>
+          <p:nvPr/>
+        </p:nvPicPr>
+        <p:blipFill>
+          <a:blip r:embed="rId2">
+            <a:extLst>
+              <a:ext uri="{28A0092B-C50C-407E-A947-70E740481C1C}">
+                <a14:useLocalDpi xmlns:a14="http://schemas.microsoft.com/office/drawing/2010/main" val="0"/>
+              </a:ext>
+            </a:extLst>
+          </a:blip>
+          <a:srcRect/>
+          <a:stretch>
+            <a:fillRect/>
+          </a:stretch>
+        </p:blipFill>
+        <p:spPr bwMode="auto">
+          <a:xfrm>
+            <a:off x="472225" y="2768640"/>
+            <a:ext cx="5608909" cy="2746402"/>
+          </a:xfrm>
+          <a:prstGeom prst="rect">
+            <a:avLst/>
+          </a:prstGeom>
+          <a:noFill/>
+          <a:ln>
+            <a:noFill/>
+          </a:ln>
+          <a:effectLst/>
+          <a:extLst>
+            <a:ext uri="{909E8E84-426E-40DD-AFC4-6F175D3DCCD1}">
+              <a14:hiddenFill xmlns:a14="http://schemas.microsoft.com/office/drawing/2010/main">
+                <a:solidFill>
+                  <a:schemeClr val="accent1"/>
+                </a:solidFill>
+              </a14:hiddenFill>
+            </a:ext>
+            <a:ext uri="{91240B29-F687-4F45-9708-019B960494DF}">
+              <a14:hiddenLine xmlns:a14="http://schemas.microsoft.com/office/drawing/2010/main" w="9525">
+                <a:solidFill>
+                  <a:schemeClr val="tx1"/>
+                </a:solidFill>
+                <a:miter lim="800000"/>
+                <a:headEnd/>
+                <a:tailEnd/>
+              </a14:hiddenLine>
+            </a:ext>
+            <a:ext uri="{AF507438-7753-43E0-B8FC-AC1667EBCBE1}">
+              <a14:hiddenEffects xmlns:a14="http://schemas.microsoft.com/office/drawing/2010/main">
+                <a:effectLst>
+                  <a:outerShdw dist="35921" dir="2700000" algn="ctr" rotWithShape="0">
+                    <a:schemeClr val="bg2"/>
+                  </a:outerShdw>
+                </a:effectLst>
+              </a14:hiddenEffects>
+            </a:ext>
+          </a:extLst>
+        </p:spPr>
+      </p:pic>
+      <p:sp>
+        <p:nvSpPr>
+          <p:cNvPr id="755" name="正方形/長方形 754"/>
+          <p:cNvSpPr/>
+          <p:nvPr/>
+        </p:nvSpPr>
+        <p:spPr>
+          <a:xfrm>
+            <a:off x="6254613" y="3268999"/>
+            <a:ext cx="8428948" cy="3117835"/>
+          </a:xfrm>
+          <a:prstGeom prst="rect">
+            <a:avLst/>
+          </a:prstGeom>
+          <a:noFill/>
+          <a:ln w="25400">
+            <a:solidFill>
+              <a:srgbClr val="D24726"/>
+            </a:solidFill>
+          </a:ln>
+        </p:spPr>
+        <p:style>
+          <a:lnRef idx="2">
+            <a:schemeClr val="accent1">
+              <a:shade val="50000"/>
+            </a:schemeClr>
+          </a:lnRef>
+          <a:fillRef idx="1">
+            <a:schemeClr val="accent1"/>
+          </a:fillRef>
+          <a:effectRef idx="0">
+            <a:schemeClr val="accent1"/>
+          </a:effectRef>
+          <a:fontRef idx="minor">
+            <a:schemeClr val="lt1"/>
+          </a:fontRef>
+        </p:style>
+        <p:txBody>
+          <a:bodyPr rtlCol="0" anchor="ctr"/>
+          <a:lstStyle/>
+          <a:p>
+            <a:pPr algn="ctr"/>
+            <a:endParaRPr kumimoji="1" lang="ja-JP" altLang="en-US"/>
+          </a:p>
+        </p:txBody>
+      </p:sp>
+      <p:sp>
+        <p:nvSpPr>
+          <p:cNvPr id="756" name="テキスト ボックス 755"/>
+          <p:cNvSpPr txBox="1"/>
+          <p:nvPr/>
+        </p:nvSpPr>
+        <p:spPr>
+          <a:xfrm>
+            <a:off x="6256454" y="3278702"/>
+            <a:ext cx="2787943" cy="307777"/>
+          </a:xfrm>
+          <a:prstGeom prst="rect">
+            <a:avLst/>
+          </a:prstGeom>
+          <a:solidFill>
+            <a:srgbClr val="D24726"/>
+          </a:solidFill>
+        </p:spPr>
+        <p:txBody>
+          <a:bodyPr wrap="none" rtlCol="0">
+            <a:spAutoFit/>
+          </a:bodyPr>
+          <a:lstStyle/>
+          <a:p>
+            <a:r>
+              <a:rPr kumimoji="1" lang="en-US" altLang="ja-JP" sz="1400" b="1" dirty="0" smtClean="0">
+                <a:solidFill>
+                  <a:schemeClr val="bg1"/>
+                </a:solidFill>
+                <a:latin typeface="メイリオ" panose="020B0604030504040204" pitchFamily="50" charset="-128"/>
+                <a:ea typeface="メイリオ" panose="020B0604030504040204" pitchFamily="50" charset="-128"/>
+                <a:cs typeface="メイリオ" panose="020B0604030504040204" pitchFamily="50" charset="-128"/>
+              </a:rPr>
+              <a:t>2-3.</a:t>
+            </a:r>
+            <a:r>
+              <a:rPr kumimoji="1" lang="ja-JP" altLang="en-US" sz="1400" b="1" dirty="0" smtClean="0">
+                <a:solidFill>
+                  <a:schemeClr val="bg1"/>
+                </a:solidFill>
+                <a:latin typeface="メイリオ" panose="020B0604030504040204" pitchFamily="50" charset="-128"/>
+                <a:ea typeface="メイリオ" panose="020B0604030504040204" pitchFamily="50" charset="-128"/>
+                <a:cs typeface="メイリオ" panose="020B0604030504040204" pitchFamily="50" charset="-128"/>
+              </a:rPr>
+              <a:t> 抽象マップ上での経路探索</a:t>
+            </a:r>
+            <a:endParaRPr kumimoji="1" lang="ja-JP" altLang="en-US" sz="1400" b="1" dirty="0">
+              <a:solidFill>
+                <a:schemeClr val="bg1"/>
+              </a:solidFill>
+              <a:latin typeface="メイリオ" panose="020B0604030504040204" pitchFamily="50" charset="-128"/>
+              <a:ea typeface="メイリオ" panose="020B0604030504040204" pitchFamily="50" charset="-128"/>
+              <a:cs typeface="メイリオ" panose="020B0604030504040204" pitchFamily="50" charset="-128"/>
+            </a:endParaRPr>
+          </a:p>
+        </p:txBody>
+      </p:sp>
+      <p:grpSp>
+        <p:nvGrpSpPr>
+          <p:cNvPr id="1025" name="グループ化 1024"/>
+          <p:cNvGrpSpPr/>
+          <p:nvPr/>
+        </p:nvGrpSpPr>
+        <p:grpSpPr>
+          <a:xfrm>
+            <a:off x="12552114" y="3524896"/>
+            <a:ext cx="2024515" cy="1237475"/>
+            <a:chOff x="12628314" y="3576409"/>
+            <a:chExt cx="2024515" cy="1237475"/>
+          </a:xfrm>
+        </p:grpSpPr>
+        <p:grpSp>
+          <p:nvGrpSpPr>
+            <p:cNvPr id="757" name="グループ化 756"/>
+            <p:cNvGrpSpPr/>
+            <p:nvPr/>
+          </p:nvGrpSpPr>
+          <p:grpSpPr>
+            <a:xfrm>
+              <a:off x="12628314" y="3576409"/>
+              <a:ext cx="2024515" cy="1237475"/>
+              <a:chOff x="213638" y="1543453"/>
+              <a:chExt cx="2024515" cy="1237475"/>
+            </a:xfrm>
+          </p:grpSpPr>
+          <p:cxnSp>
+            <p:nvCxnSpPr>
+              <p:cNvPr id="758" name="直線コネクタ 757"/>
+              <p:cNvCxnSpPr/>
+              <p:nvPr/>
+            </p:nvCxnSpPr>
+            <p:spPr>
+              <a:xfrm>
+                <a:off x="282949" y="1727592"/>
+                <a:ext cx="1830543" cy="0"/>
+              </a:xfrm>
+              <a:prstGeom prst="line">
+                <a:avLst/>
+              </a:prstGeom>
+              <a:ln w="28575">
+                <a:solidFill>
+                  <a:schemeClr val="tx1"/>
+                </a:solidFill>
+                <a:prstDash val="sysDash"/>
+              </a:ln>
+            </p:spPr>
+            <p:style>
+              <a:lnRef idx="1">
+                <a:schemeClr val="accent1"/>
+              </a:lnRef>
+              <a:fillRef idx="0">
+                <a:schemeClr val="accent1"/>
+              </a:fillRef>
+              <a:effectRef idx="0">
+                <a:schemeClr val="accent1"/>
+              </a:effectRef>
+              <a:fontRef idx="minor">
+                <a:schemeClr val="tx1"/>
+              </a:fontRef>
+            </p:style>
+          </p:cxnSp>
+          <p:cxnSp>
+            <p:nvCxnSpPr>
+              <p:cNvPr id="759" name="直線コネクタ 758"/>
+              <p:cNvCxnSpPr/>
+              <p:nvPr/>
+            </p:nvCxnSpPr>
+            <p:spPr>
+              <a:xfrm>
+                <a:off x="2123728" y="1543453"/>
+                <a:ext cx="0" cy="1237475"/>
+              </a:xfrm>
+              <a:prstGeom prst="line">
+                <a:avLst/>
+              </a:prstGeom>
+              <a:ln w="28575">
+                <a:solidFill>
+                  <a:schemeClr val="tx1"/>
+                </a:solidFill>
+              </a:ln>
+            </p:spPr>
+            <p:style>
+              <a:lnRef idx="1">
+                <a:schemeClr val="accent1"/>
+              </a:lnRef>
+              <a:fillRef idx="0">
+                <a:schemeClr val="accent1"/>
+              </a:fillRef>
+              <a:effectRef idx="0">
+                <a:schemeClr val="accent1"/>
+              </a:effectRef>
+              <a:fontRef idx="minor">
+                <a:schemeClr val="tx1"/>
+              </a:fontRef>
+            </p:style>
+          </p:cxnSp>
+          <p:cxnSp>
+            <p:nvCxnSpPr>
+              <p:cNvPr id="760" name="直線コネクタ 759"/>
+              <p:cNvCxnSpPr/>
+              <p:nvPr/>
+            </p:nvCxnSpPr>
+            <p:spPr>
+              <a:xfrm>
+                <a:off x="282949" y="1543453"/>
+                <a:ext cx="0" cy="1237475"/>
+              </a:xfrm>
+              <a:prstGeom prst="line">
+                <a:avLst/>
+              </a:prstGeom>
+              <a:ln w="28575">
+                <a:solidFill>
+                  <a:schemeClr val="tx1"/>
+                </a:solidFill>
+              </a:ln>
+            </p:spPr>
+            <p:style>
+              <a:lnRef idx="1">
+                <a:schemeClr val="accent1"/>
+              </a:lnRef>
+              <a:fillRef idx="0">
+                <a:schemeClr val="accent1"/>
+              </a:fillRef>
+              <a:effectRef idx="0">
+                <a:schemeClr val="accent1"/>
+              </a:effectRef>
+              <a:fontRef idx="minor">
+                <a:schemeClr val="tx1"/>
+              </a:fontRef>
+            </p:style>
+          </p:cxnSp>
+          <p:cxnSp>
+            <p:nvCxnSpPr>
+              <p:cNvPr id="761" name="直線コネクタ 760"/>
+              <p:cNvCxnSpPr/>
+              <p:nvPr/>
+            </p:nvCxnSpPr>
+            <p:spPr>
+              <a:xfrm>
+                <a:off x="271042" y="2032683"/>
+                <a:ext cx="1830543" cy="0"/>
+              </a:xfrm>
+              <a:prstGeom prst="line">
+                <a:avLst/>
+              </a:prstGeom>
+              <a:ln w="28575">
+                <a:solidFill>
+                  <a:schemeClr val="tx1"/>
+                </a:solidFill>
+              </a:ln>
+            </p:spPr>
+            <p:style>
+              <a:lnRef idx="1">
+                <a:schemeClr val="accent1"/>
+              </a:lnRef>
+              <a:fillRef idx="0">
+                <a:schemeClr val="accent1"/>
+              </a:fillRef>
+              <a:effectRef idx="0">
+                <a:schemeClr val="accent1"/>
+              </a:effectRef>
+              <a:fontRef idx="minor">
+                <a:schemeClr val="tx1"/>
+              </a:fontRef>
+            </p:style>
+          </p:cxnSp>
+          <p:cxnSp>
+            <p:nvCxnSpPr>
+              <p:cNvPr id="762" name="直線コネクタ 761"/>
+              <p:cNvCxnSpPr/>
+              <p:nvPr/>
+            </p:nvCxnSpPr>
+            <p:spPr>
+              <a:xfrm>
+                <a:off x="893130" y="1543453"/>
+                <a:ext cx="0" cy="1237475"/>
+              </a:xfrm>
+              <a:prstGeom prst="line">
+                <a:avLst/>
+              </a:prstGeom>
+              <a:ln w="28575">
+                <a:solidFill>
+                  <a:schemeClr val="tx1"/>
+                </a:solidFill>
+              </a:ln>
+            </p:spPr>
+            <p:style>
+              <a:lnRef idx="1">
+                <a:schemeClr val="accent1"/>
+              </a:lnRef>
+              <a:fillRef idx="0">
+                <a:schemeClr val="accent1"/>
+              </a:fillRef>
+              <a:effectRef idx="0">
+                <a:schemeClr val="accent1"/>
+              </a:effectRef>
+              <a:fontRef idx="minor">
+                <a:schemeClr val="tx1"/>
+              </a:fontRef>
+            </p:style>
+          </p:cxnSp>
+          <p:cxnSp>
+            <p:nvCxnSpPr>
+              <p:cNvPr id="763" name="直線コネクタ 762"/>
+              <p:cNvCxnSpPr/>
+              <p:nvPr/>
+            </p:nvCxnSpPr>
+            <p:spPr>
+              <a:xfrm>
+                <a:off x="1503311" y="1543453"/>
+                <a:ext cx="0" cy="1237475"/>
+              </a:xfrm>
+              <a:prstGeom prst="line">
+                <a:avLst/>
+              </a:prstGeom>
+              <a:ln w="28575">
+                <a:solidFill>
+                  <a:schemeClr val="tx1"/>
+                </a:solidFill>
+              </a:ln>
+            </p:spPr>
+            <p:style>
+              <a:lnRef idx="1">
+                <a:schemeClr val="accent1"/>
+              </a:lnRef>
+              <a:fillRef idx="0">
+                <a:schemeClr val="accent1"/>
+              </a:fillRef>
+              <a:effectRef idx="0">
+                <a:schemeClr val="accent1"/>
+              </a:effectRef>
+              <a:fontRef idx="minor">
+                <a:schemeClr val="tx1"/>
+              </a:fontRef>
+            </p:style>
+          </p:cxnSp>
+          <p:cxnSp>
+            <p:nvCxnSpPr>
+              <p:cNvPr id="764" name="直線コネクタ 763"/>
+              <p:cNvCxnSpPr/>
+              <p:nvPr/>
+            </p:nvCxnSpPr>
+            <p:spPr>
+              <a:xfrm>
+                <a:off x="271042" y="2642864"/>
+                <a:ext cx="1830543" cy="0"/>
+              </a:xfrm>
+              <a:prstGeom prst="line">
+                <a:avLst/>
+              </a:prstGeom>
+              <a:ln w="28575">
+                <a:solidFill>
+                  <a:schemeClr val="tx1"/>
+                </a:solidFill>
+              </a:ln>
+            </p:spPr>
+            <p:style>
+              <a:lnRef idx="1">
+                <a:schemeClr val="accent1"/>
+              </a:lnRef>
+              <a:fillRef idx="0">
+                <a:schemeClr val="accent1"/>
+              </a:fillRef>
+              <a:effectRef idx="0">
+                <a:schemeClr val="accent1"/>
+              </a:effectRef>
+              <a:fontRef idx="minor">
+                <a:schemeClr val="tx1"/>
+              </a:fontRef>
+            </p:style>
+          </p:cxnSp>
+          <p:sp>
+            <p:nvSpPr>
+              <p:cNvPr id="765" name="円/楕円 764"/>
+              <p:cNvSpPr>
+                <a:spLocks noChangeAspect="1"/>
+              </p:cNvSpPr>
+              <p:nvPr/>
+            </p:nvSpPr>
+            <p:spPr>
+              <a:xfrm>
+                <a:off x="822211" y="1960607"/>
+                <a:ext cx="137306" cy="137321"/>
+              </a:xfrm>
+              <a:prstGeom prst="ellipse">
+                <a:avLst/>
+              </a:prstGeom>
+              <a:solidFill>
+                <a:schemeClr val="bg1"/>
+              </a:solidFill>
+              <a:ln w="28575">
+                <a:solidFill>
+                  <a:srgbClr val="FAF138"/>
+                </a:solidFill>
+              </a:ln>
+            </p:spPr>
+            <p:style>
+              <a:lnRef idx="2">
+                <a:schemeClr val="accent1">
+                  <a:shade val="50000"/>
+                </a:schemeClr>
+              </a:lnRef>
+              <a:fillRef idx="1">
+                <a:schemeClr val="accent1"/>
+              </a:fillRef>
+              <a:effectRef idx="0">
+                <a:schemeClr val="accent1"/>
+              </a:effectRef>
+              <a:fontRef idx="minor">
+                <a:schemeClr val="lt1"/>
+              </a:fontRef>
+            </p:style>
+            <p:txBody>
+              <a:bodyPr rtlCol="0" anchor="ctr"/>
+              <a:lstStyle/>
+              <a:p>
+                <a:pPr algn="ctr"/>
+                <a:endParaRPr kumimoji="1" lang="ja-JP" altLang="en-US"/>
+              </a:p>
+            </p:txBody>
+          </p:sp>
+          <p:sp>
+            <p:nvSpPr>
+              <p:cNvPr id="766" name="円/楕円 765"/>
+              <p:cNvSpPr>
+                <a:spLocks noChangeAspect="1"/>
+              </p:cNvSpPr>
+              <p:nvPr/>
+            </p:nvSpPr>
+            <p:spPr>
+              <a:xfrm>
+                <a:off x="213638" y="1960607"/>
+                <a:ext cx="137306" cy="137321"/>
+              </a:xfrm>
+              <a:prstGeom prst="ellipse">
+                <a:avLst/>
+              </a:prstGeom>
+              <a:solidFill>
+                <a:schemeClr val="bg1"/>
+              </a:solidFill>
+              <a:ln w="28575">
+                <a:solidFill>
+                  <a:srgbClr val="FAF138"/>
+                </a:solidFill>
+              </a:ln>
+            </p:spPr>
+            <p:style>
+              <a:lnRef idx="2">
+                <a:schemeClr val="accent1">
+                  <a:shade val="50000"/>
+                </a:schemeClr>
+              </a:lnRef>
+              <a:fillRef idx="1">
+                <a:schemeClr val="accent1"/>
+              </a:fillRef>
+              <a:effectRef idx="0">
+                <a:schemeClr val="accent1"/>
+              </a:effectRef>
+              <a:fontRef idx="minor">
+                <a:schemeClr val="lt1"/>
+              </a:fontRef>
+            </p:style>
+            <p:txBody>
+              <a:bodyPr rtlCol="0" anchor="ctr"/>
+              <a:lstStyle/>
+              <a:p>
+                <a:pPr algn="ctr"/>
+                <a:endParaRPr kumimoji="1" lang="ja-JP" altLang="en-US"/>
+              </a:p>
+            </p:txBody>
+          </p:sp>
+          <p:sp>
+            <p:nvSpPr>
+              <p:cNvPr id="767" name="円/楕円 766"/>
+              <p:cNvSpPr>
+                <a:spLocks noChangeAspect="1"/>
+              </p:cNvSpPr>
+              <p:nvPr/>
+            </p:nvSpPr>
+            <p:spPr>
+              <a:xfrm>
+                <a:off x="2048006" y="1960607"/>
+                <a:ext cx="137306" cy="137321"/>
+              </a:xfrm>
+              <a:prstGeom prst="ellipse">
+                <a:avLst/>
+              </a:prstGeom>
+              <a:solidFill>
+                <a:schemeClr val="bg1"/>
+              </a:solidFill>
+              <a:ln w="28575">
+                <a:solidFill>
+                  <a:srgbClr val="33CC33"/>
+                </a:solidFill>
+              </a:ln>
+            </p:spPr>
+            <p:style>
+              <a:lnRef idx="2">
+                <a:schemeClr val="accent1">
+                  <a:shade val="50000"/>
+                </a:schemeClr>
+              </a:lnRef>
+              <a:fillRef idx="1">
+                <a:schemeClr val="accent1"/>
+              </a:fillRef>
+              <a:effectRef idx="0">
+                <a:schemeClr val="accent1"/>
+              </a:effectRef>
+              <a:fontRef idx="minor">
+                <a:schemeClr val="lt1"/>
+              </a:fontRef>
+            </p:style>
+            <p:txBody>
+              <a:bodyPr rtlCol="0" anchor="ctr"/>
+              <a:lstStyle/>
+              <a:p>
+                <a:pPr algn="ctr"/>
+                <a:endParaRPr kumimoji="1" lang="ja-JP" altLang="en-US"/>
+              </a:p>
+            </p:txBody>
+          </p:sp>
+          <p:sp>
+            <p:nvSpPr>
+              <p:cNvPr id="768" name="円/楕円 767"/>
+              <p:cNvSpPr>
+                <a:spLocks noChangeAspect="1"/>
+              </p:cNvSpPr>
+              <p:nvPr/>
+            </p:nvSpPr>
+            <p:spPr>
+              <a:xfrm>
+                <a:off x="1439433" y="1960607"/>
+                <a:ext cx="137306" cy="137321"/>
+              </a:xfrm>
+              <a:prstGeom prst="ellipse">
+                <a:avLst/>
+              </a:prstGeom>
+              <a:solidFill>
+                <a:schemeClr val="bg1"/>
+              </a:solidFill>
+              <a:ln w="28575">
+                <a:solidFill>
+                  <a:srgbClr val="33CC33"/>
+                </a:solidFill>
+              </a:ln>
+            </p:spPr>
+            <p:style>
+              <a:lnRef idx="2">
+                <a:schemeClr val="accent1">
+                  <a:shade val="50000"/>
+                </a:schemeClr>
+              </a:lnRef>
+              <a:fillRef idx="1">
+                <a:schemeClr val="accent1"/>
+              </a:fillRef>
+              <a:effectRef idx="0">
+                <a:schemeClr val="accent1"/>
+              </a:effectRef>
+              <a:fontRef idx="minor">
+                <a:schemeClr val="lt1"/>
+              </a:fontRef>
+            </p:style>
+            <p:txBody>
+              <a:bodyPr rtlCol="0" anchor="ctr"/>
+              <a:lstStyle/>
+              <a:p>
+                <a:pPr algn="ctr"/>
+                <a:endParaRPr kumimoji="1" lang="ja-JP" altLang="en-US"/>
+              </a:p>
+            </p:txBody>
+          </p:sp>
+          <p:sp>
+            <p:nvSpPr>
+              <p:cNvPr id="769" name="円/楕円 768"/>
+              <p:cNvSpPr>
+                <a:spLocks noChangeAspect="1"/>
+              </p:cNvSpPr>
+              <p:nvPr/>
+            </p:nvSpPr>
+            <p:spPr>
+              <a:xfrm>
+                <a:off x="213638" y="2570674"/>
+                <a:ext cx="137306" cy="137321"/>
+              </a:xfrm>
+              <a:prstGeom prst="ellipse">
+                <a:avLst/>
+              </a:prstGeom>
+              <a:solidFill>
+                <a:schemeClr val="bg1"/>
+              </a:solidFill>
+              <a:ln w="28575">
+                <a:solidFill>
+                  <a:srgbClr val="FF0000"/>
+                </a:solidFill>
+              </a:ln>
+            </p:spPr>
+            <p:style>
+              <a:lnRef idx="2">
+                <a:schemeClr val="accent1">
+                  <a:shade val="50000"/>
+                </a:schemeClr>
+              </a:lnRef>
+              <a:fillRef idx="1">
+                <a:schemeClr val="accent1"/>
+              </a:fillRef>
+              <a:effectRef idx="0">
+                <a:schemeClr val="accent1"/>
+              </a:effectRef>
+              <a:fontRef idx="minor">
+                <a:schemeClr val="lt1"/>
+              </a:fontRef>
+            </p:style>
+            <p:txBody>
+              <a:bodyPr rtlCol="0" anchor="ctr"/>
+              <a:lstStyle/>
+              <a:p>
+                <a:pPr algn="ctr"/>
+                <a:endParaRPr kumimoji="1" lang="ja-JP" altLang="en-US"/>
+              </a:p>
+            </p:txBody>
+          </p:sp>
+          <p:sp>
+            <p:nvSpPr>
+              <p:cNvPr id="770" name="円/楕円 769"/>
+              <p:cNvSpPr>
+                <a:spLocks noChangeAspect="1"/>
+              </p:cNvSpPr>
+              <p:nvPr/>
+            </p:nvSpPr>
+            <p:spPr>
+              <a:xfrm>
+                <a:off x="822211" y="2570674"/>
+                <a:ext cx="137306" cy="137321"/>
+              </a:xfrm>
+              <a:prstGeom prst="ellipse">
+                <a:avLst/>
+              </a:prstGeom>
+              <a:solidFill>
+                <a:schemeClr val="bg1"/>
+              </a:solidFill>
+              <a:ln w="28575">
+                <a:solidFill>
+                  <a:srgbClr val="FF0000"/>
+                </a:solidFill>
+              </a:ln>
+            </p:spPr>
+            <p:style>
+              <a:lnRef idx="2">
+                <a:schemeClr val="accent1">
+                  <a:shade val="50000"/>
+                </a:schemeClr>
+              </a:lnRef>
+              <a:fillRef idx="1">
+                <a:schemeClr val="accent1"/>
+              </a:fillRef>
+              <a:effectRef idx="0">
+                <a:schemeClr val="accent1"/>
+              </a:effectRef>
+              <a:fontRef idx="minor">
+                <a:schemeClr val="lt1"/>
+              </a:fontRef>
+            </p:style>
+            <p:txBody>
+              <a:bodyPr rtlCol="0" anchor="ctr"/>
+              <a:lstStyle/>
+              <a:p>
+                <a:pPr algn="ctr"/>
+                <a:endParaRPr kumimoji="1" lang="ja-JP" altLang="en-US"/>
+              </a:p>
+            </p:txBody>
+          </p:sp>
+          <p:sp>
+            <p:nvSpPr>
+              <p:cNvPr id="771" name="円/楕円 770"/>
+              <p:cNvSpPr>
+                <a:spLocks noChangeAspect="1"/>
+              </p:cNvSpPr>
+              <p:nvPr/>
+            </p:nvSpPr>
+            <p:spPr>
+              <a:xfrm>
+                <a:off x="1439433" y="2570674"/>
+                <a:ext cx="137306" cy="137321"/>
+              </a:xfrm>
+              <a:prstGeom prst="ellipse">
+                <a:avLst/>
+              </a:prstGeom>
+              <a:solidFill>
+                <a:schemeClr val="bg1"/>
+              </a:solidFill>
+              <a:ln w="28575">
+                <a:solidFill>
+                  <a:schemeClr val="accent1"/>
+                </a:solidFill>
+              </a:ln>
+            </p:spPr>
+            <p:style>
+              <a:lnRef idx="2">
+                <a:schemeClr val="accent1">
+                  <a:shade val="50000"/>
+                </a:schemeClr>
+              </a:lnRef>
+              <a:fillRef idx="1">
+                <a:schemeClr val="accent1"/>
+              </a:fillRef>
+              <a:effectRef idx="0">
+                <a:schemeClr val="accent1"/>
+              </a:effectRef>
+              <a:fontRef idx="minor">
+                <a:schemeClr val="lt1"/>
+              </a:fontRef>
+            </p:style>
+            <p:txBody>
+              <a:bodyPr rtlCol="0" anchor="ctr"/>
+              <a:lstStyle/>
+              <a:p>
+                <a:pPr algn="ctr"/>
+                <a:endParaRPr kumimoji="1" lang="ja-JP" altLang="en-US"/>
+              </a:p>
+            </p:txBody>
+          </p:sp>
+          <p:sp>
+            <p:nvSpPr>
+              <p:cNvPr id="772" name="円/楕円 771"/>
+              <p:cNvSpPr>
+                <a:spLocks noChangeAspect="1"/>
+              </p:cNvSpPr>
+              <p:nvPr/>
+            </p:nvSpPr>
+            <p:spPr>
+              <a:xfrm>
+                <a:off x="2048006" y="2570674"/>
+                <a:ext cx="137306" cy="137321"/>
+              </a:xfrm>
+              <a:prstGeom prst="ellipse">
+                <a:avLst/>
+              </a:prstGeom>
+              <a:solidFill>
+                <a:schemeClr val="bg1"/>
+              </a:solidFill>
+              <a:ln w="28575">
+                <a:solidFill>
+                  <a:schemeClr val="accent1"/>
+                </a:solidFill>
+              </a:ln>
+            </p:spPr>
+            <p:style>
+              <a:lnRef idx="2">
+                <a:schemeClr val="accent1">
+                  <a:shade val="50000"/>
+                </a:schemeClr>
+              </a:lnRef>
+              <a:fillRef idx="1">
+                <a:schemeClr val="accent1"/>
+              </a:fillRef>
+              <a:effectRef idx="0">
+                <a:schemeClr val="accent1"/>
+              </a:effectRef>
+              <a:fontRef idx="minor">
+                <a:schemeClr val="lt1"/>
+              </a:fontRef>
+            </p:style>
+            <p:txBody>
+              <a:bodyPr rtlCol="0" anchor="ctr"/>
+              <a:lstStyle/>
+              <a:p>
+                <a:pPr algn="ctr"/>
+                <a:endParaRPr kumimoji="1" lang="ja-JP" altLang="en-US"/>
+              </a:p>
+            </p:txBody>
+          </p:sp>
+          <p:cxnSp>
+            <p:nvCxnSpPr>
+              <p:cNvPr id="773" name="直線コネクタ 772"/>
+              <p:cNvCxnSpPr/>
+              <p:nvPr/>
+            </p:nvCxnSpPr>
+            <p:spPr>
+              <a:xfrm>
+                <a:off x="282949" y="2337774"/>
+                <a:ext cx="1830543" cy="0"/>
+              </a:xfrm>
+              <a:prstGeom prst="line">
+                <a:avLst/>
+              </a:prstGeom>
+              <a:ln w="28575">
+                <a:solidFill>
+                  <a:schemeClr val="tx1"/>
+                </a:solidFill>
+                <a:prstDash val="sysDash"/>
+              </a:ln>
+            </p:spPr>
+            <p:style>
+              <a:lnRef idx="1">
+                <a:schemeClr val="accent1"/>
+              </a:lnRef>
+              <a:fillRef idx="0">
+                <a:schemeClr val="accent1"/>
+              </a:fillRef>
+              <a:effectRef idx="0">
+                <a:schemeClr val="accent1"/>
+              </a:effectRef>
+              <a:fontRef idx="minor">
+                <a:schemeClr val="tx1"/>
+              </a:fontRef>
+            </p:style>
+          </p:cxnSp>
+          <p:cxnSp>
+            <p:nvCxnSpPr>
+              <p:cNvPr id="774" name="直線コネクタ 773"/>
+              <p:cNvCxnSpPr/>
+              <p:nvPr/>
+            </p:nvCxnSpPr>
+            <p:spPr>
+              <a:xfrm flipV="1">
+                <a:off x="588040" y="1543454"/>
+                <a:ext cx="0" cy="1237474"/>
+              </a:xfrm>
+              <a:prstGeom prst="line">
+                <a:avLst/>
+              </a:prstGeom>
+              <a:ln w="28575">
+                <a:solidFill>
+                  <a:schemeClr val="tx1"/>
+                </a:solidFill>
+                <a:prstDash val="sysDash"/>
+              </a:ln>
+            </p:spPr>
+            <p:style>
+              <a:lnRef idx="1">
+                <a:schemeClr val="accent1"/>
+              </a:lnRef>
+              <a:fillRef idx="0">
+                <a:schemeClr val="accent1"/>
+              </a:fillRef>
+              <a:effectRef idx="0">
+                <a:schemeClr val="accent1"/>
+              </a:effectRef>
+              <a:fontRef idx="minor">
+                <a:schemeClr val="tx1"/>
+              </a:fontRef>
+            </p:style>
+          </p:cxnSp>
+          <p:cxnSp>
+            <p:nvCxnSpPr>
+              <p:cNvPr id="775" name="直線コネクタ 774"/>
+              <p:cNvCxnSpPr/>
+              <p:nvPr/>
+            </p:nvCxnSpPr>
+            <p:spPr>
+              <a:xfrm flipV="1">
+                <a:off x="1198221" y="1543454"/>
+                <a:ext cx="0" cy="1237474"/>
+              </a:xfrm>
+              <a:prstGeom prst="line">
+                <a:avLst/>
+              </a:prstGeom>
+              <a:ln w="28575">
+                <a:solidFill>
+                  <a:schemeClr val="tx1"/>
+                </a:solidFill>
+                <a:prstDash val="sysDash"/>
+              </a:ln>
+            </p:spPr>
+            <p:style>
+              <a:lnRef idx="1">
+                <a:schemeClr val="accent1"/>
+              </a:lnRef>
+              <a:fillRef idx="0">
+                <a:schemeClr val="accent1"/>
+              </a:fillRef>
+              <a:effectRef idx="0">
+                <a:schemeClr val="accent1"/>
+              </a:effectRef>
+              <a:fontRef idx="minor">
+                <a:schemeClr val="tx1"/>
+              </a:fontRef>
+            </p:style>
+          </p:cxnSp>
+          <p:cxnSp>
+            <p:nvCxnSpPr>
+              <p:cNvPr id="776" name="直線コネクタ 775"/>
+              <p:cNvCxnSpPr/>
+              <p:nvPr/>
+            </p:nvCxnSpPr>
+            <p:spPr>
+              <a:xfrm flipV="1">
+                <a:off x="1808402" y="1543454"/>
+                <a:ext cx="0" cy="1237474"/>
+              </a:xfrm>
+              <a:prstGeom prst="line">
+                <a:avLst/>
+              </a:prstGeom>
+              <a:ln w="28575">
+                <a:solidFill>
+                  <a:schemeClr val="tx1"/>
+                </a:solidFill>
+                <a:prstDash val="sysDash"/>
+              </a:ln>
+            </p:spPr>
+            <p:style>
+              <a:lnRef idx="1">
+                <a:schemeClr val="accent1"/>
+              </a:lnRef>
+              <a:fillRef idx="0">
+                <a:schemeClr val="accent1"/>
+              </a:fillRef>
+              <a:effectRef idx="0">
+                <a:schemeClr val="accent1"/>
+              </a:effectRef>
+              <a:fontRef idx="minor">
+                <a:schemeClr val="tx1"/>
+              </a:fontRef>
+            </p:style>
+          </p:cxnSp>
+          <p:sp>
+            <p:nvSpPr>
+              <p:cNvPr id="777" name="円/楕円 776"/>
+              <p:cNvSpPr>
+                <a:spLocks noChangeAspect="1"/>
+              </p:cNvSpPr>
+              <p:nvPr/>
+            </p:nvSpPr>
+            <p:spPr>
+              <a:xfrm>
+                <a:off x="1458850" y="1978006"/>
+                <a:ext cx="105289" cy="108000"/>
+              </a:xfrm>
+              <a:prstGeom prst="ellipse">
+                <a:avLst/>
+              </a:prstGeom>
+              <a:solidFill>
+                <a:schemeClr val="tx1"/>
+              </a:solidFill>
+              <a:ln w="12700">
+                <a:solidFill>
+                  <a:schemeClr val="tx1"/>
+                </a:solidFill>
+              </a:ln>
+            </p:spPr>
+            <p:style>
+              <a:lnRef idx="2">
+                <a:schemeClr val="accent1">
+                  <a:shade val="50000"/>
+                </a:schemeClr>
+              </a:lnRef>
+              <a:fillRef idx="1">
+                <a:schemeClr val="accent1"/>
+              </a:fillRef>
+              <a:effectRef idx="0">
+                <a:schemeClr val="accent1"/>
+              </a:effectRef>
+              <a:fontRef idx="minor">
+                <a:schemeClr val="lt1"/>
+              </a:fontRef>
+            </p:style>
+            <p:txBody>
+              <a:bodyPr rtlCol="0" anchor="ctr"/>
+              <a:lstStyle/>
+              <a:p>
+                <a:pPr algn="ctr"/>
+                <a:endParaRPr kumimoji="1" lang="ja-JP" altLang="en-US" sz="800" dirty="0">
+                  <a:solidFill>
+                    <a:schemeClr val="tx1"/>
+                  </a:solidFill>
+                </a:endParaRPr>
+              </a:p>
+            </p:txBody>
+          </p:sp>
+          <p:grpSp>
+            <p:nvGrpSpPr>
+              <p:cNvPr id="778" name="グループ化 777"/>
+              <p:cNvGrpSpPr/>
+              <p:nvPr/>
+            </p:nvGrpSpPr>
+            <p:grpSpPr>
+              <a:xfrm>
+                <a:off x="845214" y="2252536"/>
+                <a:ext cx="98148" cy="190877"/>
+                <a:chOff x="5708510" y="2105252"/>
+                <a:chExt cx="132356" cy="190877"/>
+              </a:xfrm>
+            </p:grpSpPr>
+            <p:sp>
+              <p:nvSpPr>
+                <p:cNvPr id="793" name="二等辺三角形 792"/>
+                <p:cNvSpPr/>
+                <p:nvPr/>
+              </p:nvSpPr>
+              <p:spPr>
+                <a:xfrm rot="10800000">
+                  <a:off x="5708510" y="2105252"/>
+                  <a:ext cx="132356" cy="187346"/>
+                </a:xfrm>
+                <a:prstGeom prst="triangle">
+                  <a:avLst/>
+                </a:prstGeom>
+                <a:solidFill>
+                  <a:srgbClr val="FF25FF"/>
+                </a:solidFill>
+                <a:ln>
+                  <a:solidFill>
+                    <a:schemeClr val="tx1"/>
+                  </a:solidFill>
+                </a:ln>
+              </p:spPr>
+              <p:style>
+                <a:lnRef idx="1">
+                  <a:schemeClr val="accent1"/>
+                </a:lnRef>
+                <a:fillRef idx="0">
+                  <a:schemeClr val="accent1"/>
+                </a:fillRef>
+                <a:effectRef idx="0">
+                  <a:schemeClr val="accent1"/>
+                </a:effectRef>
+                <a:fontRef idx="minor">
+                  <a:schemeClr val="tx1"/>
+                </a:fontRef>
+              </p:style>
+              <p:txBody>
+                <a:bodyPr rtlCol="0" anchor="ctr"/>
+                <a:lstStyle/>
+                <a:p>
+                  <a:pPr algn="ctr"/>
+                  <a:endParaRPr kumimoji="1" lang="ja-JP" altLang="en-US"/>
+                </a:p>
+              </p:txBody>
+            </p:sp>
+            <p:sp>
+              <p:nvSpPr>
+                <p:cNvPr id="794" name="二等辺三角形 793"/>
+                <p:cNvSpPr/>
+                <p:nvPr/>
+              </p:nvSpPr>
+              <p:spPr>
+                <a:xfrm rot="10800000">
+                  <a:off x="5741854" y="2198925"/>
+                  <a:ext cx="64800" cy="97204"/>
+                </a:xfrm>
+                <a:prstGeom prst="triangle">
+                  <a:avLst/>
+                </a:prstGeom>
+                <a:solidFill>
+                  <a:srgbClr val="00FFFF"/>
+                </a:solidFill>
+                <a:ln w="9525">
+                  <a:solidFill>
+                    <a:schemeClr val="tx1"/>
+                  </a:solidFill>
+                </a:ln>
+              </p:spPr>
+              <p:style>
+                <a:lnRef idx="1">
+                  <a:schemeClr val="accent1"/>
+                </a:lnRef>
+                <a:fillRef idx="0">
+                  <a:schemeClr val="accent1"/>
+                </a:fillRef>
+                <a:effectRef idx="0">
+                  <a:schemeClr val="accent1"/>
+                </a:effectRef>
+                <a:fontRef idx="minor">
+                  <a:schemeClr val="tx1"/>
+                </a:fontRef>
+              </p:style>
+              <p:txBody>
+                <a:bodyPr rtlCol="0" anchor="ctr"/>
+                <a:lstStyle/>
+                <a:p>
+                  <a:pPr algn="ctr"/>
+                  <a:endParaRPr kumimoji="1" lang="ja-JP" altLang="en-US"/>
+                </a:p>
+              </p:txBody>
+            </p:sp>
+          </p:grpSp>
+          <p:sp>
+            <p:nvSpPr>
+              <p:cNvPr id="779" name="正方形/長方形 778"/>
+              <p:cNvSpPr/>
+              <p:nvPr/>
+            </p:nvSpPr>
+            <p:spPr>
+              <a:xfrm>
+                <a:off x="467158" y="1636571"/>
+                <a:ext cx="1770995" cy="872180"/>
+              </a:xfrm>
+              <a:prstGeom prst="rect">
+                <a:avLst/>
+              </a:prstGeom>
+              <a:noFill/>
+              <a:ln w="12700">
+                <a:solidFill>
+                  <a:srgbClr val="0000FF"/>
+                </a:solidFill>
+                <a:prstDash val="sysDash"/>
+              </a:ln>
+            </p:spPr>
+            <p:style>
+              <a:lnRef idx="1">
+                <a:schemeClr val="accent1"/>
+              </a:lnRef>
+              <a:fillRef idx="0">
+                <a:schemeClr val="accent1"/>
+              </a:fillRef>
+              <a:effectRef idx="0">
+                <a:schemeClr val="accent1"/>
+              </a:effectRef>
+              <a:fontRef idx="minor">
+                <a:schemeClr val="tx1"/>
+              </a:fontRef>
+            </p:style>
+            <p:txBody>
+              <a:bodyPr rot="0" spcFirstLastPara="0" vertOverflow="overflow" horzOverflow="overflow" vert="horz" wrap="square" lIns="91440" tIns="45720" rIns="91440" bIns="45720" numCol="1" spcCol="0" rtlCol="0" fromWordArt="0" anchor="ctr" anchorCtr="0" forceAA="0" compatLnSpc="1">
+                <a:prstTxWarp prst="textNoShape">
+                  <a:avLst/>
+                </a:prstTxWarp>
+                <a:noAutofit/>
+              </a:bodyPr>
+              <a:lstStyle/>
+              <a:p>
+                <a:pPr algn="ctr"/>
+                <a:endParaRPr kumimoji="1" lang="ja-JP" altLang="en-US"/>
+              </a:p>
+            </p:txBody>
+          </p:sp>
+          <p:sp>
+            <p:nvSpPr>
+              <p:cNvPr id="780" name="テキスト ボックス 779"/>
+              <p:cNvSpPr txBox="1"/>
+              <p:nvPr/>
+            </p:nvSpPr>
+            <p:spPr>
+              <a:xfrm>
+                <a:off x="591071" y="2159632"/>
+                <a:ext cx="277888" cy="195814"/>
+              </a:xfrm>
+              <a:prstGeom prst="rect">
+                <a:avLst/>
+              </a:prstGeom>
+              <a:noFill/>
+            </p:spPr>
+            <p:txBody>
+              <a:bodyPr wrap="none" lIns="36000" tIns="36000" rIns="36000" bIns="36000" rtlCol="0">
+                <a:spAutoFit/>
+              </a:bodyPr>
+              <a:lstStyle/>
+              <a:p>
+                <a:r>
+                  <a:rPr kumimoji="1" lang="ja-JP" altLang="en-US" sz="800" b="1" dirty="0" smtClean="0">
+                    <a:solidFill>
+                      <a:srgbClr val="0000FF"/>
+                    </a:solidFill>
+                    <a:latin typeface="Verdana" panose="020B0604030504040204" pitchFamily="34" charset="0"/>
+                    <a:cs typeface="Verdana" panose="020B0604030504040204" pitchFamily="34" charset="0"/>
+                  </a:rPr>
+                  <a:t>終点</a:t>
+                </a:r>
+                <a:endParaRPr kumimoji="1" lang="ja-JP" altLang="en-US" sz="800" b="1" dirty="0">
+                  <a:solidFill>
+                    <a:srgbClr val="0000FF"/>
+                  </a:solidFill>
+                  <a:latin typeface="Verdana" panose="020B0604030504040204" pitchFamily="34" charset="0"/>
+                  <a:cs typeface="Verdana" panose="020B0604030504040204" pitchFamily="34" charset="0"/>
+                </a:endParaRPr>
+              </a:p>
+            </p:txBody>
+          </p:sp>
+          <p:grpSp>
+            <p:nvGrpSpPr>
+              <p:cNvPr id="781" name="グループ化 780"/>
+              <p:cNvGrpSpPr/>
+              <p:nvPr/>
+            </p:nvGrpSpPr>
+            <p:grpSpPr>
+              <a:xfrm rot="10800000">
+                <a:off x="2082232" y="2219967"/>
+                <a:ext cx="98148" cy="190877"/>
+                <a:chOff x="5708510" y="2105252"/>
+                <a:chExt cx="132356" cy="190877"/>
+              </a:xfrm>
+            </p:grpSpPr>
+            <p:sp>
+              <p:nvSpPr>
+                <p:cNvPr id="791" name="二等辺三角形 790"/>
+                <p:cNvSpPr/>
+                <p:nvPr/>
+              </p:nvSpPr>
+              <p:spPr>
+                <a:xfrm rot="10800000">
+                  <a:off x="5708510" y="2105252"/>
+                  <a:ext cx="132356" cy="187346"/>
+                </a:xfrm>
+                <a:prstGeom prst="triangle">
+                  <a:avLst/>
+                </a:prstGeom>
+                <a:solidFill>
+                  <a:srgbClr val="FF25FF"/>
+                </a:solidFill>
+                <a:ln>
+                  <a:solidFill>
+                    <a:schemeClr val="tx1"/>
+                  </a:solidFill>
+                </a:ln>
+              </p:spPr>
+              <p:style>
+                <a:lnRef idx="1">
+                  <a:schemeClr val="accent1"/>
+                </a:lnRef>
+                <a:fillRef idx="0">
+                  <a:schemeClr val="accent1"/>
+                </a:fillRef>
+                <a:effectRef idx="0">
+                  <a:schemeClr val="accent1"/>
+                </a:effectRef>
+                <a:fontRef idx="minor">
+                  <a:schemeClr val="tx1"/>
+                </a:fontRef>
+              </p:style>
+              <p:txBody>
+                <a:bodyPr rtlCol="0" anchor="ctr"/>
+                <a:lstStyle/>
+                <a:p>
+                  <a:pPr algn="ctr"/>
+                  <a:endParaRPr kumimoji="1" lang="ja-JP" altLang="en-US"/>
+                </a:p>
+              </p:txBody>
+            </p:sp>
+            <p:sp>
+              <p:nvSpPr>
+                <p:cNvPr id="792" name="二等辺三角形 791"/>
+                <p:cNvSpPr/>
+                <p:nvPr/>
+              </p:nvSpPr>
+              <p:spPr>
+                <a:xfrm rot="10800000">
+                  <a:off x="5741854" y="2198925"/>
+                  <a:ext cx="64800" cy="97204"/>
+                </a:xfrm>
+                <a:prstGeom prst="triangle">
+                  <a:avLst/>
+                </a:prstGeom>
+                <a:solidFill>
+                  <a:srgbClr val="00FFFF"/>
+                </a:solidFill>
+                <a:ln w="9525">
+                  <a:solidFill>
+                    <a:schemeClr val="tx1"/>
+                  </a:solidFill>
+                </a:ln>
+              </p:spPr>
+              <p:style>
+                <a:lnRef idx="1">
+                  <a:schemeClr val="accent1"/>
+                </a:lnRef>
+                <a:fillRef idx="0">
+                  <a:schemeClr val="accent1"/>
+                </a:fillRef>
+                <a:effectRef idx="0">
+                  <a:schemeClr val="accent1"/>
+                </a:effectRef>
+                <a:fontRef idx="minor">
+                  <a:schemeClr val="tx1"/>
+                </a:fontRef>
+              </p:style>
+              <p:txBody>
+                <a:bodyPr rtlCol="0" anchor="ctr"/>
+                <a:lstStyle/>
+                <a:p>
+                  <a:pPr algn="ctr"/>
+                  <a:endParaRPr kumimoji="1" lang="ja-JP" altLang="en-US"/>
+                </a:p>
+              </p:txBody>
+            </p:sp>
+          </p:grpSp>
+          <p:sp>
+            <p:nvSpPr>
+              <p:cNvPr id="782" name="テキスト ボックス 781"/>
+              <p:cNvSpPr txBox="1"/>
+              <p:nvPr/>
+            </p:nvSpPr>
+            <p:spPr>
+              <a:xfrm>
+                <a:off x="1828517" y="2328604"/>
+                <a:ext cx="277888" cy="195814"/>
+              </a:xfrm>
+              <a:prstGeom prst="rect">
+                <a:avLst/>
+              </a:prstGeom>
+              <a:noFill/>
+            </p:spPr>
+            <p:txBody>
+              <a:bodyPr wrap="none" lIns="36000" tIns="36000" rIns="36000" bIns="36000" rtlCol="0">
+                <a:spAutoFit/>
+              </a:bodyPr>
+              <a:lstStyle/>
+              <a:p>
+                <a:r>
+                  <a:rPr kumimoji="1" lang="ja-JP" altLang="en-US" sz="800" b="1" dirty="0" smtClean="0">
+                    <a:solidFill>
+                      <a:srgbClr val="0000FF"/>
+                    </a:solidFill>
+                    <a:latin typeface="Verdana" panose="020B0604030504040204" pitchFamily="34" charset="0"/>
+                    <a:cs typeface="Verdana" panose="020B0604030504040204" pitchFamily="34" charset="0"/>
+                  </a:rPr>
+                  <a:t>始点</a:t>
+                </a:r>
+                <a:endParaRPr kumimoji="1" lang="ja-JP" altLang="en-US" sz="800" b="1" dirty="0">
+                  <a:solidFill>
+                    <a:srgbClr val="0000FF"/>
+                  </a:solidFill>
+                  <a:latin typeface="Verdana" panose="020B0604030504040204" pitchFamily="34" charset="0"/>
+                  <a:cs typeface="Verdana" panose="020B0604030504040204" pitchFamily="34" charset="0"/>
+                </a:endParaRPr>
+              </a:p>
+            </p:txBody>
+          </p:sp>
+          <p:sp>
+            <p:nvSpPr>
+              <p:cNvPr id="784" name="円/楕円 783"/>
+              <p:cNvSpPr/>
+              <p:nvPr/>
+            </p:nvSpPr>
+            <p:spPr>
+              <a:xfrm>
+                <a:off x="2088100" y="1994786"/>
+                <a:ext cx="72000" cy="72000"/>
+              </a:xfrm>
+              <a:prstGeom prst="ellipse">
+                <a:avLst/>
+              </a:prstGeom>
+              <a:solidFill>
+                <a:srgbClr val="FF25FF"/>
+              </a:solidFill>
+              <a:ln>
+                <a:noFill/>
+              </a:ln>
+            </p:spPr>
+            <p:style>
+              <a:lnRef idx="1">
+                <a:schemeClr val="accent1"/>
+              </a:lnRef>
+              <a:fillRef idx="0">
+                <a:schemeClr val="accent1"/>
+              </a:fillRef>
+              <a:effectRef idx="0">
+                <a:schemeClr val="accent1"/>
+              </a:effectRef>
+              <a:fontRef idx="minor">
+                <a:schemeClr val="tx1"/>
+              </a:fontRef>
+            </p:style>
+            <p:txBody>
+              <a:bodyPr rtlCol="0" anchor="ctr"/>
+              <a:lstStyle/>
+              <a:p>
+                <a:pPr algn="ctr"/>
+                <a:endParaRPr kumimoji="1" lang="ja-JP" altLang="en-US"/>
+              </a:p>
+            </p:txBody>
+          </p:sp>
+          <p:sp>
+            <p:nvSpPr>
+              <p:cNvPr id="785" name="円/楕円 784"/>
+              <p:cNvSpPr/>
+              <p:nvPr/>
+            </p:nvSpPr>
+            <p:spPr>
+              <a:xfrm>
+                <a:off x="1782254" y="1994778"/>
+                <a:ext cx="72000" cy="72000"/>
+              </a:xfrm>
+              <a:prstGeom prst="ellipse">
+                <a:avLst/>
+              </a:prstGeom>
+              <a:solidFill>
+                <a:srgbClr val="FF25FF"/>
+              </a:solidFill>
+              <a:ln>
+                <a:noFill/>
+              </a:ln>
+            </p:spPr>
+            <p:style>
+              <a:lnRef idx="1">
+                <a:schemeClr val="accent1"/>
+              </a:lnRef>
+              <a:fillRef idx="0">
+                <a:schemeClr val="accent1"/>
+              </a:fillRef>
+              <a:effectRef idx="0">
+                <a:schemeClr val="accent1"/>
+              </a:effectRef>
+              <a:fontRef idx="minor">
+                <a:schemeClr val="tx1"/>
+              </a:fontRef>
+            </p:style>
+            <p:txBody>
+              <a:bodyPr rtlCol="0" anchor="ctr"/>
+              <a:lstStyle/>
+              <a:p>
+                <a:pPr algn="ctr"/>
+                <a:endParaRPr kumimoji="1" lang="ja-JP" altLang="en-US"/>
+              </a:p>
+            </p:txBody>
+          </p:sp>
+          <p:sp>
+            <p:nvSpPr>
+              <p:cNvPr id="786" name="円/楕円 785"/>
+              <p:cNvSpPr/>
+              <p:nvPr/>
+            </p:nvSpPr>
+            <p:spPr>
+              <a:xfrm>
+                <a:off x="1469726" y="1692882"/>
+                <a:ext cx="72000" cy="72000"/>
+              </a:xfrm>
+              <a:prstGeom prst="ellipse">
+                <a:avLst/>
+              </a:prstGeom>
+              <a:solidFill>
+                <a:srgbClr val="FF25FF"/>
+              </a:solidFill>
+              <a:ln>
+                <a:noFill/>
+              </a:ln>
+            </p:spPr>
+            <p:style>
+              <a:lnRef idx="1">
+                <a:schemeClr val="accent1"/>
+              </a:lnRef>
+              <a:fillRef idx="0">
+                <a:schemeClr val="accent1"/>
+              </a:fillRef>
+              <a:effectRef idx="0">
+                <a:schemeClr val="accent1"/>
+              </a:effectRef>
+              <a:fontRef idx="minor">
+                <a:schemeClr val="tx1"/>
+              </a:fontRef>
+            </p:style>
+            <p:txBody>
+              <a:bodyPr rtlCol="0" anchor="ctr"/>
+              <a:lstStyle/>
+              <a:p>
+                <a:pPr algn="ctr"/>
+                <a:endParaRPr kumimoji="1" lang="ja-JP" altLang="en-US"/>
+              </a:p>
+            </p:txBody>
+          </p:sp>
+          <p:sp>
+            <p:nvSpPr>
+              <p:cNvPr id="787" name="円/楕円 786"/>
+              <p:cNvSpPr/>
+              <p:nvPr/>
+            </p:nvSpPr>
+            <p:spPr>
+              <a:xfrm>
+                <a:off x="857274" y="1690894"/>
+                <a:ext cx="72000" cy="72000"/>
+              </a:xfrm>
+              <a:prstGeom prst="ellipse">
+                <a:avLst/>
+              </a:prstGeom>
+              <a:solidFill>
+                <a:srgbClr val="FF00FF"/>
+              </a:solidFill>
+              <a:ln>
+                <a:noFill/>
+              </a:ln>
+            </p:spPr>
+            <p:style>
+              <a:lnRef idx="1">
+                <a:schemeClr val="accent1"/>
+              </a:lnRef>
+              <a:fillRef idx="0">
+                <a:schemeClr val="accent1"/>
+              </a:fillRef>
+              <a:effectRef idx="0">
+                <a:schemeClr val="accent1"/>
+              </a:effectRef>
+              <a:fontRef idx="minor">
+                <a:schemeClr val="tx1"/>
+              </a:fontRef>
+            </p:style>
+            <p:txBody>
+              <a:bodyPr rtlCol="0" anchor="ctr"/>
+              <a:lstStyle/>
+              <a:p>
+                <a:pPr algn="ctr"/>
+                <a:endParaRPr kumimoji="1" lang="ja-JP" altLang="en-US"/>
+              </a:p>
+            </p:txBody>
+          </p:sp>
+          <p:sp>
+            <p:nvSpPr>
+              <p:cNvPr id="788" name="円/楕円 787"/>
+              <p:cNvSpPr/>
+              <p:nvPr/>
+            </p:nvSpPr>
+            <p:spPr>
+              <a:xfrm>
+                <a:off x="852088" y="1997682"/>
+                <a:ext cx="72000" cy="72000"/>
+              </a:xfrm>
+              <a:prstGeom prst="ellipse">
+                <a:avLst/>
+              </a:prstGeom>
+              <a:solidFill>
+                <a:srgbClr val="FF00FF"/>
+              </a:solidFill>
+              <a:ln>
+                <a:noFill/>
+              </a:ln>
+            </p:spPr>
+            <p:style>
+              <a:lnRef idx="1">
+                <a:schemeClr val="accent1"/>
+              </a:lnRef>
+              <a:fillRef idx="0">
+                <a:schemeClr val="accent1"/>
+              </a:fillRef>
+              <a:effectRef idx="0">
+                <a:schemeClr val="accent1"/>
+              </a:effectRef>
+              <a:fontRef idx="minor">
+                <a:schemeClr val="tx1"/>
+              </a:fontRef>
+            </p:style>
+            <p:txBody>
+              <a:bodyPr rtlCol="0" anchor="ctr"/>
+              <a:lstStyle/>
+              <a:p>
+                <a:pPr algn="ctr"/>
+                <a:endParaRPr kumimoji="1" lang="ja-JP" altLang="en-US"/>
+              </a:p>
+            </p:txBody>
+          </p:sp>
+          <p:sp>
+            <p:nvSpPr>
+              <p:cNvPr id="789" name="円/楕円 788"/>
+              <p:cNvSpPr/>
+              <p:nvPr/>
+            </p:nvSpPr>
+            <p:spPr>
+              <a:xfrm>
+                <a:off x="1169818" y="1995694"/>
+                <a:ext cx="72000" cy="72000"/>
+              </a:xfrm>
+              <a:prstGeom prst="ellipse">
+                <a:avLst/>
+              </a:prstGeom>
+              <a:solidFill>
+                <a:srgbClr val="FF00FF"/>
+              </a:solidFill>
+              <a:ln>
+                <a:noFill/>
+              </a:ln>
+            </p:spPr>
+            <p:style>
+              <a:lnRef idx="1">
+                <a:schemeClr val="accent1"/>
+              </a:lnRef>
+              <a:fillRef idx="0">
+                <a:schemeClr val="accent1"/>
+              </a:fillRef>
+              <a:effectRef idx="0">
+                <a:schemeClr val="accent1"/>
+              </a:effectRef>
+              <a:fontRef idx="minor">
+                <a:schemeClr val="tx1"/>
+              </a:fontRef>
+            </p:style>
+            <p:txBody>
+              <a:bodyPr rtlCol="0" anchor="ctr"/>
+              <a:lstStyle/>
+              <a:p>
+                <a:pPr algn="ctr"/>
+                <a:endParaRPr kumimoji="1" lang="ja-JP" altLang="en-US"/>
+              </a:p>
+            </p:txBody>
+          </p:sp>
+          <p:sp>
+            <p:nvSpPr>
+              <p:cNvPr id="790" name="円/楕円 789"/>
+              <p:cNvSpPr/>
+              <p:nvPr/>
+            </p:nvSpPr>
+            <p:spPr>
+              <a:xfrm>
+                <a:off x="557366" y="2000716"/>
+                <a:ext cx="72000" cy="72000"/>
+              </a:xfrm>
+              <a:prstGeom prst="ellipse">
+                <a:avLst/>
+              </a:prstGeom>
+              <a:solidFill>
+                <a:srgbClr val="FF00FF"/>
+              </a:solidFill>
+              <a:ln>
+                <a:noFill/>
+              </a:ln>
+            </p:spPr>
+            <p:style>
+              <a:lnRef idx="1">
+                <a:schemeClr val="accent1"/>
+              </a:lnRef>
+              <a:fillRef idx="0">
+                <a:schemeClr val="accent1"/>
+              </a:fillRef>
+              <a:effectRef idx="0">
+                <a:schemeClr val="accent1"/>
+              </a:effectRef>
+              <a:fontRef idx="minor">
+                <a:schemeClr val="tx1"/>
+              </a:fontRef>
+            </p:style>
+            <p:txBody>
+              <a:bodyPr rtlCol="0" anchor="ctr"/>
+              <a:lstStyle/>
+              <a:p>
+                <a:pPr algn="ctr"/>
+                <a:endParaRPr kumimoji="1" lang="ja-JP" altLang="en-US"/>
+              </a:p>
+            </p:txBody>
+          </p:sp>
+        </p:grpSp>
+        <p:sp>
+          <p:nvSpPr>
+            <p:cNvPr id="836" name="テキスト ボックス 835"/>
+            <p:cNvSpPr txBox="1"/>
+            <p:nvPr/>
+          </p:nvSpPr>
+          <p:spPr>
+            <a:xfrm>
+              <a:off x="13141901" y="3877110"/>
+              <a:ext cx="146441" cy="195814"/>
+            </a:xfrm>
+            <a:prstGeom prst="rect">
+              <a:avLst/>
+            </a:prstGeom>
+            <a:noFill/>
+          </p:spPr>
+          <p:txBody>
+            <a:bodyPr wrap="none" lIns="36000" tIns="36000" rIns="36000" bIns="36000" rtlCol="0">
+              <a:spAutoFit/>
+            </a:bodyPr>
+            <a:lstStyle/>
+            <a:p>
+              <a:r>
+                <a:rPr kumimoji="1" lang="en-US" altLang="ja-JP" sz="800" b="1" dirty="0" smtClean="0">
+                  <a:solidFill>
+                    <a:srgbClr val="0000FF"/>
+                  </a:solidFill>
+                  <a:latin typeface="Verdana" panose="020B0604030504040204" pitchFamily="34" charset="0"/>
+                  <a:cs typeface="Verdana" panose="020B0604030504040204" pitchFamily="34" charset="0"/>
+                </a:rPr>
+                <a:t>C</a:t>
+              </a:r>
+              <a:endParaRPr kumimoji="1" lang="ja-JP" altLang="en-US" sz="800" b="1" dirty="0">
+                <a:solidFill>
+                  <a:srgbClr val="0000FF"/>
+                </a:solidFill>
+                <a:latin typeface="Verdana" panose="020B0604030504040204" pitchFamily="34" charset="0"/>
+                <a:cs typeface="Verdana" panose="020B0604030504040204" pitchFamily="34" charset="0"/>
+              </a:endParaRPr>
+            </a:p>
+          </p:txBody>
+        </p:sp>
+        <p:sp>
+          <p:nvSpPr>
+            <p:cNvPr id="837" name="正方形/長方形 836"/>
+            <p:cNvSpPr/>
+            <p:nvPr/>
+          </p:nvSpPr>
+          <p:spPr>
+            <a:xfrm>
+              <a:off x="12945293" y="3702788"/>
+              <a:ext cx="725513" cy="781575"/>
+            </a:xfrm>
+            <a:prstGeom prst="rect">
+              <a:avLst/>
+            </a:prstGeom>
+            <a:noFill/>
+            <a:ln w="12700">
+              <a:solidFill>
+                <a:srgbClr val="FF0000"/>
+              </a:solidFill>
+              <a:prstDash val="sysDash"/>
+            </a:ln>
+          </p:spPr>
+          <p:style>
+            <a:lnRef idx="1">
+              <a:schemeClr val="accent1"/>
+            </a:lnRef>
+            <a:fillRef idx="0">
+              <a:schemeClr val="accent1"/>
+            </a:fillRef>
+            <a:effectRef idx="0">
+              <a:schemeClr val="accent1"/>
+            </a:effectRef>
+            <a:fontRef idx="minor">
+              <a:schemeClr val="tx1"/>
+            </a:fontRef>
+          </p:style>
+          <p:txBody>
+            <a:bodyPr rot="0" spcFirstLastPara="0" vertOverflow="overflow" horzOverflow="overflow" vert="horz" wrap="square" lIns="91440" tIns="45720" rIns="91440" bIns="45720" numCol="1" spcCol="0" rtlCol="0" fromWordArt="0" anchor="ctr" anchorCtr="0" forceAA="0" compatLnSpc="1">
+              <a:prstTxWarp prst="textNoShape">
+                <a:avLst/>
+              </a:prstTxWarp>
+              <a:noAutofit/>
+            </a:bodyPr>
+            <a:lstStyle/>
+            <a:p>
+              <a:pPr algn="ctr"/>
+              <a:endParaRPr kumimoji="1" lang="ja-JP" altLang="en-US"/>
+            </a:p>
+          </p:txBody>
+        </p:sp>
+      </p:grpSp>
+      <p:sp>
+        <p:nvSpPr>
+          <p:cNvPr id="838" name="テキスト ボックス 837"/>
+          <p:cNvSpPr txBox="1"/>
+          <p:nvPr/>
+        </p:nvSpPr>
+        <p:spPr>
+          <a:xfrm>
+            <a:off x="13903046" y="3476508"/>
+            <a:ext cx="410369" cy="123111"/>
+          </a:xfrm>
+          <a:prstGeom prst="rect">
+            <a:avLst/>
+          </a:prstGeom>
+          <a:solidFill>
+            <a:srgbClr val="FFFFFF">
+              <a:alpha val="69000"/>
+            </a:srgbClr>
+          </a:solidFill>
+        </p:spPr>
+        <p:txBody>
+          <a:bodyPr wrap="none" lIns="0" tIns="0" rIns="0" bIns="0" rtlCol="0">
+            <a:spAutoFit/>
+          </a:bodyPr>
+          <a:lstStyle/>
+          <a:p>
+            <a:r>
+              <a:rPr kumimoji="1" lang="ja-JP" altLang="en-US" sz="800" b="1" dirty="0" smtClean="0">
+                <a:solidFill>
+                  <a:srgbClr val="0000FF"/>
+                </a:solidFill>
+                <a:latin typeface="Verdana" panose="020B0604030504040204" pitchFamily="34" charset="0"/>
+                <a:cs typeface="Verdana" panose="020B0604030504040204" pitchFamily="34" charset="0"/>
+              </a:rPr>
+              <a:t>探索範囲</a:t>
+            </a:r>
+            <a:endParaRPr kumimoji="1" lang="ja-JP" altLang="en-US" sz="800" b="1" dirty="0">
+              <a:solidFill>
+                <a:srgbClr val="0000FF"/>
+              </a:solidFill>
+              <a:latin typeface="Verdana" panose="020B0604030504040204" pitchFamily="34" charset="0"/>
+              <a:cs typeface="Verdana" panose="020B0604030504040204" pitchFamily="34" charset="0"/>
+            </a:endParaRPr>
+          </a:p>
+        </p:txBody>
+      </p:sp>
+      <p:sp>
+        <p:nvSpPr>
+          <p:cNvPr id="881" name="円/楕円 880"/>
+          <p:cNvSpPr/>
+          <p:nvPr/>
+        </p:nvSpPr>
+        <p:spPr>
+          <a:xfrm>
+            <a:off x="13807898" y="4288827"/>
+            <a:ext cx="72000" cy="72000"/>
+          </a:xfrm>
+          <a:prstGeom prst="ellipse">
+            <a:avLst/>
+          </a:prstGeom>
+          <a:solidFill>
+            <a:srgbClr val="FF25FF"/>
+          </a:solidFill>
+          <a:ln>
+            <a:noFill/>
+          </a:ln>
+        </p:spPr>
+        <p:style>
+          <a:lnRef idx="1">
+            <a:schemeClr val="accent1"/>
+          </a:lnRef>
+          <a:fillRef idx="0">
+            <a:schemeClr val="accent1"/>
+          </a:fillRef>
+          <a:effectRef idx="0">
+            <a:schemeClr val="accent1"/>
+          </a:effectRef>
+          <a:fontRef idx="minor">
+            <a:schemeClr val="tx1"/>
+          </a:fontRef>
+        </p:style>
+        <p:txBody>
+          <a:bodyPr rtlCol="0" anchor="ctr"/>
+          <a:lstStyle/>
+          <a:p>
+            <a:pPr algn="ctr"/>
+            <a:endParaRPr kumimoji="1" lang="ja-JP" altLang="en-US"/>
+          </a:p>
+        </p:txBody>
+      </p:sp>
+      <p:pic>
+        <p:nvPicPr>
+          <p:cNvPr id="1034" name="Picture 10"/>
+          <p:cNvPicPr>
+            <a:picLocks noChangeAspect="1" noChangeArrowheads="1"/>
+          </p:cNvPicPr>
+          <p:nvPr/>
+        </p:nvPicPr>
+        <p:blipFill>
+          <a:blip r:embed="rId3">
+            <a:extLst>
+              <a:ext uri="{28A0092B-C50C-407E-A947-70E740481C1C}">
+                <a14:useLocalDpi xmlns:a14="http://schemas.microsoft.com/office/drawing/2010/main" val="0"/>
+              </a:ext>
+            </a:extLst>
+          </a:blip>
+          <a:srcRect/>
+          <a:stretch>
+            <a:fillRect/>
+          </a:stretch>
+        </p:blipFill>
+        <p:spPr bwMode="auto">
+          <a:xfrm>
+            <a:off x="13012681" y="1805977"/>
+            <a:ext cx="1220249" cy="1417253"/>
+          </a:xfrm>
+          <a:prstGeom prst="rect">
+            <a:avLst/>
+          </a:prstGeom>
+          <a:noFill/>
+          <a:ln>
+            <a:noFill/>
+          </a:ln>
+          <a:effectLst/>
+          <a:extLst>
+            <a:ext uri="{909E8E84-426E-40DD-AFC4-6F175D3DCCD1}">
+              <a14:hiddenFill xmlns:a14="http://schemas.microsoft.com/office/drawing/2010/main">
+                <a:solidFill>
+                  <a:schemeClr val="accent1"/>
+                </a:solidFill>
+              </a14:hiddenFill>
+            </a:ext>
+            <a:ext uri="{91240B29-F687-4F45-9708-019B960494DF}">
+              <a14:hiddenLine xmlns:a14="http://schemas.microsoft.com/office/drawing/2010/main" w="9525">
+                <a:solidFill>
+                  <a:schemeClr val="tx1"/>
+                </a:solidFill>
+                <a:miter lim="800000"/>
+                <a:headEnd/>
+                <a:tailEnd/>
+              </a14:hiddenLine>
+            </a:ext>
+            <a:ext uri="{AF507438-7753-43E0-B8FC-AC1667EBCBE1}">
+              <a14:hiddenEffects xmlns:a14="http://schemas.microsoft.com/office/drawing/2010/main">
+                <a:effectLst>
+                  <a:outerShdw dist="35921" dir="2700000" algn="ctr" rotWithShape="0">
+                    <a:schemeClr val="bg2"/>
+                  </a:outerShdw>
+                </a:effectLst>
+              </a14:hiddenEffects>
+            </a:ext>
+          </a:extLst>
+        </p:spPr>
+      </p:pic>
+      <p:sp>
+        <p:nvSpPr>
+          <p:cNvPr id="915" name="円/楕円 914"/>
+          <p:cNvSpPr/>
+          <p:nvPr/>
+        </p:nvSpPr>
+        <p:spPr>
+          <a:xfrm>
+            <a:off x="14116050" y="3691041"/>
+            <a:ext cx="72000" cy="72000"/>
+          </a:xfrm>
+          <a:prstGeom prst="ellipse">
+            <a:avLst/>
+          </a:prstGeom>
+          <a:solidFill>
+            <a:srgbClr val="FF25FF"/>
+          </a:solidFill>
+          <a:ln>
+            <a:noFill/>
+          </a:ln>
+        </p:spPr>
+        <p:style>
+          <a:lnRef idx="1">
+            <a:schemeClr val="accent1"/>
+          </a:lnRef>
+          <a:fillRef idx="0">
+            <a:schemeClr val="accent1"/>
+          </a:fillRef>
+          <a:effectRef idx="0">
+            <a:schemeClr val="accent1"/>
+          </a:effectRef>
+          <a:fontRef idx="minor">
+            <a:schemeClr val="tx1"/>
+          </a:fontRef>
+        </p:style>
+        <p:txBody>
+          <a:bodyPr rtlCol="0" anchor="ctr"/>
+          <a:lstStyle/>
+          <a:p>
+            <a:pPr algn="ctr"/>
+            <a:endParaRPr kumimoji="1" lang="ja-JP" altLang="en-US"/>
+          </a:p>
+        </p:txBody>
+      </p:sp>
+      <p:sp>
+        <p:nvSpPr>
+          <p:cNvPr id="916" name="円/楕円 915"/>
+          <p:cNvSpPr/>
+          <p:nvPr/>
+        </p:nvSpPr>
+        <p:spPr>
+          <a:xfrm>
+            <a:off x="14116980" y="4281021"/>
+            <a:ext cx="72000" cy="72000"/>
+          </a:xfrm>
+          <a:prstGeom prst="ellipse">
+            <a:avLst/>
+          </a:prstGeom>
+          <a:solidFill>
+            <a:srgbClr val="FF25FF"/>
+          </a:solidFill>
+          <a:ln>
+            <a:noFill/>
+          </a:ln>
+        </p:spPr>
+        <p:style>
+          <a:lnRef idx="1">
+            <a:schemeClr val="accent1"/>
+          </a:lnRef>
+          <a:fillRef idx="0">
+            <a:schemeClr val="accent1"/>
+          </a:fillRef>
+          <a:effectRef idx="0">
+            <a:schemeClr val="accent1"/>
+          </a:effectRef>
+          <a:fontRef idx="minor">
+            <a:schemeClr val="tx1"/>
+          </a:fontRef>
+        </p:style>
+        <p:txBody>
+          <a:bodyPr rtlCol="0" anchor="ctr"/>
+          <a:lstStyle/>
+          <a:p>
+            <a:pPr algn="ctr"/>
+            <a:endParaRPr kumimoji="1" lang="ja-JP" altLang="en-US"/>
+          </a:p>
+        </p:txBody>
+      </p:sp>
+      <p:sp>
+        <p:nvSpPr>
+          <p:cNvPr id="917" name="円/楕円 916"/>
+          <p:cNvSpPr/>
+          <p:nvPr/>
+        </p:nvSpPr>
+        <p:spPr>
+          <a:xfrm>
+            <a:off x="13506420" y="4281951"/>
+            <a:ext cx="72000" cy="72000"/>
+          </a:xfrm>
+          <a:prstGeom prst="ellipse">
+            <a:avLst/>
+          </a:prstGeom>
+          <a:solidFill>
+            <a:srgbClr val="FF25FF"/>
+          </a:solidFill>
+          <a:ln>
+            <a:noFill/>
+          </a:ln>
+        </p:spPr>
+        <p:style>
+          <a:lnRef idx="1">
+            <a:schemeClr val="accent1"/>
+          </a:lnRef>
+          <a:fillRef idx="0">
+            <a:schemeClr val="accent1"/>
+          </a:fillRef>
+          <a:effectRef idx="0">
+            <a:schemeClr val="accent1"/>
+          </a:effectRef>
+          <a:fontRef idx="minor">
+            <a:schemeClr val="tx1"/>
+          </a:fontRef>
+        </p:style>
+        <p:txBody>
+          <a:bodyPr rtlCol="0" anchor="ctr"/>
+          <a:lstStyle/>
+          <a:p>
+            <a:pPr algn="ctr"/>
+            <a:endParaRPr kumimoji="1" lang="ja-JP" altLang="en-US"/>
+          </a:p>
+        </p:txBody>
+      </p:sp>
+      <p:sp>
+        <p:nvSpPr>
+          <p:cNvPr id="920" name="円/楕円 919"/>
+          <p:cNvSpPr/>
+          <p:nvPr/>
+        </p:nvSpPr>
+        <p:spPr>
+          <a:xfrm>
+            <a:off x="13506192" y="3680865"/>
+            <a:ext cx="72000" cy="72000"/>
+          </a:xfrm>
+          <a:prstGeom prst="ellipse">
+            <a:avLst/>
+          </a:prstGeom>
+          <a:solidFill>
+            <a:srgbClr val="FF25FF"/>
+          </a:solidFill>
+          <a:ln>
+            <a:noFill/>
+          </a:ln>
+        </p:spPr>
+        <p:style>
+          <a:lnRef idx="1">
+            <a:schemeClr val="accent1"/>
+          </a:lnRef>
+          <a:fillRef idx="0">
+            <a:schemeClr val="accent1"/>
+          </a:fillRef>
+          <a:effectRef idx="0">
+            <a:schemeClr val="accent1"/>
+          </a:effectRef>
+          <a:fontRef idx="minor">
+            <a:schemeClr val="tx1"/>
+          </a:fontRef>
+        </p:style>
+        <p:txBody>
+          <a:bodyPr rtlCol="0" anchor="ctr"/>
+          <a:lstStyle/>
+          <a:p>
+            <a:pPr algn="ctr"/>
+            <a:endParaRPr kumimoji="1" lang="ja-JP" altLang="en-US"/>
+          </a:p>
+        </p:txBody>
+      </p:sp>
+      <p:sp>
+        <p:nvSpPr>
+          <p:cNvPr id="921" name="テキスト ボックス 920"/>
+          <p:cNvSpPr txBox="1"/>
+          <p:nvPr/>
+        </p:nvSpPr>
+        <p:spPr>
+          <a:xfrm>
+            <a:off x="12987368" y="3702375"/>
+            <a:ext cx="483072" cy="195814"/>
+          </a:xfrm>
+          <a:prstGeom prst="rect">
+            <a:avLst/>
+          </a:prstGeom>
+          <a:noFill/>
+        </p:spPr>
+        <p:txBody>
+          <a:bodyPr wrap="none" lIns="36000" tIns="36000" rIns="36000" bIns="36000" rtlCol="0">
+            <a:spAutoFit/>
+          </a:bodyPr>
+          <a:lstStyle/>
+          <a:p>
+            <a:r>
+              <a:rPr kumimoji="1" lang="ja-JP" altLang="en-US" sz="800" b="1" dirty="0" smtClean="0">
+                <a:solidFill>
+                  <a:srgbClr val="FF0000"/>
+                </a:solidFill>
+                <a:latin typeface="Verdana" panose="020B0604030504040204" pitchFamily="34" charset="0"/>
+                <a:cs typeface="Verdana" panose="020B0604030504040204" pitchFamily="34" charset="0"/>
+              </a:rPr>
+              <a:t>終点近傍</a:t>
+            </a:r>
+            <a:endParaRPr kumimoji="1" lang="ja-JP" altLang="en-US" sz="800" b="1" dirty="0">
+              <a:solidFill>
+                <a:srgbClr val="FF0000"/>
+              </a:solidFill>
+              <a:latin typeface="Verdana" panose="020B0604030504040204" pitchFamily="34" charset="0"/>
+              <a:cs typeface="Verdana" panose="020B0604030504040204" pitchFamily="34" charset="0"/>
+            </a:endParaRPr>
+          </a:p>
+        </p:txBody>
+      </p:sp>
+      <p:grpSp>
+        <p:nvGrpSpPr>
+          <p:cNvPr id="922" name="グループ化 921"/>
+          <p:cNvGrpSpPr/>
+          <p:nvPr/>
+        </p:nvGrpSpPr>
+        <p:grpSpPr>
+          <a:xfrm>
+            <a:off x="11430210" y="4995854"/>
+            <a:ext cx="3091876" cy="1139555"/>
+            <a:chOff x="2222560" y="4161006"/>
+            <a:chExt cx="3091876" cy="1139555"/>
+          </a:xfrm>
+        </p:grpSpPr>
+        <p:sp>
+          <p:nvSpPr>
+            <p:cNvPr id="923" name="テキスト ボックス 922"/>
+            <p:cNvSpPr txBox="1"/>
+            <p:nvPr/>
+          </p:nvSpPr>
+          <p:spPr>
+            <a:xfrm>
+              <a:off x="2222560" y="4260855"/>
+              <a:ext cx="211596" cy="123111"/>
+            </a:xfrm>
+            <a:prstGeom prst="rect">
+              <a:avLst/>
+            </a:prstGeom>
+            <a:noFill/>
+          </p:spPr>
+          <p:txBody>
+            <a:bodyPr wrap="none" lIns="0" tIns="0" rIns="0" bIns="0" rtlCol="0">
+              <a:spAutoFit/>
+            </a:bodyPr>
+            <a:lstStyle/>
+            <a:p>
+              <a:r>
+                <a:rPr kumimoji="1" lang="en-US" altLang="ja-JP" sz="800" dirty="0" smtClean="0">
+                  <a:solidFill>
+                    <a:srgbClr val="0000FF"/>
+                  </a:solidFill>
+                </a:rPr>
+                <a:t>(6,3) </a:t>
+              </a:r>
+              <a:endParaRPr kumimoji="1" lang="ja-JP" altLang="en-US" sz="800" dirty="0">
+                <a:solidFill>
+                  <a:srgbClr val="0000FF"/>
+                </a:solidFill>
+              </a:endParaRPr>
+            </a:p>
+          </p:txBody>
+        </p:sp>
+        <p:sp>
+          <p:nvSpPr>
+            <p:cNvPr id="924" name="テキスト ボックス 923"/>
+            <p:cNvSpPr txBox="1"/>
+            <p:nvPr/>
+          </p:nvSpPr>
+          <p:spPr>
+            <a:xfrm>
+              <a:off x="2573475" y="4224504"/>
+              <a:ext cx="261857" cy="195814"/>
+            </a:xfrm>
+            <a:prstGeom prst="rect">
+              <a:avLst/>
+            </a:prstGeom>
+            <a:noFill/>
+          </p:spPr>
+          <p:txBody>
+            <a:bodyPr wrap="none" lIns="36000" tIns="36000" rIns="36000" bIns="36000" rtlCol="0">
+              <a:spAutoFit/>
+            </a:bodyPr>
+            <a:lstStyle/>
+            <a:p>
+              <a:r>
+                <a:rPr kumimoji="1" lang="en-US" altLang="ja-JP" sz="800" dirty="0" smtClean="0"/>
+                <a:t>(6,2)</a:t>
+              </a:r>
+              <a:endParaRPr kumimoji="1" lang="ja-JP" altLang="en-US" sz="800" dirty="0"/>
+            </a:p>
+          </p:txBody>
+        </p:sp>
+        <p:sp>
+          <p:nvSpPr>
+            <p:cNvPr id="925" name="テキスト ボックス 924"/>
+            <p:cNvSpPr txBox="1"/>
+            <p:nvPr/>
+          </p:nvSpPr>
+          <p:spPr>
+            <a:xfrm>
+              <a:off x="3329799" y="4224503"/>
+              <a:ext cx="261857" cy="195814"/>
+            </a:xfrm>
+            <a:prstGeom prst="rect">
+              <a:avLst/>
+            </a:prstGeom>
+            <a:noFill/>
+          </p:spPr>
+          <p:txBody>
+            <a:bodyPr wrap="none" lIns="36000" tIns="36000" rIns="36000" bIns="36000" rtlCol="0">
+              <a:spAutoFit/>
+            </a:bodyPr>
+            <a:lstStyle/>
+            <a:p>
+              <a:r>
+                <a:rPr kumimoji="1" lang="en-US" altLang="ja-JP" sz="800" dirty="0" smtClean="0"/>
+                <a:t>(4,1)</a:t>
+              </a:r>
+              <a:endParaRPr kumimoji="1" lang="ja-JP" altLang="en-US" sz="800" dirty="0"/>
+            </a:p>
+          </p:txBody>
+        </p:sp>
+        <p:cxnSp>
+          <p:nvCxnSpPr>
+            <p:cNvPr id="926" name="直線矢印コネクタ 925"/>
+            <p:cNvCxnSpPr>
+              <a:stCxn id="925" idx="3"/>
+              <a:endCxn id="932" idx="1"/>
+            </p:cNvCxnSpPr>
+            <p:nvPr/>
+          </p:nvCxnSpPr>
+          <p:spPr>
+            <a:xfrm>
+              <a:off x="3591656" y="4322410"/>
+              <a:ext cx="165872" cy="677513"/>
+            </a:xfrm>
+            <a:prstGeom prst="straightConnector1">
+              <a:avLst/>
+            </a:prstGeom>
+            <a:ln w="12700">
+              <a:solidFill>
+                <a:schemeClr val="tx1"/>
+              </a:solidFill>
+              <a:tailEnd type="arrow" w="sm" len="sm"/>
+            </a:ln>
+          </p:spPr>
+          <p:style>
+            <a:lnRef idx="1">
+              <a:schemeClr val="accent1"/>
+            </a:lnRef>
+            <a:fillRef idx="0">
+              <a:schemeClr val="accent1"/>
+            </a:fillRef>
+            <a:effectRef idx="0">
+              <a:schemeClr val="accent1"/>
+            </a:effectRef>
+            <a:fontRef idx="minor">
+              <a:schemeClr val="tx1"/>
+            </a:fontRef>
+          </p:style>
+        </p:cxnSp>
+        <p:cxnSp>
+          <p:nvCxnSpPr>
+            <p:cNvPr id="927" name="直線矢印コネクタ 926"/>
+            <p:cNvCxnSpPr>
+              <a:stCxn id="923" idx="3"/>
+              <a:endCxn id="924" idx="1"/>
+            </p:cNvCxnSpPr>
+            <p:nvPr/>
+          </p:nvCxnSpPr>
+          <p:spPr>
+            <a:xfrm>
+              <a:off x="2434156" y="4322411"/>
+              <a:ext cx="139319" cy="0"/>
+            </a:xfrm>
+            <a:prstGeom prst="straightConnector1">
+              <a:avLst/>
+            </a:prstGeom>
+            <a:ln w="12700">
+              <a:solidFill>
+                <a:schemeClr val="tx1"/>
+              </a:solidFill>
+              <a:tailEnd type="arrow" w="sm" len="sm"/>
+            </a:ln>
+          </p:spPr>
+          <p:style>
+            <a:lnRef idx="1">
+              <a:schemeClr val="accent1"/>
+            </a:lnRef>
+            <a:fillRef idx="0">
+              <a:schemeClr val="accent1"/>
+            </a:fillRef>
+            <a:effectRef idx="0">
+              <a:schemeClr val="accent1"/>
+            </a:effectRef>
+            <a:fontRef idx="minor">
+              <a:schemeClr val="tx1"/>
+            </a:fontRef>
+          </p:style>
+        </p:cxnSp>
+        <p:sp>
+          <p:nvSpPr>
+            <p:cNvPr id="928" name="テキスト ボックス 927"/>
+            <p:cNvSpPr txBox="1"/>
+            <p:nvPr/>
+          </p:nvSpPr>
+          <p:spPr>
+            <a:xfrm>
+              <a:off x="2954779" y="4224504"/>
+              <a:ext cx="261857" cy="195814"/>
+            </a:xfrm>
+            <a:prstGeom prst="rect">
+              <a:avLst/>
+            </a:prstGeom>
+            <a:noFill/>
+          </p:spPr>
+          <p:txBody>
+            <a:bodyPr wrap="none" lIns="36000" tIns="36000" rIns="36000" bIns="36000" rtlCol="0">
+              <a:spAutoFit/>
+            </a:bodyPr>
+            <a:lstStyle/>
+            <a:p>
+              <a:r>
+                <a:rPr kumimoji="1" lang="en-US" altLang="ja-JP" sz="800" dirty="0" smtClean="0"/>
+                <a:t>(5,1)</a:t>
+              </a:r>
+              <a:endParaRPr kumimoji="1" lang="ja-JP" altLang="en-US" sz="800" dirty="0"/>
+            </a:p>
+          </p:txBody>
+        </p:sp>
+        <p:sp>
+          <p:nvSpPr>
+            <p:cNvPr id="929" name="テキスト ボックス 928"/>
+            <p:cNvSpPr txBox="1"/>
+            <p:nvPr/>
+          </p:nvSpPr>
+          <p:spPr>
+            <a:xfrm>
+              <a:off x="4198617" y="4902016"/>
+              <a:ext cx="261857" cy="195814"/>
+            </a:xfrm>
+            <a:prstGeom prst="rect">
+              <a:avLst/>
+            </a:prstGeom>
+            <a:noFill/>
+          </p:spPr>
+          <p:txBody>
+            <a:bodyPr wrap="none" lIns="36000" tIns="36000" rIns="36000" bIns="36000" rtlCol="0">
+              <a:spAutoFit/>
+            </a:bodyPr>
+            <a:lstStyle/>
+            <a:p>
+              <a:r>
+                <a:rPr kumimoji="1" lang="en-US" altLang="ja-JP" sz="800" dirty="0" smtClean="0"/>
+                <a:t>(2,2)</a:t>
+              </a:r>
+              <a:endParaRPr kumimoji="1" lang="ja-JP" altLang="en-US" sz="800" dirty="0"/>
+            </a:p>
+          </p:txBody>
+        </p:sp>
+        <p:cxnSp>
+          <p:nvCxnSpPr>
+            <p:cNvPr id="930" name="直線矢印コネクタ 929"/>
+            <p:cNvCxnSpPr>
+              <a:stCxn id="924" idx="3"/>
+              <a:endCxn id="928" idx="1"/>
+            </p:cNvCxnSpPr>
+            <p:nvPr/>
+          </p:nvCxnSpPr>
+          <p:spPr>
+            <a:xfrm>
+              <a:off x="2835332" y="4322411"/>
+              <a:ext cx="119447" cy="0"/>
+            </a:xfrm>
+            <a:prstGeom prst="straightConnector1">
+              <a:avLst/>
+            </a:prstGeom>
+            <a:ln w="12700">
+              <a:solidFill>
+                <a:schemeClr val="tx1"/>
+              </a:solidFill>
+              <a:tailEnd type="arrow" w="sm" len="sm"/>
+            </a:ln>
+          </p:spPr>
+          <p:style>
+            <a:lnRef idx="1">
+              <a:schemeClr val="accent1"/>
+            </a:lnRef>
+            <a:fillRef idx="0">
+              <a:schemeClr val="accent1"/>
+            </a:fillRef>
+            <a:effectRef idx="0">
+              <a:schemeClr val="accent1"/>
+            </a:effectRef>
+            <a:fontRef idx="minor">
+              <a:schemeClr val="tx1"/>
+            </a:fontRef>
+          </p:style>
+        </p:cxnSp>
+        <p:cxnSp>
+          <p:nvCxnSpPr>
+            <p:cNvPr id="931" name="直線矢印コネクタ 930"/>
+            <p:cNvCxnSpPr>
+              <a:stCxn id="928" idx="3"/>
+              <a:endCxn id="925" idx="1"/>
+            </p:cNvCxnSpPr>
+            <p:nvPr/>
+          </p:nvCxnSpPr>
+          <p:spPr>
+            <a:xfrm flipV="1">
+              <a:off x="3216636" y="4322410"/>
+              <a:ext cx="113163" cy="1"/>
+            </a:xfrm>
+            <a:prstGeom prst="straightConnector1">
+              <a:avLst/>
+            </a:prstGeom>
+            <a:ln w="12700">
+              <a:solidFill>
+                <a:schemeClr val="tx1"/>
+              </a:solidFill>
+              <a:tailEnd type="arrow" w="sm" len="sm"/>
+            </a:ln>
+          </p:spPr>
+          <p:style>
+            <a:lnRef idx="1">
+              <a:schemeClr val="accent1"/>
+            </a:lnRef>
+            <a:fillRef idx="0">
+              <a:schemeClr val="accent1"/>
+            </a:fillRef>
+            <a:effectRef idx="0">
+              <a:schemeClr val="accent1"/>
+            </a:effectRef>
+            <a:fontRef idx="minor">
+              <a:schemeClr val="tx1"/>
+            </a:fontRef>
+          </p:style>
+        </p:cxnSp>
+        <p:sp>
+          <p:nvSpPr>
+            <p:cNvPr id="932" name="テキスト ボックス 931"/>
+            <p:cNvSpPr txBox="1"/>
+            <p:nvPr/>
+          </p:nvSpPr>
+          <p:spPr>
+            <a:xfrm>
+              <a:off x="3757528" y="4902016"/>
+              <a:ext cx="261857" cy="195814"/>
+            </a:xfrm>
+            <a:prstGeom prst="rect">
+              <a:avLst/>
+            </a:prstGeom>
+            <a:noFill/>
+          </p:spPr>
+          <p:txBody>
+            <a:bodyPr wrap="none" lIns="36000" tIns="36000" rIns="36000" bIns="36000" rtlCol="0">
+              <a:spAutoFit/>
+            </a:bodyPr>
+            <a:lstStyle/>
+            <a:p>
+              <a:r>
+                <a:rPr kumimoji="1" lang="en-US" altLang="ja-JP" sz="800" dirty="0" smtClean="0"/>
+                <a:t>(3,1)</a:t>
+              </a:r>
+              <a:endParaRPr kumimoji="1" lang="ja-JP" altLang="en-US" sz="800" dirty="0"/>
+            </a:p>
+          </p:txBody>
+        </p:sp>
+        <p:cxnSp>
+          <p:nvCxnSpPr>
+            <p:cNvPr id="933" name="直線矢印コネクタ 932"/>
+            <p:cNvCxnSpPr>
+              <a:stCxn id="932" idx="3"/>
+              <a:endCxn id="929" idx="1"/>
+            </p:cNvCxnSpPr>
+            <p:nvPr/>
+          </p:nvCxnSpPr>
+          <p:spPr>
+            <a:xfrm>
+              <a:off x="4019385" y="4999923"/>
+              <a:ext cx="179232" cy="0"/>
+            </a:xfrm>
+            <a:prstGeom prst="straightConnector1">
+              <a:avLst/>
+            </a:prstGeom>
+            <a:ln w="12700">
+              <a:solidFill>
+                <a:schemeClr val="tx1"/>
+              </a:solidFill>
+              <a:tailEnd type="arrow" w="sm" len="sm"/>
+            </a:ln>
+          </p:spPr>
+          <p:style>
+            <a:lnRef idx="1">
+              <a:schemeClr val="accent1"/>
+            </a:lnRef>
+            <a:fillRef idx="0">
+              <a:schemeClr val="accent1"/>
+            </a:fillRef>
+            <a:effectRef idx="0">
+              <a:schemeClr val="accent1"/>
+            </a:effectRef>
+            <a:fontRef idx="minor">
+              <a:schemeClr val="tx1"/>
+            </a:fontRef>
+          </p:style>
+        </p:cxnSp>
+        <p:sp>
+          <p:nvSpPr>
+            <p:cNvPr id="934" name="テキスト ボックス 933"/>
+            <p:cNvSpPr txBox="1"/>
+            <p:nvPr/>
+          </p:nvSpPr>
+          <p:spPr>
+            <a:xfrm>
+              <a:off x="4619768" y="4900211"/>
+              <a:ext cx="694668" cy="195814"/>
+            </a:xfrm>
+            <a:prstGeom prst="rect">
+              <a:avLst/>
+            </a:prstGeom>
+            <a:noFill/>
+          </p:spPr>
+          <p:txBody>
+            <a:bodyPr wrap="none" lIns="36000" tIns="36000" rIns="36000" bIns="36000" rtlCol="0">
+              <a:spAutoFit/>
+            </a:bodyPr>
+            <a:lstStyle/>
+            <a:p>
+              <a:r>
+                <a:rPr kumimoji="1" lang="en-US" altLang="ja-JP" sz="800" dirty="0" smtClean="0">
+                  <a:solidFill>
+                    <a:srgbClr val="0000FF"/>
+                  </a:solidFill>
+                </a:rPr>
+                <a:t>(2,3)</a:t>
+              </a:r>
+              <a:r>
+                <a:rPr lang="ja-JP" altLang="en-US" sz="800" b="1" dirty="0">
+                  <a:solidFill>
+                    <a:srgbClr val="FF0000"/>
+                  </a:solidFill>
+                </a:rPr>
+                <a:t> </a:t>
+              </a:r>
+              <a:r>
+                <a:rPr kumimoji="1" lang="ja-JP" altLang="en-US" sz="800" b="1" dirty="0" smtClean="0">
+                  <a:solidFill>
+                    <a:srgbClr val="FF0000"/>
+                  </a:solidFill>
+                </a:rPr>
+                <a:t>探索成功</a:t>
+              </a:r>
+              <a:endParaRPr kumimoji="1" lang="ja-JP" altLang="en-US" sz="800" b="1" dirty="0">
+                <a:solidFill>
+                  <a:srgbClr val="FF0000"/>
+                </a:solidFill>
+              </a:endParaRPr>
+            </a:p>
+          </p:txBody>
+        </p:sp>
+        <p:cxnSp>
+          <p:nvCxnSpPr>
+            <p:cNvPr id="935" name="直線矢印コネクタ 934"/>
+            <p:cNvCxnSpPr>
+              <a:stCxn id="929" idx="3"/>
+              <a:endCxn id="934" idx="1"/>
+            </p:cNvCxnSpPr>
+            <p:nvPr/>
+          </p:nvCxnSpPr>
+          <p:spPr>
+            <a:xfrm flipV="1">
+              <a:off x="4460474" y="4998118"/>
+              <a:ext cx="159294" cy="1805"/>
+            </a:xfrm>
+            <a:prstGeom prst="straightConnector1">
+              <a:avLst/>
+            </a:prstGeom>
+            <a:ln w="12700">
+              <a:solidFill>
+                <a:schemeClr val="tx1"/>
+              </a:solidFill>
+              <a:tailEnd type="arrow" w="sm" len="sm"/>
+            </a:ln>
+          </p:spPr>
+          <p:style>
+            <a:lnRef idx="1">
+              <a:schemeClr val="accent1"/>
+            </a:lnRef>
+            <a:fillRef idx="0">
+              <a:schemeClr val="accent1"/>
+            </a:fillRef>
+            <a:effectRef idx="0">
+              <a:schemeClr val="accent1"/>
+            </a:effectRef>
+            <a:fontRef idx="minor">
+              <a:schemeClr val="tx1"/>
+            </a:fontRef>
+          </p:style>
+        </p:cxnSp>
+        <p:sp>
+          <p:nvSpPr>
+            <p:cNvPr id="936" name="テキスト ボックス 935"/>
+            <p:cNvSpPr txBox="1"/>
+            <p:nvPr/>
+          </p:nvSpPr>
+          <p:spPr>
+            <a:xfrm>
+              <a:off x="2573474" y="4907614"/>
+              <a:ext cx="261857" cy="195814"/>
+            </a:xfrm>
+            <a:prstGeom prst="rect">
+              <a:avLst/>
+            </a:prstGeom>
+            <a:noFill/>
+          </p:spPr>
+          <p:txBody>
+            <a:bodyPr wrap="none" lIns="36000" tIns="36000" rIns="36000" bIns="36000" rtlCol="0">
+              <a:spAutoFit/>
+            </a:bodyPr>
+            <a:lstStyle/>
+            <a:p>
+              <a:r>
+                <a:rPr kumimoji="1" lang="en-US" altLang="ja-JP" sz="800" dirty="0" smtClean="0"/>
+                <a:t>(5,2)</a:t>
+              </a:r>
+              <a:endParaRPr kumimoji="1" lang="ja-JP" altLang="en-US" sz="800" dirty="0"/>
+            </a:p>
+          </p:txBody>
+        </p:sp>
+        <p:cxnSp>
+          <p:nvCxnSpPr>
+            <p:cNvPr id="937" name="直線矢印コネクタ 936"/>
+            <p:cNvCxnSpPr>
+              <a:stCxn id="923" idx="3"/>
+              <a:endCxn id="936" idx="1"/>
+            </p:cNvCxnSpPr>
+            <p:nvPr/>
+          </p:nvCxnSpPr>
+          <p:spPr>
+            <a:xfrm>
+              <a:off x="2434156" y="4322411"/>
+              <a:ext cx="139318" cy="683110"/>
+            </a:xfrm>
+            <a:prstGeom prst="straightConnector1">
+              <a:avLst/>
+            </a:prstGeom>
+            <a:ln w="12700">
+              <a:solidFill>
+                <a:schemeClr val="tx1"/>
+              </a:solidFill>
+              <a:tailEnd type="arrow" w="sm" len="sm"/>
+            </a:ln>
+          </p:spPr>
+          <p:style>
+            <a:lnRef idx="1">
+              <a:schemeClr val="accent1"/>
+            </a:lnRef>
+            <a:fillRef idx="0">
+              <a:schemeClr val="accent1"/>
+            </a:fillRef>
+            <a:effectRef idx="0">
+              <a:schemeClr val="accent1"/>
+            </a:effectRef>
+            <a:fontRef idx="minor">
+              <a:schemeClr val="tx1"/>
+            </a:fontRef>
+          </p:style>
+        </p:cxnSp>
+        <p:sp>
+          <p:nvSpPr>
+            <p:cNvPr id="938" name="テキスト ボックス 937"/>
+            <p:cNvSpPr txBox="1"/>
+            <p:nvPr/>
+          </p:nvSpPr>
+          <p:spPr>
+            <a:xfrm>
+              <a:off x="3312606" y="4903280"/>
+              <a:ext cx="261857" cy="195814"/>
+            </a:xfrm>
+            <a:prstGeom prst="rect">
+              <a:avLst/>
+            </a:prstGeom>
+            <a:noFill/>
+          </p:spPr>
+          <p:txBody>
+            <a:bodyPr wrap="none" lIns="36000" tIns="36000" rIns="36000" bIns="36000" rtlCol="0">
+              <a:spAutoFit/>
+            </a:bodyPr>
+            <a:lstStyle/>
+            <a:p>
+              <a:r>
+                <a:rPr kumimoji="1" lang="en-US" altLang="ja-JP" sz="800" dirty="0" smtClean="0"/>
+                <a:t>(4,1)</a:t>
+              </a:r>
+              <a:endParaRPr kumimoji="1" lang="ja-JP" altLang="en-US" sz="800" dirty="0"/>
+            </a:p>
+          </p:txBody>
+        </p:sp>
+        <p:cxnSp>
+          <p:nvCxnSpPr>
+            <p:cNvPr id="939" name="直線矢印コネクタ 938"/>
+            <p:cNvCxnSpPr>
+              <a:stCxn id="936" idx="3"/>
+              <a:endCxn id="938" idx="1"/>
+            </p:cNvCxnSpPr>
+            <p:nvPr/>
+          </p:nvCxnSpPr>
+          <p:spPr>
+            <a:xfrm flipV="1">
+              <a:off x="2835331" y="5001187"/>
+              <a:ext cx="477275" cy="4334"/>
+            </a:xfrm>
+            <a:prstGeom prst="straightConnector1">
+              <a:avLst/>
+            </a:prstGeom>
+            <a:ln w="12700">
+              <a:solidFill>
+                <a:schemeClr val="tx1"/>
+              </a:solidFill>
+              <a:tailEnd type="arrow" w="sm" len="sm"/>
+            </a:ln>
+          </p:spPr>
+          <p:style>
+            <a:lnRef idx="1">
+              <a:schemeClr val="accent1"/>
+            </a:lnRef>
+            <a:fillRef idx="0">
+              <a:schemeClr val="accent1"/>
+            </a:fillRef>
+            <a:effectRef idx="0">
+              <a:schemeClr val="accent1"/>
+            </a:effectRef>
+            <a:fontRef idx="minor">
+              <a:schemeClr val="tx1"/>
+            </a:fontRef>
+          </p:style>
+        </p:cxnSp>
+        <p:cxnSp>
+          <p:nvCxnSpPr>
+            <p:cNvPr id="940" name="直線矢印コネクタ 939"/>
+            <p:cNvCxnSpPr>
+              <a:stCxn id="938" idx="3"/>
+              <a:endCxn id="932" idx="1"/>
+            </p:cNvCxnSpPr>
+            <p:nvPr/>
+          </p:nvCxnSpPr>
+          <p:spPr>
+            <a:xfrm flipV="1">
+              <a:off x="3574463" y="4999923"/>
+              <a:ext cx="183065" cy="1264"/>
+            </a:xfrm>
+            <a:prstGeom prst="straightConnector1">
+              <a:avLst/>
+            </a:prstGeom>
+            <a:ln w="12700">
+              <a:solidFill>
+                <a:schemeClr val="tx1"/>
+              </a:solidFill>
+              <a:tailEnd type="arrow" w="sm" len="sm"/>
+            </a:ln>
+          </p:spPr>
+          <p:style>
+            <a:lnRef idx="1">
+              <a:schemeClr val="accent1"/>
+            </a:lnRef>
+            <a:fillRef idx="0">
+              <a:schemeClr val="accent1"/>
+            </a:fillRef>
+            <a:effectRef idx="0">
+              <a:schemeClr val="accent1"/>
+            </a:effectRef>
+            <a:fontRef idx="minor">
+              <a:schemeClr val="tx1"/>
+            </a:fontRef>
+          </p:style>
+        </p:cxnSp>
+        <p:sp>
+          <p:nvSpPr>
+            <p:cNvPr id="941" name="テキスト ボックス 940"/>
+            <p:cNvSpPr txBox="1"/>
+            <p:nvPr/>
+          </p:nvSpPr>
+          <p:spPr>
+            <a:xfrm>
+              <a:off x="3760409" y="4220826"/>
+              <a:ext cx="261857" cy="195814"/>
+            </a:xfrm>
+            <a:prstGeom prst="rect">
+              <a:avLst/>
+            </a:prstGeom>
+            <a:noFill/>
+          </p:spPr>
+          <p:txBody>
+            <a:bodyPr wrap="none" lIns="36000" tIns="36000" rIns="36000" bIns="36000" rtlCol="0">
+              <a:spAutoFit/>
+            </a:bodyPr>
+            <a:lstStyle/>
+            <a:p>
+              <a:r>
+                <a:rPr kumimoji="1" lang="en-US" altLang="ja-JP" sz="800" dirty="0" smtClean="0"/>
+                <a:t>(3,2)</a:t>
+              </a:r>
+              <a:endParaRPr kumimoji="1" lang="ja-JP" altLang="en-US" sz="800" dirty="0"/>
+            </a:p>
+          </p:txBody>
+        </p:sp>
+        <p:cxnSp>
+          <p:nvCxnSpPr>
+            <p:cNvPr id="942" name="直線矢印コネクタ 941"/>
+            <p:cNvCxnSpPr>
+              <a:stCxn id="925" idx="3"/>
+              <a:endCxn id="941" idx="1"/>
+            </p:cNvCxnSpPr>
+            <p:nvPr/>
+          </p:nvCxnSpPr>
+          <p:spPr>
+            <a:xfrm flipV="1">
+              <a:off x="3591656" y="4318733"/>
+              <a:ext cx="168753" cy="3677"/>
+            </a:xfrm>
+            <a:prstGeom prst="straightConnector1">
+              <a:avLst/>
+            </a:prstGeom>
+            <a:ln w="12700">
+              <a:solidFill>
+                <a:schemeClr val="tx1"/>
+              </a:solidFill>
+              <a:tailEnd type="arrow" w="sm" len="sm"/>
+            </a:ln>
+          </p:spPr>
+          <p:style>
+            <a:lnRef idx="1">
+              <a:schemeClr val="accent1"/>
+            </a:lnRef>
+            <a:fillRef idx="0">
+              <a:schemeClr val="accent1"/>
+            </a:fillRef>
+            <a:effectRef idx="0">
+              <a:schemeClr val="accent1"/>
+            </a:effectRef>
+            <a:fontRef idx="minor">
+              <a:schemeClr val="tx1"/>
+            </a:fontRef>
+          </p:style>
+        </p:cxnSp>
+        <p:sp>
+          <p:nvSpPr>
+            <p:cNvPr id="943" name="テキスト ボックス 942"/>
+            <p:cNvSpPr txBox="1"/>
+            <p:nvPr/>
+          </p:nvSpPr>
+          <p:spPr>
+            <a:xfrm>
+              <a:off x="4191455" y="4221410"/>
+              <a:ext cx="694668" cy="195814"/>
+            </a:xfrm>
+            <a:prstGeom prst="rect">
+              <a:avLst/>
+            </a:prstGeom>
+            <a:noFill/>
+          </p:spPr>
+          <p:txBody>
+            <a:bodyPr wrap="none" lIns="36000" tIns="36000" rIns="36000" bIns="36000" rtlCol="0">
+              <a:spAutoFit/>
+            </a:bodyPr>
+            <a:lstStyle/>
+            <a:p>
+              <a:r>
+                <a:rPr kumimoji="1" lang="en-US" altLang="ja-JP" sz="800" dirty="0" smtClean="0">
+                  <a:solidFill>
+                    <a:srgbClr val="0000FF"/>
+                  </a:solidFill>
+                </a:rPr>
+                <a:t>(2,3)</a:t>
+              </a:r>
+              <a:r>
+                <a:rPr kumimoji="1" lang="ja-JP" altLang="en-US" sz="800" dirty="0" smtClean="0">
+                  <a:solidFill>
+                    <a:srgbClr val="0000FF"/>
+                  </a:solidFill>
+                </a:rPr>
+                <a:t> </a:t>
+              </a:r>
+              <a:r>
+                <a:rPr kumimoji="1" lang="ja-JP" altLang="en-US" sz="800" b="1" dirty="0" smtClean="0">
+                  <a:solidFill>
+                    <a:srgbClr val="FF0000"/>
+                  </a:solidFill>
+                </a:rPr>
+                <a:t>探索成功</a:t>
+              </a:r>
+              <a:endParaRPr kumimoji="1" lang="ja-JP" altLang="en-US" sz="800" b="1" dirty="0">
+                <a:solidFill>
+                  <a:srgbClr val="FF0000"/>
+                </a:solidFill>
+              </a:endParaRPr>
+            </a:p>
+          </p:txBody>
+        </p:sp>
+        <p:cxnSp>
+          <p:nvCxnSpPr>
+            <p:cNvPr id="944" name="直線矢印コネクタ 943"/>
+            <p:cNvCxnSpPr>
+              <a:stCxn id="941" idx="3"/>
+              <a:endCxn id="943" idx="1"/>
+            </p:cNvCxnSpPr>
+            <p:nvPr/>
+          </p:nvCxnSpPr>
+          <p:spPr>
+            <a:xfrm>
+              <a:off x="4022266" y="4318733"/>
+              <a:ext cx="169189" cy="584"/>
+            </a:xfrm>
+            <a:prstGeom prst="straightConnector1">
+              <a:avLst/>
+            </a:prstGeom>
+            <a:ln w="12700">
+              <a:solidFill>
+                <a:schemeClr val="tx1"/>
+              </a:solidFill>
+              <a:tailEnd type="arrow" w="sm" len="sm"/>
+            </a:ln>
+          </p:spPr>
+          <p:style>
+            <a:lnRef idx="1">
+              <a:schemeClr val="accent1"/>
+            </a:lnRef>
+            <a:fillRef idx="0">
+              <a:schemeClr val="accent1"/>
+            </a:fillRef>
+            <a:effectRef idx="0">
+              <a:schemeClr val="accent1"/>
+            </a:effectRef>
+            <a:fontRef idx="minor">
+              <a:schemeClr val="tx1"/>
+            </a:fontRef>
+          </p:style>
+        </p:cxnSp>
+        <p:sp>
+          <p:nvSpPr>
+            <p:cNvPr id="945" name="テキスト ボックス 944"/>
+            <p:cNvSpPr txBox="1"/>
+            <p:nvPr/>
+          </p:nvSpPr>
+          <p:spPr>
+            <a:xfrm>
+              <a:off x="4191455" y="4411626"/>
+              <a:ext cx="261857" cy="195814"/>
+            </a:xfrm>
+            <a:prstGeom prst="rect">
+              <a:avLst/>
+            </a:prstGeom>
+            <a:noFill/>
+          </p:spPr>
+          <p:txBody>
+            <a:bodyPr wrap="none" lIns="36000" tIns="36000" rIns="36000" bIns="36000" rtlCol="0">
+              <a:spAutoFit/>
+            </a:bodyPr>
+            <a:lstStyle/>
+            <a:p>
+              <a:r>
+                <a:rPr kumimoji="1" lang="en-US" altLang="ja-JP" sz="800" dirty="0" smtClean="0"/>
+                <a:t>(3,3)</a:t>
+              </a:r>
+              <a:endParaRPr kumimoji="1" lang="ja-JP" altLang="en-US" sz="800" dirty="0"/>
+            </a:p>
+          </p:txBody>
+        </p:sp>
+        <p:cxnSp>
+          <p:nvCxnSpPr>
+            <p:cNvPr id="946" name="直線矢印コネクタ 945"/>
+            <p:cNvCxnSpPr>
+              <a:stCxn id="941" idx="3"/>
+              <a:endCxn id="945" idx="1"/>
+            </p:cNvCxnSpPr>
+            <p:nvPr/>
+          </p:nvCxnSpPr>
+          <p:spPr>
+            <a:xfrm>
+              <a:off x="4022266" y="4318733"/>
+              <a:ext cx="169189" cy="190800"/>
+            </a:xfrm>
+            <a:prstGeom prst="straightConnector1">
+              <a:avLst/>
+            </a:prstGeom>
+            <a:ln w="12700">
+              <a:solidFill>
+                <a:schemeClr val="tx1"/>
+              </a:solidFill>
+              <a:tailEnd type="arrow" w="sm" len="sm"/>
+            </a:ln>
+          </p:spPr>
+          <p:style>
+            <a:lnRef idx="1">
+              <a:schemeClr val="accent1"/>
+            </a:lnRef>
+            <a:fillRef idx="0">
+              <a:schemeClr val="accent1"/>
+            </a:fillRef>
+            <a:effectRef idx="0">
+              <a:schemeClr val="accent1"/>
+            </a:effectRef>
+            <a:fontRef idx="minor">
+              <a:schemeClr val="tx1"/>
+            </a:fontRef>
+          </p:style>
+        </p:cxnSp>
+        <p:sp>
+          <p:nvSpPr>
+            <p:cNvPr id="947" name="テキスト ボックス 946"/>
+            <p:cNvSpPr txBox="1"/>
+            <p:nvPr/>
+          </p:nvSpPr>
+          <p:spPr>
+            <a:xfrm>
+              <a:off x="3307668" y="5104747"/>
+              <a:ext cx="261857" cy="195814"/>
+            </a:xfrm>
+            <a:prstGeom prst="rect">
+              <a:avLst/>
+            </a:prstGeom>
+            <a:noFill/>
+          </p:spPr>
+          <p:txBody>
+            <a:bodyPr wrap="none" lIns="36000" tIns="36000" rIns="36000" bIns="36000" rtlCol="0">
+              <a:spAutoFit/>
+            </a:bodyPr>
+            <a:lstStyle/>
+            <a:p>
+              <a:r>
+                <a:rPr kumimoji="1" lang="en-US" altLang="ja-JP" sz="800" dirty="0" smtClean="0"/>
+                <a:t>(5,1)</a:t>
+              </a:r>
+              <a:endParaRPr kumimoji="1" lang="ja-JP" altLang="en-US" sz="800" dirty="0"/>
+            </a:p>
+          </p:txBody>
+        </p:sp>
+        <p:cxnSp>
+          <p:nvCxnSpPr>
+            <p:cNvPr id="948" name="直線矢印コネクタ 947"/>
+            <p:cNvCxnSpPr>
+              <a:stCxn id="936" idx="3"/>
+              <a:endCxn id="947" idx="1"/>
+            </p:cNvCxnSpPr>
+            <p:nvPr/>
+          </p:nvCxnSpPr>
+          <p:spPr>
+            <a:xfrm>
+              <a:off x="2835331" y="5005521"/>
+              <a:ext cx="472337" cy="197133"/>
+            </a:xfrm>
+            <a:prstGeom prst="straightConnector1">
+              <a:avLst/>
+            </a:prstGeom>
+            <a:ln w="12700">
+              <a:solidFill>
+                <a:schemeClr val="tx1"/>
+              </a:solidFill>
+              <a:tailEnd type="arrow" w="sm" len="sm"/>
+            </a:ln>
+          </p:spPr>
+          <p:style>
+            <a:lnRef idx="1">
+              <a:schemeClr val="accent1"/>
+            </a:lnRef>
+            <a:fillRef idx="0">
+              <a:schemeClr val="accent1"/>
+            </a:fillRef>
+            <a:effectRef idx="0">
+              <a:schemeClr val="accent1"/>
+            </a:effectRef>
+            <a:fontRef idx="minor">
+              <a:schemeClr val="tx1"/>
+            </a:fontRef>
+          </p:style>
+        </p:cxnSp>
+        <p:sp>
+          <p:nvSpPr>
+            <p:cNvPr id="949" name="テキスト ボックス 948"/>
+            <p:cNvSpPr txBox="1"/>
+            <p:nvPr/>
+          </p:nvSpPr>
+          <p:spPr>
+            <a:xfrm>
+              <a:off x="4198617" y="4745920"/>
+              <a:ext cx="261857" cy="195814"/>
+            </a:xfrm>
+            <a:prstGeom prst="rect">
+              <a:avLst/>
+            </a:prstGeom>
+            <a:noFill/>
+          </p:spPr>
+          <p:txBody>
+            <a:bodyPr wrap="none" lIns="36000" tIns="36000" rIns="36000" bIns="36000" rtlCol="0">
+              <a:spAutoFit/>
+            </a:bodyPr>
+            <a:lstStyle/>
+            <a:p>
+              <a:r>
+                <a:rPr kumimoji="1" lang="en-US" altLang="ja-JP" sz="800" dirty="0" smtClean="0"/>
+                <a:t>(2,1)</a:t>
+              </a:r>
+              <a:endParaRPr kumimoji="1" lang="ja-JP" altLang="en-US" sz="800" dirty="0"/>
+            </a:p>
+          </p:txBody>
+        </p:sp>
+        <p:cxnSp>
+          <p:nvCxnSpPr>
+            <p:cNvPr id="950" name="直線矢印コネクタ 949"/>
+            <p:cNvCxnSpPr>
+              <a:stCxn id="932" idx="3"/>
+              <a:endCxn id="949" idx="1"/>
+            </p:cNvCxnSpPr>
+            <p:nvPr/>
+          </p:nvCxnSpPr>
+          <p:spPr>
+            <a:xfrm flipV="1">
+              <a:off x="4019385" y="4843827"/>
+              <a:ext cx="179232" cy="156096"/>
+            </a:xfrm>
+            <a:prstGeom prst="straightConnector1">
+              <a:avLst/>
+            </a:prstGeom>
+            <a:ln w="12700">
+              <a:solidFill>
+                <a:schemeClr val="tx1"/>
+              </a:solidFill>
+              <a:tailEnd type="arrow" w="sm" len="sm"/>
+            </a:ln>
+          </p:spPr>
+          <p:style>
+            <a:lnRef idx="1">
+              <a:schemeClr val="accent1"/>
+            </a:lnRef>
+            <a:fillRef idx="0">
+              <a:schemeClr val="accent1"/>
+            </a:fillRef>
+            <a:effectRef idx="0">
+              <a:schemeClr val="accent1"/>
+            </a:effectRef>
+            <a:fontRef idx="minor">
+              <a:schemeClr val="tx1"/>
+            </a:fontRef>
+          </p:style>
+        </p:cxnSp>
+        <p:cxnSp>
+          <p:nvCxnSpPr>
+            <p:cNvPr id="951" name="直線矢印コネクタ 950"/>
+            <p:cNvCxnSpPr>
+              <a:stCxn id="929" idx="3"/>
+              <a:endCxn id="952" idx="1"/>
+            </p:cNvCxnSpPr>
+            <p:nvPr/>
+          </p:nvCxnSpPr>
+          <p:spPr>
+            <a:xfrm>
+              <a:off x="4460474" y="4999923"/>
+              <a:ext cx="156238" cy="150005"/>
+            </a:xfrm>
+            <a:prstGeom prst="straightConnector1">
+              <a:avLst/>
+            </a:prstGeom>
+            <a:ln w="12700">
+              <a:solidFill>
+                <a:schemeClr val="tx1"/>
+              </a:solidFill>
+              <a:tailEnd type="arrow" w="sm" len="sm"/>
+            </a:ln>
+          </p:spPr>
+          <p:style>
+            <a:lnRef idx="1">
+              <a:schemeClr val="accent1"/>
+            </a:lnRef>
+            <a:fillRef idx="0">
+              <a:schemeClr val="accent1"/>
+            </a:fillRef>
+            <a:effectRef idx="0">
+              <a:schemeClr val="accent1"/>
+            </a:effectRef>
+            <a:fontRef idx="minor">
+              <a:schemeClr val="tx1"/>
+            </a:fontRef>
+          </p:style>
+        </p:cxnSp>
+        <p:sp>
+          <p:nvSpPr>
+            <p:cNvPr id="952" name="テキスト ボックス 951"/>
+            <p:cNvSpPr txBox="1"/>
+            <p:nvPr/>
+          </p:nvSpPr>
+          <p:spPr>
+            <a:xfrm>
+              <a:off x="4616712" y="5052021"/>
+              <a:ext cx="261857" cy="195814"/>
+            </a:xfrm>
+            <a:prstGeom prst="rect">
+              <a:avLst/>
+            </a:prstGeom>
+            <a:noFill/>
+          </p:spPr>
+          <p:txBody>
+            <a:bodyPr wrap="none" lIns="36000" tIns="36000" rIns="36000" bIns="36000" rtlCol="0">
+              <a:spAutoFit/>
+            </a:bodyPr>
+            <a:lstStyle/>
+            <a:p>
+              <a:r>
+                <a:rPr kumimoji="1" lang="en-US" altLang="ja-JP" sz="800" dirty="0" smtClean="0"/>
+                <a:t>(1,2)</a:t>
+              </a:r>
+              <a:endParaRPr kumimoji="1" lang="ja-JP" altLang="en-US" sz="800" dirty="0"/>
+            </a:p>
+          </p:txBody>
+        </p:sp>
+        <p:sp>
+          <p:nvSpPr>
+            <p:cNvPr id="953" name="テキスト ボックス 952"/>
+            <p:cNvSpPr txBox="1"/>
+            <p:nvPr/>
+          </p:nvSpPr>
+          <p:spPr>
+            <a:xfrm>
+              <a:off x="4191455" y="4590039"/>
+              <a:ext cx="261857" cy="195814"/>
+            </a:xfrm>
+            <a:prstGeom prst="rect">
+              <a:avLst/>
+            </a:prstGeom>
+            <a:noFill/>
+          </p:spPr>
+          <p:txBody>
+            <a:bodyPr wrap="none" lIns="36000" tIns="36000" rIns="36000" bIns="36000" rtlCol="0">
+              <a:spAutoFit/>
+            </a:bodyPr>
+            <a:lstStyle/>
+            <a:p>
+              <a:r>
+                <a:rPr kumimoji="1" lang="en-US" altLang="ja-JP" sz="800" dirty="0" smtClean="0"/>
+                <a:t>(2,2)</a:t>
+              </a:r>
+              <a:endParaRPr kumimoji="1" lang="ja-JP" altLang="en-US" sz="800" dirty="0"/>
+            </a:p>
+          </p:txBody>
+        </p:sp>
+        <p:cxnSp>
+          <p:nvCxnSpPr>
+            <p:cNvPr id="954" name="直線矢印コネクタ 953"/>
+            <p:cNvCxnSpPr>
+              <a:stCxn id="941" idx="3"/>
+              <a:endCxn id="953" idx="1"/>
+            </p:cNvCxnSpPr>
+            <p:nvPr/>
+          </p:nvCxnSpPr>
+          <p:spPr>
+            <a:xfrm>
+              <a:off x="4022266" y="4318733"/>
+              <a:ext cx="169189" cy="369213"/>
+            </a:xfrm>
+            <a:prstGeom prst="straightConnector1">
+              <a:avLst/>
+            </a:prstGeom>
+            <a:ln w="12700">
+              <a:solidFill>
+                <a:schemeClr val="tx1"/>
+              </a:solidFill>
+              <a:tailEnd type="arrow" w="sm" len="sm"/>
+            </a:ln>
+          </p:spPr>
+          <p:style>
+            <a:lnRef idx="1">
+              <a:schemeClr val="accent1"/>
+            </a:lnRef>
+            <a:fillRef idx="0">
+              <a:schemeClr val="accent1"/>
+            </a:fillRef>
+            <a:effectRef idx="0">
+              <a:schemeClr val="accent1"/>
+            </a:effectRef>
+            <a:fontRef idx="minor">
+              <a:schemeClr val="tx1"/>
+            </a:fontRef>
+          </p:style>
+        </p:cxnSp>
+        <p:sp>
+          <p:nvSpPr>
+            <p:cNvPr id="955" name="テキスト ボックス 954"/>
+            <p:cNvSpPr txBox="1"/>
+            <p:nvPr/>
+          </p:nvSpPr>
+          <p:spPr>
+            <a:xfrm>
+              <a:off x="2225766" y="4368783"/>
+              <a:ext cx="205184" cy="123111"/>
+            </a:xfrm>
+            <a:prstGeom prst="rect">
+              <a:avLst/>
+            </a:prstGeom>
+            <a:noFill/>
+          </p:spPr>
+          <p:txBody>
+            <a:bodyPr wrap="none" lIns="0" tIns="0" rIns="0" bIns="0" rtlCol="0">
+              <a:spAutoFit/>
+            </a:bodyPr>
+            <a:lstStyle/>
+            <a:p>
+              <a:r>
+                <a:rPr lang="ja-JP" altLang="en-US" sz="800" dirty="0">
+                  <a:solidFill>
+                    <a:srgbClr val="0000FF"/>
+                  </a:solidFill>
+                </a:rPr>
+                <a:t>始点</a:t>
+              </a:r>
+              <a:endParaRPr kumimoji="1" lang="en-US" altLang="ja-JP" sz="800" dirty="0" smtClean="0">
+                <a:solidFill>
+                  <a:srgbClr val="0000FF"/>
+                </a:solidFill>
+              </a:endParaRPr>
+            </a:p>
+          </p:txBody>
+        </p:sp>
+        <p:sp>
+          <p:nvSpPr>
+            <p:cNvPr id="956" name="テキスト ボックス 955"/>
+            <p:cNvSpPr txBox="1"/>
+            <p:nvPr/>
+          </p:nvSpPr>
+          <p:spPr>
+            <a:xfrm>
+              <a:off x="4226615" y="4161006"/>
+              <a:ext cx="205184" cy="123111"/>
+            </a:xfrm>
+            <a:prstGeom prst="rect">
+              <a:avLst/>
+            </a:prstGeom>
+            <a:noFill/>
+          </p:spPr>
+          <p:txBody>
+            <a:bodyPr wrap="none" lIns="0" tIns="0" rIns="0" bIns="0" rtlCol="0">
+              <a:spAutoFit/>
+            </a:bodyPr>
+            <a:lstStyle/>
+            <a:p>
+              <a:r>
+                <a:rPr kumimoji="1" lang="ja-JP" altLang="en-US" sz="800" dirty="0" smtClean="0">
+                  <a:solidFill>
+                    <a:srgbClr val="0000FF"/>
+                  </a:solidFill>
+                </a:rPr>
+                <a:t>終点</a:t>
+              </a:r>
+              <a:endParaRPr kumimoji="1" lang="en-US" altLang="ja-JP" sz="800" dirty="0" smtClean="0">
+                <a:solidFill>
+                  <a:srgbClr val="0000FF"/>
+                </a:solidFill>
+              </a:endParaRPr>
+            </a:p>
+          </p:txBody>
+        </p:sp>
+        <p:sp>
+          <p:nvSpPr>
+            <p:cNvPr id="957" name="テキスト ボックス 956"/>
+            <p:cNvSpPr txBox="1"/>
+            <p:nvPr/>
+          </p:nvSpPr>
+          <p:spPr>
+            <a:xfrm>
+              <a:off x="4634376" y="4824448"/>
+              <a:ext cx="205184" cy="123111"/>
+            </a:xfrm>
+            <a:prstGeom prst="rect">
+              <a:avLst/>
+            </a:prstGeom>
+            <a:noFill/>
+          </p:spPr>
+          <p:txBody>
+            <a:bodyPr wrap="none" lIns="0" tIns="0" rIns="0" bIns="0" rtlCol="0">
+              <a:spAutoFit/>
+            </a:bodyPr>
+            <a:lstStyle/>
+            <a:p>
+              <a:r>
+                <a:rPr kumimoji="1" lang="ja-JP" altLang="en-US" sz="800" dirty="0" smtClean="0">
+                  <a:solidFill>
+                    <a:srgbClr val="0000FF"/>
+                  </a:solidFill>
+                </a:rPr>
+                <a:t>終点</a:t>
+              </a:r>
+              <a:endParaRPr kumimoji="1" lang="en-US" altLang="ja-JP" sz="800" dirty="0" smtClean="0">
+                <a:solidFill>
+                  <a:srgbClr val="0000FF"/>
+                </a:solidFill>
+              </a:endParaRPr>
+            </a:p>
+          </p:txBody>
+        </p:sp>
+      </p:grpSp>
+      <p:sp>
+        <p:nvSpPr>
+          <p:cNvPr id="1035" name="テキスト ボックス 1034"/>
+          <p:cNvSpPr txBox="1"/>
+          <p:nvPr/>
+        </p:nvSpPr>
+        <p:spPr>
+          <a:xfrm>
+            <a:off x="11101410" y="6128498"/>
+            <a:ext cx="3262432" cy="246221"/>
+          </a:xfrm>
+          <a:prstGeom prst="rect">
+            <a:avLst/>
+          </a:prstGeom>
+          <a:noFill/>
+        </p:spPr>
+        <p:txBody>
+          <a:bodyPr wrap="none" rtlCol="0">
+            <a:spAutoFit/>
+          </a:bodyPr>
+          <a:lstStyle/>
+          <a:p>
+            <a:r>
+              <a:rPr kumimoji="1" lang="ja-JP" altLang="en-US" sz="1000" b="1" dirty="0" smtClean="0">
+                <a:latin typeface="メイリオ" panose="020B0604030504040204" pitchFamily="50" charset="-128"/>
+                <a:ea typeface="メイリオ" panose="020B0604030504040204" pitchFamily="50" charset="-128"/>
+              </a:rPr>
+              <a:t>ブロックを把持した場合の探索子の分岐パターンの例</a:t>
+            </a:r>
+            <a:endParaRPr kumimoji="1" lang="ja-JP" altLang="en-US" sz="1000" b="1" dirty="0">
+              <a:latin typeface="メイリオ" panose="020B0604030504040204" pitchFamily="50" charset="-128"/>
+              <a:ea typeface="メイリオ" panose="020B0604030504040204" pitchFamily="50" charset="-128"/>
+            </a:endParaRPr>
+          </a:p>
+        </p:txBody>
+      </p:sp>
+      <p:sp>
+        <p:nvSpPr>
+          <p:cNvPr id="995" name="正方形/長方形 994"/>
+          <p:cNvSpPr/>
+          <p:nvPr/>
+        </p:nvSpPr>
+        <p:spPr>
+          <a:xfrm>
+            <a:off x="6325101" y="6529061"/>
+            <a:ext cx="8261054" cy="954107"/>
+          </a:xfrm>
+          <a:prstGeom prst="rect">
+            <a:avLst/>
+          </a:prstGeom>
+        </p:spPr>
+        <p:txBody>
+          <a:bodyPr wrap="square">
+            <a:spAutoFit/>
+          </a:bodyPr>
+          <a:lstStyle/>
+          <a:p>
+            <a:pPr indent="2509838"/>
+            <a:r>
+              <a:rPr lang="en-US" altLang="ja-JP" sz="1200" b="1" dirty="0" smtClean="0">
+                <a:solidFill>
+                  <a:srgbClr val="D24726"/>
+                </a:solidFill>
+                <a:latin typeface="メイリオ" panose="020B0604030504040204" pitchFamily="50" charset="-128"/>
+                <a:ea typeface="メイリオ" panose="020B0604030504040204" pitchFamily="50" charset="-128"/>
+                <a:cs typeface="メイリオ" panose="020B0604030504040204" pitchFamily="50" charset="-128"/>
+              </a:rPr>
+              <a:t>2-3</a:t>
+            </a:r>
+            <a:r>
+              <a:rPr lang="ja-JP" altLang="en-US" sz="1200" dirty="0" smtClean="0">
+                <a:latin typeface="メイリオ" panose="020B0604030504040204" pitchFamily="50" charset="-128"/>
+                <a:ea typeface="メイリオ" panose="020B0604030504040204" pitchFamily="50" charset="-128"/>
+                <a:cs typeface="メイリオ" panose="020B0604030504040204" pitchFamily="50" charset="-128"/>
+              </a:rPr>
+              <a:t>で探索した経路の選択基準として、抽象マップ上での移動距離と向き変更から</a:t>
+            </a:r>
+            <a:r>
+              <a:rPr lang="ja-JP" altLang="en-US" sz="1200" b="1" dirty="0" smtClean="0">
+                <a:solidFill>
+                  <a:srgbClr val="0000FF"/>
+                </a:solidFill>
+                <a:latin typeface="メイリオ" panose="020B0604030504040204" pitchFamily="50" charset="-128"/>
+                <a:ea typeface="メイリオ" panose="020B0604030504040204" pitchFamily="50" charset="-128"/>
+                <a:cs typeface="メイリオ" panose="020B0604030504040204" pitchFamily="50" charset="-128"/>
+              </a:rPr>
+              <a:t>移動コスト</a:t>
+            </a:r>
+            <a:r>
+              <a:rPr lang="ja-JP" altLang="en-US" sz="1200" dirty="0" smtClean="0">
+                <a:latin typeface="メイリオ" panose="020B0604030504040204" pitchFamily="50" charset="-128"/>
+                <a:ea typeface="メイリオ" panose="020B0604030504040204" pitchFamily="50" charset="-128"/>
+                <a:cs typeface="メイリオ" panose="020B0604030504040204" pitchFamily="50" charset="-128"/>
+              </a:rPr>
+              <a:t>を算出する。移動コストが最も低い経路を採用する。</a:t>
+            </a:r>
+            <a:endParaRPr lang="en-US" altLang="ja-JP" sz="1200" dirty="0" smtClean="0">
+              <a:latin typeface="メイリオ" panose="020B0604030504040204" pitchFamily="50" charset="-128"/>
+              <a:ea typeface="メイリオ" panose="020B0604030504040204" pitchFamily="50" charset="-128"/>
+              <a:cs typeface="メイリオ" panose="020B0604030504040204" pitchFamily="50" charset="-128"/>
+            </a:endParaRPr>
+          </a:p>
+          <a:p>
+            <a:endParaRPr lang="en-US" altLang="ja-JP" sz="400" dirty="0" smtClean="0">
+              <a:latin typeface="メイリオ" panose="020B0604030504040204" pitchFamily="50" charset="-128"/>
+              <a:ea typeface="メイリオ" panose="020B0604030504040204" pitchFamily="50" charset="-128"/>
+              <a:cs typeface="メイリオ" panose="020B0604030504040204" pitchFamily="50" charset="-128"/>
+            </a:endParaRPr>
+          </a:p>
+          <a:p>
+            <a:pPr marL="228600" indent="-228600">
+              <a:buAutoNum type="arabicPeriod"/>
+            </a:pPr>
+            <a:r>
+              <a:rPr lang="ja-JP" altLang="en-US" sz="1200" b="1" u="sng" dirty="0" smtClean="0">
+                <a:latin typeface="メイリオ" panose="020B0604030504040204" pitchFamily="50" charset="-128"/>
+                <a:ea typeface="メイリオ" panose="020B0604030504040204" pitchFamily="50" charset="-128"/>
+                <a:cs typeface="メイリオ" panose="020B0604030504040204" pitchFamily="50" charset="-128"/>
+              </a:rPr>
+              <a:t>移動</a:t>
+            </a:r>
+            <a:r>
+              <a:rPr lang="ja-JP" altLang="en-US" sz="1200" b="1" u="sng" dirty="0">
+                <a:latin typeface="メイリオ" panose="020B0604030504040204" pitchFamily="50" charset="-128"/>
+                <a:ea typeface="メイリオ" panose="020B0604030504040204" pitchFamily="50" charset="-128"/>
+                <a:cs typeface="メイリオ" panose="020B0604030504040204" pitchFamily="50" charset="-128"/>
+              </a:rPr>
+              <a:t>距離由来のコスト</a:t>
+            </a:r>
+            <a:r>
+              <a:rPr lang="ja-JP" altLang="en-US" sz="1200" dirty="0">
+                <a:latin typeface="メイリオ" panose="020B0604030504040204" pitchFamily="50" charset="-128"/>
+                <a:ea typeface="メイリオ" panose="020B0604030504040204" pitchFamily="50" charset="-128"/>
+                <a:cs typeface="メイリオ" panose="020B0604030504040204" pitchFamily="50" charset="-128"/>
+              </a:rPr>
+              <a:t> </a:t>
+            </a:r>
+            <a:r>
+              <a:rPr lang="ja-JP" altLang="en-US" sz="1200" dirty="0" smtClean="0">
+                <a:latin typeface="メイリオ" panose="020B0604030504040204" pitchFamily="50" charset="-128"/>
+                <a:ea typeface="メイリオ" panose="020B0604030504040204" pitchFamily="50" charset="-128"/>
+                <a:cs typeface="メイリオ" panose="020B0604030504040204" pitchFamily="50" charset="-128"/>
+              </a:rPr>
+              <a:t>経路上の隣接す</a:t>
+            </a:r>
+            <a:r>
+              <a:rPr lang="ja-JP" altLang="en-US" sz="1200" dirty="0">
+                <a:latin typeface="メイリオ" panose="020B0604030504040204" pitchFamily="50" charset="-128"/>
+                <a:ea typeface="メイリオ" panose="020B0604030504040204" pitchFamily="50" charset="-128"/>
+                <a:cs typeface="メイリオ" panose="020B0604030504040204" pitchFamily="50" charset="-128"/>
+              </a:rPr>
+              <a:t>る</a:t>
+            </a:r>
+            <a:r>
+              <a:rPr lang="ja-JP" altLang="en-US" sz="1200" dirty="0" smtClean="0">
+                <a:latin typeface="メイリオ" panose="020B0604030504040204" pitchFamily="50" charset="-128"/>
+                <a:ea typeface="メイリオ" panose="020B0604030504040204" pitchFamily="50" charset="-128"/>
+                <a:cs typeface="メイリオ" panose="020B0604030504040204" pitchFamily="50" charset="-128"/>
+              </a:rPr>
+              <a:t>経由点</a:t>
+            </a:r>
+            <a:r>
+              <a:rPr lang="ja-JP" altLang="en-US" sz="1200" dirty="0">
+                <a:latin typeface="メイリオ" panose="020B0604030504040204" pitchFamily="50" charset="-128"/>
+                <a:ea typeface="メイリオ" panose="020B0604030504040204" pitchFamily="50" charset="-128"/>
+                <a:cs typeface="メイリオ" panose="020B0604030504040204" pitchFamily="50" charset="-128"/>
+              </a:rPr>
+              <a:t>を結ぶ直線の長さの</a:t>
+            </a:r>
+            <a:r>
+              <a:rPr lang="ja-JP" altLang="en-US" sz="1200" dirty="0" smtClean="0">
+                <a:latin typeface="メイリオ" panose="020B0604030504040204" pitchFamily="50" charset="-128"/>
+                <a:ea typeface="メイリオ" panose="020B0604030504040204" pitchFamily="50" charset="-128"/>
+                <a:cs typeface="メイリオ" panose="020B0604030504040204" pitchFamily="50" charset="-128"/>
+              </a:rPr>
+              <a:t>総和。</a:t>
+            </a:r>
+            <a:endParaRPr lang="en-US" altLang="ja-JP" sz="1200" dirty="0" smtClean="0">
+              <a:latin typeface="メイリオ" panose="020B0604030504040204" pitchFamily="50" charset="-128"/>
+              <a:ea typeface="メイリオ" panose="020B0604030504040204" pitchFamily="50" charset="-128"/>
+              <a:cs typeface="メイリオ" panose="020B0604030504040204" pitchFamily="50" charset="-128"/>
+            </a:endParaRPr>
+          </a:p>
+          <a:p>
+            <a:endParaRPr lang="en-US" altLang="ja-JP" sz="400" dirty="0" smtClean="0">
+              <a:latin typeface="メイリオ" panose="020B0604030504040204" pitchFamily="50" charset="-128"/>
+              <a:ea typeface="メイリオ" panose="020B0604030504040204" pitchFamily="50" charset="-128"/>
+              <a:cs typeface="メイリオ" panose="020B0604030504040204" pitchFamily="50" charset="-128"/>
+            </a:endParaRPr>
+          </a:p>
+          <a:p>
+            <a:r>
+              <a:rPr lang="en-US" altLang="ja-JP" sz="1200" b="1" u="sng" dirty="0" smtClean="0">
+                <a:latin typeface="メイリオ" panose="020B0604030504040204" pitchFamily="50" charset="-128"/>
+                <a:ea typeface="メイリオ" panose="020B0604030504040204" pitchFamily="50" charset="-128"/>
+                <a:cs typeface="メイリオ" panose="020B0604030504040204" pitchFamily="50" charset="-128"/>
+              </a:rPr>
+              <a:t>2.</a:t>
+            </a:r>
+            <a:r>
+              <a:rPr lang="ja-JP" altLang="en-US" sz="1200" b="1" u="sng" dirty="0" smtClean="0">
+                <a:latin typeface="メイリオ" panose="020B0604030504040204" pitchFamily="50" charset="-128"/>
+                <a:ea typeface="メイリオ" panose="020B0604030504040204" pitchFamily="50" charset="-128"/>
+                <a:cs typeface="メイリオ" panose="020B0604030504040204" pitchFamily="50" charset="-128"/>
+              </a:rPr>
+              <a:t> 向きの変更に由来するコスト</a:t>
+            </a:r>
+            <a:r>
+              <a:rPr lang="ja-JP" altLang="en-US" sz="1200" dirty="0" smtClean="0">
+                <a:latin typeface="メイリオ" panose="020B0604030504040204" pitchFamily="50" charset="-128"/>
+                <a:ea typeface="メイリオ" panose="020B0604030504040204" pitchFamily="50" charset="-128"/>
+                <a:cs typeface="メイリオ" panose="020B0604030504040204" pitchFamily="50" charset="-128"/>
+              </a:rPr>
+              <a:t> </a:t>
+            </a:r>
+            <a:endParaRPr lang="en-US" altLang="ja-JP" sz="1200" dirty="0" smtClean="0">
+              <a:latin typeface="メイリオ" panose="020B0604030504040204" pitchFamily="50" charset="-128"/>
+              <a:ea typeface="メイリオ" panose="020B0604030504040204" pitchFamily="50" charset="-128"/>
+              <a:cs typeface="メイリオ" panose="020B0604030504040204" pitchFamily="50" charset="-128"/>
+            </a:endParaRPr>
+          </a:p>
+        </p:txBody>
+      </p:sp>
+      <p:grpSp>
+        <p:nvGrpSpPr>
+          <p:cNvPr id="636" name="グループ化 635"/>
+          <p:cNvGrpSpPr/>
+          <p:nvPr/>
+        </p:nvGrpSpPr>
+        <p:grpSpPr>
+          <a:xfrm>
+            <a:off x="12035774" y="7027884"/>
+            <a:ext cx="1855505" cy="1289614"/>
+            <a:chOff x="11849022" y="7671957"/>
+            <a:chExt cx="1855505" cy="1289614"/>
+          </a:xfrm>
+        </p:grpSpPr>
+        <p:grpSp>
+          <p:nvGrpSpPr>
+            <p:cNvPr id="1051" name="グループ化 1050"/>
+            <p:cNvGrpSpPr/>
+            <p:nvPr/>
+          </p:nvGrpSpPr>
+          <p:grpSpPr>
+            <a:xfrm>
+              <a:off x="11849022" y="7671957"/>
+              <a:ext cx="1855505" cy="1289614"/>
+              <a:chOff x="4327625" y="4545405"/>
+              <a:chExt cx="1855505" cy="1289614"/>
+            </a:xfrm>
+          </p:grpSpPr>
+          <p:cxnSp>
+            <p:nvCxnSpPr>
+              <p:cNvPr id="1052" name="直線コネクタ 1051"/>
+              <p:cNvCxnSpPr/>
+              <p:nvPr/>
+            </p:nvCxnSpPr>
+            <p:spPr>
+              <a:xfrm>
+                <a:off x="4396936" y="4748874"/>
+                <a:ext cx="1654349" cy="0"/>
+              </a:xfrm>
+              <a:prstGeom prst="line">
+                <a:avLst/>
+              </a:prstGeom>
+              <a:ln w="28575">
+                <a:solidFill>
+                  <a:schemeClr val="tx1"/>
+                </a:solidFill>
+                <a:prstDash val="sysDash"/>
+              </a:ln>
+            </p:spPr>
+            <p:style>
+              <a:lnRef idx="1">
+                <a:schemeClr val="accent1"/>
+              </a:lnRef>
+              <a:fillRef idx="0">
+                <a:schemeClr val="accent1"/>
+              </a:fillRef>
+              <a:effectRef idx="0">
+                <a:schemeClr val="accent1"/>
+              </a:effectRef>
+              <a:fontRef idx="minor">
+                <a:schemeClr val="tx1"/>
+              </a:fontRef>
+            </p:style>
+          </p:cxnSp>
+          <p:cxnSp>
+            <p:nvCxnSpPr>
+              <p:cNvPr id="1053" name="直線コネクタ 1052"/>
+              <p:cNvCxnSpPr/>
+              <p:nvPr/>
+            </p:nvCxnSpPr>
+            <p:spPr>
+              <a:xfrm>
+                <a:off x="4396936" y="4564735"/>
+                <a:ext cx="0" cy="1237475"/>
+              </a:xfrm>
+              <a:prstGeom prst="line">
+                <a:avLst/>
+              </a:prstGeom>
+              <a:ln w="28575">
+                <a:solidFill>
+                  <a:schemeClr val="tx1"/>
+                </a:solidFill>
+              </a:ln>
+            </p:spPr>
+            <p:style>
+              <a:lnRef idx="1">
+                <a:schemeClr val="accent1"/>
+              </a:lnRef>
+              <a:fillRef idx="0">
+                <a:schemeClr val="accent1"/>
+              </a:fillRef>
+              <a:effectRef idx="0">
+                <a:schemeClr val="accent1"/>
+              </a:effectRef>
+              <a:fontRef idx="minor">
+                <a:schemeClr val="tx1"/>
+              </a:fontRef>
+            </p:style>
+          </p:cxnSp>
+          <p:cxnSp>
+            <p:nvCxnSpPr>
+              <p:cNvPr id="1054" name="直線コネクタ 1053"/>
+              <p:cNvCxnSpPr/>
+              <p:nvPr/>
+            </p:nvCxnSpPr>
+            <p:spPr>
+              <a:xfrm>
+                <a:off x="4385029" y="5053965"/>
+                <a:ext cx="1666256" cy="0"/>
+              </a:xfrm>
+              <a:prstGeom prst="line">
+                <a:avLst/>
+              </a:prstGeom>
+              <a:ln w="28575">
+                <a:solidFill>
+                  <a:schemeClr val="tx1"/>
+                </a:solidFill>
+              </a:ln>
+            </p:spPr>
+            <p:style>
+              <a:lnRef idx="1">
+                <a:schemeClr val="accent1"/>
+              </a:lnRef>
+              <a:fillRef idx="0">
+                <a:schemeClr val="accent1"/>
+              </a:fillRef>
+              <a:effectRef idx="0">
+                <a:schemeClr val="accent1"/>
+              </a:effectRef>
+              <a:fontRef idx="minor">
+                <a:schemeClr val="tx1"/>
+              </a:fontRef>
+            </p:style>
+          </p:cxnSp>
+          <p:cxnSp>
+            <p:nvCxnSpPr>
+              <p:cNvPr id="1055" name="直線コネクタ 1054"/>
+              <p:cNvCxnSpPr/>
+              <p:nvPr/>
+            </p:nvCxnSpPr>
+            <p:spPr>
+              <a:xfrm>
+                <a:off x="5007117" y="4564735"/>
+                <a:ext cx="0" cy="1237475"/>
+              </a:xfrm>
+              <a:prstGeom prst="line">
+                <a:avLst/>
+              </a:prstGeom>
+              <a:ln w="28575">
+                <a:solidFill>
+                  <a:schemeClr val="tx1"/>
+                </a:solidFill>
+              </a:ln>
+            </p:spPr>
+            <p:style>
+              <a:lnRef idx="1">
+                <a:schemeClr val="accent1"/>
+              </a:lnRef>
+              <a:fillRef idx="0">
+                <a:schemeClr val="accent1"/>
+              </a:fillRef>
+              <a:effectRef idx="0">
+                <a:schemeClr val="accent1"/>
+              </a:effectRef>
+              <a:fontRef idx="minor">
+                <a:schemeClr val="tx1"/>
+              </a:fontRef>
+            </p:style>
+          </p:cxnSp>
+          <p:cxnSp>
+            <p:nvCxnSpPr>
+              <p:cNvPr id="1056" name="直線コネクタ 1055"/>
+              <p:cNvCxnSpPr/>
+              <p:nvPr/>
+            </p:nvCxnSpPr>
+            <p:spPr>
+              <a:xfrm>
+                <a:off x="5617298" y="4564735"/>
+                <a:ext cx="0" cy="1237475"/>
+              </a:xfrm>
+              <a:prstGeom prst="line">
+                <a:avLst/>
+              </a:prstGeom>
+              <a:ln w="28575">
+                <a:solidFill>
+                  <a:schemeClr val="tx1"/>
+                </a:solidFill>
+              </a:ln>
+            </p:spPr>
+            <p:style>
+              <a:lnRef idx="1">
+                <a:schemeClr val="accent1"/>
+              </a:lnRef>
+              <a:fillRef idx="0">
+                <a:schemeClr val="accent1"/>
+              </a:fillRef>
+              <a:effectRef idx="0">
+                <a:schemeClr val="accent1"/>
+              </a:effectRef>
+              <a:fontRef idx="minor">
+                <a:schemeClr val="tx1"/>
+              </a:fontRef>
+            </p:style>
+          </p:cxnSp>
+          <p:cxnSp>
+            <p:nvCxnSpPr>
+              <p:cNvPr id="1057" name="直線コネクタ 1056"/>
+              <p:cNvCxnSpPr/>
+              <p:nvPr/>
+            </p:nvCxnSpPr>
+            <p:spPr>
+              <a:xfrm flipV="1">
+                <a:off x="4391120" y="5661248"/>
+                <a:ext cx="1666256" cy="0"/>
+              </a:xfrm>
+              <a:prstGeom prst="line">
+                <a:avLst/>
+              </a:prstGeom>
+              <a:ln w="28575">
+                <a:solidFill>
+                  <a:schemeClr val="tx1"/>
+                </a:solidFill>
+              </a:ln>
+            </p:spPr>
+            <p:style>
+              <a:lnRef idx="1">
+                <a:schemeClr val="accent1"/>
+              </a:lnRef>
+              <a:fillRef idx="0">
+                <a:schemeClr val="accent1"/>
+              </a:fillRef>
+              <a:effectRef idx="0">
+                <a:schemeClr val="accent1"/>
+              </a:effectRef>
+              <a:fontRef idx="minor">
+                <a:schemeClr val="tx1"/>
+              </a:fontRef>
+            </p:style>
+          </p:cxnSp>
+          <p:sp>
+            <p:nvSpPr>
+              <p:cNvPr id="1058" name="円/楕円 1057"/>
+              <p:cNvSpPr>
+                <a:spLocks noChangeAspect="1"/>
+              </p:cNvSpPr>
+              <p:nvPr/>
+            </p:nvSpPr>
+            <p:spPr>
+              <a:xfrm>
+                <a:off x="4936198" y="4981889"/>
+                <a:ext cx="137306" cy="137321"/>
+              </a:xfrm>
+              <a:prstGeom prst="ellipse">
+                <a:avLst/>
+              </a:prstGeom>
+              <a:solidFill>
+                <a:schemeClr val="bg1"/>
+              </a:solidFill>
+              <a:ln w="28575">
+                <a:solidFill>
+                  <a:srgbClr val="FAF138"/>
+                </a:solidFill>
+              </a:ln>
+            </p:spPr>
+            <p:style>
+              <a:lnRef idx="2">
+                <a:schemeClr val="accent1">
+                  <a:shade val="50000"/>
+                </a:schemeClr>
+              </a:lnRef>
+              <a:fillRef idx="1">
+                <a:schemeClr val="accent1"/>
+              </a:fillRef>
+              <a:effectRef idx="0">
+                <a:schemeClr val="accent1"/>
+              </a:effectRef>
+              <a:fontRef idx="minor">
+                <a:schemeClr val="lt1"/>
+              </a:fontRef>
+            </p:style>
+            <p:txBody>
+              <a:bodyPr rtlCol="0" anchor="ctr"/>
+              <a:lstStyle/>
+              <a:p>
+                <a:pPr algn="ctr"/>
+                <a:endParaRPr kumimoji="1" lang="ja-JP" altLang="en-US"/>
+              </a:p>
+            </p:txBody>
+          </p:sp>
+          <p:sp>
+            <p:nvSpPr>
+              <p:cNvPr id="1059" name="円/楕円 1058"/>
+              <p:cNvSpPr>
+                <a:spLocks noChangeAspect="1"/>
+              </p:cNvSpPr>
+              <p:nvPr/>
+            </p:nvSpPr>
+            <p:spPr>
+              <a:xfrm>
+                <a:off x="4327625" y="4981889"/>
+                <a:ext cx="137306" cy="137321"/>
+              </a:xfrm>
+              <a:prstGeom prst="ellipse">
+                <a:avLst/>
+              </a:prstGeom>
+              <a:solidFill>
+                <a:schemeClr val="bg1"/>
+              </a:solidFill>
+              <a:ln w="28575">
+                <a:solidFill>
+                  <a:srgbClr val="FAF138"/>
+                </a:solidFill>
+              </a:ln>
+            </p:spPr>
+            <p:style>
+              <a:lnRef idx="2">
+                <a:schemeClr val="accent1">
+                  <a:shade val="50000"/>
+                </a:schemeClr>
+              </a:lnRef>
+              <a:fillRef idx="1">
+                <a:schemeClr val="accent1"/>
+              </a:fillRef>
+              <a:effectRef idx="0">
+                <a:schemeClr val="accent1"/>
+              </a:effectRef>
+              <a:fontRef idx="minor">
+                <a:schemeClr val="lt1"/>
+              </a:fontRef>
+            </p:style>
+            <p:txBody>
+              <a:bodyPr rtlCol="0" anchor="ctr"/>
+              <a:lstStyle/>
+              <a:p>
+                <a:pPr algn="ctr"/>
+                <a:endParaRPr kumimoji="1" lang="ja-JP" altLang="en-US"/>
+              </a:p>
+            </p:txBody>
+          </p:sp>
+          <p:sp>
+            <p:nvSpPr>
+              <p:cNvPr id="1060" name="円/楕円 1059"/>
+              <p:cNvSpPr>
+                <a:spLocks noChangeAspect="1"/>
+              </p:cNvSpPr>
+              <p:nvPr/>
+            </p:nvSpPr>
+            <p:spPr>
+              <a:xfrm>
+                <a:off x="5553420" y="4981889"/>
+                <a:ext cx="137306" cy="137321"/>
+              </a:xfrm>
+              <a:prstGeom prst="ellipse">
+                <a:avLst/>
+              </a:prstGeom>
+              <a:solidFill>
+                <a:schemeClr val="bg1"/>
+              </a:solidFill>
+              <a:ln w="28575">
+                <a:solidFill>
+                  <a:srgbClr val="33CC33"/>
+                </a:solidFill>
+              </a:ln>
+            </p:spPr>
+            <p:style>
+              <a:lnRef idx="2">
+                <a:schemeClr val="accent1">
+                  <a:shade val="50000"/>
+                </a:schemeClr>
+              </a:lnRef>
+              <a:fillRef idx="1">
+                <a:schemeClr val="accent1"/>
+              </a:fillRef>
+              <a:effectRef idx="0">
+                <a:schemeClr val="accent1"/>
+              </a:effectRef>
+              <a:fontRef idx="minor">
+                <a:schemeClr val="lt1"/>
+              </a:fontRef>
+            </p:style>
+            <p:txBody>
+              <a:bodyPr rtlCol="0" anchor="ctr"/>
+              <a:lstStyle/>
+              <a:p>
+                <a:pPr algn="ctr"/>
+                <a:endParaRPr kumimoji="1" lang="ja-JP" altLang="en-US"/>
+              </a:p>
+            </p:txBody>
+          </p:sp>
+          <p:sp>
+            <p:nvSpPr>
+              <p:cNvPr id="1061" name="円/楕円 1060"/>
+              <p:cNvSpPr>
+                <a:spLocks noChangeAspect="1"/>
+              </p:cNvSpPr>
+              <p:nvPr/>
+            </p:nvSpPr>
+            <p:spPr>
+              <a:xfrm>
+                <a:off x="4327625" y="5591956"/>
+                <a:ext cx="137306" cy="137321"/>
+              </a:xfrm>
+              <a:prstGeom prst="ellipse">
+                <a:avLst/>
+              </a:prstGeom>
+              <a:solidFill>
+                <a:schemeClr val="bg1"/>
+              </a:solidFill>
+              <a:ln w="28575">
+                <a:solidFill>
+                  <a:srgbClr val="FF0000"/>
+                </a:solidFill>
+              </a:ln>
+            </p:spPr>
+            <p:style>
+              <a:lnRef idx="2">
+                <a:schemeClr val="accent1">
+                  <a:shade val="50000"/>
+                </a:schemeClr>
+              </a:lnRef>
+              <a:fillRef idx="1">
+                <a:schemeClr val="accent1"/>
+              </a:fillRef>
+              <a:effectRef idx="0">
+                <a:schemeClr val="accent1"/>
+              </a:effectRef>
+              <a:fontRef idx="minor">
+                <a:schemeClr val="lt1"/>
+              </a:fontRef>
+            </p:style>
+            <p:txBody>
+              <a:bodyPr rtlCol="0" anchor="ctr"/>
+              <a:lstStyle/>
+              <a:p>
+                <a:pPr algn="ctr"/>
+                <a:endParaRPr kumimoji="1" lang="ja-JP" altLang="en-US"/>
+              </a:p>
+            </p:txBody>
+          </p:sp>
+          <p:sp>
+            <p:nvSpPr>
+              <p:cNvPr id="1062" name="円/楕円 1061"/>
+              <p:cNvSpPr>
+                <a:spLocks noChangeAspect="1"/>
+              </p:cNvSpPr>
+              <p:nvPr/>
+            </p:nvSpPr>
+            <p:spPr>
+              <a:xfrm>
+                <a:off x="4936198" y="5591956"/>
+                <a:ext cx="137306" cy="137321"/>
+              </a:xfrm>
+              <a:prstGeom prst="ellipse">
+                <a:avLst/>
+              </a:prstGeom>
+              <a:solidFill>
+                <a:schemeClr val="bg1"/>
+              </a:solidFill>
+              <a:ln w="28575">
+                <a:solidFill>
+                  <a:srgbClr val="FF0000"/>
+                </a:solidFill>
+              </a:ln>
+            </p:spPr>
+            <p:style>
+              <a:lnRef idx="2">
+                <a:schemeClr val="accent1">
+                  <a:shade val="50000"/>
+                </a:schemeClr>
+              </a:lnRef>
+              <a:fillRef idx="1">
+                <a:schemeClr val="accent1"/>
+              </a:fillRef>
+              <a:effectRef idx="0">
+                <a:schemeClr val="accent1"/>
+              </a:effectRef>
+              <a:fontRef idx="minor">
+                <a:schemeClr val="lt1"/>
+              </a:fontRef>
+            </p:style>
+            <p:txBody>
+              <a:bodyPr rtlCol="0" anchor="ctr"/>
+              <a:lstStyle/>
+              <a:p>
+                <a:pPr algn="ctr"/>
+                <a:endParaRPr kumimoji="1" lang="ja-JP" altLang="en-US"/>
+              </a:p>
+            </p:txBody>
+          </p:sp>
+          <p:sp>
+            <p:nvSpPr>
+              <p:cNvPr id="1063" name="円/楕円 1062"/>
+              <p:cNvSpPr>
+                <a:spLocks noChangeAspect="1"/>
+              </p:cNvSpPr>
+              <p:nvPr/>
+            </p:nvSpPr>
+            <p:spPr>
+              <a:xfrm>
+                <a:off x="5553420" y="5591956"/>
+                <a:ext cx="137306" cy="137321"/>
+              </a:xfrm>
+              <a:prstGeom prst="ellipse">
+                <a:avLst/>
+              </a:prstGeom>
+              <a:solidFill>
+                <a:schemeClr val="bg1"/>
+              </a:solidFill>
+              <a:ln w="28575">
+                <a:solidFill>
+                  <a:schemeClr val="accent1"/>
+                </a:solidFill>
+              </a:ln>
+            </p:spPr>
+            <p:style>
+              <a:lnRef idx="2">
+                <a:schemeClr val="accent1">
+                  <a:shade val="50000"/>
+                </a:schemeClr>
+              </a:lnRef>
+              <a:fillRef idx="1">
+                <a:schemeClr val="accent1"/>
+              </a:fillRef>
+              <a:effectRef idx="0">
+                <a:schemeClr val="accent1"/>
+              </a:effectRef>
+              <a:fontRef idx="minor">
+                <a:schemeClr val="lt1"/>
+              </a:fontRef>
+            </p:style>
+            <p:txBody>
+              <a:bodyPr rtlCol="0" anchor="ctr"/>
+              <a:lstStyle/>
+              <a:p>
+                <a:pPr algn="ctr"/>
+                <a:endParaRPr kumimoji="1" lang="ja-JP" altLang="en-US"/>
+              </a:p>
+            </p:txBody>
+          </p:sp>
+          <p:cxnSp>
+            <p:nvCxnSpPr>
+              <p:cNvPr id="1064" name="直線コネクタ 1063"/>
+              <p:cNvCxnSpPr/>
+              <p:nvPr/>
+            </p:nvCxnSpPr>
+            <p:spPr>
+              <a:xfrm>
+                <a:off x="4396936" y="5359056"/>
+                <a:ext cx="1654349" cy="0"/>
+              </a:xfrm>
+              <a:prstGeom prst="line">
+                <a:avLst/>
+              </a:prstGeom>
+              <a:ln w="28575">
+                <a:solidFill>
+                  <a:schemeClr val="tx1"/>
+                </a:solidFill>
+                <a:prstDash val="sysDash"/>
+              </a:ln>
+            </p:spPr>
+            <p:style>
+              <a:lnRef idx="1">
+                <a:schemeClr val="accent1"/>
+              </a:lnRef>
+              <a:fillRef idx="0">
+                <a:schemeClr val="accent1"/>
+              </a:fillRef>
+              <a:effectRef idx="0">
+                <a:schemeClr val="accent1"/>
+              </a:effectRef>
+              <a:fontRef idx="minor">
+                <a:schemeClr val="tx1"/>
+              </a:fontRef>
+            </p:style>
+          </p:cxnSp>
+          <p:cxnSp>
+            <p:nvCxnSpPr>
+              <p:cNvPr id="1065" name="直線コネクタ 1064"/>
+              <p:cNvCxnSpPr/>
+              <p:nvPr/>
+            </p:nvCxnSpPr>
+            <p:spPr>
+              <a:xfrm flipV="1">
+                <a:off x="4702027" y="4564736"/>
+                <a:ext cx="0" cy="1237474"/>
+              </a:xfrm>
+              <a:prstGeom prst="line">
+                <a:avLst/>
+              </a:prstGeom>
+              <a:ln w="28575">
+                <a:solidFill>
+                  <a:schemeClr val="tx1"/>
+                </a:solidFill>
+                <a:prstDash val="sysDash"/>
+              </a:ln>
+            </p:spPr>
+            <p:style>
+              <a:lnRef idx="1">
+                <a:schemeClr val="accent1"/>
+              </a:lnRef>
+              <a:fillRef idx="0">
+                <a:schemeClr val="accent1"/>
+              </a:fillRef>
+              <a:effectRef idx="0">
+                <a:schemeClr val="accent1"/>
+              </a:effectRef>
+              <a:fontRef idx="minor">
+                <a:schemeClr val="tx1"/>
+              </a:fontRef>
+            </p:style>
+          </p:cxnSp>
+          <p:cxnSp>
+            <p:nvCxnSpPr>
+              <p:cNvPr id="1066" name="直線コネクタ 1065"/>
+              <p:cNvCxnSpPr/>
+              <p:nvPr/>
+            </p:nvCxnSpPr>
+            <p:spPr>
+              <a:xfrm flipV="1">
+                <a:off x="5312208" y="4564736"/>
+                <a:ext cx="0" cy="1237474"/>
+              </a:xfrm>
+              <a:prstGeom prst="line">
+                <a:avLst/>
+              </a:prstGeom>
+              <a:ln w="28575">
+                <a:solidFill>
+                  <a:schemeClr val="tx1"/>
+                </a:solidFill>
+                <a:prstDash val="sysDash"/>
+              </a:ln>
+            </p:spPr>
+            <p:style>
+              <a:lnRef idx="1">
+                <a:schemeClr val="accent1"/>
+              </a:lnRef>
+              <a:fillRef idx="0">
+                <a:schemeClr val="accent1"/>
+              </a:fillRef>
+              <a:effectRef idx="0">
+                <a:schemeClr val="accent1"/>
+              </a:effectRef>
+              <a:fontRef idx="minor">
+                <a:schemeClr val="tx1"/>
+              </a:fontRef>
+            </p:style>
+          </p:cxnSp>
+          <p:cxnSp>
+            <p:nvCxnSpPr>
+              <p:cNvPr id="1067" name="直線コネクタ 1066"/>
+              <p:cNvCxnSpPr/>
+              <p:nvPr/>
+            </p:nvCxnSpPr>
+            <p:spPr>
+              <a:xfrm flipV="1">
+                <a:off x="5922389" y="4564736"/>
+                <a:ext cx="0" cy="1237474"/>
+              </a:xfrm>
+              <a:prstGeom prst="line">
+                <a:avLst/>
+              </a:prstGeom>
+              <a:ln w="28575">
+                <a:solidFill>
+                  <a:schemeClr val="tx1"/>
+                </a:solidFill>
+                <a:prstDash val="sysDash"/>
+              </a:ln>
+            </p:spPr>
+            <p:style>
+              <a:lnRef idx="1">
+                <a:schemeClr val="accent1"/>
+              </a:lnRef>
+              <a:fillRef idx="0">
+                <a:schemeClr val="accent1"/>
+              </a:fillRef>
+              <a:effectRef idx="0">
+                <a:schemeClr val="accent1"/>
+              </a:effectRef>
+              <a:fontRef idx="minor">
+                <a:schemeClr val="tx1"/>
+              </a:fontRef>
+            </p:style>
+          </p:cxnSp>
+          <p:sp>
+            <p:nvSpPr>
+              <p:cNvPr id="1068" name="テキスト ボックス 1067"/>
+              <p:cNvSpPr txBox="1"/>
+              <p:nvPr/>
+            </p:nvSpPr>
+            <p:spPr>
+              <a:xfrm>
+                <a:off x="5905242" y="5639205"/>
+                <a:ext cx="277888" cy="195814"/>
+              </a:xfrm>
+              <a:prstGeom prst="rect">
+                <a:avLst/>
+              </a:prstGeom>
+              <a:noFill/>
+            </p:spPr>
+            <p:txBody>
+              <a:bodyPr wrap="none" lIns="36000" tIns="36000" rIns="36000" bIns="36000" rtlCol="0">
+                <a:spAutoFit/>
+              </a:bodyPr>
+              <a:lstStyle/>
+              <a:p>
+                <a:r>
+                  <a:rPr lang="ja-JP" altLang="en-US" sz="800" b="1" dirty="0" smtClean="0">
+                    <a:solidFill>
+                      <a:srgbClr val="0000FF"/>
+                    </a:solidFill>
+                    <a:latin typeface="Verdana" panose="020B0604030504040204" pitchFamily="34" charset="0"/>
+                    <a:cs typeface="Verdana" panose="020B0604030504040204" pitchFamily="34" charset="0"/>
+                  </a:rPr>
+                  <a:t>始点</a:t>
+                </a:r>
+                <a:endParaRPr kumimoji="1" lang="ja-JP" altLang="en-US" sz="800" b="1" dirty="0">
+                  <a:solidFill>
+                    <a:srgbClr val="0000FF"/>
+                  </a:solidFill>
+                  <a:latin typeface="Verdana" panose="020B0604030504040204" pitchFamily="34" charset="0"/>
+                  <a:cs typeface="Verdana" panose="020B0604030504040204" pitchFamily="34" charset="0"/>
+                </a:endParaRPr>
+              </a:p>
+            </p:txBody>
+          </p:sp>
+          <p:sp>
+            <p:nvSpPr>
+              <p:cNvPr id="1069" name="円/楕円 1068"/>
+              <p:cNvSpPr/>
+              <p:nvPr/>
+            </p:nvSpPr>
+            <p:spPr>
+              <a:xfrm>
+                <a:off x="4966075" y="5018964"/>
+                <a:ext cx="72000" cy="72000"/>
+              </a:xfrm>
+              <a:prstGeom prst="ellipse">
+                <a:avLst/>
+              </a:prstGeom>
+              <a:solidFill>
+                <a:srgbClr val="FF00FF"/>
+              </a:solidFill>
+              <a:ln>
+                <a:noFill/>
+              </a:ln>
+            </p:spPr>
+            <p:style>
+              <a:lnRef idx="1">
+                <a:schemeClr val="accent1"/>
+              </a:lnRef>
+              <a:fillRef idx="0">
+                <a:schemeClr val="accent1"/>
+              </a:fillRef>
+              <a:effectRef idx="0">
+                <a:schemeClr val="accent1"/>
+              </a:effectRef>
+              <a:fontRef idx="minor">
+                <a:schemeClr val="tx1"/>
+              </a:fontRef>
+            </p:style>
+            <p:txBody>
+              <a:bodyPr rtlCol="0" anchor="ctr"/>
+              <a:lstStyle/>
+              <a:p>
+                <a:pPr algn="ctr"/>
+                <a:endParaRPr kumimoji="1" lang="ja-JP" altLang="en-US"/>
+              </a:p>
+            </p:txBody>
+          </p:sp>
+          <p:sp>
+            <p:nvSpPr>
+              <p:cNvPr id="1070" name="円/楕円 1069"/>
+              <p:cNvSpPr/>
+              <p:nvPr/>
+            </p:nvSpPr>
+            <p:spPr>
+              <a:xfrm>
+                <a:off x="5276208" y="5331491"/>
+                <a:ext cx="72000" cy="72000"/>
+              </a:xfrm>
+              <a:prstGeom prst="ellipse">
+                <a:avLst/>
+              </a:prstGeom>
+              <a:solidFill>
+                <a:srgbClr val="FF00FF"/>
+              </a:solidFill>
+              <a:ln>
+                <a:noFill/>
+              </a:ln>
+            </p:spPr>
+            <p:style>
+              <a:lnRef idx="1">
+                <a:schemeClr val="accent1"/>
+              </a:lnRef>
+              <a:fillRef idx="0">
+                <a:schemeClr val="accent1"/>
+              </a:fillRef>
+              <a:effectRef idx="0">
+                <a:schemeClr val="accent1"/>
+              </a:effectRef>
+              <a:fontRef idx="minor">
+                <a:schemeClr val="tx1"/>
+              </a:fontRef>
+            </p:style>
+            <p:txBody>
+              <a:bodyPr rtlCol="0" anchor="ctr"/>
+              <a:lstStyle/>
+              <a:p>
+                <a:pPr algn="ctr"/>
+                <a:endParaRPr kumimoji="1" lang="ja-JP" altLang="en-US"/>
+              </a:p>
+            </p:txBody>
+          </p:sp>
+          <p:cxnSp>
+            <p:nvCxnSpPr>
+              <p:cNvPr id="1071" name="直線コネクタ 1070"/>
+              <p:cNvCxnSpPr>
+                <a:endCxn id="1072" idx="6"/>
+              </p:cNvCxnSpPr>
+              <p:nvPr/>
+            </p:nvCxnSpPr>
+            <p:spPr>
+              <a:xfrm flipH="1" flipV="1">
+                <a:off x="5652112" y="5659360"/>
+                <a:ext cx="247188" cy="1888"/>
+              </a:xfrm>
+              <a:prstGeom prst="line">
+                <a:avLst/>
+              </a:prstGeom>
+              <a:ln w="19050">
+                <a:solidFill>
+                  <a:srgbClr val="FF25FF"/>
+                </a:solidFill>
+                <a:prstDash val="solid"/>
+                <a:tailEnd type="arrow" w="sm" len="sm"/>
+              </a:ln>
+            </p:spPr>
+            <p:style>
+              <a:lnRef idx="1">
+                <a:schemeClr val="accent1"/>
+              </a:lnRef>
+              <a:fillRef idx="0">
+                <a:schemeClr val="accent1"/>
+              </a:fillRef>
+              <a:effectRef idx="0">
+                <a:schemeClr val="accent1"/>
+              </a:effectRef>
+              <a:fontRef idx="minor">
+                <a:schemeClr val="tx1"/>
+              </a:fontRef>
+            </p:style>
+          </p:cxnSp>
+          <p:sp>
+            <p:nvSpPr>
+              <p:cNvPr id="1072" name="円/楕円 1071"/>
+              <p:cNvSpPr/>
+              <p:nvPr/>
+            </p:nvSpPr>
+            <p:spPr>
+              <a:xfrm>
+                <a:off x="5580112" y="5623360"/>
+                <a:ext cx="72000" cy="72000"/>
+              </a:xfrm>
+              <a:prstGeom prst="ellipse">
+                <a:avLst/>
+              </a:prstGeom>
+              <a:solidFill>
+                <a:srgbClr val="FF25FF"/>
+              </a:solidFill>
+              <a:ln>
+                <a:noFill/>
+              </a:ln>
+            </p:spPr>
+            <p:style>
+              <a:lnRef idx="1">
+                <a:schemeClr val="accent1"/>
+              </a:lnRef>
+              <a:fillRef idx="0">
+                <a:schemeClr val="accent1"/>
+              </a:fillRef>
+              <a:effectRef idx="0">
+                <a:schemeClr val="accent1"/>
+              </a:effectRef>
+              <a:fontRef idx="minor">
+                <a:schemeClr val="tx1"/>
+              </a:fontRef>
+            </p:style>
+            <p:txBody>
+              <a:bodyPr rtlCol="0" anchor="ctr"/>
+              <a:lstStyle/>
+              <a:p>
+                <a:pPr algn="ctr"/>
+                <a:endParaRPr kumimoji="1" lang="ja-JP" altLang="en-US"/>
+              </a:p>
+            </p:txBody>
+          </p:sp>
+          <p:cxnSp>
+            <p:nvCxnSpPr>
+              <p:cNvPr id="1073" name="直線コネクタ 1072"/>
+              <p:cNvCxnSpPr>
+                <a:endCxn id="1070" idx="5"/>
+              </p:cNvCxnSpPr>
+              <p:nvPr/>
+            </p:nvCxnSpPr>
+            <p:spPr>
+              <a:xfrm flipH="1" flipV="1">
+                <a:off x="5337664" y="5392947"/>
+                <a:ext cx="264590" cy="266414"/>
+              </a:xfrm>
+              <a:prstGeom prst="line">
+                <a:avLst/>
+              </a:prstGeom>
+              <a:ln w="19050">
+                <a:solidFill>
+                  <a:srgbClr val="FF25FF"/>
+                </a:solidFill>
+                <a:prstDash val="solid"/>
+                <a:tailEnd type="arrow" w="sm" len="sm"/>
+              </a:ln>
+            </p:spPr>
+            <p:style>
+              <a:lnRef idx="1">
+                <a:schemeClr val="accent1"/>
+              </a:lnRef>
+              <a:fillRef idx="0">
+                <a:schemeClr val="accent1"/>
+              </a:fillRef>
+              <a:effectRef idx="0">
+                <a:schemeClr val="accent1"/>
+              </a:effectRef>
+              <a:fontRef idx="minor">
+                <a:schemeClr val="tx1"/>
+              </a:fontRef>
+            </p:style>
+          </p:cxnSp>
+          <p:cxnSp>
+            <p:nvCxnSpPr>
+              <p:cNvPr id="1074" name="直線コネクタ 1073"/>
+              <p:cNvCxnSpPr/>
+              <p:nvPr/>
+            </p:nvCxnSpPr>
+            <p:spPr>
+              <a:xfrm flipH="1" flipV="1">
+                <a:off x="5032103" y="5077823"/>
+                <a:ext cx="264590" cy="266414"/>
+              </a:xfrm>
+              <a:prstGeom prst="line">
+                <a:avLst/>
+              </a:prstGeom>
+              <a:ln w="19050">
+                <a:solidFill>
+                  <a:srgbClr val="FF25FF"/>
+                </a:solidFill>
+                <a:prstDash val="solid"/>
+                <a:tailEnd type="arrow" w="sm" len="sm"/>
+              </a:ln>
+            </p:spPr>
+            <p:style>
+              <a:lnRef idx="1">
+                <a:schemeClr val="accent1"/>
+              </a:lnRef>
+              <a:fillRef idx="0">
+                <a:schemeClr val="accent1"/>
+              </a:fillRef>
+              <a:effectRef idx="0">
+                <a:schemeClr val="accent1"/>
+              </a:effectRef>
+              <a:fontRef idx="minor">
+                <a:schemeClr val="tx1"/>
+              </a:fontRef>
+            </p:style>
+          </p:cxnSp>
+          <p:cxnSp>
+            <p:nvCxnSpPr>
+              <p:cNvPr id="1075" name="直線コネクタ 1074"/>
+              <p:cNvCxnSpPr/>
+              <p:nvPr/>
+            </p:nvCxnSpPr>
+            <p:spPr>
+              <a:xfrm flipH="1" flipV="1">
+                <a:off x="4739607" y="5057545"/>
+                <a:ext cx="259053" cy="1"/>
+              </a:xfrm>
+              <a:prstGeom prst="line">
+                <a:avLst/>
+              </a:prstGeom>
+              <a:ln w="19050">
+                <a:solidFill>
+                  <a:srgbClr val="FF25FF"/>
+                </a:solidFill>
+                <a:prstDash val="solid"/>
+                <a:tailEnd type="arrow" w="sm" len="sm"/>
+              </a:ln>
+            </p:spPr>
+            <p:style>
+              <a:lnRef idx="1">
+                <a:schemeClr val="accent1"/>
+              </a:lnRef>
+              <a:fillRef idx="0">
+                <a:schemeClr val="accent1"/>
+              </a:fillRef>
+              <a:effectRef idx="0">
+                <a:schemeClr val="accent1"/>
+              </a:effectRef>
+              <a:fontRef idx="minor">
+                <a:schemeClr val="tx1"/>
+              </a:fontRef>
+            </p:style>
+          </p:cxnSp>
+          <p:sp>
+            <p:nvSpPr>
+              <p:cNvPr id="1076" name="円弧 1075"/>
+              <p:cNvSpPr/>
+              <p:nvPr/>
+            </p:nvSpPr>
+            <p:spPr>
+              <a:xfrm>
+                <a:off x="5436096" y="5506346"/>
+                <a:ext cx="239558" cy="265719"/>
+              </a:xfrm>
+              <a:prstGeom prst="arc">
+                <a:avLst>
+                  <a:gd name="adj1" fmla="val 10255628"/>
+                  <a:gd name="adj2" fmla="val 14114357"/>
+                </a:avLst>
+              </a:prstGeom>
+              <a:ln w="12700">
+                <a:solidFill>
+                  <a:schemeClr val="accent6">
+                    <a:lumMod val="75000"/>
+                  </a:schemeClr>
+                </a:solidFill>
+                <a:prstDash val="solid"/>
+              </a:ln>
+            </p:spPr>
+            <p:style>
+              <a:lnRef idx="1">
+                <a:schemeClr val="accent1"/>
+              </a:lnRef>
+              <a:fillRef idx="0">
+                <a:schemeClr val="accent1"/>
+              </a:fillRef>
+              <a:effectRef idx="0">
+                <a:schemeClr val="accent1"/>
+              </a:effectRef>
+              <a:fontRef idx="minor">
+                <a:schemeClr val="tx1"/>
+              </a:fontRef>
+            </p:style>
+            <p:txBody>
+              <a:bodyPr rtlCol="0" anchor="ctr"/>
+              <a:lstStyle/>
+              <a:p>
+                <a:pPr algn="ctr"/>
+                <a:endParaRPr kumimoji="1" lang="ja-JP" altLang="en-US"/>
+              </a:p>
+            </p:txBody>
+          </p:sp>
+          <p:cxnSp>
+            <p:nvCxnSpPr>
+              <p:cNvPr id="1077" name="直線コネクタ 1076"/>
+              <p:cNvCxnSpPr/>
+              <p:nvPr/>
+            </p:nvCxnSpPr>
+            <p:spPr>
+              <a:xfrm flipH="1" flipV="1">
+                <a:off x="4739607" y="4797152"/>
+                <a:ext cx="242703" cy="244376"/>
+              </a:xfrm>
+              <a:prstGeom prst="line">
+                <a:avLst/>
+              </a:prstGeom>
+              <a:ln w="19050">
+                <a:solidFill>
+                  <a:srgbClr val="FF25FF"/>
+                </a:solidFill>
+                <a:prstDash val="sysDot"/>
+                <a:headEnd type="none" w="med" len="med"/>
+                <a:tailEnd type="none" w="med" len="med"/>
+              </a:ln>
+            </p:spPr>
+            <p:style>
+              <a:lnRef idx="1">
+                <a:schemeClr val="accent1"/>
+              </a:lnRef>
+              <a:fillRef idx="0">
+                <a:schemeClr val="accent1"/>
+              </a:fillRef>
+              <a:effectRef idx="0">
+                <a:schemeClr val="accent1"/>
+              </a:effectRef>
+              <a:fontRef idx="minor">
+                <a:schemeClr val="tx1"/>
+              </a:fontRef>
+            </p:style>
+          </p:cxnSp>
+          <p:sp>
+            <p:nvSpPr>
+              <p:cNvPr id="1078" name="円弧 1077"/>
+              <p:cNvSpPr/>
+              <p:nvPr/>
+            </p:nvSpPr>
+            <p:spPr>
+              <a:xfrm>
+                <a:off x="4821426" y="4901521"/>
+                <a:ext cx="239558" cy="265719"/>
+              </a:xfrm>
+              <a:prstGeom prst="arc">
+                <a:avLst>
+                  <a:gd name="adj1" fmla="val 10255628"/>
+                  <a:gd name="adj2" fmla="val 14114357"/>
+                </a:avLst>
+              </a:prstGeom>
+              <a:ln w="12700">
+                <a:solidFill>
+                  <a:srgbClr val="0000FF"/>
+                </a:solidFill>
+                <a:prstDash val="solid"/>
+              </a:ln>
+            </p:spPr>
+            <p:style>
+              <a:lnRef idx="1">
+                <a:schemeClr val="accent1"/>
+              </a:lnRef>
+              <a:fillRef idx="0">
+                <a:schemeClr val="accent1"/>
+              </a:fillRef>
+              <a:effectRef idx="0">
+                <a:schemeClr val="accent1"/>
+              </a:effectRef>
+              <a:fontRef idx="minor">
+                <a:schemeClr val="tx1"/>
+              </a:fontRef>
+            </p:style>
+            <p:txBody>
+              <a:bodyPr rtlCol="0" anchor="ctr"/>
+              <a:lstStyle/>
+              <a:p>
+                <a:pPr algn="ctr"/>
+                <a:endParaRPr kumimoji="1" lang="ja-JP" altLang="en-US"/>
+              </a:p>
+            </p:txBody>
+          </p:sp>
+          <p:sp>
+            <p:nvSpPr>
+              <p:cNvPr id="1079" name="円/楕円 1078"/>
+              <p:cNvSpPr/>
+              <p:nvPr/>
+            </p:nvSpPr>
+            <p:spPr>
+              <a:xfrm>
+                <a:off x="5886389" y="5629343"/>
+                <a:ext cx="72000" cy="72000"/>
+              </a:xfrm>
+              <a:prstGeom prst="ellipse">
+                <a:avLst/>
+              </a:prstGeom>
+              <a:solidFill>
+                <a:srgbClr val="FF00FF"/>
+              </a:solidFill>
+              <a:ln>
+                <a:noFill/>
+              </a:ln>
+            </p:spPr>
+            <p:style>
+              <a:lnRef idx="1">
+                <a:schemeClr val="accent1"/>
+              </a:lnRef>
+              <a:fillRef idx="0">
+                <a:schemeClr val="accent1"/>
+              </a:fillRef>
+              <a:effectRef idx="0">
+                <a:schemeClr val="accent1"/>
+              </a:effectRef>
+              <a:fontRef idx="minor">
+                <a:schemeClr val="tx1"/>
+              </a:fontRef>
+            </p:style>
+            <p:txBody>
+              <a:bodyPr rtlCol="0" anchor="ctr"/>
+              <a:lstStyle/>
+              <a:p>
+                <a:pPr algn="ctr"/>
+                <a:endParaRPr kumimoji="1" lang="ja-JP" altLang="en-US"/>
+              </a:p>
+            </p:txBody>
+          </p:sp>
+          <p:sp>
+            <p:nvSpPr>
+              <p:cNvPr id="1080" name="円/楕円 1079"/>
+              <p:cNvSpPr/>
+              <p:nvPr/>
+            </p:nvSpPr>
+            <p:spPr>
+              <a:xfrm>
+                <a:off x="4665776" y="5013176"/>
+                <a:ext cx="72000" cy="72000"/>
+              </a:xfrm>
+              <a:prstGeom prst="ellipse">
+                <a:avLst/>
+              </a:prstGeom>
+              <a:solidFill>
+                <a:srgbClr val="FF00FF"/>
+              </a:solidFill>
+              <a:ln>
+                <a:noFill/>
+              </a:ln>
+            </p:spPr>
+            <p:style>
+              <a:lnRef idx="1">
+                <a:schemeClr val="accent1"/>
+              </a:lnRef>
+              <a:fillRef idx="0">
+                <a:schemeClr val="accent1"/>
+              </a:fillRef>
+              <a:effectRef idx="0">
+                <a:schemeClr val="accent1"/>
+              </a:effectRef>
+              <a:fontRef idx="minor">
+                <a:schemeClr val="tx1"/>
+              </a:fontRef>
+            </p:style>
+            <p:txBody>
+              <a:bodyPr rtlCol="0" anchor="ctr"/>
+              <a:lstStyle/>
+              <a:p>
+                <a:pPr algn="ctr"/>
+                <a:endParaRPr kumimoji="1" lang="ja-JP" altLang="en-US"/>
+              </a:p>
+            </p:txBody>
+          </p:sp>
+          <p:sp>
+            <p:nvSpPr>
+              <p:cNvPr id="1081" name="テキスト ボックス 1080"/>
+              <p:cNvSpPr txBox="1"/>
+              <p:nvPr/>
+            </p:nvSpPr>
+            <p:spPr>
+              <a:xfrm>
+                <a:off x="4443056" y="5060064"/>
+                <a:ext cx="415746" cy="195814"/>
+              </a:xfrm>
+              <a:prstGeom prst="rect">
+                <a:avLst/>
+              </a:prstGeom>
+              <a:noFill/>
+            </p:spPr>
+            <p:txBody>
+              <a:bodyPr wrap="none" lIns="36000" tIns="36000" rIns="36000" bIns="36000" rtlCol="0">
+                <a:spAutoFit/>
+              </a:bodyPr>
+              <a:lstStyle/>
+              <a:p>
+                <a:r>
+                  <a:rPr lang="ja-JP" altLang="en-US" sz="800" b="1" dirty="0" smtClean="0">
+                    <a:solidFill>
+                      <a:srgbClr val="0000FF"/>
+                    </a:solidFill>
+                    <a:latin typeface="Verdana" panose="020B0604030504040204" pitchFamily="34" charset="0"/>
+                    <a:cs typeface="Verdana" panose="020B0604030504040204" pitchFamily="34" charset="0"/>
+                  </a:rPr>
+                  <a:t>終点 ①</a:t>
+                </a:r>
+                <a:endParaRPr kumimoji="1" lang="ja-JP" altLang="en-US" sz="800" b="1" dirty="0">
+                  <a:solidFill>
+                    <a:srgbClr val="0000FF"/>
+                  </a:solidFill>
+                  <a:latin typeface="Verdana" panose="020B0604030504040204" pitchFamily="34" charset="0"/>
+                  <a:cs typeface="Verdana" panose="020B0604030504040204" pitchFamily="34" charset="0"/>
+                </a:endParaRPr>
+              </a:p>
+            </p:txBody>
+          </p:sp>
+          <p:sp>
+            <p:nvSpPr>
+              <p:cNvPr id="1082" name="円/楕円 1081"/>
+              <p:cNvSpPr/>
+              <p:nvPr/>
+            </p:nvSpPr>
+            <p:spPr>
+              <a:xfrm>
+                <a:off x="4971117" y="4712874"/>
+                <a:ext cx="72000" cy="72000"/>
+              </a:xfrm>
+              <a:prstGeom prst="ellipse">
+                <a:avLst/>
+              </a:prstGeom>
+              <a:solidFill>
+                <a:srgbClr val="FF00FF"/>
+              </a:solidFill>
+              <a:ln>
+                <a:noFill/>
+              </a:ln>
+            </p:spPr>
+            <p:style>
+              <a:lnRef idx="1">
+                <a:schemeClr val="accent1"/>
+              </a:lnRef>
+              <a:fillRef idx="0">
+                <a:schemeClr val="accent1"/>
+              </a:fillRef>
+              <a:effectRef idx="0">
+                <a:schemeClr val="accent1"/>
+              </a:effectRef>
+              <a:fontRef idx="minor">
+                <a:schemeClr val="tx1"/>
+              </a:fontRef>
+            </p:style>
+            <p:txBody>
+              <a:bodyPr rtlCol="0" anchor="ctr"/>
+              <a:lstStyle/>
+              <a:p>
+                <a:pPr algn="ctr"/>
+                <a:endParaRPr kumimoji="1" lang="ja-JP" altLang="en-US"/>
+              </a:p>
+            </p:txBody>
+          </p:sp>
+          <p:cxnSp>
+            <p:nvCxnSpPr>
+              <p:cNvPr id="1083" name="直線コネクタ 1082"/>
+              <p:cNvCxnSpPr/>
+              <p:nvPr/>
+            </p:nvCxnSpPr>
+            <p:spPr>
+              <a:xfrm rot="5400000" flipH="1" flipV="1">
+                <a:off x="4881959" y="4889838"/>
+                <a:ext cx="259053" cy="1"/>
+              </a:xfrm>
+              <a:prstGeom prst="line">
+                <a:avLst/>
+              </a:prstGeom>
+              <a:ln w="19050">
+                <a:solidFill>
+                  <a:srgbClr val="FF25FF"/>
+                </a:solidFill>
+                <a:prstDash val="solid"/>
+                <a:tailEnd type="arrow" w="sm" len="sm"/>
+              </a:ln>
+            </p:spPr>
+            <p:style>
+              <a:lnRef idx="1">
+                <a:schemeClr val="accent1"/>
+              </a:lnRef>
+              <a:fillRef idx="0">
+                <a:schemeClr val="accent1"/>
+              </a:fillRef>
+              <a:effectRef idx="0">
+                <a:schemeClr val="accent1"/>
+              </a:effectRef>
+              <a:fontRef idx="minor">
+                <a:schemeClr val="tx1"/>
+              </a:fontRef>
+            </p:style>
+          </p:cxnSp>
+          <p:sp>
+            <p:nvSpPr>
+              <p:cNvPr id="1084" name="円弧 1083"/>
+              <p:cNvSpPr/>
+              <p:nvPr/>
+            </p:nvSpPr>
+            <p:spPr>
+              <a:xfrm rot="1635575">
+                <a:off x="4840599" y="4869075"/>
+                <a:ext cx="239558" cy="265719"/>
+              </a:xfrm>
+              <a:prstGeom prst="arc">
+                <a:avLst>
+                  <a:gd name="adj1" fmla="val 11644373"/>
+                  <a:gd name="adj2" fmla="val 15650043"/>
+                </a:avLst>
+              </a:prstGeom>
+              <a:ln w="12700">
+                <a:solidFill>
+                  <a:srgbClr val="008000"/>
+                </a:solidFill>
+                <a:prstDash val="solid"/>
+              </a:ln>
+            </p:spPr>
+            <p:style>
+              <a:lnRef idx="1">
+                <a:schemeClr val="accent1"/>
+              </a:lnRef>
+              <a:fillRef idx="0">
+                <a:schemeClr val="accent1"/>
+              </a:fillRef>
+              <a:effectRef idx="0">
+                <a:schemeClr val="accent1"/>
+              </a:effectRef>
+              <a:fontRef idx="minor">
+                <a:schemeClr val="tx1"/>
+              </a:fontRef>
+            </p:style>
+            <p:txBody>
+              <a:bodyPr rtlCol="0" anchor="ctr"/>
+              <a:lstStyle/>
+              <a:p>
+                <a:pPr algn="ctr"/>
+                <a:endParaRPr kumimoji="1" lang="ja-JP" altLang="en-US"/>
+              </a:p>
+            </p:txBody>
+          </p:sp>
+          <p:sp>
+            <p:nvSpPr>
+              <p:cNvPr id="1085" name="テキスト ボックス 1084"/>
+              <p:cNvSpPr txBox="1"/>
+              <p:nvPr/>
+            </p:nvSpPr>
+            <p:spPr>
+              <a:xfrm>
+                <a:off x="4757438" y="4545405"/>
+                <a:ext cx="415746" cy="195814"/>
+              </a:xfrm>
+              <a:prstGeom prst="rect">
+                <a:avLst/>
+              </a:prstGeom>
+              <a:noFill/>
+            </p:spPr>
+            <p:txBody>
+              <a:bodyPr wrap="none" lIns="36000" tIns="36000" rIns="36000" bIns="36000" rtlCol="0">
+                <a:spAutoFit/>
+              </a:bodyPr>
+              <a:lstStyle/>
+              <a:p>
+                <a:r>
+                  <a:rPr lang="ja-JP" altLang="en-US" sz="800" b="1" dirty="0" smtClean="0">
+                    <a:solidFill>
+                      <a:srgbClr val="0000FF"/>
+                    </a:solidFill>
+                    <a:latin typeface="Verdana" panose="020B0604030504040204" pitchFamily="34" charset="0"/>
+                    <a:cs typeface="Verdana" panose="020B0604030504040204" pitchFamily="34" charset="0"/>
+                  </a:rPr>
+                  <a:t>終点 ②</a:t>
+                </a:r>
+                <a:endParaRPr kumimoji="1" lang="ja-JP" altLang="en-US" sz="800" b="1" dirty="0">
+                  <a:solidFill>
+                    <a:srgbClr val="0000FF"/>
+                  </a:solidFill>
+                  <a:latin typeface="Verdana" panose="020B0604030504040204" pitchFamily="34" charset="0"/>
+                  <a:cs typeface="Verdana" panose="020B0604030504040204" pitchFamily="34" charset="0"/>
+                </a:endParaRPr>
+              </a:p>
+            </p:txBody>
+          </p:sp>
+          <p:sp>
+            <p:nvSpPr>
+              <p:cNvPr id="1086" name="左中かっこ 1085"/>
+              <p:cNvSpPr/>
+              <p:nvPr/>
+            </p:nvSpPr>
+            <p:spPr>
+              <a:xfrm rot="8094887">
+                <a:off x="5353533" y="4886203"/>
+                <a:ext cx="144016" cy="720930"/>
+              </a:xfrm>
+              <a:prstGeom prst="leftBrace">
+                <a:avLst>
+                  <a:gd name="adj1" fmla="val 27977"/>
+                  <a:gd name="adj2" fmla="val 50000"/>
+                </a:avLst>
+              </a:prstGeom>
+              <a:ln>
+                <a:solidFill>
+                  <a:srgbClr val="0000FF"/>
+                </a:solidFill>
+              </a:ln>
+            </p:spPr>
+            <p:style>
+              <a:lnRef idx="1">
+                <a:schemeClr val="accent1"/>
+              </a:lnRef>
+              <a:fillRef idx="0">
+                <a:schemeClr val="accent1"/>
+              </a:fillRef>
+              <a:effectRef idx="0">
+                <a:schemeClr val="accent1"/>
+              </a:effectRef>
+              <a:fontRef idx="minor">
+                <a:schemeClr val="tx1"/>
+              </a:fontRef>
+            </p:style>
+            <p:txBody>
+              <a:bodyPr rtlCol="0" anchor="ctr"/>
+              <a:lstStyle/>
+              <a:p>
+                <a:pPr algn="ctr"/>
+                <a:endParaRPr kumimoji="1" lang="ja-JP" altLang="en-US"/>
+              </a:p>
+            </p:txBody>
+          </p:sp>
+          <p:sp>
+            <p:nvSpPr>
+              <p:cNvPr id="1087" name="テキスト ボックス 1086"/>
+              <p:cNvSpPr txBox="1"/>
+              <p:nvPr/>
+            </p:nvSpPr>
+            <p:spPr>
+              <a:xfrm rot="2564961">
+                <a:off x="5123357" y="5061810"/>
+                <a:ext cx="877411" cy="195814"/>
+              </a:xfrm>
+              <a:prstGeom prst="rect">
+                <a:avLst/>
+              </a:prstGeom>
+              <a:solidFill>
+                <a:srgbClr val="FFFFFF">
+                  <a:alpha val="41961"/>
+                </a:srgbClr>
+              </a:solidFill>
+            </p:spPr>
+            <p:txBody>
+              <a:bodyPr wrap="none" lIns="36000" tIns="36000" rIns="36000" bIns="36000" rtlCol="0">
+                <a:spAutoFit/>
+              </a:bodyPr>
+              <a:lstStyle/>
+              <a:p>
+                <a:r>
+                  <a:rPr lang="ja-JP" altLang="en-US" sz="800" b="1" dirty="0" smtClean="0">
+                    <a:solidFill>
+                      <a:srgbClr val="0000FF"/>
+                    </a:solidFill>
+                    <a:latin typeface="Verdana" panose="020B0604030504040204" pitchFamily="34" charset="0"/>
+                    <a:cs typeface="Verdana" panose="020B0604030504040204" pitchFamily="34" charset="0"/>
+                  </a:rPr>
+                  <a:t>向きが一定の区間</a:t>
+                </a:r>
+                <a:endParaRPr kumimoji="1" lang="ja-JP" altLang="en-US" sz="800" b="1" dirty="0">
+                  <a:solidFill>
+                    <a:srgbClr val="0000FF"/>
+                  </a:solidFill>
+                  <a:latin typeface="Verdana" panose="020B0604030504040204" pitchFamily="34" charset="0"/>
+                  <a:cs typeface="Verdana" panose="020B0604030504040204" pitchFamily="34" charset="0"/>
+                </a:endParaRPr>
+              </a:p>
+            </p:txBody>
+          </p:sp>
+        </p:grpSp>
+        <mc:AlternateContent xmlns:mc="http://schemas.openxmlformats.org/markup-compatibility/2006">
+          <mc:Choice xmlns:a14="http://schemas.microsoft.com/office/drawing/2010/main" Requires="a14">
+            <p:sp>
+              <p:nvSpPr>
+                <p:cNvPr id="1090" name="テキスト ボックス 1089"/>
+                <p:cNvSpPr txBox="1"/>
+                <p:nvPr/>
+              </p:nvSpPr>
+              <p:spPr>
+                <a:xfrm>
+                  <a:off x="12928295" y="8743068"/>
+                  <a:ext cx="205688" cy="195814"/>
+                </a:xfrm>
+                <a:prstGeom prst="rect">
+                  <a:avLst/>
+                </a:prstGeom>
+                <a:noFill/>
+              </p:spPr>
+              <p:txBody>
+                <a:bodyPr wrap="none" lIns="36000" tIns="36000" rIns="36000" bIns="36000" rtlCol="0">
+                  <a:spAutoFit/>
+                </a:bodyPr>
+                <a:lstStyle/>
+                <a:p>
+                  <a14:m>
+                    <m:oMathPara xmlns:m="http://schemas.openxmlformats.org/officeDocument/2006/math">
+                      <m:oMathParaPr>
+                        <m:jc m:val="centerGroup"/>
+                      </m:oMathParaPr>
+                      <m:oMath xmlns:m="http://schemas.openxmlformats.org/officeDocument/2006/math">
+                        <m:sSub>
+                          <m:sSubPr>
+                            <m:ctrlPr>
+                              <a:rPr lang="en-US" altLang="ja-JP" sz="800" i="1">
+                                <a:latin typeface="Cambria Math"/>
+                                <a:ea typeface="メイリオ" panose="020B0604030504040204" pitchFamily="50" charset="-128"/>
+                              </a:rPr>
+                            </m:ctrlPr>
+                          </m:sSubPr>
+                          <m:e>
+                            <m:r>
+                              <a:rPr lang="en-US" altLang="ja-JP" sz="800" i="1">
+                                <a:latin typeface="Cambria Math"/>
+                                <a:ea typeface="メイリオ" panose="020B0604030504040204" pitchFamily="50" charset="-128"/>
+                              </a:rPr>
+                              <m:t>𝑃</m:t>
+                            </m:r>
+                          </m:e>
+                          <m:sub>
+                            <m:r>
+                              <a:rPr lang="en-US" altLang="ja-JP" sz="800" i="1">
+                                <a:latin typeface="Cambria Math"/>
+                                <a:ea typeface="メイリオ" panose="020B0604030504040204" pitchFamily="50" charset="-128"/>
+                              </a:rPr>
+                              <m:t>𝑛</m:t>
+                            </m:r>
+                          </m:sub>
+                        </m:sSub>
+                      </m:oMath>
+                    </m:oMathPara>
+                  </a14:m>
+                  <a:endParaRPr kumimoji="1" lang="ja-JP" altLang="en-US" sz="800" b="1" dirty="0">
+                    <a:solidFill>
+                      <a:srgbClr val="0000FF"/>
+                    </a:solidFill>
+                    <a:latin typeface="Verdana" panose="020B0604030504040204" pitchFamily="34" charset="0"/>
+                    <a:cs typeface="Verdana" panose="020B0604030504040204" pitchFamily="34" charset="0"/>
+                  </a:endParaRPr>
+                </a:p>
+              </p:txBody>
+            </p:sp>
+          </mc:Choice>
+          <mc:Fallback>
+            <p:sp>
+              <p:nvSpPr>
+                <p:cNvPr id="1090" name="テキスト ボックス 1089"/>
+                <p:cNvSpPr txBox="1">
+                  <a:spLocks noRot="1" noChangeAspect="1" noMove="1" noResize="1" noEditPoints="1" noAdjustHandles="1" noChangeArrowheads="1" noChangeShapeType="1" noTextEdit="1"/>
+                </p:cNvSpPr>
+                <p:nvPr/>
+              </p:nvSpPr>
+              <p:spPr>
+                <a:xfrm>
+                  <a:off x="12928295" y="8743068"/>
+                  <a:ext cx="205688" cy="195814"/>
+                </a:xfrm>
+                <a:prstGeom prst="rect">
+                  <a:avLst/>
+                </a:prstGeom>
+                <a:blipFill rotWithShape="1">
+                  <a:blip r:embed="rId4"/>
+                  <a:stretch>
+                    <a:fillRect/>
+                  </a:stretch>
+                </a:blipFill>
+              </p:spPr>
+              <p:txBody>
+                <a:bodyPr/>
+                <a:lstStyle/>
+                <a:p>
+                  <a:r>
+                    <a:rPr lang="ja-JP" altLang="en-US">
+                      <a:noFill/>
+                    </a:rPr>
+                    <a:t> </a:t>
+                  </a:r>
+                </a:p>
+              </p:txBody>
+            </p:sp>
+          </mc:Fallback>
+        </mc:AlternateContent>
+        <mc:AlternateContent xmlns:mc="http://schemas.openxmlformats.org/markup-compatibility/2006">
+          <mc:Choice xmlns:a14="http://schemas.microsoft.com/office/drawing/2010/main" Requires="a14">
+            <p:sp>
+              <p:nvSpPr>
+                <p:cNvPr id="1091" name="テキスト ボックス 1090"/>
+                <p:cNvSpPr txBox="1"/>
+                <p:nvPr/>
+              </p:nvSpPr>
+              <p:spPr>
+                <a:xfrm>
+                  <a:off x="12331395" y="8146168"/>
+                  <a:ext cx="228130" cy="195814"/>
+                </a:xfrm>
+                <a:prstGeom prst="rect">
+                  <a:avLst/>
+                </a:prstGeom>
+                <a:noFill/>
+              </p:spPr>
+              <p:txBody>
+                <a:bodyPr wrap="none" lIns="36000" tIns="36000" rIns="36000" bIns="36000" rtlCol="0">
+                  <a:spAutoFit/>
+                </a:bodyPr>
+                <a:lstStyle/>
+                <a:p>
+                  <a14:m>
+                    <m:oMathPara xmlns:m="http://schemas.openxmlformats.org/officeDocument/2006/math">
+                      <m:oMathParaPr>
+                        <m:jc m:val="centerGroup"/>
+                      </m:oMathParaPr>
+                      <m:oMath xmlns:m="http://schemas.openxmlformats.org/officeDocument/2006/math">
+                        <m:sSub>
+                          <m:sSubPr>
+                            <m:ctrlPr>
+                              <a:rPr lang="en-US" altLang="ja-JP" sz="800" i="1" smtClean="0">
+                                <a:latin typeface="Cambria Math"/>
+                                <a:ea typeface="メイリオ" panose="020B0604030504040204" pitchFamily="50" charset="-128"/>
+                              </a:rPr>
+                            </m:ctrlPr>
+                          </m:sSubPr>
+                          <m:e>
+                            <m:r>
+                              <a:rPr lang="en-US" altLang="ja-JP" sz="800" i="1">
+                                <a:latin typeface="Cambria Math"/>
+                                <a:ea typeface="メイリオ" panose="020B0604030504040204" pitchFamily="50" charset="-128"/>
+                              </a:rPr>
+                              <m:t>𝑃</m:t>
+                            </m:r>
+                          </m:e>
+                          <m:sub>
+                            <m:r>
+                              <a:rPr lang="en-US" altLang="ja-JP" sz="800" b="0" i="1" smtClean="0">
+                                <a:latin typeface="Cambria Math"/>
+                                <a:ea typeface="メイリオ" panose="020B0604030504040204" pitchFamily="50" charset="-128"/>
+                              </a:rPr>
+                              <m:t>𝑚</m:t>
+                            </m:r>
+                          </m:sub>
+                        </m:sSub>
+                      </m:oMath>
+                    </m:oMathPara>
+                  </a14:m>
+                  <a:endParaRPr kumimoji="1" lang="ja-JP" altLang="en-US" sz="800" b="1" dirty="0">
+                    <a:solidFill>
+                      <a:srgbClr val="0000FF"/>
+                    </a:solidFill>
+                    <a:latin typeface="Verdana" panose="020B0604030504040204" pitchFamily="34" charset="0"/>
+                    <a:cs typeface="Verdana" panose="020B0604030504040204" pitchFamily="34" charset="0"/>
+                  </a:endParaRPr>
+                </a:p>
+              </p:txBody>
+            </p:sp>
+          </mc:Choice>
+          <mc:Fallback>
+            <p:sp>
+              <p:nvSpPr>
+                <p:cNvPr id="1091" name="テキスト ボックス 1090"/>
+                <p:cNvSpPr txBox="1">
+                  <a:spLocks noRot="1" noChangeAspect="1" noMove="1" noResize="1" noEditPoints="1" noAdjustHandles="1" noChangeArrowheads="1" noChangeShapeType="1" noTextEdit="1"/>
+                </p:cNvSpPr>
+                <p:nvPr/>
+              </p:nvSpPr>
+              <p:spPr>
+                <a:xfrm>
+                  <a:off x="12331395" y="8146168"/>
+                  <a:ext cx="228130" cy="195814"/>
+                </a:xfrm>
+                <a:prstGeom prst="rect">
+                  <a:avLst/>
+                </a:prstGeom>
+                <a:blipFill rotWithShape="1">
+                  <a:blip r:embed="rId5"/>
+                  <a:stretch>
+                    <a:fillRect/>
+                  </a:stretch>
+                </a:blipFill>
+              </p:spPr>
+              <p:txBody>
+                <a:bodyPr/>
+                <a:lstStyle/>
+                <a:p>
+                  <a:r>
+                    <a:rPr lang="ja-JP" altLang="en-US">
+                      <a:noFill/>
+                    </a:rPr>
+                    <a:t> </a:t>
+                  </a:r>
+                </a:p>
+              </p:txBody>
+            </p:sp>
+          </mc:Fallback>
+        </mc:AlternateContent>
+      </p:grpSp>
+      <p:graphicFrame>
+        <p:nvGraphicFramePr>
+          <p:cNvPr id="584" name="表 583"/>
+          <p:cNvGraphicFramePr>
+            <a:graphicFrameLocks noGrp="1"/>
+          </p:cNvGraphicFramePr>
+          <p:nvPr>
+            <p:extLst>
+              <p:ext uri="{D42A27DB-BD31-4B8C-83A1-F6EECF244321}">
+                <p14:modId xmlns:p14="http://schemas.microsoft.com/office/powerpoint/2010/main" val="4072906076"/>
+              </p:ext>
+            </p:extLst>
+          </p:nvPr>
+        </p:nvGraphicFramePr>
+        <p:xfrm>
+          <a:off x="6667126" y="7443705"/>
+          <a:ext cx="4323771" cy="731520"/>
+        </p:xfrm>
+        <a:graphic>
+          <a:graphicData uri="http://schemas.openxmlformats.org/drawingml/2006/table">
+            <a:tbl>
+              <a:tblPr firstRow="1" bandRow="1">
+                <a:tableStyleId>{5C22544A-7EE6-4342-B048-85BDC9FD1C3A}</a:tableStyleId>
+              </a:tblPr>
+              <a:tblGrid>
+                <a:gridCol w="1797519"/>
+                <a:gridCol w="2526252"/>
+              </a:tblGrid>
+              <a:tr h="232701">
+                <a:tc>
+                  <a:txBody>
+                    <a:bodyPr/>
+                    <a:lstStyle/>
+                    <a:p>
+                      <a:r>
+                        <a:rPr kumimoji="1" lang="ja-JP" altLang="en-US" sz="1000" b="1" dirty="0" smtClean="0"/>
+                        <a:t>抽象走行体の移動</a:t>
+                      </a:r>
+                      <a:endParaRPr kumimoji="1" lang="ja-JP" altLang="en-US" sz="1000" b="1" dirty="0"/>
+                    </a:p>
+                  </a:txBody>
+                  <a:tcPr/>
+                </a:tc>
+                <a:tc>
+                  <a:txBody>
+                    <a:bodyPr/>
+                    <a:lstStyle/>
+                    <a:p>
+                      <a:r>
+                        <a:rPr kumimoji="1" lang="ja-JP" altLang="en-US" sz="1000" b="1" dirty="0" smtClean="0"/>
+                        <a:t>現実の走行体への影響</a:t>
+                      </a:r>
+                      <a:endParaRPr kumimoji="1" lang="ja-JP" altLang="en-US" sz="1000" b="1" dirty="0"/>
+                    </a:p>
+                  </a:txBody>
+                  <a:tcPr/>
+                </a:tc>
+              </a:tr>
+              <a:tr h="232701">
+                <a:tc>
+                  <a:txBody>
+                    <a:bodyPr/>
+                    <a:lstStyle/>
+                    <a:p>
+                      <a:r>
+                        <a:rPr kumimoji="1" lang="ja-JP" altLang="en-US" sz="1000" b="1" dirty="0" smtClean="0"/>
+                        <a:t>向きの急激な変化</a:t>
+                      </a:r>
+                      <a:endParaRPr kumimoji="1" lang="ja-JP" altLang="en-US" sz="1000" b="1" dirty="0"/>
+                    </a:p>
+                  </a:txBody>
+                  <a:tcPr/>
+                </a:tc>
+                <a:tc>
+                  <a:txBody>
+                    <a:bodyPr/>
+                    <a:lstStyle/>
+                    <a:p>
+                      <a:r>
+                        <a:rPr kumimoji="1" lang="ja-JP" altLang="en-US" sz="1000" b="1" dirty="0" smtClean="0"/>
+                        <a:t>移動速度低下</a:t>
+                      </a:r>
+                      <a:r>
+                        <a:rPr kumimoji="1" lang="en-US" altLang="ja-JP" sz="1000" b="1" dirty="0" smtClean="0"/>
+                        <a:t>,</a:t>
+                      </a:r>
+                      <a:r>
+                        <a:rPr kumimoji="1" lang="ja-JP" altLang="en-US" sz="1000" b="1" dirty="0" smtClean="0"/>
+                        <a:t> 自己位置推定の精度低下</a:t>
+                      </a:r>
+                      <a:endParaRPr kumimoji="1" lang="ja-JP" altLang="en-US" sz="1000" b="1" dirty="0"/>
+                    </a:p>
+                  </a:txBody>
+                  <a:tcPr/>
+                </a:tc>
+              </a:tr>
+              <a:tr h="232701">
+                <a:tc>
+                  <a:txBody>
+                    <a:bodyPr/>
+                    <a:lstStyle/>
+                    <a:p>
+                      <a:r>
+                        <a:rPr kumimoji="1" lang="ja-JP" altLang="en-US" sz="1000" b="1" dirty="0" smtClean="0"/>
+                        <a:t>向きの変化に要した移動距離</a:t>
+                      </a:r>
+                      <a:endParaRPr kumimoji="1" lang="ja-JP" altLang="en-US" sz="1000" b="1" dirty="0"/>
+                    </a:p>
+                  </a:txBody>
+                  <a:tcPr/>
+                </a:tc>
+                <a:tc>
+                  <a:txBody>
+                    <a:bodyPr/>
+                    <a:lstStyle/>
+                    <a:p>
+                      <a:r>
+                        <a:rPr kumimoji="1" lang="ja-JP" altLang="en-US" sz="1000" b="1" dirty="0" smtClean="0"/>
+                        <a:t>上記の悪影響の緩和</a:t>
+                      </a:r>
+                      <a:endParaRPr kumimoji="1" lang="ja-JP" altLang="en-US" sz="1000" b="1" dirty="0"/>
+                    </a:p>
+                  </a:txBody>
+                  <a:tcPr/>
+                </a:tc>
+              </a:tr>
+            </a:tbl>
+          </a:graphicData>
+        </a:graphic>
+      </p:graphicFrame>
+      <mc:AlternateContent xmlns:mc="http://schemas.openxmlformats.org/markup-compatibility/2006">
+        <mc:Choice xmlns:a14="http://schemas.microsoft.com/office/drawing/2010/main" Requires="a14">
+          <p:sp>
+            <p:nvSpPr>
+              <p:cNvPr id="1092" name="正方形/長方形 1091"/>
+              <p:cNvSpPr/>
+              <p:nvPr/>
+            </p:nvSpPr>
+            <p:spPr>
+              <a:xfrm>
+                <a:off x="6683126" y="8254544"/>
+                <a:ext cx="6723141" cy="415498"/>
+              </a:xfrm>
+              <a:prstGeom prst="rect">
+                <a:avLst/>
+              </a:prstGeom>
+            </p:spPr>
+            <p:txBody>
+              <a:bodyPr wrap="square">
+                <a:spAutoFit/>
+              </a:bodyPr>
+              <a:lstStyle/>
+              <a:p>
+                <a:r>
+                  <a:rPr lang="ja-JP" altLang="en-US" sz="1050" dirty="0" smtClean="0">
+                    <a:latin typeface="メイリオ" panose="020B0604030504040204" pitchFamily="50" charset="-128"/>
+                    <a:ea typeface="メイリオ" panose="020B0604030504040204" pitchFamily="50" charset="-128"/>
+                    <a:cs typeface="メイリオ" panose="020B0604030504040204" pitchFamily="50" charset="-128"/>
+                  </a:rPr>
+                  <a:t>経路上で向きの変化する点：</a:t>
+                </a:r>
+                <a14:m>
+                  <m:oMath xmlns:m="http://schemas.openxmlformats.org/officeDocument/2006/math">
+                    <m:sSub>
+                      <m:sSubPr>
+                        <m:ctrlPr>
+                          <a:rPr lang="en-US" altLang="ja-JP" sz="1050" i="1">
+                            <a:latin typeface="Cambria Math"/>
+                            <a:ea typeface="メイリオ" panose="020B0604030504040204" pitchFamily="50" charset="-128"/>
+                          </a:rPr>
+                        </m:ctrlPr>
+                      </m:sSubPr>
+                      <m:e>
+                        <m:r>
+                          <a:rPr lang="en-US" altLang="ja-JP" sz="1050" i="1">
+                            <a:latin typeface="Cambria Math"/>
+                            <a:ea typeface="メイリオ" panose="020B0604030504040204" pitchFamily="50" charset="-128"/>
+                          </a:rPr>
+                          <m:t>𝑃</m:t>
+                        </m:r>
+                      </m:e>
+                      <m:sub>
+                        <m:r>
+                          <a:rPr lang="en-US" altLang="ja-JP" sz="1050" i="1">
+                            <a:latin typeface="Cambria Math"/>
+                            <a:ea typeface="メイリオ" panose="020B0604030504040204" pitchFamily="50" charset="-128"/>
+                          </a:rPr>
+                          <m:t>𝑛</m:t>
+                        </m:r>
+                      </m:sub>
+                    </m:sSub>
+                    <m:r>
+                      <a:rPr lang="ja-JP" altLang="en-US" sz="1050" b="0" i="1" smtClean="0">
+                        <a:latin typeface="Cambria Math"/>
+                        <a:ea typeface="メイリオ" panose="020B0604030504040204" pitchFamily="50" charset="-128"/>
+                      </a:rPr>
+                      <m:t> </m:t>
+                    </m:r>
+                    <m:sSub>
+                      <m:sSubPr>
+                        <m:ctrlPr>
+                          <a:rPr lang="en-US" altLang="ja-JP" sz="1050" i="1">
+                            <a:latin typeface="Cambria Math"/>
+                            <a:ea typeface="メイリオ" panose="020B0604030504040204" pitchFamily="50" charset="-128"/>
+                          </a:rPr>
+                        </m:ctrlPr>
+                      </m:sSubPr>
+                      <m:e>
+                        <m:r>
+                          <a:rPr lang="ja-JP" altLang="en-US" sz="1050" b="0" i="1" smtClean="0">
+                            <a:latin typeface="Cambria Math"/>
+                            <a:ea typeface="メイリオ" panose="020B0604030504040204" pitchFamily="50" charset="-128"/>
+                          </a:rPr>
+                          <m:t>            </m:t>
+                        </m:r>
+                        <m:r>
+                          <a:rPr lang="ja-JP" altLang="en-US" sz="1050" b="0" i="1" smtClean="0">
+                            <a:latin typeface="Cambria Math"/>
+                            <a:ea typeface="メイリオ" panose="020B0604030504040204" pitchFamily="50" charset="-128"/>
+                          </a:rPr>
+                          <m:t>点</m:t>
+                        </m:r>
+                        <m:r>
+                          <a:rPr lang="en-US" altLang="ja-JP" sz="1050" i="1">
+                            <a:latin typeface="Cambria Math"/>
+                            <a:ea typeface="メイリオ" panose="020B0604030504040204" pitchFamily="50" charset="-128"/>
+                          </a:rPr>
+                          <m:t>𝑃</m:t>
+                        </m:r>
+                      </m:e>
+                      <m:sub>
+                        <m:r>
+                          <a:rPr lang="en-US" altLang="ja-JP" sz="1050" b="0" i="1" smtClean="0">
+                            <a:latin typeface="Cambria Math"/>
+                            <a:ea typeface="メイリオ" panose="020B0604030504040204" pitchFamily="50" charset="-128"/>
+                          </a:rPr>
+                          <m:t>𝑚</m:t>
+                        </m:r>
+                      </m:sub>
+                    </m:sSub>
+                  </m:oMath>
+                </a14:m>
+                <a:r>
+                  <a:rPr lang="ja-JP" altLang="en-US" sz="1050" dirty="0" smtClean="0">
+                    <a:latin typeface="メイリオ" panose="020B0604030504040204" pitchFamily="50" charset="-128"/>
+                    <a:ea typeface="メイリオ" panose="020B0604030504040204" pitchFamily="50" charset="-128"/>
+                    <a:cs typeface="メイリオ" panose="020B0604030504040204" pitchFamily="50" charset="-128"/>
+                  </a:rPr>
+                  <a:t>の次に向きが変化する点：</a:t>
+                </a:r>
+                <a14:m>
+                  <m:oMath xmlns:m="http://schemas.openxmlformats.org/officeDocument/2006/math">
+                    <m:sSub>
+                      <m:sSubPr>
+                        <m:ctrlPr>
+                          <a:rPr lang="en-US" altLang="ja-JP" sz="1050" i="1">
+                            <a:latin typeface="Cambria Math"/>
+                            <a:ea typeface="メイリオ" panose="020B0604030504040204" pitchFamily="50" charset="-128"/>
+                          </a:rPr>
+                        </m:ctrlPr>
+                      </m:sSubPr>
+                      <m:e>
+                        <m:r>
+                          <a:rPr lang="en-US" altLang="ja-JP" sz="1050" i="1">
+                            <a:latin typeface="Cambria Math"/>
+                            <a:ea typeface="メイリオ" panose="020B0604030504040204" pitchFamily="50" charset="-128"/>
+                          </a:rPr>
+                          <m:t>𝑃</m:t>
+                        </m:r>
+                      </m:e>
+                      <m:sub>
+                        <m:r>
+                          <a:rPr lang="en-US" altLang="ja-JP" sz="1050" b="0" i="1" smtClean="0">
+                            <a:latin typeface="Cambria Math"/>
+                            <a:ea typeface="メイリオ" panose="020B0604030504040204" pitchFamily="50" charset="-128"/>
+                          </a:rPr>
+                          <m:t>𝑚</m:t>
+                        </m:r>
+                      </m:sub>
+                    </m:sSub>
+                  </m:oMath>
+                </a14:m>
+                <a:endParaRPr lang="en-US" altLang="ja-JP" sz="1050" dirty="0" smtClean="0">
+                  <a:latin typeface="メイリオ" panose="020B0604030504040204" pitchFamily="50" charset="-128"/>
+                  <a:ea typeface="メイリオ" panose="020B0604030504040204" pitchFamily="50" charset="-128"/>
+                  <a:cs typeface="メイリオ" panose="020B0604030504040204" pitchFamily="50" charset="-128"/>
+                </a:endParaRPr>
+              </a:p>
+              <a:p>
+                <a:r>
+                  <a:rPr lang="ja-JP" altLang="en-US" sz="1050" dirty="0" smtClean="0">
+                    <a:ea typeface="メイリオ" panose="020B0604030504040204" pitchFamily="50" charset="-128"/>
+                  </a:rPr>
+                  <a:t>点</a:t>
+                </a:r>
+                <a14:m>
+                  <m:oMath xmlns:m="http://schemas.openxmlformats.org/officeDocument/2006/math">
+                    <m:sSub>
+                      <m:sSubPr>
+                        <m:ctrlPr>
+                          <a:rPr lang="en-US" altLang="ja-JP" sz="1050" i="1">
+                            <a:latin typeface="Cambria Math"/>
+                            <a:ea typeface="メイリオ" panose="020B0604030504040204" pitchFamily="50" charset="-128"/>
+                          </a:rPr>
+                        </m:ctrlPr>
+                      </m:sSubPr>
+                      <m:e>
+                        <m:r>
+                          <a:rPr lang="en-US" altLang="ja-JP" sz="1050" i="1">
+                            <a:latin typeface="Cambria Math"/>
+                            <a:ea typeface="メイリオ" panose="020B0604030504040204" pitchFamily="50" charset="-128"/>
+                          </a:rPr>
+                          <m:t>𝑃</m:t>
+                        </m:r>
+                      </m:e>
+                      <m:sub>
+                        <m:r>
+                          <a:rPr lang="en-US" altLang="ja-JP" sz="1050" i="1">
+                            <a:latin typeface="Cambria Math"/>
+                            <a:ea typeface="メイリオ" panose="020B0604030504040204" pitchFamily="50" charset="-128"/>
+                          </a:rPr>
+                          <m:t>𝑛</m:t>
+                        </m:r>
+                      </m:sub>
+                    </m:sSub>
+                  </m:oMath>
+                </a14:m>
+                <a:r>
+                  <a:rPr lang="ja-JP" altLang="en-US" sz="1050" dirty="0" err="1" smtClean="0">
+                    <a:latin typeface="メイリオ" panose="020B0604030504040204" pitchFamily="50" charset="-128"/>
+                    <a:ea typeface="メイリオ" panose="020B0604030504040204" pitchFamily="50" charset="-128"/>
+                    <a:cs typeface="メイリオ" panose="020B0604030504040204" pitchFamily="50" charset="-128"/>
+                  </a:rPr>
+                  <a:t>での</a:t>
+                </a:r>
+                <a:r>
+                  <a:rPr lang="ja-JP" altLang="en-US" sz="1050" dirty="0">
+                    <a:latin typeface="メイリオ" panose="020B0604030504040204" pitchFamily="50" charset="-128"/>
+                    <a:ea typeface="メイリオ" panose="020B0604030504040204" pitchFamily="50" charset="-128"/>
+                    <a:cs typeface="メイリオ" panose="020B0604030504040204" pitchFamily="50" charset="-128"/>
+                  </a:rPr>
+                  <a:t>向きの</a:t>
+                </a:r>
+                <a:r>
+                  <a:rPr lang="ja-JP" altLang="en-US" sz="1050" dirty="0" smtClean="0">
+                    <a:latin typeface="メイリオ" panose="020B0604030504040204" pitchFamily="50" charset="-128"/>
+                    <a:ea typeface="メイリオ" panose="020B0604030504040204" pitchFamily="50" charset="-128"/>
+                    <a:cs typeface="メイリオ" panose="020B0604030504040204" pitchFamily="50" charset="-128"/>
+                  </a:rPr>
+                  <a:t>変化：</a:t>
+                </a:r>
+                <a14:m>
+                  <m:oMath xmlns:m="http://schemas.openxmlformats.org/officeDocument/2006/math">
+                    <m:sSub>
+                      <m:sSubPr>
+                        <m:ctrlPr>
+                          <a:rPr lang="en-US" altLang="ja-JP" sz="1050" i="1">
+                            <a:latin typeface="Cambria Math"/>
+                            <a:ea typeface="メイリオ" panose="020B0604030504040204" pitchFamily="50" charset="-128"/>
+                          </a:rPr>
+                        </m:ctrlPr>
+                      </m:sSubPr>
+                      <m:e>
+                        <m:r>
+                          <a:rPr lang="en-US" altLang="ja-JP" sz="1050" b="0" i="1" smtClean="0">
+                            <a:latin typeface="Cambria Math"/>
+                            <a:ea typeface="メイリオ" panose="020B0604030504040204" pitchFamily="50" charset="-128"/>
+                          </a:rPr>
+                          <m:t>𝐴</m:t>
+                        </m:r>
+                      </m:e>
+                      <m:sub>
+                        <m:r>
+                          <a:rPr lang="en-US" altLang="ja-JP" sz="1050" i="1">
+                            <a:latin typeface="Cambria Math"/>
+                            <a:ea typeface="メイリオ" panose="020B0604030504040204" pitchFamily="50" charset="-128"/>
+                          </a:rPr>
+                          <m:t>𝑛</m:t>
+                        </m:r>
+                      </m:sub>
+                    </m:sSub>
+                  </m:oMath>
+                </a14:m>
+                <a:r>
+                  <a:rPr lang="en-US" altLang="ja-JP" sz="1050" dirty="0" smtClean="0">
+                    <a:latin typeface="メイリオ" panose="020B0604030504040204" pitchFamily="50" charset="-128"/>
+                    <a:ea typeface="メイリオ" panose="020B0604030504040204" pitchFamily="50" charset="-128"/>
+                    <a:cs typeface="メイリオ" panose="020B0604030504040204" pitchFamily="50" charset="-128"/>
+                  </a:rPr>
+                  <a:t>(</a:t>
+                </a:r>
+                <a:r>
+                  <a:rPr lang="ja-JP" altLang="en-US" sz="1050" dirty="0" smtClean="0">
+                    <a:latin typeface="メイリオ" panose="020B0604030504040204" pitchFamily="50" charset="-128"/>
+                    <a:ea typeface="メイリオ" panose="020B0604030504040204" pitchFamily="50" charset="-128"/>
+                    <a:cs typeface="メイリオ" panose="020B0604030504040204" pitchFamily="50" charset="-128"/>
+                  </a:rPr>
+                  <a:t>度</a:t>
+                </a:r>
+                <a:r>
+                  <a:rPr lang="en-US" altLang="ja-JP" sz="1050" dirty="0" smtClean="0">
+                    <a:latin typeface="メイリオ" panose="020B0604030504040204" pitchFamily="50" charset="-128"/>
+                    <a:ea typeface="メイリオ" panose="020B0604030504040204" pitchFamily="50" charset="-128"/>
+                    <a:cs typeface="メイリオ" panose="020B0604030504040204" pitchFamily="50" charset="-128"/>
+                  </a:rPr>
+                  <a:t>)</a:t>
+                </a:r>
+                <a:r>
+                  <a:rPr lang="ja-JP" altLang="en-US" sz="1050" dirty="0" smtClean="0">
+                    <a:latin typeface="メイリオ" panose="020B0604030504040204" pitchFamily="50" charset="-128"/>
+                    <a:ea typeface="メイリオ" panose="020B0604030504040204" pitchFamily="50" charset="-128"/>
+                    <a:cs typeface="メイリオ" panose="020B0604030504040204" pitchFamily="50" charset="-128"/>
+                  </a:rPr>
+                  <a:t>           </a:t>
+                </a:r>
+                <a:r>
+                  <a:rPr lang="ja-JP" altLang="en-US" sz="1050" dirty="0" smtClean="0">
+                    <a:ea typeface="メイリオ" panose="020B0604030504040204" pitchFamily="50" charset="-128"/>
+                  </a:rPr>
+                  <a:t>点</a:t>
+                </a:r>
+                <a14:m>
+                  <m:oMath xmlns:m="http://schemas.openxmlformats.org/officeDocument/2006/math">
+                    <m:sSub>
+                      <m:sSubPr>
+                        <m:ctrlPr>
+                          <a:rPr lang="en-US" altLang="ja-JP" sz="1050" i="1">
+                            <a:latin typeface="Cambria Math"/>
+                            <a:ea typeface="メイリオ" panose="020B0604030504040204" pitchFamily="50" charset="-128"/>
+                          </a:rPr>
+                        </m:ctrlPr>
+                      </m:sSubPr>
+                      <m:e>
+                        <m:r>
+                          <a:rPr lang="en-US" altLang="ja-JP" sz="1050" b="0" i="1" smtClean="0">
+                            <a:latin typeface="Cambria Math"/>
+                            <a:ea typeface="メイリオ" panose="020B0604030504040204" pitchFamily="50" charset="-128"/>
+                          </a:rPr>
+                          <m:t>𝑃</m:t>
+                        </m:r>
+                      </m:e>
+                      <m:sub>
+                        <m:r>
+                          <a:rPr lang="en-US" altLang="ja-JP" sz="1050" b="0" i="1" smtClean="0">
+                            <a:latin typeface="Cambria Math"/>
+                            <a:ea typeface="メイリオ" panose="020B0604030504040204" pitchFamily="50" charset="-128"/>
+                          </a:rPr>
+                          <m:t>𝑚</m:t>
+                        </m:r>
+                      </m:sub>
+                    </m:sSub>
+                  </m:oMath>
+                </a14:m>
+                <a:r>
+                  <a:rPr lang="ja-JP" altLang="en-US" sz="1050" dirty="0" err="1">
+                    <a:latin typeface="メイリオ" panose="020B0604030504040204" pitchFamily="50" charset="-128"/>
+                    <a:ea typeface="メイリオ" panose="020B0604030504040204" pitchFamily="50" charset="-128"/>
+                    <a:cs typeface="メイリオ" panose="020B0604030504040204" pitchFamily="50" charset="-128"/>
+                  </a:rPr>
+                  <a:t>での</a:t>
+                </a:r>
+                <a:r>
+                  <a:rPr lang="ja-JP" altLang="en-US" sz="1050" dirty="0">
+                    <a:latin typeface="メイリオ" panose="020B0604030504040204" pitchFamily="50" charset="-128"/>
+                    <a:ea typeface="メイリオ" panose="020B0604030504040204" pitchFamily="50" charset="-128"/>
+                    <a:cs typeface="メイリオ" panose="020B0604030504040204" pitchFamily="50" charset="-128"/>
+                  </a:rPr>
+                  <a:t>向きの</a:t>
+                </a:r>
+                <a:r>
+                  <a:rPr lang="ja-JP" altLang="en-US" sz="1050" dirty="0">
+                    <a:latin typeface="メイリオ" panose="020B0604030504040204" pitchFamily="50" charset="-128"/>
+                    <a:ea typeface="メイリオ" panose="020B0604030504040204" pitchFamily="50" charset="-128"/>
+                    <a:cs typeface="メイリオ" panose="020B0604030504040204" pitchFamily="50" charset="-128"/>
+                  </a:rPr>
+                  <a:t>変化：</a:t>
+                </a:r>
+                <a14:m>
+                  <m:oMath xmlns:m="http://schemas.openxmlformats.org/officeDocument/2006/math">
+                    <m:sSub>
+                      <m:sSubPr>
+                        <m:ctrlPr>
+                          <a:rPr lang="en-US" altLang="ja-JP" sz="1050" i="1">
+                            <a:latin typeface="Cambria Math"/>
+                            <a:ea typeface="メイリオ" panose="020B0604030504040204" pitchFamily="50" charset="-128"/>
+                          </a:rPr>
+                        </m:ctrlPr>
+                      </m:sSubPr>
+                      <m:e>
+                        <m:r>
+                          <a:rPr lang="en-US" altLang="ja-JP" sz="1050" i="1">
+                            <a:latin typeface="Cambria Math"/>
+                            <a:ea typeface="メイリオ" panose="020B0604030504040204" pitchFamily="50" charset="-128"/>
+                          </a:rPr>
+                          <m:t>𝐴</m:t>
+                        </m:r>
+                      </m:e>
+                      <m:sub>
+                        <m:r>
+                          <a:rPr lang="en-US" altLang="ja-JP" sz="1050" b="0" i="1" smtClean="0">
+                            <a:latin typeface="Cambria Math"/>
+                            <a:ea typeface="メイリオ" panose="020B0604030504040204" pitchFamily="50" charset="-128"/>
+                          </a:rPr>
+                          <m:t>𝑚</m:t>
+                        </m:r>
+                      </m:sub>
+                    </m:sSub>
+                  </m:oMath>
+                </a14:m>
+                <a:r>
+                  <a:rPr lang="en-US" altLang="ja-JP" sz="1050" dirty="0" smtClean="0">
+                    <a:latin typeface="メイリオ" panose="020B0604030504040204" pitchFamily="50" charset="-128"/>
+                    <a:ea typeface="メイリオ" panose="020B0604030504040204" pitchFamily="50" charset="-128"/>
+                    <a:cs typeface="メイリオ" panose="020B0604030504040204" pitchFamily="50" charset="-128"/>
+                  </a:rPr>
+                  <a:t>(</a:t>
+                </a:r>
+                <a:r>
+                  <a:rPr lang="ja-JP" altLang="en-US" sz="1050" dirty="0" smtClean="0">
+                    <a:latin typeface="メイリオ" panose="020B0604030504040204" pitchFamily="50" charset="-128"/>
+                    <a:ea typeface="メイリオ" panose="020B0604030504040204" pitchFamily="50" charset="-128"/>
+                    <a:cs typeface="メイリオ" panose="020B0604030504040204" pitchFamily="50" charset="-128"/>
+                  </a:rPr>
+                  <a:t>度</a:t>
+                </a:r>
+                <a:r>
+                  <a:rPr lang="en-US" altLang="ja-JP" sz="1050" dirty="0" smtClean="0">
+                    <a:latin typeface="メイリオ" panose="020B0604030504040204" pitchFamily="50" charset="-128"/>
+                    <a:ea typeface="メイリオ" panose="020B0604030504040204" pitchFamily="50" charset="-128"/>
+                    <a:cs typeface="メイリオ" panose="020B0604030504040204" pitchFamily="50" charset="-128"/>
+                  </a:rPr>
+                  <a:t>)</a:t>
+                </a:r>
+                <a:r>
+                  <a:rPr lang="ja-JP" altLang="en-US" sz="1050" dirty="0" smtClean="0">
+                    <a:latin typeface="メイリオ" panose="020B0604030504040204" pitchFamily="50" charset="-128"/>
+                    <a:ea typeface="メイリオ" panose="020B0604030504040204" pitchFamily="50" charset="-128"/>
+                    <a:cs typeface="メイリオ" panose="020B0604030504040204" pitchFamily="50" charset="-128"/>
+                  </a:rPr>
+                  <a:t>  ・・・</a:t>
+                </a:r>
+                <a:r>
+                  <a:rPr lang="en-US" altLang="ja-JP" sz="1050" dirty="0" smtClean="0">
+                    <a:latin typeface="メイリオ" panose="020B0604030504040204" pitchFamily="50" charset="-128"/>
+                    <a:ea typeface="メイリオ" panose="020B0604030504040204" pitchFamily="50" charset="-128"/>
+                    <a:cs typeface="メイリオ" panose="020B0604030504040204" pitchFamily="50" charset="-128"/>
+                  </a:rPr>
+                  <a:t>(</a:t>
+                </a:r>
+                <a:r>
+                  <a:rPr lang="ja-JP" altLang="en-US" sz="1050" dirty="0">
+                    <a:latin typeface="メイリオ" panose="020B0604030504040204" pitchFamily="50" charset="-128"/>
+                    <a:ea typeface="メイリオ" panose="020B0604030504040204" pitchFamily="50" charset="-128"/>
+                    <a:cs typeface="メイリオ" panose="020B0604030504040204" pitchFamily="50" charset="-128"/>
+                  </a:rPr>
+                  <a:t>向きの変化</a:t>
+                </a:r>
+                <a:r>
+                  <a:rPr lang="ja-JP" altLang="en-US" sz="1050" dirty="0" smtClean="0">
+                    <a:latin typeface="メイリオ" panose="020B0604030504040204" pitchFamily="50" charset="-128"/>
+                    <a:ea typeface="メイリオ" panose="020B0604030504040204" pitchFamily="50" charset="-128"/>
+                    <a:cs typeface="メイリオ" panose="020B0604030504040204" pitchFamily="50" charset="-128"/>
+                  </a:rPr>
+                  <a:t>は左周りを正とする</a:t>
+                </a:r>
+                <a:r>
+                  <a:rPr lang="en-US" altLang="ja-JP" sz="1050" dirty="0" smtClean="0">
+                    <a:latin typeface="メイリオ" panose="020B0604030504040204" pitchFamily="50" charset="-128"/>
+                    <a:ea typeface="メイリオ" panose="020B0604030504040204" pitchFamily="50" charset="-128"/>
+                    <a:cs typeface="メイリオ" panose="020B0604030504040204" pitchFamily="50" charset="-128"/>
+                  </a:rPr>
+                  <a:t>)</a:t>
+                </a:r>
+              </a:p>
+            </p:txBody>
+          </p:sp>
+        </mc:Choice>
+        <mc:Fallback>
+          <p:sp>
+            <p:nvSpPr>
+              <p:cNvPr id="1092" name="正方形/長方形 1091"/>
+              <p:cNvSpPr>
+                <a:spLocks noRot="1" noChangeAspect="1" noMove="1" noResize="1" noEditPoints="1" noAdjustHandles="1" noChangeArrowheads="1" noChangeShapeType="1" noTextEdit="1"/>
+              </p:cNvSpPr>
+              <p:nvPr/>
+            </p:nvSpPr>
+            <p:spPr>
+              <a:xfrm>
+                <a:off x="6683126" y="8254544"/>
+                <a:ext cx="6723141" cy="415498"/>
+              </a:xfrm>
+              <a:prstGeom prst="rect">
+                <a:avLst/>
+              </a:prstGeom>
+              <a:blipFill rotWithShape="1">
+                <a:blip r:embed="rId6"/>
+                <a:stretch>
+                  <a:fillRect b="-8824"/>
+                </a:stretch>
+              </a:blipFill>
+            </p:spPr>
+            <p:txBody>
+              <a:bodyPr/>
+              <a:lstStyle/>
+              <a:p>
+                <a:r>
+                  <a:rPr lang="ja-JP" altLang="en-US">
+                    <a:noFill/>
+                  </a:rPr>
+                  <a:t> </a:t>
+                </a:r>
+              </a:p>
+            </p:txBody>
+          </p:sp>
+        </mc:Fallback>
+      </mc:AlternateContent>
+      <p:sp>
+        <p:nvSpPr>
+          <p:cNvPr id="688" name="テキスト ボックス 687"/>
+          <p:cNvSpPr txBox="1"/>
+          <p:nvPr/>
+        </p:nvSpPr>
+        <p:spPr>
+          <a:xfrm>
+            <a:off x="6914936" y="8765438"/>
+            <a:ext cx="2031325" cy="276999"/>
+          </a:xfrm>
+          <a:prstGeom prst="rect">
+            <a:avLst/>
+          </a:prstGeom>
+          <a:noFill/>
+        </p:spPr>
+        <p:txBody>
+          <a:bodyPr wrap="none" rtlCol="0">
+            <a:spAutoFit/>
+          </a:bodyPr>
+          <a:lstStyle/>
+          <a:p>
+            <a:r>
+              <a:rPr kumimoji="1" lang="ja-JP" altLang="en-US" sz="1200" b="1" dirty="0" smtClean="0">
+                <a:latin typeface="メイリオ" panose="020B0604030504040204" pitchFamily="50" charset="-128"/>
+                <a:ea typeface="メイリオ" panose="020B0604030504040204" pitchFamily="50" charset="-128"/>
+              </a:rPr>
+              <a:t>向き変更に由来するコスト</a:t>
+            </a:r>
+            <a:endParaRPr kumimoji="1" lang="ja-JP" altLang="en-US" sz="1200" b="1" dirty="0">
+              <a:latin typeface="メイリオ" panose="020B0604030504040204" pitchFamily="50" charset="-128"/>
+              <a:ea typeface="メイリオ" panose="020B0604030504040204" pitchFamily="50" charset="-128"/>
+            </a:endParaRPr>
+          </a:p>
+        </p:txBody>
+      </p:sp>
+      <mc:AlternateContent xmlns:mc="http://schemas.openxmlformats.org/markup-compatibility/2006">
+        <mc:Choice xmlns:a14="http://schemas.microsoft.com/office/drawing/2010/main" Requires="a14">
+          <p:sp>
+            <p:nvSpPr>
+              <p:cNvPr id="1093" name="テキスト ボックス 1092"/>
+              <p:cNvSpPr txBox="1"/>
+              <p:nvPr/>
+            </p:nvSpPr>
+            <p:spPr>
+              <a:xfrm>
+                <a:off x="8726602" y="8647113"/>
+                <a:ext cx="2058897" cy="542713"/>
+              </a:xfrm>
+              <a:prstGeom prst="rect">
+                <a:avLst/>
+              </a:prstGeom>
+              <a:noFill/>
+            </p:spPr>
+            <p:txBody>
+              <a:bodyPr wrap="none" rtlCol="0">
+                <a:spAutoFit/>
+              </a:bodyPr>
+              <a:lstStyle/>
+              <a:p>
+                <a14:m>
+                  <m:oMathPara xmlns:m="http://schemas.openxmlformats.org/officeDocument/2006/math">
+                    <m:oMathParaPr>
+                      <m:jc m:val="centerGroup"/>
+                    </m:oMathParaPr>
+                    <m:oMath xmlns:m="http://schemas.openxmlformats.org/officeDocument/2006/math">
+                      <m:r>
+                        <a:rPr kumimoji="1" lang="en-US" altLang="ja-JP" sz="1200" i="1" smtClean="0">
+                          <a:latin typeface="Cambria Math"/>
+                          <a:ea typeface="Cambria Math"/>
+                        </a:rPr>
+                        <m:t>=</m:t>
+                      </m:r>
+                      <m:nary>
+                        <m:naryPr>
+                          <m:chr m:val="∑"/>
+                          <m:subHide m:val="on"/>
+                          <m:supHide m:val="on"/>
+                          <m:ctrlPr>
+                            <a:rPr kumimoji="1" lang="ja-JP" altLang="en-US" sz="1200" i="1" smtClean="0">
+                              <a:latin typeface="Cambria Math"/>
+                            </a:rPr>
+                          </m:ctrlPr>
+                        </m:naryPr>
+                        <m:sub/>
+                        <m:sup/>
+                        <m:e>
+                          <m:f>
+                            <m:fPr>
+                              <m:ctrlPr>
+                                <a:rPr kumimoji="1" lang="en-US" altLang="ja-JP" sz="1200" i="1" smtClean="0">
+                                  <a:latin typeface="Cambria Math"/>
+                                </a:rPr>
+                              </m:ctrlPr>
+                            </m:fPr>
+                            <m:num>
+                              <m:r>
+                                <a:rPr kumimoji="1" lang="en-US" altLang="ja-JP" sz="1200" b="0" i="1" smtClean="0">
+                                  <a:latin typeface="Cambria Math"/>
+                                </a:rPr>
+                                <m:t>2</m:t>
+                              </m:r>
+                              <m:d>
+                                <m:dPr>
+                                  <m:ctrlPr>
+                                    <a:rPr kumimoji="1" lang="en-US" altLang="ja-JP" sz="1200" i="1" smtClean="0">
+                                      <a:latin typeface="Cambria Math"/>
+                                    </a:rPr>
+                                  </m:ctrlPr>
+                                </m:dPr>
+                                <m:e>
+                                  <m:f>
+                                    <m:fPr>
+                                      <m:type m:val="lin"/>
+                                      <m:ctrlPr>
+                                        <a:rPr lang="en-US" altLang="ja-JP" sz="1200" i="1">
+                                          <a:latin typeface="Cambria Math"/>
+                                        </a:rPr>
+                                      </m:ctrlPr>
+                                    </m:fPr>
+                                    <m:num>
+                                      <m:r>
+                                        <a:rPr lang="en-US" altLang="ja-JP" sz="1200" b="0" i="1" smtClean="0">
+                                          <a:latin typeface="Cambria Math"/>
+                                        </a:rPr>
+                                        <m:t>1+</m:t>
+                                      </m:r>
+                                      <m:d>
+                                        <m:dPr>
+                                          <m:begChr m:val="|"/>
+                                          <m:endChr m:val="|"/>
+                                          <m:ctrlPr>
+                                            <a:rPr lang="en-US" altLang="ja-JP" sz="1200" i="1">
+                                              <a:latin typeface="Cambria Math"/>
+                                            </a:rPr>
+                                          </m:ctrlPr>
+                                        </m:dPr>
+                                        <m:e>
+                                          <m:sSub>
+                                            <m:sSubPr>
+                                              <m:ctrlPr>
+                                                <a:rPr lang="en-US" altLang="ja-JP" sz="1200" i="1">
+                                                  <a:latin typeface="Cambria Math"/>
+                                                </a:rPr>
+                                              </m:ctrlPr>
+                                            </m:sSubPr>
+                                            <m:e>
+                                              <m:r>
+                                                <a:rPr lang="en-US" altLang="ja-JP" sz="1200" i="1">
+                                                  <a:latin typeface="Cambria Math"/>
+                                                </a:rPr>
+                                                <m:t>𝐴</m:t>
+                                              </m:r>
+                                            </m:e>
+                                            <m:sub>
+                                              <m:r>
+                                                <a:rPr lang="en-US" altLang="ja-JP" sz="1200" i="1">
+                                                  <a:latin typeface="Cambria Math"/>
+                                                </a:rPr>
+                                                <m:t>𝑛</m:t>
+                                              </m:r>
+                                            </m:sub>
+                                          </m:sSub>
+                                          <m:r>
+                                            <a:rPr lang="en-US" altLang="ja-JP" sz="1200" i="1">
+                                              <a:latin typeface="Cambria Math"/>
+                                            </a:rPr>
+                                            <m:t>−</m:t>
+                                          </m:r>
+                                          <m:sSub>
+                                            <m:sSubPr>
+                                              <m:ctrlPr>
+                                                <a:rPr lang="en-US" altLang="ja-JP" sz="1200" i="1">
+                                                  <a:latin typeface="Cambria Math"/>
+                                                </a:rPr>
+                                              </m:ctrlPr>
+                                            </m:sSubPr>
+                                            <m:e>
+                                              <m:r>
+                                                <a:rPr lang="en-US" altLang="ja-JP" sz="1200" i="1">
+                                                  <a:latin typeface="Cambria Math"/>
+                                                </a:rPr>
+                                                <m:t>𝐴</m:t>
+                                              </m:r>
+                                            </m:e>
+                                            <m:sub>
+                                              <m:r>
+                                                <a:rPr lang="en-US" altLang="ja-JP" sz="1200" i="1">
+                                                  <a:latin typeface="Cambria Math"/>
+                                                </a:rPr>
+                                                <m:t>𝑚</m:t>
+                                              </m:r>
+                                            </m:sub>
+                                          </m:sSub>
+                                        </m:e>
+                                      </m:d>
+                                    </m:num>
+                                    <m:den>
+                                      <m:r>
+                                        <a:rPr lang="en-US" altLang="ja-JP" sz="1200" i="1">
+                                          <a:latin typeface="Cambria Math"/>
+                                        </a:rPr>
+                                        <m:t>90</m:t>
+                                      </m:r>
+                                    </m:den>
+                                  </m:f>
+                                </m:e>
+                              </m:d>
+                            </m:num>
+                            <m:den>
+                              <m:d>
+                                <m:dPr>
+                                  <m:begChr m:val="|"/>
+                                  <m:endChr m:val="|"/>
+                                  <m:ctrlPr>
+                                    <a:rPr kumimoji="1" lang="en-US" altLang="ja-JP" sz="1200" i="1" smtClean="0">
+                                      <a:latin typeface="Cambria Math"/>
+                                    </a:rPr>
+                                  </m:ctrlPr>
+                                </m:dPr>
+                                <m:e>
+                                  <m:sSub>
+                                    <m:sSubPr>
+                                      <m:ctrlPr>
+                                        <a:rPr kumimoji="1" lang="en-US" altLang="ja-JP" sz="1200" i="1" smtClean="0">
+                                          <a:latin typeface="Cambria Math"/>
+                                        </a:rPr>
+                                      </m:ctrlPr>
+                                    </m:sSubPr>
+                                    <m:e>
+                                      <m:r>
+                                        <a:rPr kumimoji="1" lang="en-US" altLang="ja-JP" sz="1200" b="0" i="1" smtClean="0">
+                                          <a:latin typeface="Cambria Math"/>
+                                        </a:rPr>
+                                        <m:t>𝑃</m:t>
+                                      </m:r>
+                                    </m:e>
+                                    <m:sub>
+                                      <m:r>
+                                        <a:rPr kumimoji="1" lang="en-US" altLang="ja-JP" sz="1200" b="0" i="1" smtClean="0">
+                                          <a:latin typeface="Cambria Math"/>
+                                        </a:rPr>
+                                        <m:t>𝑛</m:t>
+                                      </m:r>
+                                    </m:sub>
+                                  </m:sSub>
+                                  <m:sSub>
+                                    <m:sSubPr>
+                                      <m:ctrlPr>
+                                        <a:rPr lang="en-US" altLang="ja-JP" sz="1200" i="1">
+                                          <a:latin typeface="Cambria Math"/>
+                                        </a:rPr>
+                                      </m:ctrlPr>
+                                    </m:sSubPr>
+                                    <m:e>
+                                      <m:r>
+                                        <a:rPr lang="en-US" altLang="ja-JP" sz="1200" i="1">
+                                          <a:latin typeface="Cambria Math"/>
+                                        </a:rPr>
+                                        <m:t>𝑃</m:t>
+                                      </m:r>
+                                    </m:e>
+                                    <m:sub>
+                                      <m:r>
+                                        <a:rPr lang="en-US" altLang="ja-JP" sz="1200" b="0" i="1" smtClean="0">
+                                          <a:latin typeface="Cambria Math"/>
+                                        </a:rPr>
+                                        <m:t>𝑚</m:t>
+                                      </m:r>
+                                    </m:sub>
+                                  </m:sSub>
+                                </m:e>
+                              </m:d>
+                            </m:den>
+                          </m:f>
+                        </m:e>
+                      </m:nary>
+                    </m:oMath>
+                  </m:oMathPara>
+                </a14:m>
+                <a:endParaRPr kumimoji="1" lang="ja-JP" altLang="en-US" sz="1200" dirty="0"/>
+              </a:p>
+            </p:txBody>
+          </p:sp>
+        </mc:Choice>
+        <mc:Fallback>
+          <p:sp>
+            <p:nvSpPr>
+              <p:cNvPr id="1093" name="テキスト ボックス 1092"/>
+              <p:cNvSpPr txBox="1">
+                <a:spLocks noRot="1" noChangeAspect="1" noMove="1" noResize="1" noEditPoints="1" noAdjustHandles="1" noChangeArrowheads="1" noChangeShapeType="1" noTextEdit="1"/>
+              </p:cNvSpPr>
+              <p:nvPr/>
+            </p:nvSpPr>
+            <p:spPr>
+              <a:xfrm>
+                <a:off x="8726602" y="8647113"/>
+                <a:ext cx="2058897" cy="542713"/>
+              </a:xfrm>
+              <a:prstGeom prst="rect">
+                <a:avLst/>
+              </a:prstGeom>
+              <a:blipFill rotWithShape="1">
+                <a:blip r:embed="rId7"/>
+                <a:stretch>
+                  <a:fillRect l="-14540" t="-114444" r="-6528" b="-160000"/>
+                </a:stretch>
+              </a:blipFill>
+            </p:spPr>
+            <p:txBody>
+              <a:bodyPr/>
+              <a:lstStyle/>
+              <a:p>
+                <a:r>
+                  <a:rPr lang="ja-JP" altLang="en-US">
+                    <a:noFill/>
+                  </a:rPr>
+                  <a:t> </a:t>
+                </a:r>
+              </a:p>
+            </p:txBody>
+          </p:sp>
+        </mc:Fallback>
+      </mc:AlternateContent>
+      <p:sp>
+        <p:nvSpPr>
+          <p:cNvPr id="1094" name="正方形/長方形 1093"/>
+          <p:cNvSpPr/>
+          <p:nvPr/>
+        </p:nvSpPr>
+        <p:spPr>
+          <a:xfrm>
+            <a:off x="6639970" y="9154708"/>
+            <a:ext cx="4920396" cy="276999"/>
+          </a:xfrm>
+          <a:prstGeom prst="rect">
+            <a:avLst/>
+          </a:prstGeom>
+        </p:spPr>
+        <p:txBody>
+          <a:bodyPr wrap="square">
+            <a:spAutoFit/>
+          </a:bodyPr>
+          <a:lstStyle/>
+          <a:p>
+            <a:r>
+              <a:rPr lang="ja-JP" altLang="en-US" sz="1200" b="1" dirty="0" smtClean="0">
+                <a:latin typeface="メイリオ" panose="020B0604030504040204" pitchFamily="50" charset="-128"/>
+                <a:ea typeface="メイリオ" panose="020B0604030504040204" pitchFamily="50" charset="-128"/>
+                <a:cs typeface="メイリオ" panose="020B0604030504040204" pitchFamily="50" charset="-128"/>
+              </a:rPr>
+              <a:t>移動コスト </a:t>
+            </a:r>
+            <a:r>
+              <a:rPr lang="en-US" altLang="ja-JP" sz="1200" b="1" dirty="0" smtClean="0">
+                <a:latin typeface="メイリオ" panose="020B0604030504040204" pitchFamily="50" charset="-128"/>
+                <a:ea typeface="メイリオ" panose="020B0604030504040204" pitchFamily="50" charset="-128"/>
+                <a:cs typeface="メイリオ" panose="020B0604030504040204" pitchFamily="50" charset="-128"/>
+              </a:rPr>
+              <a:t>=</a:t>
+            </a:r>
+            <a:r>
+              <a:rPr lang="ja-JP" altLang="en-US" sz="1200" b="1" dirty="0" smtClean="0">
+                <a:latin typeface="メイリオ" panose="020B0604030504040204" pitchFamily="50" charset="-128"/>
+                <a:ea typeface="メイリオ" panose="020B0604030504040204" pitchFamily="50" charset="-128"/>
+                <a:cs typeface="メイリオ" panose="020B0604030504040204" pitchFamily="50" charset="-128"/>
+              </a:rPr>
+              <a:t> 移動距離由来のコスト </a:t>
+            </a:r>
+            <a:r>
+              <a:rPr lang="en-US" altLang="ja-JP" sz="1200" b="1" dirty="0" smtClean="0">
+                <a:latin typeface="メイリオ" panose="020B0604030504040204" pitchFamily="50" charset="-128"/>
+                <a:ea typeface="メイリオ" panose="020B0604030504040204" pitchFamily="50" charset="-128"/>
+                <a:cs typeface="メイリオ" panose="020B0604030504040204" pitchFamily="50" charset="-128"/>
+              </a:rPr>
+              <a:t>+</a:t>
+            </a:r>
+            <a:r>
+              <a:rPr lang="ja-JP" altLang="en-US" sz="1200" b="1" dirty="0" smtClean="0">
+                <a:latin typeface="メイリオ" panose="020B0604030504040204" pitchFamily="50" charset="-128"/>
+                <a:ea typeface="メイリオ" panose="020B0604030504040204" pitchFamily="50" charset="-128"/>
+                <a:cs typeface="メイリオ" panose="020B0604030504040204" pitchFamily="50" charset="-128"/>
+              </a:rPr>
+              <a:t> 向きの変更に由来するコスト </a:t>
+            </a:r>
+            <a:endParaRPr lang="en-US" altLang="ja-JP" sz="1200" b="1" dirty="0" smtClean="0">
+              <a:latin typeface="メイリオ" panose="020B0604030504040204" pitchFamily="50" charset="-128"/>
+              <a:ea typeface="メイリオ" panose="020B0604030504040204" pitchFamily="50" charset="-128"/>
+              <a:cs typeface="メイリオ" panose="020B0604030504040204" pitchFamily="50" charset="-128"/>
+            </a:endParaRPr>
+          </a:p>
+        </p:txBody>
+      </p:sp>
+      <mc:AlternateContent xmlns:mc="http://schemas.openxmlformats.org/markup-compatibility/2006">
+        <mc:Choice xmlns:a14="http://schemas.microsoft.com/office/drawing/2010/main" Requires="a14">
+          <p:sp>
+            <p:nvSpPr>
+              <p:cNvPr id="1095" name="正方形/長方形 1094"/>
+              <p:cNvSpPr/>
+              <p:nvPr/>
+            </p:nvSpPr>
+            <p:spPr>
+              <a:xfrm>
+                <a:off x="11560366" y="8643385"/>
+                <a:ext cx="3025788" cy="798104"/>
+              </a:xfrm>
+              <a:prstGeom prst="rect">
+                <a:avLst/>
+              </a:prstGeom>
+            </p:spPr>
+            <p:txBody>
+              <a:bodyPr wrap="square">
+                <a:spAutoFit/>
+              </a:bodyPr>
+              <a:lstStyle/>
+              <a:p>
+                <a:r>
+                  <a:rPr lang="ja-JP" altLang="en-US" sz="900" b="1" dirty="0" smtClean="0">
+                    <a:latin typeface="メイリオ" panose="020B0604030504040204" pitchFamily="50" charset="-128"/>
+                    <a:ea typeface="メイリオ" panose="020B0604030504040204" pitchFamily="50" charset="-128"/>
+                    <a:cs typeface="メイリオ" panose="020B0604030504040204" pitchFamily="50" charset="-128"/>
+                  </a:rPr>
+                  <a:t>（例）上図</a:t>
+                </a:r>
+                <a:r>
+                  <a:rPr lang="ja-JP" altLang="en-US" sz="900" b="1" dirty="0">
+                    <a:latin typeface="メイリオ" panose="020B0604030504040204" pitchFamily="50" charset="-128"/>
+                    <a:ea typeface="メイリオ" panose="020B0604030504040204" pitchFamily="50" charset="-128"/>
+                    <a:cs typeface="メイリオ" panose="020B0604030504040204" pitchFamily="50" charset="-128"/>
+                  </a:rPr>
+                  <a:t>で</a:t>
+                </a:r>
+                <a:r>
+                  <a:rPr lang="ja-JP" altLang="en-US" sz="900" b="1" dirty="0" smtClean="0">
+                    <a:latin typeface="メイリオ" panose="020B0604030504040204" pitchFamily="50" charset="-128"/>
+                    <a:ea typeface="メイリオ" panose="020B0604030504040204" pitchFamily="50" charset="-128"/>
+                    <a:cs typeface="メイリオ" panose="020B0604030504040204" pitchFamily="50" charset="-128"/>
+                  </a:rPr>
+                  <a:t>の移動コスト</a:t>
+                </a:r>
+                <a:endParaRPr lang="en-US" altLang="ja-JP" sz="900" b="1" dirty="0" smtClean="0">
+                  <a:latin typeface="メイリオ" panose="020B0604030504040204" pitchFamily="50" charset="-128"/>
+                  <a:ea typeface="メイリオ" panose="020B0604030504040204" pitchFamily="50" charset="-128"/>
+                  <a:cs typeface="メイリオ" panose="020B0604030504040204" pitchFamily="50" charset="-128"/>
+                </a:endParaRPr>
+              </a:p>
+              <a:p>
+                <a:r>
+                  <a:rPr lang="ja-JP" altLang="en-US" sz="800" b="1" dirty="0" smtClean="0">
+                    <a:latin typeface="メイリオ" panose="020B0604030504040204" pitchFamily="50" charset="-128"/>
+                    <a:ea typeface="メイリオ" panose="020B0604030504040204" pitchFamily="50" charset="-128"/>
+                    <a:cs typeface="メイリオ" panose="020B0604030504040204" pitchFamily="50" charset="-128"/>
+                  </a:rPr>
+                  <a:t>    </a:t>
+                </a:r>
+                <a:r>
+                  <a:rPr lang="ja-JP" altLang="en-US" sz="900" b="1" dirty="0" smtClean="0">
+                    <a:latin typeface="メイリオ" panose="020B0604030504040204" pitchFamily="50" charset="-128"/>
+                    <a:ea typeface="メイリオ" panose="020B0604030504040204" pitchFamily="50" charset="-128"/>
+                    <a:cs typeface="メイリオ" panose="020B0604030504040204" pitchFamily="50" charset="-128"/>
+                  </a:rPr>
+                  <a:t>移動距離由来のコスト </a:t>
+                </a:r>
+                <a14:m>
+                  <m:oMath xmlns:m="http://schemas.openxmlformats.org/officeDocument/2006/math">
+                    <m:r>
+                      <a:rPr lang="en-US" altLang="ja-JP" sz="800" b="1" i="1" smtClean="0">
+                        <a:latin typeface="Cambria Math"/>
+                        <a:ea typeface="Cambria Math"/>
+                        <a:cs typeface="メイリオ" panose="020B0604030504040204" pitchFamily="50" charset="-128"/>
+                      </a:rPr>
+                      <m:t>=</m:t>
+                    </m:r>
+                    <m:r>
+                      <a:rPr lang="en-US" altLang="ja-JP" sz="800" b="1" i="1" smtClean="0">
+                        <a:latin typeface="Cambria Math"/>
+                        <a:ea typeface="Cambria Math"/>
+                        <a:cs typeface="メイリオ" panose="020B0604030504040204" pitchFamily="50" charset="-128"/>
+                      </a:rPr>
+                      <m:t>𝟏</m:t>
+                    </m:r>
+                    <m:r>
+                      <a:rPr lang="en-US" altLang="ja-JP" sz="800" b="1" i="1" smtClean="0">
+                        <a:latin typeface="Cambria Math"/>
+                        <a:ea typeface="Cambria Math"/>
+                        <a:cs typeface="メイリオ" panose="020B0604030504040204" pitchFamily="50" charset="-128"/>
+                      </a:rPr>
+                      <m:t>+</m:t>
+                    </m:r>
+                    <m:rad>
+                      <m:radPr>
+                        <m:degHide m:val="on"/>
+                        <m:ctrlPr>
+                          <a:rPr lang="en-US" altLang="ja-JP" sz="800" b="1" i="1" smtClean="0">
+                            <a:latin typeface="Cambria Math"/>
+                            <a:ea typeface="Cambria Math"/>
+                            <a:cs typeface="メイリオ" panose="020B0604030504040204" pitchFamily="50" charset="-128"/>
+                          </a:rPr>
+                        </m:ctrlPr>
+                      </m:radPr>
+                      <m:deg/>
+                      <m:e>
+                        <m:r>
+                          <a:rPr lang="en-US" altLang="ja-JP" sz="800" b="1" i="1" smtClean="0">
+                            <a:latin typeface="Cambria Math"/>
+                            <a:ea typeface="Cambria Math"/>
+                            <a:cs typeface="メイリオ" panose="020B0604030504040204" pitchFamily="50" charset="-128"/>
+                          </a:rPr>
+                          <m:t>𝟐</m:t>
+                        </m:r>
+                      </m:e>
+                    </m:rad>
+                    <m:r>
+                      <a:rPr lang="en-US" altLang="ja-JP" sz="800" b="1" i="1" smtClean="0">
+                        <a:latin typeface="Cambria Math"/>
+                        <a:ea typeface="Cambria Math"/>
+                        <a:cs typeface="メイリオ" panose="020B0604030504040204" pitchFamily="50" charset="-128"/>
+                      </a:rPr>
+                      <m:t>×</m:t>
+                    </m:r>
+                    <m:r>
+                      <a:rPr lang="en-US" altLang="ja-JP" sz="800" b="1" i="1" smtClean="0">
+                        <a:latin typeface="Cambria Math"/>
+                        <a:ea typeface="Cambria Math"/>
+                        <a:cs typeface="メイリオ" panose="020B0604030504040204" pitchFamily="50" charset="-128"/>
+                      </a:rPr>
+                      <m:t>𝟐</m:t>
+                    </m:r>
+                    <m:r>
+                      <a:rPr lang="en-US" altLang="ja-JP" sz="800" b="1" i="1" smtClean="0">
+                        <a:latin typeface="Cambria Math"/>
+                        <a:ea typeface="Cambria Math"/>
+                        <a:cs typeface="メイリオ" panose="020B0604030504040204" pitchFamily="50" charset="-128"/>
+                      </a:rPr>
+                      <m:t>+</m:t>
+                    </m:r>
+                    <m:r>
+                      <a:rPr lang="en-US" altLang="ja-JP" sz="800" b="1" i="1" smtClean="0">
+                        <a:latin typeface="Cambria Math"/>
+                        <a:ea typeface="Cambria Math"/>
+                        <a:cs typeface="メイリオ" panose="020B0604030504040204" pitchFamily="50" charset="-128"/>
+                      </a:rPr>
+                      <m:t>𝟏</m:t>
+                    </m:r>
+                    <m:r>
+                      <a:rPr lang="en-US" altLang="ja-JP" sz="800" b="1" i="1" smtClean="0">
+                        <a:latin typeface="Cambria Math"/>
+                        <a:ea typeface="Cambria Math"/>
+                        <a:cs typeface="メイリオ" panose="020B0604030504040204" pitchFamily="50" charset="-128"/>
+                      </a:rPr>
+                      <m:t>≅</m:t>
+                    </m:r>
+                    <m:r>
+                      <a:rPr lang="en-US" altLang="ja-JP" sz="800" b="1" i="1" smtClean="0">
+                        <a:latin typeface="Cambria Math"/>
+                        <a:ea typeface="Cambria Math"/>
+                        <a:cs typeface="メイリオ" panose="020B0604030504040204" pitchFamily="50" charset="-128"/>
+                      </a:rPr>
+                      <m:t>𝟒</m:t>
+                    </m:r>
+                    <m:r>
+                      <a:rPr lang="en-US" altLang="ja-JP" sz="800" b="1" i="1" smtClean="0">
+                        <a:latin typeface="Cambria Math"/>
+                        <a:ea typeface="Cambria Math"/>
+                        <a:cs typeface="メイリオ" panose="020B0604030504040204" pitchFamily="50" charset="-128"/>
+                      </a:rPr>
+                      <m:t>.</m:t>
+                    </m:r>
+                    <m:r>
+                      <a:rPr lang="en-US" altLang="ja-JP" sz="800" b="1" i="1" smtClean="0">
+                        <a:latin typeface="Cambria Math"/>
+                        <a:ea typeface="Cambria Math"/>
+                        <a:cs typeface="メイリオ" panose="020B0604030504040204" pitchFamily="50" charset="-128"/>
+                      </a:rPr>
+                      <m:t>𝟖𝟐</m:t>
+                    </m:r>
+                  </m:oMath>
+                </a14:m>
+                <a:endParaRPr lang="en-US" altLang="ja-JP" sz="800" b="1" dirty="0" smtClean="0">
+                  <a:latin typeface="メイリオ" panose="020B0604030504040204" pitchFamily="50" charset="-128"/>
+                  <a:ea typeface="メイリオ" panose="020B0604030504040204" pitchFamily="50" charset="-128"/>
+                  <a:cs typeface="メイリオ" panose="020B0604030504040204" pitchFamily="50" charset="-128"/>
+                </a:endParaRPr>
+              </a:p>
+              <a:p>
+                <a:r>
+                  <a:rPr lang="en-US" altLang="ja-JP" sz="800" b="1" dirty="0">
+                    <a:latin typeface="メイリオ" panose="020B0604030504040204" pitchFamily="50" charset="-128"/>
+                    <a:ea typeface="メイリオ" panose="020B0604030504040204" pitchFamily="50" charset="-128"/>
+                    <a:cs typeface="メイリオ" panose="020B0604030504040204" pitchFamily="50" charset="-128"/>
+                  </a:rPr>
+                  <a:t> </a:t>
+                </a:r>
+                <a:r>
+                  <a:rPr lang="en-US" altLang="ja-JP" sz="800" b="1" dirty="0" smtClean="0">
+                    <a:latin typeface="メイリオ" panose="020B0604030504040204" pitchFamily="50" charset="-128"/>
+                    <a:ea typeface="メイリオ" panose="020B0604030504040204" pitchFamily="50" charset="-128"/>
+                    <a:cs typeface="メイリオ" panose="020B0604030504040204" pitchFamily="50" charset="-128"/>
+                  </a:rPr>
+                  <a:t>   </a:t>
+                </a:r>
+                <a:r>
+                  <a:rPr lang="ja-JP" altLang="en-US" sz="900" b="1" dirty="0" smtClean="0">
+                    <a:latin typeface="メイリオ" panose="020B0604030504040204" pitchFamily="50" charset="-128"/>
+                    <a:ea typeface="メイリオ" panose="020B0604030504040204" pitchFamily="50" charset="-128"/>
+                    <a:cs typeface="メイリオ" panose="020B0604030504040204" pitchFamily="50" charset="-128"/>
+                  </a:rPr>
+                  <a:t>向きの変更に由来するコスト</a:t>
+                </a:r>
+                <a14:m>
+                  <m:oMath xmlns:m="http://schemas.openxmlformats.org/officeDocument/2006/math">
+                    <m:r>
+                      <a:rPr lang="en-US" altLang="ja-JP" sz="800" b="1" i="1" smtClean="0">
+                        <a:latin typeface="Cambria Math"/>
+                        <a:ea typeface="Cambria Math"/>
+                        <a:cs typeface="メイリオ" panose="020B0604030504040204" pitchFamily="50" charset="-128"/>
+                      </a:rPr>
+                      <m:t>=</m:t>
+                    </m:r>
+                    <m:r>
+                      <a:rPr lang="en-US" altLang="ja-JP" sz="800" b="1" i="1" smtClean="0">
+                        <a:latin typeface="Cambria Math"/>
+                        <a:ea typeface="Cambria Math"/>
+                        <a:cs typeface="メイリオ" panose="020B0604030504040204" pitchFamily="50" charset="-128"/>
+                      </a:rPr>
+                      <m:t>𝟐</m:t>
+                    </m:r>
+                    <m:r>
+                      <a:rPr lang="en-US" altLang="ja-JP" sz="800" b="1" i="1" smtClean="0">
+                        <a:latin typeface="Cambria Math"/>
+                        <a:ea typeface="Cambria Math"/>
+                        <a:cs typeface="メイリオ" panose="020B0604030504040204" pitchFamily="50" charset="-128"/>
+                      </a:rPr>
+                      <m:t>×(</m:t>
+                    </m:r>
+                    <m:r>
+                      <a:rPr lang="en-US" altLang="ja-JP" sz="800" b="1" i="1" smtClean="0">
+                        <a:latin typeface="Cambria Math"/>
+                        <a:ea typeface="Cambria Math"/>
+                        <a:cs typeface="メイリオ" panose="020B0604030504040204" pitchFamily="50" charset="-128"/>
+                      </a:rPr>
+                      <m:t>𝟏</m:t>
+                    </m:r>
+                    <m:r>
+                      <a:rPr lang="en-US" altLang="ja-JP" sz="800" b="1" i="1" smtClean="0">
+                        <a:latin typeface="Cambria Math"/>
+                        <a:ea typeface="Cambria Math"/>
+                        <a:cs typeface="メイリオ" panose="020B0604030504040204" pitchFamily="50" charset="-128"/>
+                      </a:rPr>
+                      <m:t>+</m:t>
+                    </m:r>
+                    <m:f>
+                      <m:fPr>
+                        <m:ctrlPr>
+                          <a:rPr lang="en-US" altLang="ja-JP" sz="800" b="1" i="1" smtClean="0">
+                            <a:latin typeface="Cambria Math"/>
+                            <a:ea typeface="Cambria Math"/>
+                            <a:cs typeface="メイリオ" panose="020B0604030504040204" pitchFamily="50" charset="-128"/>
+                          </a:rPr>
+                        </m:ctrlPr>
+                      </m:fPr>
+                      <m:num>
+                        <m:d>
+                          <m:dPr>
+                            <m:begChr m:val="|"/>
+                            <m:endChr m:val="|"/>
+                            <m:ctrlPr>
+                              <a:rPr lang="en-US" altLang="ja-JP" sz="800" b="1" i="1" smtClean="0">
+                                <a:latin typeface="Cambria Math"/>
+                                <a:ea typeface="Cambria Math"/>
+                              </a:rPr>
+                            </m:ctrlPr>
+                          </m:dPr>
+                          <m:e>
+                            <m:r>
+                              <a:rPr lang="en-US" altLang="ja-JP" sz="800" b="1" i="1">
+                                <a:latin typeface="Cambria Math"/>
+                                <a:ea typeface="Cambria Math"/>
+                                <a:cs typeface="メイリオ" panose="020B0604030504040204" pitchFamily="50" charset="-128"/>
+                              </a:rPr>
+                              <m:t>−</m:t>
+                            </m:r>
+                            <m:r>
+                              <a:rPr lang="en-US" altLang="ja-JP" sz="800" b="1" i="1">
+                                <a:latin typeface="Cambria Math"/>
+                                <a:ea typeface="Cambria Math"/>
+                                <a:cs typeface="メイリオ" panose="020B0604030504040204" pitchFamily="50" charset="-128"/>
+                              </a:rPr>
+                              <m:t>𝟒𝟓</m:t>
+                            </m:r>
+                            <m:r>
+                              <a:rPr lang="en-US" altLang="ja-JP" sz="800" b="1" i="1">
+                                <a:latin typeface="Cambria Math"/>
+                                <a:ea typeface="Cambria Math"/>
+                                <a:cs typeface="メイリオ" panose="020B0604030504040204" pitchFamily="50" charset="-128"/>
+                              </a:rPr>
+                              <m:t>−</m:t>
+                            </m:r>
+                            <m:r>
+                              <a:rPr lang="en-US" altLang="ja-JP" sz="800" b="1" i="1" smtClean="0">
+                                <a:latin typeface="Cambria Math"/>
+                                <a:ea typeface="Cambria Math"/>
+                                <a:cs typeface="メイリオ" panose="020B0604030504040204" pitchFamily="50" charset="-128"/>
+                              </a:rPr>
+                              <m:t>𝟒𝟓</m:t>
+                            </m:r>
+                          </m:e>
+                        </m:d>
+                      </m:num>
+                      <m:den>
+                        <m:r>
+                          <a:rPr lang="en-US" altLang="ja-JP" sz="800" b="1" i="1" smtClean="0">
+                            <a:latin typeface="Cambria Math"/>
+                            <a:ea typeface="Cambria Math"/>
+                          </a:rPr>
+                          <m:t>𝟗𝟎</m:t>
+                        </m:r>
+                      </m:den>
+                    </m:f>
+                    <m:r>
+                      <a:rPr lang="en-US" altLang="ja-JP" sz="800" b="1" i="1" smtClean="0">
+                        <a:latin typeface="Cambria Math"/>
+                        <a:ea typeface="Cambria Math"/>
+                      </a:rPr>
+                      <m:t>)/(</m:t>
+                    </m:r>
+                    <m:r>
+                      <a:rPr lang="en-US" altLang="ja-JP" sz="800" b="1" i="1" smtClean="0">
+                        <a:latin typeface="Cambria Math"/>
+                        <a:ea typeface="Cambria Math"/>
+                      </a:rPr>
+                      <m:t>𝟐</m:t>
+                    </m:r>
+                    <m:rad>
+                      <m:radPr>
+                        <m:degHide m:val="on"/>
+                        <m:ctrlPr>
+                          <a:rPr lang="en-US" altLang="ja-JP" sz="800" b="1" i="1">
+                            <a:latin typeface="Cambria Math"/>
+                            <a:ea typeface="Cambria Math"/>
+                            <a:cs typeface="メイリオ" panose="020B0604030504040204" pitchFamily="50" charset="-128"/>
+                          </a:rPr>
+                        </m:ctrlPr>
+                      </m:radPr>
+                      <m:deg/>
+                      <m:e>
+                        <m:r>
+                          <a:rPr lang="en-US" altLang="ja-JP" sz="800" b="1" i="1">
+                            <a:latin typeface="Cambria Math"/>
+                            <a:ea typeface="Cambria Math"/>
+                            <a:cs typeface="メイリオ" panose="020B0604030504040204" pitchFamily="50" charset="-128"/>
+                          </a:rPr>
+                          <m:t>𝟐</m:t>
+                        </m:r>
+                      </m:e>
+                    </m:rad>
+                    <m:r>
+                      <a:rPr lang="en-US" altLang="ja-JP" sz="800" b="1" i="1" smtClean="0">
+                        <a:latin typeface="Cambria Math"/>
+                        <a:ea typeface="Cambria Math"/>
+                      </a:rPr>
+                      <m:t>)</m:t>
+                    </m:r>
+                  </m:oMath>
+                </a14:m>
+                <a:endParaRPr lang="en-US" altLang="ja-JP" sz="800" b="1" dirty="0" smtClean="0">
+                  <a:latin typeface="メイリオ" panose="020B0604030504040204" pitchFamily="50" charset="-128"/>
+                  <a:ea typeface="メイリオ" panose="020B0604030504040204" pitchFamily="50" charset="-128"/>
+                  <a:cs typeface="メイリオ" panose="020B0604030504040204" pitchFamily="50" charset="-128"/>
+                </a:endParaRPr>
+              </a:p>
+              <a:p>
+                <a:r>
+                  <a:rPr lang="en-US" altLang="ja-JP" sz="800" b="1" dirty="0">
+                    <a:latin typeface="メイリオ" panose="020B0604030504040204" pitchFamily="50" charset="-128"/>
+                    <a:ea typeface="メイリオ" panose="020B0604030504040204" pitchFamily="50" charset="-128"/>
+                    <a:cs typeface="メイリオ" panose="020B0604030504040204" pitchFamily="50" charset="-128"/>
+                  </a:rPr>
+                  <a:t> </a:t>
+                </a:r>
+                <a:r>
+                  <a:rPr lang="en-US" altLang="ja-JP" sz="800" b="1" dirty="0" smtClean="0">
+                    <a:latin typeface="メイリオ" panose="020B0604030504040204" pitchFamily="50" charset="-128"/>
+                    <a:ea typeface="メイリオ" panose="020B0604030504040204" pitchFamily="50" charset="-128"/>
+                    <a:cs typeface="メイリオ" panose="020B0604030504040204" pitchFamily="50" charset="-128"/>
+                  </a:rPr>
+                  <a:t>                                                </a:t>
+                </a:r>
+                <a14:m>
+                  <m:oMath xmlns:m="http://schemas.openxmlformats.org/officeDocument/2006/math">
+                    <m:r>
+                      <a:rPr lang="en-US" altLang="ja-JP" sz="800" b="1" i="1">
+                        <a:latin typeface="Cambria Math"/>
+                        <a:ea typeface="Cambria Math"/>
+                        <a:cs typeface="メイリオ" panose="020B0604030504040204" pitchFamily="50" charset="-128"/>
+                      </a:rPr>
+                      <m:t>=</m:t>
+                    </m:r>
+                    <m:r>
+                      <a:rPr lang="en-US" altLang="ja-JP" sz="800" b="1" i="1" smtClean="0">
+                        <a:latin typeface="Cambria Math"/>
+                        <a:ea typeface="Cambria Math"/>
+                        <a:cs typeface="メイリオ" panose="020B0604030504040204" pitchFamily="50" charset="-128"/>
+                      </a:rPr>
+                      <m:t>𝟏</m:t>
+                    </m:r>
+                    <m:r>
+                      <a:rPr lang="en-US" altLang="ja-JP" sz="800" b="1" i="1" smtClean="0">
+                        <a:latin typeface="Cambria Math"/>
+                        <a:ea typeface="Cambria Math"/>
+                        <a:cs typeface="メイリオ" panose="020B0604030504040204" pitchFamily="50" charset="-128"/>
+                      </a:rPr>
+                      <m:t>.</m:t>
+                    </m:r>
+                    <m:r>
+                      <a:rPr lang="en-US" altLang="ja-JP" sz="800" b="1" i="1" smtClean="0">
+                        <a:latin typeface="Cambria Math"/>
+                        <a:ea typeface="Cambria Math"/>
+                        <a:cs typeface="メイリオ" panose="020B0604030504040204" pitchFamily="50" charset="-128"/>
+                      </a:rPr>
+                      <m:t>𝟒𝟏</m:t>
+                    </m:r>
+                  </m:oMath>
+                </a14:m>
+                <a:endParaRPr lang="en-US" altLang="ja-JP" sz="800" b="1" dirty="0" smtClean="0">
+                  <a:latin typeface="メイリオ" panose="020B0604030504040204" pitchFamily="50" charset="-128"/>
+                  <a:ea typeface="メイリオ" panose="020B0604030504040204" pitchFamily="50" charset="-128"/>
+                  <a:cs typeface="メイリオ" panose="020B0604030504040204" pitchFamily="50" charset="-128"/>
+                </a:endParaRPr>
+              </a:p>
+              <a:p>
+                <a:r>
+                  <a:rPr lang="en-US" altLang="ja-JP" sz="800" b="1" dirty="0">
+                    <a:latin typeface="メイリオ" panose="020B0604030504040204" pitchFamily="50" charset="-128"/>
+                    <a:ea typeface="メイリオ" panose="020B0604030504040204" pitchFamily="50" charset="-128"/>
+                    <a:cs typeface="メイリオ" panose="020B0604030504040204" pitchFamily="50" charset="-128"/>
+                  </a:rPr>
+                  <a:t> </a:t>
+                </a:r>
+                <a:r>
+                  <a:rPr lang="en-US" altLang="ja-JP" sz="800" b="1" dirty="0" smtClean="0">
+                    <a:latin typeface="メイリオ" panose="020B0604030504040204" pitchFamily="50" charset="-128"/>
+                    <a:ea typeface="メイリオ" panose="020B0604030504040204" pitchFamily="50" charset="-128"/>
+                    <a:cs typeface="メイリオ" panose="020B0604030504040204" pitchFamily="50" charset="-128"/>
+                  </a:rPr>
+                  <a:t>   </a:t>
+                </a:r>
+                <a:r>
+                  <a:rPr lang="ja-JP" altLang="en-US" sz="800" b="1" dirty="0" smtClean="0">
+                    <a:latin typeface="メイリオ" panose="020B0604030504040204" pitchFamily="50" charset="-128"/>
+                    <a:ea typeface="メイリオ" panose="020B0604030504040204" pitchFamily="50" charset="-128"/>
+                    <a:cs typeface="メイリオ" panose="020B0604030504040204" pitchFamily="50" charset="-128"/>
+                  </a:rPr>
+                  <a:t>移動コスト</a:t>
+                </a:r>
+                <a14:m>
+                  <m:oMath xmlns:m="http://schemas.openxmlformats.org/officeDocument/2006/math">
+                    <m:r>
+                      <a:rPr lang="en-US" altLang="ja-JP" sz="800" b="1" i="1" smtClean="0">
+                        <a:latin typeface="Cambria Math"/>
+                        <a:ea typeface="Cambria Math"/>
+                        <a:cs typeface="メイリオ" panose="020B0604030504040204" pitchFamily="50" charset="-128"/>
+                      </a:rPr>
+                      <m:t>=</m:t>
+                    </m:r>
+                    <m:r>
+                      <a:rPr lang="en-US" altLang="ja-JP" sz="800" b="1" i="1">
+                        <a:latin typeface="Cambria Math"/>
+                        <a:ea typeface="Cambria Math"/>
+                        <a:cs typeface="メイリオ" panose="020B0604030504040204" pitchFamily="50" charset="-128"/>
+                      </a:rPr>
+                      <m:t>𝟒</m:t>
+                    </m:r>
+                    <m:r>
+                      <a:rPr lang="en-US" altLang="ja-JP" sz="800" b="1" i="1">
+                        <a:latin typeface="Cambria Math"/>
+                        <a:ea typeface="Cambria Math"/>
+                        <a:cs typeface="メイリオ" panose="020B0604030504040204" pitchFamily="50" charset="-128"/>
+                      </a:rPr>
+                      <m:t>.</m:t>
+                    </m:r>
+                    <m:r>
+                      <a:rPr lang="en-US" altLang="ja-JP" sz="800" b="1" i="1">
+                        <a:latin typeface="Cambria Math"/>
+                        <a:ea typeface="Cambria Math"/>
+                        <a:cs typeface="メイリオ" panose="020B0604030504040204" pitchFamily="50" charset="-128"/>
+                      </a:rPr>
+                      <m:t>𝟖𝟐</m:t>
+                    </m:r>
+                    <m:r>
+                      <a:rPr lang="en-US" altLang="ja-JP" sz="800" b="1" i="1" smtClean="0">
+                        <a:latin typeface="Cambria Math"/>
+                        <a:ea typeface="Cambria Math"/>
+                        <a:cs typeface="メイリオ" panose="020B0604030504040204" pitchFamily="50" charset="-128"/>
+                      </a:rPr>
+                      <m:t>+</m:t>
+                    </m:r>
+                    <m:r>
+                      <a:rPr lang="en-US" altLang="ja-JP" sz="800" b="1" i="1" smtClean="0">
+                        <a:latin typeface="Cambria Math"/>
+                        <a:ea typeface="Cambria Math"/>
+                        <a:cs typeface="メイリオ" panose="020B0604030504040204" pitchFamily="50" charset="-128"/>
+                      </a:rPr>
+                      <m:t>𝟏</m:t>
+                    </m:r>
+                    <m:r>
+                      <a:rPr lang="en-US" altLang="ja-JP" sz="800" b="1" i="1" smtClean="0">
+                        <a:latin typeface="Cambria Math"/>
+                        <a:ea typeface="Cambria Math"/>
+                        <a:cs typeface="メイリオ" panose="020B0604030504040204" pitchFamily="50" charset="-128"/>
+                      </a:rPr>
+                      <m:t>.</m:t>
+                    </m:r>
+                    <m:r>
+                      <a:rPr lang="en-US" altLang="ja-JP" sz="800" b="1" i="1" smtClean="0">
+                        <a:latin typeface="Cambria Math"/>
+                        <a:ea typeface="Cambria Math"/>
+                        <a:cs typeface="メイリオ" panose="020B0604030504040204" pitchFamily="50" charset="-128"/>
+                      </a:rPr>
+                      <m:t>𝟒𝟏</m:t>
+                    </m:r>
+                    <m:r>
+                      <a:rPr lang="en-US" altLang="ja-JP" sz="800" b="1" i="1" smtClean="0">
+                        <a:latin typeface="Cambria Math"/>
+                        <a:ea typeface="Cambria Math"/>
+                        <a:cs typeface="メイリオ" panose="020B0604030504040204" pitchFamily="50" charset="-128"/>
+                      </a:rPr>
+                      <m:t>=</m:t>
+                    </m:r>
+                    <m:r>
+                      <a:rPr lang="en-US" altLang="ja-JP" sz="800" b="1" i="1" smtClean="0">
+                        <a:latin typeface="Cambria Math"/>
+                        <a:ea typeface="Cambria Math"/>
+                        <a:cs typeface="メイリオ" panose="020B0604030504040204" pitchFamily="50" charset="-128"/>
+                      </a:rPr>
+                      <m:t>𝟔</m:t>
+                    </m:r>
+                    <m:r>
+                      <a:rPr lang="en-US" altLang="ja-JP" sz="800" b="1" i="1" smtClean="0">
+                        <a:latin typeface="Cambria Math"/>
+                        <a:ea typeface="Cambria Math"/>
+                        <a:cs typeface="メイリオ" panose="020B0604030504040204" pitchFamily="50" charset="-128"/>
+                      </a:rPr>
+                      <m:t>.</m:t>
+                    </m:r>
+                    <m:r>
+                      <a:rPr lang="en-US" altLang="ja-JP" sz="800" b="1" i="1" smtClean="0">
+                        <a:latin typeface="Cambria Math"/>
+                        <a:ea typeface="Cambria Math"/>
+                        <a:cs typeface="メイリオ" panose="020B0604030504040204" pitchFamily="50" charset="-128"/>
+                      </a:rPr>
+                      <m:t>𝟐𝟑</m:t>
+                    </m:r>
+                  </m:oMath>
+                </a14:m>
+                <a:endParaRPr lang="en-US" altLang="ja-JP" sz="800" b="1" dirty="0" smtClean="0">
+                  <a:latin typeface="メイリオ" panose="020B0604030504040204" pitchFamily="50" charset="-128"/>
+                  <a:ea typeface="メイリオ" panose="020B0604030504040204" pitchFamily="50" charset="-128"/>
+                  <a:cs typeface="メイリオ" panose="020B0604030504040204" pitchFamily="50" charset="-128"/>
+                </a:endParaRPr>
+              </a:p>
+            </p:txBody>
+          </p:sp>
+        </mc:Choice>
+        <mc:Fallback>
+          <p:sp>
+            <p:nvSpPr>
+              <p:cNvPr id="1095" name="正方形/長方形 1094"/>
+              <p:cNvSpPr>
+                <a:spLocks noRot="1" noChangeAspect="1" noMove="1" noResize="1" noEditPoints="1" noAdjustHandles="1" noChangeArrowheads="1" noChangeShapeType="1" noTextEdit="1"/>
+              </p:cNvSpPr>
+              <p:nvPr/>
+            </p:nvSpPr>
+            <p:spPr>
+              <a:xfrm>
+                <a:off x="11560366" y="8643385"/>
+                <a:ext cx="3025788" cy="798104"/>
+              </a:xfrm>
+              <a:prstGeom prst="rect">
+                <a:avLst/>
+              </a:prstGeom>
+              <a:blipFill rotWithShape="1">
+                <a:blip r:embed="rId8"/>
+                <a:stretch>
+                  <a:fillRect b="-1527"/>
+                </a:stretch>
+              </a:blipFill>
+            </p:spPr>
+            <p:txBody>
+              <a:bodyPr/>
+              <a:lstStyle/>
+              <a:p>
+                <a:r>
+                  <a:rPr lang="ja-JP" altLang="en-US">
+                    <a:noFill/>
+                  </a:rPr>
+                  <a:t> </a:t>
+                </a:r>
+              </a:p>
+            </p:txBody>
+          </p:sp>
+        </mc:Fallback>
+      </mc:AlternateContent>
+      <p:sp>
+        <p:nvSpPr>
+          <p:cNvPr id="1099" name="テキスト ボックス 1098"/>
+          <p:cNvSpPr txBox="1"/>
+          <p:nvPr/>
+        </p:nvSpPr>
+        <p:spPr>
+          <a:xfrm>
+            <a:off x="376781" y="5494638"/>
+            <a:ext cx="2069797" cy="307777"/>
+          </a:xfrm>
+          <a:prstGeom prst="rect">
+            <a:avLst/>
+          </a:prstGeom>
+          <a:solidFill>
+            <a:srgbClr val="D24726"/>
+          </a:solidFill>
+        </p:spPr>
+        <p:txBody>
+          <a:bodyPr wrap="none" rtlCol="0">
+            <a:spAutoFit/>
+          </a:bodyPr>
+          <a:lstStyle/>
+          <a:p>
+            <a:r>
+              <a:rPr kumimoji="1" lang="en-US" altLang="ja-JP" sz="1400" b="1" dirty="0" smtClean="0">
+                <a:solidFill>
+                  <a:schemeClr val="bg1"/>
+                </a:solidFill>
+                <a:latin typeface="メイリオ" panose="020B0604030504040204" pitchFamily="50" charset="-128"/>
+                <a:ea typeface="メイリオ" panose="020B0604030504040204" pitchFamily="50" charset="-128"/>
+                <a:cs typeface="メイリオ" panose="020B0604030504040204" pitchFamily="50" charset="-128"/>
+              </a:rPr>
+              <a:t>2-6.</a:t>
+            </a:r>
+            <a:r>
+              <a:rPr kumimoji="1" lang="ja-JP" altLang="en-US" sz="1400" b="1" dirty="0" smtClean="0">
+                <a:solidFill>
+                  <a:schemeClr val="bg1"/>
+                </a:solidFill>
+                <a:latin typeface="メイリオ" panose="020B0604030504040204" pitchFamily="50" charset="-128"/>
+                <a:ea typeface="メイリオ" panose="020B0604030504040204" pitchFamily="50" charset="-128"/>
+                <a:cs typeface="メイリオ" panose="020B0604030504040204" pitchFamily="50" charset="-128"/>
+              </a:rPr>
+              <a:t> </a:t>
+            </a:r>
+            <a:r>
+              <a:rPr lang="ja-JP" altLang="en-US" sz="1400" b="1" dirty="0" smtClean="0">
+                <a:solidFill>
+                  <a:schemeClr val="bg1"/>
+                </a:solidFill>
+                <a:latin typeface="メイリオ" panose="020B0604030504040204" pitchFamily="50" charset="-128"/>
+                <a:ea typeface="メイリオ" panose="020B0604030504040204" pitchFamily="50" charset="-128"/>
+                <a:cs typeface="メイリオ" panose="020B0604030504040204" pitchFamily="50" charset="-128"/>
+              </a:rPr>
+              <a:t>ゲームの攻略手順</a:t>
+            </a:r>
+            <a:endParaRPr kumimoji="1" lang="ja-JP" altLang="en-US" sz="1400" b="1" dirty="0">
+              <a:solidFill>
+                <a:schemeClr val="bg1"/>
+              </a:solidFill>
+              <a:latin typeface="メイリオ" panose="020B0604030504040204" pitchFamily="50" charset="-128"/>
+              <a:ea typeface="メイリオ" panose="020B0604030504040204" pitchFamily="50" charset="-128"/>
+              <a:cs typeface="メイリオ" panose="020B0604030504040204" pitchFamily="50" charset="-128"/>
+            </a:endParaRPr>
+          </a:p>
+        </p:txBody>
+      </p:sp>
+      <p:sp>
+        <p:nvSpPr>
+          <p:cNvPr id="1101" name="正方形/長方形 1100"/>
+          <p:cNvSpPr/>
+          <p:nvPr/>
+        </p:nvSpPr>
+        <p:spPr>
+          <a:xfrm>
+            <a:off x="6273041" y="9556285"/>
+            <a:ext cx="4587574" cy="1015663"/>
+          </a:xfrm>
+          <a:prstGeom prst="rect">
+            <a:avLst/>
+          </a:prstGeom>
+        </p:spPr>
+        <p:txBody>
+          <a:bodyPr wrap="square">
+            <a:spAutoFit/>
+          </a:bodyPr>
+          <a:lstStyle/>
+          <a:p>
+            <a:pPr indent="2238375"/>
+            <a:r>
+              <a:rPr lang="ja-JP" altLang="en-US" sz="1200" dirty="0" smtClean="0">
+                <a:latin typeface="メイリオ" panose="020B0604030504040204" pitchFamily="50" charset="-128"/>
+                <a:ea typeface="メイリオ" panose="020B0604030504040204" pitchFamily="50" charset="-128"/>
+                <a:cs typeface="メイリオ" panose="020B0604030504040204" pitchFamily="50" charset="-128"/>
+              </a:rPr>
+              <a:t>抽象マップ上では、各サークルは自身の色情報と設置されているブロックの色の候補を</a:t>
+            </a:r>
+            <a:r>
+              <a:rPr lang="en-US" altLang="ja-JP" sz="1200" dirty="0" smtClean="0">
+                <a:latin typeface="メイリオ" panose="020B0604030504040204" pitchFamily="50" charset="-128"/>
+                <a:ea typeface="メイリオ" panose="020B0604030504040204" pitchFamily="50" charset="-128"/>
+                <a:cs typeface="メイリオ" panose="020B0604030504040204" pitchFamily="50" charset="-128"/>
+              </a:rPr>
+              <a:t>0~5</a:t>
+            </a:r>
+            <a:r>
+              <a:rPr lang="ja-JP" altLang="en-US" sz="1200" dirty="0" smtClean="0">
+                <a:latin typeface="メイリオ" panose="020B0604030504040204" pitchFamily="50" charset="-128"/>
+                <a:ea typeface="メイリオ" panose="020B0604030504040204" pitchFamily="50" charset="-128"/>
+                <a:cs typeface="メイリオ" panose="020B0604030504040204" pitchFamily="50" charset="-128"/>
+              </a:rPr>
+              <a:t>個持つ（色候補が</a:t>
+            </a:r>
+            <a:r>
+              <a:rPr lang="en-US" altLang="ja-JP" sz="1200" dirty="0" smtClean="0">
+                <a:latin typeface="メイリオ" panose="020B0604030504040204" pitchFamily="50" charset="-128"/>
+                <a:ea typeface="メイリオ" panose="020B0604030504040204" pitchFamily="50" charset="-128"/>
+                <a:cs typeface="メイリオ" panose="020B0604030504040204" pitchFamily="50" charset="-128"/>
+              </a:rPr>
+              <a:t>0</a:t>
+            </a:r>
+            <a:r>
+              <a:rPr lang="ja-JP" altLang="en-US" sz="1200" dirty="0" smtClean="0">
+                <a:latin typeface="メイリオ" panose="020B0604030504040204" pitchFamily="50" charset="-128"/>
+                <a:ea typeface="メイリオ" panose="020B0604030504040204" pitchFamily="50" charset="-128"/>
+                <a:cs typeface="メイリオ" panose="020B0604030504040204" pitchFamily="50" charset="-128"/>
+              </a:rPr>
+              <a:t>個のサークルはブロックが設置されていない）。ブロックの色が確定、またはブロックが移動される度に抽象マップの情報は更新される。</a:t>
+            </a:r>
+            <a:endParaRPr lang="en-US" altLang="ja-JP" sz="1200" dirty="0" smtClean="0">
+              <a:latin typeface="メイリオ" panose="020B0604030504040204" pitchFamily="50" charset="-128"/>
+              <a:ea typeface="メイリオ" panose="020B0604030504040204" pitchFamily="50" charset="-128"/>
+              <a:cs typeface="メイリオ" panose="020B0604030504040204" pitchFamily="50" charset="-128"/>
+            </a:endParaRPr>
+          </a:p>
+        </p:txBody>
+      </p:sp>
+      <p:pic>
+        <p:nvPicPr>
+          <p:cNvPr id="839" name="Picture 14"/>
+          <p:cNvPicPr>
+            <a:picLocks noChangeAspect="1" noChangeArrowheads="1"/>
+          </p:cNvPicPr>
+          <p:nvPr/>
+        </p:nvPicPr>
+        <p:blipFill>
+          <a:blip r:embed="rId9" cstate="print">
+            <a:extLst>
+              <a:ext uri="{28A0092B-C50C-407E-A947-70E740481C1C}">
+                <a14:useLocalDpi xmlns:a14="http://schemas.microsoft.com/office/drawing/2010/main" val="0"/>
+              </a:ext>
+            </a:extLst>
+          </a:blip>
+          <a:srcRect/>
+          <a:stretch>
+            <a:fillRect/>
+          </a:stretch>
+        </p:blipFill>
+        <p:spPr bwMode="auto">
+          <a:xfrm>
+            <a:off x="10860615" y="9498178"/>
+            <a:ext cx="3768739" cy="1051195"/>
+          </a:xfrm>
+          <a:prstGeom prst="rect">
+            <a:avLst/>
+          </a:prstGeom>
+          <a:noFill/>
+          <a:ln>
+            <a:noFill/>
+          </a:ln>
+          <a:extLst>
+            <a:ext uri="{909E8E84-426E-40DD-AFC4-6F175D3DCCD1}">
+              <a14:hiddenFill xmlns:a14="http://schemas.microsoft.com/office/drawing/2010/main">
+                <a:solidFill>
+                  <a:schemeClr val="accent1"/>
+                </a:solidFill>
+              </a14:hiddenFill>
+            </a:ext>
+            <a:ext uri="{91240B29-F687-4F45-9708-019B960494DF}">
+              <a14:hiddenLine xmlns:a14="http://schemas.microsoft.com/office/drawing/2010/main" w="9525">
+                <a:solidFill>
+                  <a:schemeClr val="tx1"/>
+                </a:solidFill>
+                <a:miter lim="800000"/>
+                <a:headEnd/>
+                <a:tailEnd/>
+              </a14:hiddenLine>
+            </a:ext>
+          </a:extLst>
+        </p:spPr>
+      </p:pic>
+      <p:pic>
+        <p:nvPicPr>
+          <p:cNvPr id="958" name="Picture 16"/>
+          <p:cNvPicPr>
+            <a:picLocks noChangeAspect="1" noChangeArrowheads="1"/>
+          </p:cNvPicPr>
+          <p:nvPr/>
+        </p:nvPicPr>
+        <p:blipFill>
+          <a:blip r:embed="rId10" cstate="print">
+            <a:extLst>
+              <a:ext uri="{28A0092B-C50C-407E-A947-70E740481C1C}">
+                <a14:useLocalDpi xmlns:a14="http://schemas.microsoft.com/office/drawing/2010/main" val="0"/>
+              </a:ext>
+            </a:extLst>
+          </a:blip>
+          <a:srcRect/>
+          <a:stretch>
+            <a:fillRect/>
+          </a:stretch>
+        </p:blipFill>
+        <p:spPr bwMode="auto">
+          <a:xfrm>
+            <a:off x="2654494" y="5522152"/>
+            <a:ext cx="3559990" cy="5057309"/>
+          </a:xfrm>
+          <a:prstGeom prst="rect">
+            <a:avLst/>
+          </a:prstGeom>
+          <a:noFill/>
+          <a:ln>
+            <a:noFill/>
+          </a:ln>
+          <a:extLst>
+            <a:ext uri="{909E8E84-426E-40DD-AFC4-6F175D3DCCD1}">
+              <a14:hiddenFill xmlns:a14="http://schemas.microsoft.com/office/drawing/2010/main">
+                <a:solidFill>
+                  <a:schemeClr val="accent1"/>
+                </a:solidFill>
+              </a14:hiddenFill>
+            </a:ext>
+            <a:ext uri="{91240B29-F687-4F45-9708-019B960494DF}">
+              <a14:hiddenLine xmlns:a14="http://schemas.microsoft.com/office/drawing/2010/main" w="9525">
+                <a:solidFill>
+                  <a:schemeClr val="tx1"/>
+                </a:solidFill>
+                <a:miter lim="800000"/>
+                <a:headEnd/>
+                <a:tailEnd/>
+              </a14:hiddenLine>
+            </a:ext>
+          </a:extLst>
+        </p:spPr>
+      </p:pic>
+      <p:sp>
+        <p:nvSpPr>
+          <p:cNvPr id="1096" name="正方形/長方形 1095"/>
+          <p:cNvSpPr/>
+          <p:nvPr/>
+        </p:nvSpPr>
+        <p:spPr>
+          <a:xfrm>
+            <a:off x="361020" y="5489913"/>
+            <a:ext cx="5896599" cy="5091387"/>
+          </a:xfrm>
+          <a:prstGeom prst="rect">
+            <a:avLst/>
+          </a:prstGeom>
+          <a:noFill/>
+          <a:ln w="25400">
+            <a:solidFill>
+              <a:srgbClr val="D24726"/>
+            </a:solidFill>
+          </a:ln>
+        </p:spPr>
+        <p:style>
+          <a:lnRef idx="2">
+            <a:schemeClr val="accent1">
+              <a:shade val="50000"/>
+            </a:schemeClr>
+          </a:lnRef>
+          <a:fillRef idx="1">
+            <a:schemeClr val="accent1"/>
+          </a:fillRef>
+          <a:effectRef idx="0">
+            <a:schemeClr val="accent1"/>
+          </a:effectRef>
+          <a:fontRef idx="minor">
+            <a:schemeClr val="lt1"/>
+          </a:fontRef>
+        </p:style>
+        <p:txBody>
+          <a:bodyPr rtlCol="0" anchor="ctr"/>
+          <a:lstStyle/>
+          <a:p>
+            <a:pPr algn="ctr"/>
+            <a:endParaRPr kumimoji="1" lang="ja-JP" altLang="en-US"/>
+          </a:p>
+        </p:txBody>
+      </p:sp>
+      <p:pic>
+        <p:nvPicPr>
+          <p:cNvPr id="996" name="Picture 17"/>
+          <p:cNvPicPr>
+            <a:picLocks noChangeAspect="1" noChangeArrowheads="1"/>
+          </p:cNvPicPr>
+          <p:nvPr/>
+        </p:nvPicPr>
+        <p:blipFill>
+          <a:blip r:embed="rId11" cstate="print">
+            <a:extLst>
+              <a:ext uri="{28A0092B-C50C-407E-A947-70E740481C1C}">
+                <a14:useLocalDpi xmlns:a14="http://schemas.microsoft.com/office/drawing/2010/main" val="0"/>
+              </a:ext>
+            </a:extLst>
+          </a:blip>
+          <a:srcRect/>
+          <a:stretch>
+            <a:fillRect/>
+          </a:stretch>
+        </p:blipFill>
+        <p:spPr bwMode="auto">
+          <a:xfrm>
+            <a:off x="629563" y="7914277"/>
+            <a:ext cx="1699602" cy="2033142"/>
+          </a:xfrm>
+          <a:prstGeom prst="rect">
+            <a:avLst/>
+          </a:prstGeom>
+          <a:noFill/>
+          <a:ln>
+            <a:noFill/>
+          </a:ln>
+          <a:extLst>
+            <a:ext uri="{909E8E84-426E-40DD-AFC4-6F175D3DCCD1}">
+              <a14:hiddenFill xmlns:a14="http://schemas.microsoft.com/office/drawing/2010/main">
+                <a:solidFill>
+                  <a:schemeClr val="accent1"/>
+                </a:solidFill>
+              </a14:hiddenFill>
+            </a:ext>
+            <a:ext uri="{91240B29-F687-4F45-9708-019B960494DF}">
+              <a14:hiddenLine xmlns:a14="http://schemas.microsoft.com/office/drawing/2010/main" w="9525">
+                <a:solidFill>
+                  <a:schemeClr val="tx1"/>
+                </a:solidFill>
+                <a:miter lim="800000"/>
+                <a:headEnd/>
+                <a:tailEnd/>
+              </a14:hiddenLine>
+            </a:ext>
+          </a:extLst>
+        </p:spPr>
+      </p:pic>
+      <p:sp>
+        <p:nvSpPr>
+          <p:cNvPr id="1103" name="正方形/長方形 1102"/>
+          <p:cNvSpPr/>
+          <p:nvPr/>
+        </p:nvSpPr>
+        <p:spPr>
+          <a:xfrm>
+            <a:off x="392103" y="6066709"/>
+            <a:ext cx="2174522" cy="1569660"/>
+          </a:xfrm>
+          <a:prstGeom prst="rect">
+            <a:avLst/>
+          </a:prstGeom>
+        </p:spPr>
+        <p:txBody>
+          <a:bodyPr wrap="square">
+            <a:spAutoFit/>
+          </a:bodyPr>
+          <a:lstStyle/>
+          <a:p>
+            <a:r>
+              <a:rPr lang="en-US" altLang="ja-JP" sz="1200" dirty="0" smtClean="0">
+                <a:latin typeface="メイリオ" panose="020B0604030504040204" pitchFamily="50" charset="-128"/>
+                <a:ea typeface="メイリオ" panose="020B0604030504040204" pitchFamily="50" charset="-128"/>
+                <a:cs typeface="メイリオ" panose="020B0604030504040204" pitchFamily="50" charset="-128"/>
+              </a:rPr>
+              <a:t>2-1</a:t>
+            </a:r>
+            <a:r>
+              <a:rPr lang="ja-JP" altLang="en-US" sz="1200" dirty="0" smtClean="0">
+                <a:latin typeface="メイリオ" panose="020B0604030504040204" pitchFamily="50" charset="-128"/>
+                <a:ea typeface="メイリオ" panose="020B0604030504040204" pitchFamily="50" charset="-128"/>
+                <a:cs typeface="メイリオ" panose="020B0604030504040204" pitchFamily="50" charset="-128"/>
+              </a:rPr>
+              <a:t>～</a:t>
+            </a:r>
+            <a:r>
+              <a:rPr lang="en-US" altLang="ja-JP" sz="1200" dirty="0" smtClean="0">
+                <a:latin typeface="メイリオ" panose="020B0604030504040204" pitchFamily="50" charset="-128"/>
+                <a:ea typeface="メイリオ" panose="020B0604030504040204" pitchFamily="50" charset="-128"/>
+                <a:cs typeface="メイリオ" panose="020B0604030504040204" pitchFamily="50" charset="-128"/>
+              </a:rPr>
+              <a:t>5</a:t>
+            </a:r>
+            <a:r>
+              <a:rPr lang="ja-JP" altLang="en-US" sz="1200" dirty="0" smtClean="0">
+                <a:latin typeface="メイリオ" panose="020B0604030504040204" pitchFamily="50" charset="-128"/>
+                <a:ea typeface="メイリオ" panose="020B0604030504040204" pitchFamily="50" charset="-128"/>
+                <a:cs typeface="メイリオ" panose="020B0604030504040204" pitchFamily="50" charset="-128"/>
+              </a:rPr>
+              <a:t>で定義したモデルを用いてゲームを攻略するための手順を示す。抽象マップから実際の座標系への変換および走行体の各種動作については、制御技術および設計で述べる。</a:t>
+            </a:r>
+            <a:endParaRPr lang="en-US" altLang="ja-JP" sz="1200" dirty="0" smtClean="0">
+              <a:latin typeface="メイリオ" panose="020B0604030504040204" pitchFamily="50" charset="-128"/>
+              <a:ea typeface="メイリオ" panose="020B0604030504040204" pitchFamily="50" charset="-128"/>
+              <a:cs typeface="メイリオ" panose="020B0604030504040204" pitchFamily="50" charset="-128"/>
+            </a:endParaRPr>
+          </a:p>
+          <a:p>
+            <a:endParaRPr lang="en-US" altLang="ja-JP" sz="1200" dirty="0" smtClean="0">
               <a:latin typeface="メイリオ" panose="020B0604030504040204" pitchFamily="50" charset="-128"/>
               <a:ea typeface="メイリオ" panose="020B0604030504040204" pitchFamily="50" charset="-128"/>
               <a:cs typeface="メイリオ" panose="020B0604030504040204" pitchFamily="50" charset="-128"/>
@@ -5539,7 +13715,7 @@
   <a:extraClrSchemeLst/>
   <a:extLst>
     <a:ext uri="{05A4C25C-085E-4340-85A3-A5531E510DB2}">
-      <thm15:themeFamily xmlns:thm15="http://schemas.microsoft.com/office/thememl/2012/main" name="Office Theme" id="{62F939B6-93AF-4DB8-9C6B-D6C7DFDC589F}" vid="{4A3C46E8-61CC-4603-A589-7422A47A8E4A}"/>
+      <thm15:themeFamily xmlns:thm15="http://schemas.microsoft.com/office/thememl/2012/main" xmlns="" name="Office Theme" id="{62F939B6-93AF-4DB8-9C6B-D6C7DFDC589F}" vid="{4A3C46E8-61CC-4603-A589-7422A47A8E4A}"/>
     </a:ext>
   </a:extLst>
 </a:theme>
@@ -5800,7 +13976,7 @@
   <a:extraClrSchemeLst/>
   <a:extLst>
     <a:ext uri="{05A4C25C-085E-4340-85A3-A5531E510DB2}">
-      <thm15:themeFamily xmlns:thm15="http://schemas.microsoft.com/office/thememl/2012/main" name="Office Theme" id="{62F939B6-93AF-4DB8-9C6B-D6C7DFDC589F}" vid="{4A3C46E8-61CC-4603-A589-7422A47A8E4A}"/>
+      <thm15:themeFamily xmlns:thm15="http://schemas.microsoft.com/office/thememl/2012/main" xmlns="" name="Office Theme" id="{62F939B6-93AF-4DB8-9C6B-D6C7DFDC589F}" vid="{4A3C46E8-61CC-4603-A589-7422A47A8E4A}"/>
     </a:ext>
   </a:extLst>
 </a:theme>

--- a/design/2016/models/2_analysis_model.pptx
+++ b/design/2016/models/2_analysis_model.pptx
@@ -11,7 +11,7 @@
     <p:sldId id="261" r:id="rId2"/>
   </p:sldIdLst>
   <p:sldSz cx="15119350" cy="10691813"/>
-  <p:notesSz cx="6735763" cy="9866313"/>
+  <p:notesSz cx="9866313" cy="14295438"/>
   <p:defaultTextStyle>
     <a:defPPr>
       <a:defRPr lang="ja-JP"/>
@@ -109,7 +109,18 @@
   </p:defaultTextStyle>
   <p:extLst>
     <p:ext uri="{EFAFB233-063F-42B5-8137-9DF3F51BA10A}">
-      <p15:sldGuideLst xmlns:p15="http://schemas.microsoft.com/office/powerpoint/2012/main" xmlns=""/>
+      <p15:sldGuideLst xmlns:p15="http://schemas.microsoft.com/office/powerpoint/2012/main">
+        <p15:guide id="1" orient="horz" pos="3367">
+          <p15:clr>
+            <a:srgbClr val="A4A3A4"/>
+          </p15:clr>
+        </p15:guide>
+        <p15:guide id="2" pos="4762">
+          <p15:clr>
+            <a:srgbClr val="A4A3A4"/>
+          </p15:clr>
+        </p15:guide>
+      </p15:sldGuideLst>
     </p:ext>
   </p:extLst>
 </p:presentation>
@@ -149,18 +160,18 @@
         </p:nvSpPr>
         <p:spPr>
           <a:xfrm>
-            <a:off x="0" y="0"/>
-            <a:ext cx="2918831" cy="495029"/>
+            <a:off x="1" y="1"/>
+            <a:ext cx="4275403" cy="717254"/>
           </a:xfrm>
           <a:prstGeom prst="rect">
             <a:avLst/>
           </a:prstGeom>
         </p:spPr>
         <p:txBody>
-          <a:bodyPr vert="horz" lIns="91440" tIns="45720" rIns="91440" bIns="45720" rtlCol="0"/>
+          <a:bodyPr vert="horz" lIns="133073" tIns="66536" rIns="133073" bIns="66536" rtlCol="0"/>
           <a:lstStyle>
             <a:lvl1pPr algn="l">
-              <a:defRPr sz="1200"/>
+              <a:defRPr sz="1700"/>
             </a:lvl1pPr>
           </a:lstStyle>
           <a:p>
@@ -180,24 +191,24 @@
         </p:nvSpPr>
         <p:spPr>
           <a:xfrm>
-            <a:off x="3815373" y="0"/>
-            <a:ext cx="2918831" cy="495029"/>
+            <a:off x="5588627" y="1"/>
+            <a:ext cx="4275403" cy="717254"/>
           </a:xfrm>
           <a:prstGeom prst="rect">
             <a:avLst/>
           </a:prstGeom>
         </p:spPr>
         <p:txBody>
-          <a:bodyPr vert="horz" lIns="91440" tIns="45720" rIns="91440" bIns="45720" rtlCol="0"/>
+          <a:bodyPr vert="horz" lIns="133073" tIns="66536" rIns="133073" bIns="66536" rtlCol="0"/>
           <a:lstStyle>
             <a:lvl1pPr algn="r">
-              <a:defRPr sz="1200"/>
+              <a:defRPr sz="1700"/>
             </a:lvl1pPr>
           </a:lstStyle>
           <a:p>
             <a:fld id="{729140AA-5DCF-4644-846F-5EE03622738A}" type="datetimeFigureOut">
               <a:rPr kumimoji="1" lang="ja-JP" altLang="en-US" smtClean="0"/>
-              <a:t>2016/8/16</a:t>
+              <a:t>2016/8/17</a:t>
             </a:fld>
             <a:endParaRPr kumimoji="1" lang="ja-JP" altLang="en-US"/>
           </a:p>
@@ -215,8 +226,8 @@
         </p:nvSpPr>
         <p:spPr>
           <a:xfrm>
-            <a:off x="1014413" y="1233488"/>
-            <a:ext cx="4706937" cy="3328987"/>
+            <a:off x="1522413" y="1787525"/>
+            <a:ext cx="6821487" cy="4822825"/>
           </a:xfrm>
           <a:prstGeom prst="rect">
             <a:avLst/>
@@ -229,7 +240,7 @@
           </a:ln>
         </p:spPr>
         <p:txBody>
-          <a:bodyPr vert="horz" lIns="91440" tIns="45720" rIns="91440" bIns="45720" rtlCol="0" anchor="ctr"/>
+          <a:bodyPr vert="horz" lIns="133073" tIns="66536" rIns="133073" bIns="66536" rtlCol="0" anchor="ctr"/>
           <a:lstStyle/>
           <a:p>
             <a:endParaRPr lang="ja-JP" altLang="en-US"/>
@@ -248,15 +259,15 @@
         </p:nvSpPr>
         <p:spPr>
           <a:xfrm>
-            <a:off x="673577" y="4748163"/>
-            <a:ext cx="5388610" cy="3884861"/>
+            <a:off x="986632" y="6879680"/>
+            <a:ext cx="7893050" cy="5628829"/>
           </a:xfrm>
           <a:prstGeom prst="rect">
             <a:avLst/>
           </a:prstGeom>
         </p:spPr>
         <p:txBody>
-          <a:bodyPr vert="horz" lIns="91440" tIns="45720" rIns="91440" bIns="45720" rtlCol="0"/>
+          <a:bodyPr vert="horz" lIns="133073" tIns="66536" rIns="133073" bIns="66536" rtlCol="0"/>
           <a:lstStyle/>
           <a:p>
             <a:pPr lvl="0"/>
@@ -340,18 +351,18 @@
         </p:nvSpPr>
         <p:spPr>
           <a:xfrm>
-            <a:off x="0" y="9371286"/>
-            <a:ext cx="2918831" cy="495028"/>
+            <a:off x="1" y="13578186"/>
+            <a:ext cx="4275403" cy="717253"/>
           </a:xfrm>
           <a:prstGeom prst="rect">
             <a:avLst/>
           </a:prstGeom>
         </p:spPr>
         <p:txBody>
-          <a:bodyPr vert="horz" lIns="91440" tIns="45720" rIns="91440" bIns="45720" rtlCol="0" anchor="b"/>
+          <a:bodyPr vert="horz" lIns="133073" tIns="66536" rIns="133073" bIns="66536" rtlCol="0" anchor="b"/>
           <a:lstStyle>
             <a:lvl1pPr algn="l">
-              <a:defRPr sz="1200"/>
+              <a:defRPr sz="1700"/>
             </a:lvl1pPr>
           </a:lstStyle>
           <a:p>
@@ -371,18 +382,18 @@
         </p:nvSpPr>
         <p:spPr>
           <a:xfrm>
-            <a:off x="3815373" y="9371286"/>
-            <a:ext cx="2918831" cy="495028"/>
+            <a:off x="5588627" y="13578186"/>
+            <a:ext cx="4275403" cy="717253"/>
           </a:xfrm>
           <a:prstGeom prst="rect">
             <a:avLst/>
           </a:prstGeom>
         </p:spPr>
         <p:txBody>
-          <a:bodyPr vert="horz" lIns="91440" tIns="45720" rIns="91440" bIns="45720" rtlCol="0" anchor="b"/>
+          <a:bodyPr vert="horz" lIns="133073" tIns="66536" rIns="133073" bIns="66536" rtlCol="0" anchor="b"/>
           <a:lstStyle>
             <a:lvl1pPr algn="r">
-              <a:defRPr sz="1200"/>
+              <a:defRPr sz="1700"/>
             </a:lvl1pPr>
           </a:lstStyle>
           <a:p>
@@ -628,7 +639,7 @@
           <a:p>
             <a:fld id="{D72B48E1-50D5-40B7-9AA4-D680720A3CD4}" type="datetimeFigureOut">
               <a:rPr kumimoji="1" lang="ja-JP" altLang="en-US" smtClean="0"/>
-              <a:t>2016/8/16</a:t>
+              <a:t>2016/8/17</a:t>
             </a:fld>
             <a:endParaRPr kumimoji="1" lang="ja-JP" altLang="en-US"/>
           </a:p>
@@ -830,7 +841,7 @@
           <a:p>
             <a:fld id="{D72B48E1-50D5-40B7-9AA4-D680720A3CD4}" type="datetimeFigureOut">
               <a:rPr kumimoji="1" lang="ja-JP" altLang="en-US" smtClean="0"/>
-              <a:t>2016/8/16</a:t>
+              <a:t>2016/8/17</a:t>
             </a:fld>
             <a:endParaRPr kumimoji="1" lang="ja-JP" altLang="en-US"/>
           </a:p>
@@ -1042,7 +1053,7 @@
           <a:p>
             <a:fld id="{D72B48E1-50D5-40B7-9AA4-D680720A3CD4}" type="datetimeFigureOut">
               <a:rPr kumimoji="1" lang="ja-JP" altLang="en-US" smtClean="0"/>
-              <a:t>2016/8/16</a:t>
+              <a:t>2016/8/17</a:t>
             </a:fld>
             <a:endParaRPr kumimoji="1" lang="ja-JP" altLang="en-US"/>
           </a:p>
@@ -1281,7 +1292,7 @@
           <a:p>
             <a:fld id="{D72B48E1-50D5-40B7-9AA4-D680720A3CD4}" type="datetimeFigureOut">
               <a:rPr kumimoji="1" lang="ja-JP" altLang="en-US" smtClean="0"/>
-              <a:t>2016/8/16</a:t>
+              <a:t>2016/8/17</a:t>
             </a:fld>
             <a:endParaRPr kumimoji="1" lang="ja-JP" altLang="en-US"/>
           </a:p>
@@ -1525,7 +1536,7 @@
           <a:p>
             <a:fld id="{D72B48E1-50D5-40B7-9AA4-D680720A3CD4}" type="datetimeFigureOut">
               <a:rPr kumimoji="1" lang="ja-JP" altLang="en-US" smtClean="0"/>
-              <a:t>2016/8/16</a:t>
+              <a:t>2016/8/17</a:t>
             </a:fld>
             <a:endParaRPr kumimoji="1" lang="ja-JP" altLang="en-US"/>
           </a:p>
@@ -1821,7 +1832,7 @@
           <a:p>
             <a:fld id="{D72B48E1-50D5-40B7-9AA4-D680720A3CD4}" type="datetimeFigureOut">
               <a:rPr kumimoji="1" lang="ja-JP" altLang="en-US" smtClean="0"/>
-              <a:t>2016/8/16</a:t>
+              <a:t>2016/8/17</a:t>
             </a:fld>
             <a:endParaRPr kumimoji="1" lang="ja-JP" altLang="en-US"/>
           </a:p>
@@ -2252,7 +2263,7 @@
           <a:p>
             <a:fld id="{D72B48E1-50D5-40B7-9AA4-D680720A3CD4}" type="datetimeFigureOut">
               <a:rPr kumimoji="1" lang="ja-JP" altLang="en-US" smtClean="0"/>
-              <a:t>2016/8/16</a:t>
+              <a:t>2016/8/17</a:t>
             </a:fld>
             <a:endParaRPr kumimoji="1" lang="ja-JP" altLang="en-US"/>
           </a:p>
@@ -2370,7 +2381,7 @@
           <a:p>
             <a:fld id="{D72B48E1-50D5-40B7-9AA4-D680720A3CD4}" type="datetimeFigureOut">
               <a:rPr kumimoji="1" lang="ja-JP" altLang="en-US" smtClean="0"/>
-              <a:t>2016/8/16</a:t>
+              <a:t>2016/8/17</a:t>
             </a:fld>
             <a:endParaRPr kumimoji="1" lang="ja-JP" altLang="en-US"/>
           </a:p>
@@ -2465,7 +2476,7 @@
           <a:p>
             <a:fld id="{D72B48E1-50D5-40B7-9AA4-D680720A3CD4}" type="datetimeFigureOut">
               <a:rPr kumimoji="1" lang="ja-JP" altLang="en-US" smtClean="0"/>
-              <a:t>2016/8/16</a:t>
+              <a:t>2016/8/17</a:t>
             </a:fld>
             <a:endParaRPr kumimoji="1" lang="ja-JP" altLang="en-US"/>
           </a:p>
@@ -2774,7 +2785,7 @@
           <a:p>
             <a:fld id="{D72B48E1-50D5-40B7-9AA4-D680720A3CD4}" type="datetimeFigureOut">
               <a:rPr kumimoji="1" lang="ja-JP" altLang="en-US" smtClean="0"/>
-              <a:t>2016/8/16</a:t>
+              <a:t>2016/8/17</a:t>
             </a:fld>
             <a:endParaRPr kumimoji="1" lang="ja-JP" altLang="en-US"/>
           </a:p>
@@ -3031,7 +3042,7 @@
           <a:p>
             <a:fld id="{D72B48E1-50D5-40B7-9AA4-D680720A3CD4}" type="datetimeFigureOut">
               <a:rPr kumimoji="1" lang="ja-JP" altLang="en-US" smtClean="0"/>
-              <a:t>2016/8/16</a:t>
+              <a:t>2016/8/17</a:t>
             </a:fld>
             <a:endParaRPr kumimoji="1" lang="ja-JP" altLang="en-US"/>
           </a:p>
@@ -3276,7 +3287,7 @@
           <a:p>
             <a:fld id="{D72B48E1-50D5-40B7-9AA4-D680720A3CD4}" type="datetimeFigureOut">
               <a:rPr kumimoji="1" lang="ja-JP" altLang="en-US" smtClean="0"/>
-              <a:t>2016/8/16</a:t>
+              <a:t>2016/8/17</a:t>
             </a:fld>
             <a:endParaRPr kumimoji="1" lang="ja-JP" altLang="en-US"/>
           </a:p>
@@ -4504,7 +4515,7 @@
         <p:spPr>
           <a:xfrm>
             <a:off x="6260542" y="6387063"/>
-            <a:ext cx="2616535" cy="307777"/>
+            <a:ext cx="1890681" cy="307777"/>
           </a:xfrm>
           <a:prstGeom prst="rect">
             <a:avLst/>
@@ -4539,7 +4550,18 @@
                 <a:ea typeface="メイリオ" panose="020B0604030504040204" pitchFamily="50" charset="-128"/>
                 <a:cs typeface="メイリオ" panose="020B0604030504040204" pitchFamily="50" charset="-128"/>
               </a:rPr>
-              <a:t> 経路の移動コストの算出</a:t>
+              <a:t> 経路</a:t>
+            </a:r>
+            <a:r>
+              <a:rPr kumimoji="1" lang="ja-JP" altLang="en-US" sz="1400" b="1" dirty="0" smtClean="0">
+                <a:solidFill>
+                  <a:schemeClr val="bg1"/>
+                </a:solidFill>
+                <a:latin typeface="メイリオ" panose="020B0604030504040204" pitchFamily="50" charset="-128"/>
+                <a:ea typeface="メイリオ" panose="020B0604030504040204" pitchFamily="50" charset="-128"/>
+                <a:cs typeface="メイリオ" panose="020B0604030504040204" pitchFamily="50" charset="-128"/>
+              </a:rPr>
+              <a:t>の選択基準</a:t>
             </a:r>
             <a:endParaRPr kumimoji="1" lang="ja-JP" altLang="en-US" sz="1400" b="1" dirty="0">
               <a:solidFill>
@@ -4560,8 +4582,8 @@
         </p:nvSpPr>
         <p:spPr>
           <a:xfrm>
-            <a:off x="6260542" y="6387064"/>
-            <a:ext cx="8423020" cy="3054426"/>
+            <a:off x="6254612" y="6387064"/>
+            <a:ext cx="8428950" cy="3054426"/>
           </a:xfrm>
           <a:prstGeom prst="rect">
             <a:avLst/>
@@ -4664,7 +4686,7 @@
         <p:spPr>
           <a:xfrm>
             <a:off x="392103" y="1894505"/>
-            <a:ext cx="5938710" cy="1015663"/>
+            <a:ext cx="5938710" cy="830997"/>
           </a:xfrm>
           <a:prstGeom prst="rect">
             <a:avLst/>
@@ -4684,7 +4706,23 @@
                 <a:ea typeface="メイリオ" panose="020B0604030504040204" pitchFamily="50" charset="-128"/>
                 <a:cs typeface="メイリオ" panose="020B0604030504040204" pitchFamily="50" charset="-128"/>
               </a:rPr>
-              <a:t>４ｘ４マスの格子であるゲームエリアを、格子点間の中点で分割し、右図のような座標系で表現した</a:t>
+              <a:t>４ｘ４マスの格子であるゲームエリアを、格子点間の中点で分割し</a:t>
+            </a:r>
+            <a:r>
+              <a:rPr kumimoji="1" lang="ja-JP" altLang="en-US" sz="1200" dirty="0" smtClean="0">
+                <a:latin typeface="メイリオ" panose="020B0604030504040204" pitchFamily="50" charset="-128"/>
+                <a:ea typeface="メイリオ" panose="020B0604030504040204" pitchFamily="50" charset="-128"/>
+                <a:cs typeface="メイリオ" panose="020B0604030504040204" pitchFamily="50" charset="-128"/>
+              </a:rPr>
+              <a:t>、下図</a:t>
+            </a:r>
+            <a:r>
+              <a:rPr kumimoji="1" lang="ja-JP" altLang="en-US" sz="1200" dirty="0" smtClean="0">
+                <a:latin typeface="メイリオ" panose="020B0604030504040204" pitchFamily="50" charset="-128"/>
+                <a:ea typeface="メイリオ" panose="020B0604030504040204" pitchFamily="50" charset="-128"/>
+                <a:cs typeface="メイリオ" panose="020B0604030504040204" pitchFamily="50" charset="-128"/>
+              </a:rPr>
+              <a:t>のような座標系で表現した</a:t>
             </a:r>
             <a:r>
               <a:rPr kumimoji="1" lang="ja-JP" altLang="en-US" sz="1200" b="1" dirty="0" smtClean="0">
@@ -4727,23 +4765,7 @@
                 <a:ea typeface="メイリオ" panose="020B0604030504040204" pitchFamily="50" charset="-128"/>
                 <a:cs typeface="メイリオ" panose="020B0604030504040204" pitchFamily="50" charset="-128"/>
               </a:rPr>
-              <a:t>ブロックの</a:t>
-            </a:r>
-            <a:r>
-              <a:rPr lang="ja-JP" altLang="en-US" sz="1200" dirty="0" smtClean="0">
-                <a:latin typeface="メイリオ" panose="020B0604030504040204" pitchFamily="50" charset="-128"/>
-                <a:ea typeface="メイリオ" panose="020B0604030504040204" pitchFamily="50" charset="-128"/>
-                <a:cs typeface="メイリオ" panose="020B0604030504040204" pitchFamily="50" charset="-128"/>
-              </a:rPr>
-              <a:t>有無を</a:t>
-            </a:r>
-            <a:r>
-              <a:rPr lang="ja-JP" altLang="en-US" sz="1200" dirty="0" smtClean="0">
-                <a:latin typeface="メイリオ" panose="020B0604030504040204" pitchFamily="50" charset="-128"/>
-                <a:ea typeface="メイリオ" panose="020B0604030504040204" pitchFamily="50" charset="-128"/>
-                <a:cs typeface="メイリオ" panose="020B0604030504040204" pitchFamily="50" charset="-128"/>
-              </a:rPr>
-              <a:t>持つ</a:t>
+              <a:t>ブロックの有無を持つ</a:t>
             </a:r>
             <a:r>
               <a:rPr lang="ja-JP" altLang="en-US" sz="1200" b="1" dirty="0" smtClean="0">
@@ -4762,7 +4784,7 @@
                 <a:ea typeface="メイリオ" panose="020B0604030504040204" pitchFamily="50" charset="-128"/>
                 <a:cs typeface="メイリオ" panose="020B0604030504040204" pitchFamily="50" charset="-128"/>
               </a:rPr>
-              <a:t>として表現される</a:t>
+              <a:t>として</a:t>
             </a:r>
             <a:r>
               <a:rPr lang="ja-JP" altLang="en-US" sz="1200" dirty="0" smtClean="0">
@@ -4770,7 +4792,111 @@
                 <a:ea typeface="メイリオ" panose="020B0604030504040204" pitchFamily="50" charset="-128"/>
                 <a:cs typeface="メイリオ" panose="020B0604030504040204" pitchFamily="50" charset="-128"/>
               </a:rPr>
-              <a:t>。走行体の振る舞いはこの抽象マップ上で検討され、実際の動作へと変換される。</a:t>
+              <a:t>表現</a:t>
+            </a:r>
+            <a:r>
+              <a:rPr lang="ja-JP" altLang="en-US" sz="1200" dirty="0" smtClean="0">
+                <a:latin typeface="メイリオ" panose="020B0604030504040204" pitchFamily="50" charset="-128"/>
+                <a:ea typeface="メイリオ" panose="020B0604030504040204" pitchFamily="50" charset="-128"/>
+                <a:cs typeface="メイリオ" panose="020B0604030504040204" pitchFamily="50" charset="-128"/>
+              </a:rPr>
+              <a:t>す</a:t>
+            </a:r>
+            <a:r>
+              <a:rPr lang="ja-JP" altLang="en-US" sz="1200" dirty="0">
+                <a:latin typeface="メイリオ" panose="020B0604030504040204" pitchFamily="50" charset="-128"/>
+                <a:ea typeface="メイリオ" panose="020B0604030504040204" pitchFamily="50" charset="-128"/>
+                <a:cs typeface="メイリオ" panose="020B0604030504040204" pitchFamily="50" charset="-128"/>
+              </a:rPr>
+              <a:t>る</a:t>
+            </a:r>
+            <a:r>
+              <a:rPr lang="ja-JP" altLang="en-US" sz="1200" dirty="0" smtClean="0">
+                <a:latin typeface="メイリオ" panose="020B0604030504040204" pitchFamily="50" charset="-128"/>
+                <a:ea typeface="メイリオ" panose="020B0604030504040204" pitchFamily="50" charset="-128"/>
+                <a:cs typeface="メイリオ" panose="020B0604030504040204" pitchFamily="50" charset="-128"/>
+              </a:rPr>
+              <a:t>。</a:t>
+            </a:r>
+            <a:r>
+              <a:rPr lang="ja-JP" altLang="en-US" sz="1200" dirty="0" smtClean="0">
+                <a:latin typeface="メイリオ" panose="020B0604030504040204" pitchFamily="50" charset="-128"/>
+                <a:ea typeface="メイリオ" panose="020B0604030504040204" pitchFamily="50" charset="-128"/>
+                <a:cs typeface="メイリオ" panose="020B0604030504040204" pitchFamily="50" charset="-128"/>
+              </a:rPr>
+              <a:t>走行体の</a:t>
+            </a:r>
+            <a:r>
+              <a:rPr lang="ja-JP" altLang="en-US" sz="1200" dirty="0" smtClean="0">
+                <a:latin typeface="メイリオ" panose="020B0604030504040204" pitchFamily="50" charset="-128"/>
+                <a:ea typeface="メイリオ" panose="020B0604030504040204" pitchFamily="50" charset="-128"/>
+                <a:cs typeface="メイリオ" panose="020B0604030504040204" pitchFamily="50" charset="-128"/>
+              </a:rPr>
+              <a:t>振る舞い</a:t>
+            </a:r>
+            <a:r>
+              <a:rPr lang="ja-JP" altLang="en-US" sz="1200" dirty="0">
+                <a:latin typeface="メイリオ" panose="020B0604030504040204" pitchFamily="50" charset="-128"/>
+                <a:ea typeface="メイリオ" panose="020B0604030504040204" pitchFamily="50" charset="-128"/>
+                <a:cs typeface="メイリオ" panose="020B0604030504040204" pitchFamily="50" charset="-128"/>
+              </a:rPr>
+              <a:t>を</a:t>
+            </a:r>
+            <a:r>
+              <a:rPr lang="ja-JP" altLang="en-US" sz="1200" dirty="0" smtClean="0">
+                <a:latin typeface="メイリオ" panose="020B0604030504040204" pitchFamily="50" charset="-128"/>
+                <a:ea typeface="メイリオ" panose="020B0604030504040204" pitchFamily="50" charset="-128"/>
+                <a:cs typeface="メイリオ" panose="020B0604030504040204" pitchFamily="50" charset="-128"/>
+              </a:rPr>
+              <a:t>抽象</a:t>
+            </a:r>
+            <a:r>
+              <a:rPr lang="ja-JP" altLang="en-US" sz="1200" dirty="0" smtClean="0">
+                <a:latin typeface="メイリオ" panose="020B0604030504040204" pitchFamily="50" charset="-128"/>
+                <a:ea typeface="メイリオ" panose="020B0604030504040204" pitchFamily="50" charset="-128"/>
+                <a:cs typeface="メイリオ" panose="020B0604030504040204" pitchFamily="50" charset="-128"/>
+              </a:rPr>
+              <a:t>マップ上で</a:t>
+            </a:r>
+            <a:r>
+              <a:rPr lang="ja-JP" altLang="en-US" sz="1200" dirty="0" smtClean="0">
+                <a:latin typeface="メイリオ" panose="020B0604030504040204" pitchFamily="50" charset="-128"/>
+                <a:ea typeface="メイリオ" panose="020B0604030504040204" pitchFamily="50" charset="-128"/>
+                <a:cs typeface="メイリオ" panose="020B0604030504040204" pitchFamily="50" charset="-128"/>
+              </a:rPr>
+              <a:t>検討</a:t>
+            </a:r>
+            <a:r>
+              <a:rPr lang="ja-JP" altLang="en-US" sz="1200" dirty="0">
+                <a:latin typeface="メイリオ" panose="020B0604030504040204" pitchFamily="50" charset="-128"/>
+                <a:ea typeface="メイリオ" panose="020B0604030504040204" pitchFamily="50" charset="-128"/>
+                <a:cs typeface="メイリオ" panose="020B0604030504040204" pitchFamily="50" charset="-128"/>
+              </a:rPr>
+              <a:t>し</a:t>
+            </a:r>
+            <a:r>
+              <a:rPr lang="ja-JP" altLang="en-US" sz="1200" dirty="0" smtClean="0">
+                <a:latin typeface="メイリオ" panose="020B0604030504040204" pitchFamily="50" charset="-128"/>
+                <a:ea typeface="メイリオ" panose="020B0604030504040204" pitchFamily="50" charset="-128"/>
+                <a:cs typeface="メイリオ" panose="020B0604030504040204" pitchFamily="50" charset="-128"/>
+              </a:rPr>
+              <a:t>、</a:t>
+            </a:r>
+            <a:r>
+              <a:rPr lang="ja-JP" altLang="en-US" sz="1200" dirty="0" smtClean="0">
+                <a:latin typeface="メイリオ" panose="020B0604030504040204" pitchFamily="50" charset="-128"/>
+                <a:ea typeface="メイリオ" panose="020B0604030504040204" pitchFamily="50" charset="-128"/>
+                <a:cs typeface="メイリオ" panose="020B0604030504040204" pitchFamily="50" charset="-128"/>
+              </a:rPr>
+              <a:t>実際の動作</a:t>
+            </a:r>
+            <a:r>
+              <a:rPr lang="ja-JP" altLang="en-US" sz="1200" dirty="0" smtClean="0">
+                <a:latin typeface="メイリオ" panose="020B0604030504040204" pitchFamily="50" charset="-128"/>
+                <a:ea typeface="メイリオ" panose="020B0604030504040204" pitchFamily="50" charset="-128"/>
+                <a:cs typeface="メイリオ" panose="020B0604030504040204" pitchFamily="50" charset="-128"/>
+              </a:rPr>
+              <a:t>へ変換する。</a:t>
             </a:r>
             <a:endParaRPr lang="en-US" altLang="ja-JP" sz="1200" dirty="0" smtClean="0">
               <a:latin typeface="メイリオ" panose="020B0604030504040204" pitchFamily="50" charset="-128"/>
@@ -4870,7 +4996,29 @@
                 <a:ea typeface="メイリオ" panose="020B0604030504040204" pitchFamily="50" charset="-128"/>
                 <a:cs typeface="メイリオ" panose="020B0604030504040204" pitchFamily="50" charset="-128"/>
               </a:rPr>
-              <a:t> ブロックの色の管理</a:t>
+              <a:t> </a:t>
+            </a:r>
+            <a:r>
+              <a:rPr kumimoji="1" lang="ja-JP" altLang="en-US" sz="1400" b="1" dirty="0" smtClean="0">
+                <a:solidFill>
+                  <a:schemeClr val="bg1"/>
+                </a:solidFill>
+                <a:latin typeface="メイリオ" panose="020B0604030504040204" pitchFamily="50" charset="-128"/>
+                <a:ea typeface="メイリオ" panose="020B0604030504040204" pitchFamily="50" charset="-128"/>
+                <a:cs typeface="メイリオ" panose="020B0604030504040204" pitchFamily="50" charset="-128"/>
+              </a:rPr>
+              <a:t>ブロックの</a:t>
+            </a:r>
+            <a:r>
+              <a:rPr kumimoji="1" lang="ja-JP" altLang="en-US" sz="1400" b="1" dirty="0" smtClean="0">
+                <a:solidFill>
+                  <a:schemeClr val="bg1"/>
+                </a:solidFill>
+                <a:latin typeface="メイリオ" panose="020B0604030504040204" pitchFamily="50" charset="-128"/>
+                <a:ea typeface="メイリオ" panose="020B0604030504040204" pitchFamily="50" charset="-128"/>
+                <a:cs typeface="メイリオ" panose="020B0604030504040204" pitchFamily="50" charset="-128"/>
+              </a:rPr>
+              <a:t>色の管理</a:t>
             </a:r>
             <a:endParaRPr kumimoji="1" lang="ja-JP" altLang="en-US" sz="1400" b="1" dirty="0">
               <a:solidFill>
@@ -4938,7 +5086,7 @@
         <p:spPr>
           <a:xfrm>
             <a:off x="6265802" y="1777929"/>
-            <a:ext cx="2967479" cy="307777"/>
+            <a:ext cx="2428870" cy="307777"/>
           </a:xfrm>
           <a:prstGeom prst="rect">
             <a:avLst/>
@@ -4984,7 +5132,29 @@
                 <a:ea typeface="メイリオ" panose="020B0604030504040204" pitchFamily="50" charset="-128"/>
                 <a:cs typeface="メイリオ" panose="020B0604030504040204" pitchFamily="50" charset="-128"/>
               </a:rPr>
-              <a:t>抽象マップ上での移動の規則</a:t>
+              <a:t>抽象</a:t>
+            </a:r>
+            <a:r>
+              <a:rPr lang="ja-JP" altLang="en-US" sz="1400" b="1" dirty="0" smtClean="0">
+                <a:solidFill>
+                  <a:schemeClr val="bg1"/>
+                </a:solidFill>
+                <a:latin typeface="メイリオ" panose="020B0604030504040204" pitchFamily="50" charset="-128"/>
+                <a:ea typeface="メイリオ" panose="020B0604030504040204" pitchFamily="50" charset="-128"/>
+                <a:cs typeface="メイリオ" panose="020B0604030504040204" pitchFamily="50" charset="-128"/>
+              </a:rPr>
+              <a:t>走行体の</a:t>
+            </a:r>
+            <a:r>
+              <a:rPr kumimoji="1" lang="ja-JP" altLang="en-US" sz="1400" b="1" dirty="0" smtClean="0">
+                <a:solidFill>
+                  <a:schemeClr val="bg1"/>
+                </a:solidFill>
+                <a:latin typeface="メイリオ" panose="020B0604030504040204" pitchFamily="50" charset="-128"/>
+                <a:ea typeface="メイリオ" panose="020B0604030504040204" pitchFamily="50" charset="-128"/>
+                <a:cs typeface="メイリオ" panose="020B0604030504040204" pitchFamily="50" charset="-128"/>
+              </a:rPr>
+              <a:t>移動規則</a:t>
             </a:r>
             <a:endParaRPr kumimoji="1" lang="ja-JP" altLang="en-US" sz="1400" b="1" dirty="0">
               <a:solidFill>
@@ -5006,7 +5176,7 @@
         <p:spPr>
           <a:xfrm>
             <a:off x="6391775" y="1836444"/>
-            <a:ext cx="6608362" cy="1323439"/>
+            <a:ext cx="6723272" cy="1323439"/>
           </a:xfrm>
           <a:prstGeom prst="rect">
             <a:avLst/>
@@ -5018,7 +5188,7 @@
           </a:bodyPr>
           <a:lstStyle/>
           <a:p>
-            <a:pPr indent="2870200"/>
+            <a:pPr indent="2333625"/>
             <a:r>
               <a:rPr lang="ja-JP" altLang="en-US" sz="1200" dirty="0" smtClean="0">
                 <a:latin typeface="メイリオ" panose="020B0604030504040204" pitchFamily="50" charset="-128"/>
@@ -5050,7 +5220,15 @@
                 <a:ea typeface="メイリオ" panose="020B0604030504040204" pitchFamily="50" charset="-128"/>
                 <a:cs typeface="メイリオ" panose="020B0604030504040204" pitchFamily="50" charset="-128"/>
               </a:rPr>
-              <a:t>移動中を除き、常に</a:t>
+              <a:t>停止中は、</a:t>
+            </a:r>
+            <a:r>
+              <a:rPr lang="ja-JP" altLang="en-US" sz="1200" dirty="0" smtClean="0">
+                <a:latin typeface="メイリオ" panose="020B0604030504040204" pitchFamily="50" charset="-128"/>
+                <a:ea typeface="メイリオ" panose="020B0604030504040204" pitchFamily="50" charset="-128"/>
+                <a:cs typeface="メイリオ" panose="020B0604030504040204" pitchFamily="50" charset="-128"/>
+              </a:rPr>
+              <a:t>常にサークルとサークルの中間</a:t>
             </a:r>
             <a:r>
               <a:rPr lang="en-US" altLang="ja-JP" sz="1200" dirty="0" smtClean="0">
@@ -5058,7 +5236,7 @@
                 <a:ea typeface="メイリオ" panose="020B0604030504040204" pitchFamily="50" charset="-128"/>
                 <a:cs typeface="メイリオ" panose="020B0604030504040204" pitchFamily="50" charset="-128"/>
               </a:rPr>
-              <a:t>XY</a:t>
+              <a:t>(</a:t>
             </a:r>
             <a:r>
               <a:rPr lang="ja-JP" altLang="en-US" sz="1200" dirty="0" smtClean="0">
@@ -5066,15 +5244,7 @@
                 <a:ea typeface="メイリオ" panose="020B0604030504040204" pitchFamily="50" charset="-128"/>
                 <a:cs typeface="メイリオ" panose="020B0604030504040204" pitchFamily="50" charset="-128"/>
               </a:rPr>
-              <a:t>座標の</a:t>
-            </a:r>
-            <a:r>
-              <a:rPr lang="ja-JP" altLang="en-US" sz="1200" b="1" dirty="0" smtClean="0">
-                <a:latin typeface="メイリオ" panose="020B0604030504040204" pitchFamily="50" charset="-128"/>
-                <a:ea typeface="メイリオ" panose="020B0604030504040204" pitchFamily="50" charset="-128"/>
-                <a:cs typeface="メイリオ" panose="020B0604030504040204" pitchFamily="50" charset="-128"/>
-              </a:rPr>
-              <a:t>一方のみが奇数</a:t>
+              <a:t>以降</a:t>
             </a:r>
             <a:r>
               <a:rPr lang="ja-JP" altLang="en-US" sz="1200" dirty="0" smtClean="0">
@@ -5082,7 +5252,7 @@
                 <a:ea typeface="メイリオ" panose="020B0604030504040204" pitchFamily="50" charset="-128"/>
                 <a:cs typeface="メイリオ" panose="020B0604030504040204" pitchFamily="50" charset="-128"/>
               </a:rPr>
-              <a:t>の点（以後、</a:t>
+              <a:t>、</a:t>
             </a:r>
             <a:r>
               <a:rPr lang="ja-JP" altLang="en-US" sz="1200" b="1" dirty="0" smtClean="0">
@@ -5096,12 +5266,28 @@
               <a:t>中間点</a:t>
             </a:r>
             <a:r>
+              <a:rPr lang="en-US" altLang="ja-JP" sz="1200" dirty="0">
+                <a:latin typeface="メイリオ" panose="020B0604030504040204" pitchFamily="50" charset="-128"/>
+                <a:ea typeface="メイリオ" panose="020B0604030504040204" pitchFamily="50" charset="-128"/>
+                <a:cs typeface="メイリオ" panose="020B0604030504040204" pitchFamily="50" charset="-128"/>
+              </a:rPr>
+              <a:t>)</a:t>
+            </a:r>
+            <a:r>
               <a:rPr lang="ja-JP" altLang="en-US" sz="1200" dirty="0" smtClean="0">
                 <a:latin typeface="メイリオ" panose="020B0604030504040204" pitchFamily="50" charset="-128"/>
                 <a:ea typeface="メイリオ" panose="020B0604030504040204" pitchFamily="50" charset="-128"/>
                 <a:cs typeface="メイリオ" panose="020B0604030504040204" pitchFamily="50" charset="-128"/>
               </a:rPr>
-              <a:t>）に存在する。</a:t>
+              <a:t>に</a:t>
+            </a:r>
+            <a:r>
+              <a:rPr lang="ja-JP" altLang="en-US" sz="1200" dirty="0" smtClean="0">
+                <a:latin typeface="メイリオ" panose="020B0604030504040204" pitchFamily="50" charset="-128"/>
+                <a:ea typeface="メイリオ" panose="020B0604030504040204" pitchFamily="50" charset="-128"/>
+                <a:cs typeface="メイリオ" panose="020B0604030504040204" pitchFamily="50" charset="-128"/>
+              </a:rPr>
+              <a:t>存在する。</a:t>
             </a:r>
             <a:endParaRPr lang="en-US" altLang="ja-JP" sz="1200" dirty="0" smtClean="0">
               <a:latin typeface="メイリオ" panose="020B0604030504040204" pitchFamily="50" charset="-128"/>
@@ -5132,10 +5318,18 @@
                 <a:ea typeface="メイリオ" panose="020B0604030504040204" pitchFamily="50" charset="-128"/>
                 <a:cs typeface="メイリオ" panose="020B0604030504040204" pitchFamily="50" charset="-128"/>
               </a:rPr>
-              <a:t>停止中の向きは必ず</a:t>
-            </a:r>
-            <a:r>
-              <a:rPr lang="en-US" altLang="ja-JP" sz="1200" dirty="0">
+              <a:t>停止中の向き</a:t>
+            </a:r>
+            <a:r>
+              <a:rPr lang="ja-JP" altLang="en-US" sz="1200" dirty="0" smtClean="0">
+                <a:latin typeface="メイリオ" panose="020B0604030504040204" pitchFamily="50" charset="-128"/>
+                <a:ea typeface="メイリオ" panose="020B0604030504040204" pitchFamily="50" charset="-128"/>
+                <a:cs typeface="メイリオ" panose="020B0604030504040204" pitchFamily="50" charset="-128"/>
+              </a:rPr>
+              <a:t>は、必ず</a:t>
+            </a:r>
+            <a:r>
+              <a:rPr lang="en-US" altLang="ja-JP" sz="1200" dirty="0" smtClean="0">
                 <a:latin typeface="メイリオ" panose="020B0604030504040204" pitchFamily="50" charset="-128"/>
                 <a:ea typeface="メイリオ" panose="020B0604030504040204" pitchFamily="50" charset="-128"/>
                 <a:cs typeface="メイリオ" panose="020B0604030504040204" pitchFamily="50" charset="-128"/>
@@ -5143,28 +5337,36 @@
               <a:t>X</a:t>
             </a:r>
             <a:r>
+              <a:rPr lang="ja-JP" altLang="en-US" sz="1200" dirty="0" smtClean="0">
+                <a:latin typeface="メイリオ" panose="020B0604030504040204" pitchFamily="50" charset="-128"/>
+                <a:ea typeface="メイリオ" panose="020B0604030504040204" pitchFamily="50" charset="-128"/>
+                <a:cs typeface="メイリオ" panose="020B0604030504040204" pitchFamily="50" charset="-128"/>
+              </a:rPr>
+              <a:t>または</a:t>
+            </a:r>
+            <a:r>
+              <a:rPr lang="en-US" altLang="ja-JP" sz="1200" dirty="0" smtClean="0">
+                <a:latin typeface="メイリオ" panose="020B0604030504040204" pitchFamily="50" charset="-128"/>
+                <a:ea typeface="メイリオ" panose="020B0604030504040204" pitchFamily="50" charset="-128"/>
+                <a:cs typeface="メイリオ" panose="020B0604030504040204" pitchFamily="50" charset="-128"/>
+              </a:rPr>
+              <a:t>Y</a:t>
+            </a:r>
+            <a:r>
+              <a:rPr lang="ja-JP" altLang="en-US" sz="1200" dirty="0" smtClean="0">
+                <a:latin typeface="メイリオ" panose="020B0604030504040204" pitchFamily="50" charset="-128"/>
+                <a:ea typeface="メイリオ" panose="020B0604030504040204" pitchFamily="50" charset="-128"/>
+                <a:cs typeface="メイリオ" panose="020B0604030504040204" pitchFamily="50" charset="-128"/>
+              </a:rPr>
+              <a:t>軸に</a:t>
+            </a:r>
+            <a:r>
               <a:rPr lang="ja-JP" altLang="en-US" sz="1200" dirty="0">
                 <a:latin typeface="メイリオ" panose="020B0604030504040204" pitchFamily="50" charset="-128"/>
                 <a:ea typeface="メイリオ" panose="020B0604030504040204" pitchFamily="50" charset="-128"/>
                 <a:cs typeface="メイリオ" panose="020B0604030504040204" pitchFamily="50" charset="-128"/>
               </a:rPr>
-              <a:t>または</a:t>
-            </a:r>
-            <a:r>
-              <a:rPr lang="en-US" altLang="ja-JP" sz="1200" dirty="0">
-                <a:latin typeface="メイリオ" panose="020B0604030504040204" pitchFamily="50" charset="-128"/>
-                <a:ea typeface="メイリオ" panose="020B0604030504040204" pitchFamily="50" charset="-128"/>
-                <a:cs typeface="メイリオ" panose="020B0604030504040204" pitchFamily="50" charset="-128"/>
-              </a:rPr>
-              <a:t>Y</a:t>
-            </a:r>
-            <a:r>
-              <a:rPr lang="ja-JP" altLang="en-US" sz="1200" dirty="0">
-                <a:latin typeface="メイリオ" panose="020B0604030504040204" pitchFamily="50" charset="-128"/>
-                <a:ea typeface="メイリオ" panose="020B0604030504040204" pitchFamily="50" charset="-128"/>
-                <a:cs typeface="メイリオ" panose="020B0604030504040204" pitchFamily="50" charset="-128"/>
-              </a:rPr>
-              <a:t>軸に平行である。</a:t>
+              <a:t>平行である。</a:t>
             </a:r>
             <a:endParaRPr lang="en-US" altLang="ja-JP" sz="1200" dirty="0" smtClean="0">
               <a:latin typeface="メイリオ" panose="020B0604030504040204" pitchFamily="50" charset="-128"/>
@@ -5195,7 +5397,23 @@
                 <a:ea typeface="メイリオ" panose="020B0604030504040204" pitchFamily="50" charset="-128"/>
                 <a:cs typeface="メイリオ" panose="020B0604030504040204" pitchFamily="50" charset="-128"/>
               </a:rPr>
-              <a:t>把持しておらずかつ停止中のみ</a:t>
+              <a:t>把持して</a:t>
+            </a:r>
+            <a:r>
+              <a:rPr lang="ja-JP" altLang="en-US" sz="1200" b="1" dirty="0" smtClean="0">
+                <a:latin typeface="メイリオ" panose="020B0604030504040204" pitchFamily="50" charset="-128"/>
+                <a:ea typeface="メイリオ" panose="020B0604030504040204" pitchFamily="50" charset="-128"/>
+                <a:cs typeface="メイリオ" panose="020B0604030504040204" pitchFamily="50" charset="-128"/>
+              </a:rPr>
+              <a:t>おらず、かつ停止中</a:t>
+            </a:r>
+            <a:r>
+              <a:rPr lang="ja-JP" altLang="en-US" sz="1200" b="1" dirty="0" smtClean="0">
+                <a:latin typeface="メイリオ" panose="020B0604030504040204" pitchFamily="50" charset="-128"/>
+                <a:ea typeface="メイリオ" panose="020B0604030504040204" pitchFamily="50" charset="-128"/>
+                <a:cs typeface="メイリオ" panose="020B0604030504040204" pitchFamily="50" charset="-128"/>
+              </a:rPr>
+              <a:t>のみ</a:t>
             </a:r>
             <a:r>
               <a:rPr lang="ja-JP" altLang="en-US" sz="1200" dirty="0" smtClean="0">
@@ -5301,12 +5519,84 @@
               <a:t>45</a:t>
             </a:r>
             <a:r>
+              <a:rPr lang="ja-JP" altLang="en-US" sz="1200" b="1" dirty="0" smtClean="0">
+                <a:latin typeface="メイリオ" panose="020B0604030504040204" pitchFamily="50" charset="-128"/>
+                <a:ea typeface="メイリオ" panose="020B0604030504040204" pitchFamily="50" charset="-128"/>
+                <a:cs typeface="メイリオ" panose="020B0604030504040204" pitchFamily="50" charset="-128"/>
+              </a:rPr>
+              <a:t>度</a:t>
+            </a:r>
+            <a:r>
               <a:rPr lang="ja-JP" altLang="en-US" sz="1200" dirty="0" smtClean="0">
                 <a:latin typeface="メイリオ" panose="020B0604030504040204" pitchFamily="50" charset="-128"/>
                 <a:ea typeface="メイリオ" panose="020B0604030504040204" pitchFamily="50" charset="-128"/>
                 <a:cs typeface="メイリオ" panose="020B0604030504040204" pitchFamily="50" charset="-128"/>
               </a:rPr>
-              <a:t>変えることができる（左図に例示）。</a:t>
+              <a:t>変える</a:t>
+            </a:r>
+            <a:r>
+              <a:rPr lang="ja-JP" altLang="en-US" sz="1200" dirty="0" smtClean="0">
+                <a:latin typeface="メイリオ" panose="020B0604030504040204" pitchFamily="50" charset="-128"/>
+                <a:ea typeface="メイリオ" panose="020B0604030504040204" pitchFamily="50" charset="-128"/>
+                <a:cs typeface="メイリオ" panose="020B0604030504040204" pitchFamily="50" charset="-128"/>
+              </a:rPr>
+              <a:t>ことが</a:t>
+            </a:r>
+            <a:r>
+              <a:rPr lang="ja-JP" altLang="en-US" sz="1200" dirty="0" smtClean="0">
+                <a:latin typeface="メイリオ" panose="020B0604030504040204" pitchFamily="50" charset="-128"/>
+                <a:ea typeface="メイリオ" panose="020B0604030504040204" pitchFamily="50" charset="-128"/>
+                <a:cs typeface="メイリオ" panose="020B0604030504040204" pitchFamily="50" charset="-128"/>
+              </a:rPr>
+              <a:t>できる</a:t>
+            </a:r>
+            <a:r>
+              <a:rPr lang="en-US" altLang="ja-JP" sz="1200" dirty="0" smtClean="0">
+                <a:latin typeface="メイリオ" panose="020B0604030504040204" pitchFamily="50" charset="-128"/>
+                <a:ea typeface="メイリオ" panose="020B0604030504040204" pitchFamily="50" charset="-128"/>
+                <a:cs typeface="メイリオ" panose="020B0604030504040204" pitchFamily="50" charset="-128"/>
+              </a:rPr>
+              <a:t>(</a:t>
+            </a:r>
+            <a:r>
+              <a:rPr lang="ja-JP" altLang="en-US" sz="1200" dirty="0" smtClean="0">
+                <a:latin typeface="メイリオ" panose="020B0604030504040204" pitchFamily="50" charset="-128"/>
+                <a:ea typeface="メイリオ" panose="020B0604030504040204" pitchFamily="50" charset="-128"/>
+                <a:cs typeface="メイリオ" panose="020B0604030504040204" pitchFamily="50" charset="-128"/>
+              </a:rPr>
+              <a:t>左図</a:t>
+            </a:r>
+            <a:r>
+              <a:rPr lang="ja-JP" altLang="en-US" sz="1200" dirty="0" smtClean="0">
+                <a:latin typeface="メイリオ" panose="020B0604030504040204" pitchFamily="50" charset="-128"/>
+                <a:ea typeface="メイリオ" panose="020B0604030504040204" pitchFamily="50" charset="-128"/>
+                <a:cs typeface="メイリオ" panose="020B0604030504040204" pitchFamily="50" charset="-128"/>
+              </a:rPr>
+              <a:t>に</a:t>
+            </a:r>
+            <a:r>
+              <a:rPr lang="ja-JP" altLang="en-US" sz="1200" dirty="0" smtClean="0">
+                <a:latin typeface="メイリオ" panose="020B0604030504040204" pitchFamily="50" charset="-128"/>
+                <a:ea typeface="メイリオ" panose="020B0604030504040204" pitchFamily="50" charset="-128"/>
+                <a:cs typeface="メイリオ" panose="020B0604030504040204" pitchFamily="50" charset="-128"/>
+              </a:rPr>
+              <a:t>例示</a:t>
+            </a:r>
+            <a:r>
+              <a:rPr lang="en-US" altLang="ja-JP" sz="1200" dirty="0" smtClean="0">
+                <a:latin typeface="メイリオ" panose="020B0604030504040204" pitchFamily="50" charset="-128"/>
+                <a:ea typeface="メイリオ" panose="020B0604030504040204" pitchFamily="50" charset="-128"/>
+                <a:cs typeface="メイリオ" panose="020B0604030504040204" pitchFamily="50" charset="-128"/>
+              </a:rPr>
+              <a:t>)</a:t>
+            </a:r>
+            <a:r>
+              <a:rPr lang="ja-JP" altLang="en-US" sz="1200" dirty="0" err="1" smtClean="0">
+                <a:latin typeface="メイリオ" panose="020B0604030504040204" pitchFamily="50" charset="-128"/>
+                <a:ea typeface="メイリオ" panose="020B0604030504040204" pitchFamily="50" charset="-128"/>
+                <a:cs typeface="メイリオ" panose="020B0604030504040204" pitchFamily="50" charset="-128"/>
+              </a:rPr>
+              <a:t>。</a:t>
             </a:r>
             <a:endParaRPr lang="en-US" altLang="ja-JP" sz="1200" dirty="0" smtClean="0">
               <a:latin typeface="メイリオ" panose="020B0604030504040204" pitchFamily="50" charset="-128"/>
@@ -5355,8 +5645,8 @@
         </p:nvSpPr>
         <p:spPr>
           <a:xfrm>
-            <a:off x="6273040" y="3604403"/>
-            <a:ext cx="6279074" cy="2739211"/>
+            <a:off x="6273040" y="3569567"/>
+            <a:ext cx="6285918" cy="2862322"/>
           </a:xfrm>
           <a:prstGeom prst="rect">
             <a:avLst/>
@@ -5393,7 +5683,119 @@
                 <a:ea typeface="メイリオ" panose="020B0604030504040204" pitchFamily="50" charset="-128"/>
                 <a:cs typeface="メイリオ" panose="020B0604030504040204" pitchFamily="50" charset="-128"/>
               </a:rPr>
-              <a:t>  始点から終点への経路の探索範囲は、始点と、終点での走行体と反対の向きの隣接点（右図の</a:t>
+              <a:t>  始点から終点への経路の探索範囲</a:t>
+            </a:r>
+            <a:r>
+              <a:rPr lang="ja-JP" altLang="en-US" sz="1200" dirty="0" smtClean="0">
+                <a:latin typeface="メイリオ" panose="020B0604030504040204" pitchFamily="50" charset="-128"/>
+                <a:ea typeface="メイリオ" panose="020B0604030504040204" pitchFamily="50" charset="-128"/>
+                <a:cs typeface="メイリオ" panose="020B0604030504040204" pitchFamily="50" charset="-128"/>
+              </a:rPr>
+              <a:t>は、</a:t>
+            </a:r>
+            <a:r>
+              <a:rPr lang="en-US" altLang="ja-JP" sz="1200" dirty="0" smtClean="0">
+                <a:latin typeface="メイリオ" panose="020B0604030504040204" pitchFamily="50" charset="-128"/>
+                <a:ea typeface="メイリオ" panose="020B0604030504040204" pitchFamily="50" charset="-128"/>
+                <a:cs typeface="メイリオ" panose="020B0604030504040204" pitchFamily="50" charset="-128"/>
+              </a:rPr>
+              <a:t>『</a:t>
+            </a:r>
+            <a:r>
+              <a:rPr lang="ja-JP" altLang="en-US" sz="1200" dirty="0" smtClean="0">
+                <a:latin typeface="メイリオ" panose="020B0604030504040204" pitchFamily="50" charset="-128"/>
+                <a:ea typeface="メイリオ" panose="020B0604030504040204" pitchFamily="50" charset="-128"/>
+                <a:cs typeface="メイリオ" panose="020B0604030504040204" pitchFamily="50" charset="-128"/>
+              </a:rPr>
+              <a:t>始点</a:t>
+            </a:r>
+            <a:r>
+              <a:rPr lang="en-US" altLang="ja-JP" sz="1200" dirty="0" smtClean="0">
+                <a:latin typeface="メイリオ" panose="020B0604030504040204" pitchFamily="50" charset="-128"/>
+                <a:ea typeface="メイリオ" panose="020B0604030504040204" pitchFamily="50" charset="-128"/>
+                <a:cs typeface="メイリオ" panose="020B0604030504040204" pitchFamily="50" charset="-128"/>
+              </a:rPr>
+              <a:t>』</a:t>
+            </a:r>
+            <a:r>
+              <a:rPr lang="ja-JP" altLang="en-US" sz="1200" dirty="0" smtClean="0">
+                <a:latin typeface="メイリオ" panose="020B0604030504040204" pitchFamily="50" charset="-128"/>
+                <a:ea typeface="メイリオ" panose="020B0604030504040204" pitchFamily="50" charset="-128"/>
+                <a:cs typeface="メイリオ" panose="020B0604030504040204" pitchFamily="50" charset="-128"/>
+              </a:rPr>
+              <a:t>と</a:t>
+            </a:r>
+            <a:r>
+              <a:rPr lang="en-US" altLang="ja-JP" sz="1200" dirty="0" smtClean="0">
+                <a:latin typeface="メイリオ" panose="020B0604030504040204" pitchFamily="50" charset="-128"/>
+                <a:ea typeface="メイリオ" panose="020B0604030504040204" pitchFamily="50" charset="-128"/>
+                <a:cs typeface="メイリオ" panose="020B0604030504040204" pitchFamily="50" charset="-128"/>
+              </a:rPr>
+              <a:t>『</a:t>
+            </a:r>
+            <a:r>
+              <a:rPr lang="ja-JP" altLang="en-US" sz="1200" dirty="0" smtClean="0">
+                <a:latin typeface="メイリオ" panose="020B0604030504040204" pitchFamily="50" charset="-128"/>
+                <a:ea typeface="メイリオ" panose="020B0604030504040204" pitchFamily="50" charset="-128"/>
+                <a:cs typeface="メイリオ" panose="020B0604030504040204" pitchFamily="50" charset="-128"/>
+              </a:rPr>
+              <a:t>終点</a:t>
+            </a:r>
+            <a:r>
+              <a:rPr lang="ja-JP" altLang="en-US" sz="1200" dirty="0" smtClean="0">
+                <a:latin typeface="メイリオ" panose="020B0604030504040204" pitchFamily="50" charset="-128"/>
+                <a:ea typeface="メイリオ" panose="020B0604030504040204" pitchFamily="50" charset="-128"/>
+                <a:cs typeface="メイリオ" panose="020B0604030504040204" pitchFamily="50" charset="-128"/>
+              </a:rPr>
+              <a:t>での</a:t>
+            </a:r>
+            <a:r>
+              <a:rPr lang="ja-JP" altLang="en-US" sz="1200" dirty="0" smtClean="0">
+                <a:latin typeface="メイリオ" panose="020B0604030504040204" pitchFamily="50" charset="-128"/>
+                <a:ea typeface="メイリオ" panose="020B0604030504040204" pitchFamily="50" charset="-128"/>
+                <a:cs typeface="メイリオ" panose="020B0604030504040204" pitchFamily="50" charset="-128"/>
+              </a:rPr>
+              <a:t>走行体の向きと反対の</a:t>
+            </a:r>
+            <a:r>
+              <a:rPr lang="ja-JP" altLang="en-US" sz="1200" dirty="0" smtClean="0">
+                <a:latin typeface="メイリオ" panose="020B0604030504040204" pitchFamily="50" charset="-128"/>
+                <a:ea typeface="メイリオ" panose="020B0604030504040204" pitchFamily="50" charset="-128"/>
+                <a:cs typeface="メイリオ" panose="020B0604030504040204" pitchFamily="50" charset="-128"/>
+              </a:rPr>
+              <a:t>隣</a:t>
+            </a:r>
+            <a:r>
+              <a:rPr lang="ja-JP" altLang="en-US" sz="1200" dirty="0" smtClean="0">
+                <a:latin typeface="メイリオ" panose="020B0604030504040204" pitchFamily="50" charset="-128"/>
+                <a:ea typeface="メイリオ" panose="020B0604030504040204" pitchFamily="50" charset="-128"/>
+                <a:cs typeface="メイリオ" panose="020B0604030504040204" pitchFamily="50" charset="-128"/>
+              </a:rPr>
+              <a:t>接点</a:t>
+            </a:r>
+            <a:r>
+              <a:rPr lang="en-US" altLang="ja-JP" sz="1200" dirty="0" smtClean="0">
+                <a:latin typeface="メイリオ" panose="020B0604030504040204" pitchFamily="50" charset="-128"/>
+                <a:ea typeface="メイリオ" panose="020B0604030504040204" pitchFamily="50" charset="-128"/>
+                <a:cs typeface="メイリオ" panose="020B0604030504040204" pitchFamily="50" charset="-128"/>
+              </a:rPr>
+              <a:t>(</a:t>
+            </a:r>
+            <a:r>
+              <a:rPr lang="ja-JP" altLang="en-US" sz="1200" dirty="0" smtClean="0">
+                <a:latin typeface="メイリオ" panose="020B0604030504040204" pitchFamily="50" charset="-128"/>
+                <a:ea typeface="メイリオ" panose="020B0604030504040204" pitchFamily="50" charset="-128"/>
+                <a:cs typeface="メイリオ" panose="020B0604030504040204" pitchFamily="50" charset="-128"/>
+              </a:rPr>
+              <a:t>右図</a:t>
+            </a:r>
+            <a:r>
+              <a:rPr lang="ja-JP" altLang="en-US" sz="1200" dirty="0" smtClean="0">
+                <a:latin typeface="メイリオ" panose="020B0604030504040204" pitchFamily="50" charset="-128"/>
+                <a:ea typeface="メイリオ" panose="020B0604030504040204" pitchFamily="50" charset="-128"/>
+                <a:cs typeface="メイリオ" panose="020B0604030504040204" pitchFamily="50" charset="-128"/>
+              </a:rPr>
+              <a:t>の</a:t>
             </a:r>
             <a:r>
               <a:rPr lang="ja-JP" altLang="en-US" sz="1200" dirty="0" smtClean="0">
@@ -5418,12 +5820,28 @@
               <a:t>C</a:t>
             </a:r>
             <a:r>
+              <a:rPr lang="en-US" altLang="ja-JP" sz="1200" dirty="0">
+                <a:latin typeface="メイリオ" panose="020B0604030504040204" pitchFamily="50" charset="-128"/>
+                <a:ea typeface="メイリオ" panose="020B0604030504040204" pitchFamily="50" charset="-128"/>
+                <a:cs typeface="メイリオ" panose="020B0604030504040204" pitchFamily="50" charset="-128"/>
+              </a:rPr>
+              <a:t>)</a:t>
+            </a:r>
+            <a:r>
               <a:rPr lang="ja-JP" altLang="en-US" sz="1200" dirty="0" smtClean="0">
                 <a:latin typeface="メイリオ" panose="020B0604030504040204" pitchFamily="50" charset="-128"/>
                 <a:ea typeface="メイリオ" panose="020B0604030504040204" pitchFamily="50" charset="-128"/>
                 <a:cs typeface="メイリオ" panose="020B0604030504040204" pitchFamily="50" charset="-128"/>
               </a:rPr>
-              <a:t>）を中心とする</a:t>
+              <a:t>を</a:t>
+            </a:r>
+            <a:r>
+              <a:rPr lang="ja-JP" altLang="en-US" sz="1200" dirty="0" smtClean="0">
+                <a:latin typeface="メイリオ" panose="020B0604030504040204" pitchFamily="50" charset="-128"/>
+                <a:ea typeface="メイリオ" panose="020B0604030504040204" pitchFamily="50" charset="-128"/>
+                <a:cs typeface="メイリオ" panose="020B0604030504040204" pitchFamily="50" charset="-128"/>
+              </a:rPr>
+              <a:t>中心とする</a:t>
             </a:r>
             <a:r>
               <a:rPr lang="ja-JP" altLang="en-US" sz="1200" b="1" dirty="0" smtClean="0">
@@ -5447,7 +5865,23 @@
                 <a:ea typeface="メイリオ" panose="020B0604030504040204" pitchFamily="50" charset="-128"/>
                 <a:cs typeface="メイリオ" panose="020B0604030504040204" pitchFamily="50" charset="-128"/>
               </a:rPr>
-              <a:t>の矩形</a:t>
+              <a:t>の</a:t>
+            </a:r>
+            <a:r>
+              <a:rPr lang="ja-JP" altLang="en-US" sz="1200" b="1" dirty="0" smtClean="0">
+                <a:latin typeface="メイリオ" panose="020B0604030504040204" pitchFamily="50" charset="-128"/>
+                <a:ea typeface="メイリオ" panose="020B0604030504040204" pitchFamily="50" charset="-128"/>
+                <a:cs typeface="メイリオ" panose="020B0604030504040204" pitchFamily="50" charset="-128"/>
+              </a:rPr>
+              <a:t>矩形</a:t>
+            </a:r>
+            <a:r>
+              <a:rPr lang="en-US" altLang="ja-JP" sz="1200" dirty="0">
+                <a:latin typeface="メイリオ" panose="020B0604030504040204" pitchFamily="50" charset="-128"/>
+                <a:ea typeface="メイリオ" panose="020B0604030504040204" pitchFamily="50" charset="-128"/>
+                <a:cs typeface="メイリオ" panose="020B0604030504040204" pitchFamily="50" charset="-128"/>
+              </a:rPr>
+              <a:t>(</a:t>
             </a:r>
             <a:r>
               <a:rPr lang="ja-JP" altLang="en-US" sz="1200" dirty="0" smtClean="0">
@@ -5455,7 +5889,15 @@
                 <a:ea typeface="メイリオ" panose="020B0604030504040204" pitchFamily="50" charset="-128"/>
                 <a:cs typeface="メイリオ" panose="020B0604030504040204" pitchFamily="50" charset="-128"/>
               </a:rPr>
-              <a:t>（以降、</a:t>
+              <a:t>以降</a:t>
+            </a:r>
+            <a:r>
+              <a:rPr lang="ja-JP" altLang="en-US" sz="1200" dirty="0" smtClean="0">
+                <a:latin typeface="メイリオ" panose="020B0604030504040204" pitchFamily="50" charset="-128"/>
+                <a:ea typeface="メイリオ" panose="020B0604030504040204" pitchFamily="50" charset="-128"/>
+                <a:cs typeface="メイリオ" panose="020B0604030504040204" pitchFamily="50" charset="-128"/>
+              </a:rPr>
+              <a:t>、</a:t>
             </a:r>
             <a:r>
               <a:rPr lang="ja-JP" altLang="en-US" sz="1200" b="1" dirty="0" smtClean="0">
@@ -5466,7 +5908,26 @@
                 <a:ea typeface="メイリオ" panose="020B0604030504040204" pitchFamily="50" charset="-128"/>
                 <a:cs typeface="メイリオ" panose="020B0604030504040204" pitchFamily="50" charset="-128"/>
               </a:rPr>
-              <a:t>終点近傍</a:t>
+              <a:t>終点</a:t>
+            </a:r>
+            <a:r>
+              <a:rPr lang="ja-JP" altLang="en-US" sz="1200" b="1" dirty="0" smtClean="0">
+                <a:solidFill>
+                  <a:srgbClr val="0000FF"/>
+                </a:solidFill>
+                <a:latin typeface="メイリオ" panose="020B0604030504040204" pitchFamily="50" charset="-128"/>
+                <a:ea typeface="メイリオ" panose="020B0604030504040204" pitchFamily="50" charset="-128"/>
+                <a:cs typeface="メイリオ" panose="020B0604030504040204" pitchFamily="50" charset="-128"/>
+              </a:rPr>
+              <a:t>近傍 </a:t>
+            </a:r>
+            <a:r>
+              <a:rPr lang="en-US" altLang="ja-JP" sz="1200" dirty="0" smtClean="0">
+                <a:latin typeface="メイリオ" panose="020B0604030504040204" pitchFamily="50" charset="-128"/>
+                <a:ea typeface="メイリオ" panose="020B0604030504040204" pitchFamily="50" charset="-128"/>
+                <a:cs typeface="メイリオ" panose="020B0604030504040204" pitchFamily="50" charset="-128"/>
+              </a:rPr>
+              <a:t>:</a:t>
             </a:r>
             <a:r>
               <a:rPr lang="ja-JP" altLang="en-US" sz="1200" dirty="0" smtClean="0">
@@ -5474,7 +5935,23 @@
                 <a:ea typeface="メイリオ" panose="020B0604030504040204" pitchFamily="50" charset="-128"/>
                 <a:cs typeface="メイリオ" panose="020B0604030504040204" pitchFamily="50" charset="-128"/>
               </a:rPr>
-              <a:t>：右図の</a:t>
+              <a:t> </a:t>
+            </a:r>
+            <a:r>
+              <a:rPr lang="ja-JP" altLang="en-US" sz="1200" dirty="0" smtClean="0">
+                <a:latin typeface="メイリオ" panose="020B0604030504040204" pitchFamily="50" charset="-128"/>
+                <a:ea typeface="メイリオ" panose="020B0604030504040204" pitchFamily="50" charset="-128"/>
+                <a:cs typeface="メイリオ" panose="020B0604030504040204" pitchFamily="50" charset="-128"/>
+              </a:rPr>
+              <a:t>右図</a:t>
+            </a:r>
+            <a:r>
+              <a:rPr lang="ja-JP" altLang="en-US" sz="1200" dirty="0" smtClean="0">
+                <a:latin typeface="メイリオ" panose="020B0604030504040204" pitchFamily="50" charset="-128"/>
+                <a:ea typeface="メイリオ" panose="020B0604030504040204" pitchFamily="50" charset="-128"/>
+                <a:cs typeface="メイリオ" panose="020B0604030504040204" pitchFamily="50" charset="-128"/>
+              </a:rPr>
+              <a:t>の</a:t>
             </a:r>
             <a:r>
               <a:rPr lang="ja-JP" altLang="en-US" sz="1200" dirty="0" smtClean="0">
@@ -5485,15 +5962,74 @@
                 <a:ea typeface="メイリオ" panose="020B0604030504040204" pitchFamily="50" charset="-128"/>
                 <a:cs typeface="メイリオ" panose="020B0604030504040204" pitchFamily="50" charset="-128"/>
               </a:rPr>
-              <a:t>赤破線</a:t>
+              <a:t>赤</a:t>
             </a:r>
             <a:r>
               <a:rPr lang="ja-JP" altLang="en-US" sz="1200" dirty="0" smtClean="0">
-                <a:latin typeface="メイリオ" panose="020B0604030504040204" pitchFamily="50" charset="-128"/>
-                <a:ea typeface="メイリオ" panose="020B0604030504040204" pitchFamily="50" charset="-128"/>
-                <a:cs typeface="メイリオ" panose="020B0604030504040204" pitchFamily="50" charset="-128"/>
-              </a:rPr>
-              <a:t>）を含む矩形（右図の</a:t>
+                <a:solidFill>
+                  <a:srgbClr val="FF0000"/>
+                </a:solidFill>
+                <a:latin typeface="メイリオ" panose="020B0604030504040204" pitchFamily="50" charset="-128"/>
+                <a:ea typeface="メイリオ" panose="020B0604030504040204" pitchFamily="50" charset="-128"/>
+                <a:cs typeface="メイリオ" panose="020B0604030504040204" pitchFamily="50" charset="-128"/>
+              </a:rPr>
+              <a:t>破線</a:t>
+            </a:r>
+            <a:r>
+              <a:rPr lang="en-US" altLang="ja-JP" sz="1200" dirty="0" smtClean="0">
+                <a:latin typeface="メイリオ" panose="020B0604030504040204" pitchFamily="50" charset="-128"/>
+                <a:ea typeface="メイリオ" panose="020B0604030504040204" pitchFamily="50" charset="-128"/>
+                <a:cs typeface="メイリオ" panose="020B0604030504040204" pitchFamily="50" charset="-128"/>
+              </a:rPr>
+              <a:t>)』</a:t>
+            </a:r>
+            <a:r>
+              <a:rPr lang="ja-JP" altLang="en-US" sz="1200" dirty="0" smtClean="0">
+                <a:latin typeface="メイリオ" panose="020B0604030504040204" pitchFamily="50" charset="-128"/>
+                <a:ea typeface="メイリオ" panose="020B0604030504040204" pitchFamily="50" charset="-128"/>
+                <a:cs typeface="メイリオ" panose="020B0604030504040204" pitchFamily="50" charset="-128"/>
+              </a:rPr>
+              <a:t>を</a:t>
+            </a:r>
+            <a:r>
+              <a:rPr lang="ja-JP" altLang="en-US" sz="1200" dirty="0" smtClean="0">
+                <a:latin typeface="メイリオ" panose="020B0604030504040204" pitchFamily="50" charset="-128"/>
+                <a:ea typeface="メイリオ" panose="020B0604030504040204" pitchFamily="50" charset="-128"/>
+                <a:cs typeface="メイリオ" panose="020B0604030504040204" pitchFamily="50" charset="-128"/>
+              </a:rPr>
+              <a:t>含む</a:t>
+            </a:r>
+            <a:r>
+              <a:rPr lang="ja-JP" altLang="en-US" sz="1200" dirty="0" smtClean="0">
+                <a:latin typeface="メイリオ" panose="020B0604030504040204" pitchFamily="50" charset="-128"/>
+                <a:ea typeface="メイリオ" panose="020B0604030504040204" pitchFamily="50" charset="-128"/>
+                <a:cs typeface="メイリオ" panose="020B0604030504040204" pitchFamily="50" charset="-128"/>
+              </a:rPr>
+              <a:t>矩形</a:t>
+            </a:r>
+            <a:r>
+              <a:rPr lang="en-US" altLang="ja-JP" sz="1200" dirty="0" smtClean="0">
+                <a:latin typeface="メイリオ" panose="020B0604030504040204" pitchFamily="50" charset="-128"/>
+                <a:ea typeface="メイリオ" panose="020B0604030504040204" pitchFamily="50" charset="-128"/>
+                <a:cs typeface="メイリオ" panose="020B0604030504040204" pitchFamily="50" charset="-128"/>
+              </a:rPr>
+              <a:t>(</a:t>
+            </a:r>
+            <a:r>
+              <a:rPr lang="ja-JP" altLang="en-US" sz="1200" dirty="0" smtClean="0">
+                <a:latin typeface="メイリオ" panose="020B0604030504040204" pitchFamily="50" charset="-128"/>
+                <a:ea typeface="メイリオ" panose="020B0604030504040204" pitchFamily="50" charset="-128"/>
+                <a:cs typeface="メイリオ" panose="020B0604030504040204" pitchFamily="50" charset="-128"/>
+              </a:rPr>
+              <a:t>右図</a:t>
+            </a:r>
+            <a:r>
+              <a:rPr lang="ja-JP" altLang="en-US" sz="1200" dirty="0" smtClean="0">
+                <a:latin typeface="メイリオ" panose="020B0604030504040204" pitchFamily="50" charset="-128"/>
+                <a:ea typeface="メイリオ" panose="020B0604030504040204" pitchFamily="50" charset="-128"/>
+                <a:cs typeface="メイリオ" panose="020B0604030504040204" pitchFamily="50" charset="-128"/>
+              </a:rPr>
+              <a:t>の</a:t>
             </a:r>
             <a:r>
               <a:rPr lang="ja-JP" altLang="en-US" sz="1200" dirty="0" smtClean="0">
@@ -5504,15 +6040,66 @@
                 <a:ea typeface="メイリオ" panose="020B0604030504040204" pitchFamily="50" charset="-128"/>
                 <a:cs typeface="メイリオ" panose="020B0604030504040204" pitchFamily="50" charset="-128"/>
               </a:rPr>
-              <a:t>青破線</a:t>
+              <a:t>青</a:t>
             </a:r>
             <a:r>
               <a:rPr lang="ja-JP" altLang="en-US" sz="1200" dirty="0" smtClean="0">
-                <a:latin typeface="メイリオ" panose="020B0604030504040204" pitchFamily="50" charset="-128"/>
-                <a:ea typeface="メイリオ" panose="020B0604030504040204" pitchFamily="50" charset="-128"/>
-                <a:cs typeface="メイリオ" panose="020B0604030504040204" pitchFamily="50" charset="-128"/>
-              </a:rPr>
-              <a:t>）とする。走行体は探索範囲中の格子点を経由するが</a:t>
+                <a:solidFill>
+                  <a:srgbClr val="0000FF"/>
+                </a:solidFill>
+                <a:latin typeface="メイリオ" panose="020B0604030504040204" pitchFamily="50" charset="-128"/>
+                <a:ea typeface="メイリオ" panose="020B0604030504040204" pitchFamily="50" charset="-128"/>
+                <a:cs typeface="メイリオ" panose="020B0604030504040204" pitchFamily="50" charset="-128"/>
+              </a:rPr>
+              <a:t>破線</a:t>
+            </a:r>
+            <a:r>
+              <a:rPr lang="en-US" altLang="ja-JP" sz="1200" dirty="0">
+                <a:latin typeface="メイリオ" panose="020B0604030504040204" pitchFamily="50" charset="-128"/>
+                <a:ea typeface="メイリオ" panose="020B0604030504040204" pitchFamily="50" charset="-128"/>
+                <a:cs typeface="メイリオ" panose="020B0604030504040204" pitchFamily="50" charset="-128"/>
+              </a:rPr>
+              <a:t>)</a:t>
+            </a:r>
+            <a:r>
+              <a:rPr lang="ja-JP" altLang="en-US" sz="1200" dirty="0" smtClean="0">
+                <a:latin typeface="メイリオ" panose="020B0604030504040204" pitchFamily="50" charset="-128"/>
+                <a:ea typeface="メイリオ" panose="020B0604030504040204" pitchFamily="50" charset="-128"/>
+                <a:cs typeface="メイリオ" panose="020B0604030504040204" pitchFamily="50" charset="-128"/>
+              </a:rPr>
+              <a:t>と</a:t>
+            </a:r>
+            <a:r>
+              <a:rPr lang="ja-JP" altLang="en-US" sz="1200" dirty="0" smtClean="0">
+                <a:latin typeface="メイリオ" panose="020B0604030504040204" pitchFamily="50" charset="-128"/>
+                <a:ea typeface="メイリオ" panose="020B0604030504040204" pitchFamily="50" charset="-128"/>
+                <a:cs typeface="メイリオ" panose="020B0604030504040204" pitchFamily="50" charset="-128"/>
+              </a:rPr>
+              <a:t>する。走行体は探索範囲中の格子点を経由する</a:t>
+            </a:r>
+            <a:r>
+              <a:rPr lang="ja-JP" altLang="en-US" sz="1200" dirty="0" smtClean="0">
+                <a:latin typeface="メイリオ" panose="020B0604030504040204" pitchFamily="50" charset="-128"/>
+                <a:ea typeface="メイリオ" panose="020B0604030504040204" pitchFamily="50" charset="-128"/>
+                <a:cs typeface="メイリオ" panose="020B0604030504040204" pitchFamily="50" charset="-128"/>
+              </a:rPr>
+              <a:t>が</a:t>
+            </a:r>
+            <a:r>
+              <a:rPr lang="en-US" altLang="ja-JP" sz="1200" dirty="0">
+                <a:latin typeface="メイリオ" panose="020B0604030504040204" pitchFamily="50" charset="-128"/>
+                <a:ea typeface="メイリオ" panose="020B0604030504040204" pitchFamily="50" charset="-128"/>
+                <a:cs typeface="メイリオ" panose="020B0604030504040204" pitchFamily="50" charset="-128"/>
+              </a:rPr>
+              <a:t>(</a:t>
+            </a:r>
+            <a:r>
+              <a:rPr lang="ja-JP" altLang="en-US" sz="1200" dirty="0" smtClean="0">
+                <a:latin typeface="メイリオ" panose="020B0604030504040204" pitchFamily="50" charset="-128"/>
+                <a:ea typeface="メイリオ" panose="020B0604030504040204" pitchFamily="50" charset="-128"/>
+                <a:cs typeface="メイリオ" panose="020B0604030504040204" pitchFamily="50" charset="-128"/>
+              </a:rPr>
+              <a:t>以降</a:t>
             </a:r>
             <a:r>
               <a:rPr lang="ja-JP" altLang="en-US" sz="1200" dirty="0">
@@ -5520,7 +6107,7 @@
                 <a:ea typeface="メイリオ" panose="020B0604030504040204" pitchFamily="50" charset="-128"/>
                 <a:cs typeface="メイリオ" panose="020B0604030504040204" pitchFamily="50" charset="-128"/>
               </a:rPr>
-              <a:t>（以降、</a:t>
+              <a:t>、</a:t>
             </a:r>
             <a:r>
               <a:rPr lang="ja-JP" altLang="en-US" sz="1200" b="1" dirty="0" smtClean="0">
@@ -5550,23 +6137,91 @@
                 <a:ea typeface="メイリオ" panose="020B0604030504040204" pitchFamily="50" charset="-128"/>
                 <a:cs typeface="メイリオ" panose="020B0604030504040204" pitchFamily="50" charset="-128"/>
               </a:rPr>
-              <a:t>ピンク色の点</a:t>
+              <a:t>ピンク色の</a:t>
             </a:r>
             <a:r>
               <a:rPr lang="ja-JP" altLang="en-US" sz="1200" dirty="0" smtClean="0">
-                <a:latin typeface="メイリオ" panose="020B0604030504040204" pitchFamily="50" charset="-128"/>
-                <a:ea typeface="メイリオ" panose="020B0604030504040204" pitchFamily="50" charset="-128"/>
-                <a:cs typeface="メイリオ" panose="020B0604030504040204" pitchFamily="50" charset="-128"/>
-              </a:rPr>
-              <a:t>）、始点と終点を除く矩形の頂点は除外される。</a:t>
-            </a:r>
-            <a:endParaRPr lang="en-US" altLang="ja-JP" sz="1200" dirty="0" smtClean="0">
-              <a:latin typeface="メイリオ" panose="020B0604030504040204" pitchFamily="50" charset="-128"/>
-              <a:ea typeface="メイリオ" panose="020B0604030504040204" pitchFamily="50" charset="-128"/>
-              <a:cs typeface="メイリオ" panose="020B0604030504040204" pitchFamily="50" charset="-128"/>
-            </a:endParaRPr>
-          </a:p>
-          <a:p>
+                <a:solidFill>
+                  <a:srgbClr val="FF00FF"/>
+                </a:solidFill>
+                <a:latin typeface="メイリオ" panose="020B0604030504040204" pitchFamily="50" charset="-128"/>
+                <a:ea typeface="メイリオ" panose="020B0604030504040204" pitchFamily="50" charset="-128"/>
+                <a:cs typeface="メイリオ" panose="020B0604030504040204" pitchFamily="50" charset="-128"/>
+              </a:rPr>
+              <a:t>点</a:t>
+            </a:r>
+            <a:r>
+              <a:rPr lang="en-US" altLang="ja-JP" sz="1200" dirty="0" smtClean="0">
+                <a:latin typeface="メイリオ" panose="020B0604030504040204" pitchFamily="50" charset="-128"/>
+                <a:ea typeface="メイリオ" panose="020B0604030504040204" pitchFamily="50" charset="-128"/>
+                <a:cs typeface="メイリオ" panose="020B0604030504040204" pitchFamily="50" charset="-128"/>
+              </a:rPr>
+              <a:t>)</a:t>
+            </a:r>
+            <a:r>
+              <a:rPr lang="ja-JP" altLang="en-US" sz="1200" dirty="0" err="1" smtClean="0">
+                <a:latin typeface="メイリオ" panose="020B0604030504040204" pitchFamily="50" charset="-128"/>
+                <a:ea typeface="メイリオ" panose="020B0604030504040204" pitchFamily="50" charset="-128"/>
+                <a:cs typeface="メイリオ" panose="020B0604030504040204" pitchFamily="50" charset="-128"/>
+              </a:rPr>
+              <a:t>、</a:t>
+            </a:r>
+            <a:r>
+              <a:rPr lang="ja-JP" altLang="en-US" sz="1200" dirty="0" smtClean="0">
+                <a:latin typeface="メイリオ" panose="020B0604030504040204" pitchFamily="50" charset="-128"/>
+                <a:ea typeface="メイリオ" panose="020B0604030504040204" pitchFamily="50" charset="-128"/>
+                <a:cs typeface="メイリオ" panose="020B0604030504040204" pitchFamily="50" charset="-128"/>
+              </a:rPr>
+              <a:t>始点と終点を除く矩形の</a:t>
+            </a:r>
+            <a:r>
+              <a:rPr lang="ja-JP" altLang="en-US" sz="1200" dirty="0" smtClean="0">
+                <a:latin typeface="メイリオ" panose="020B0604030504040204" pitchFamily="50" charset="-128"/>
+                <a:ea typeface="メイリオ" panose="020B0604030504040204" pitchFamily="50" charset="-128"/>
+                <a:cs typeface="メイリオ" panose="020B0604030504040204" pitchFamily="50" charset="-128"/>
+              </a:rPr>
+              <a:t>頂点</a:t>
+            </a:r>
+            <a:r>
+              <a:rPr lang="ja-JP" altLang="en-US" sz="1200" dirty="0" smtClean="0">
+                <a:latin typeface="メイリオ" panose="020B0604030504040204" pitchFamily="50" charset="-128"/>
+                <a:ea typeface="メイリオ" panose="020B0604030504040204" pitchFamily="50" charset="-128"/>
+                <a:cs typeface="メイリオ" panose="020B0604030504040204" pitchFamily="50" charset="-128"/>
+              </a:rPr>
+              <a:t>は</a:t>
+            </a:r>
+            <a:r>
+              <a:rPr lang="ja-JP" altLang="en-US" sz="1200" dirty="0" smtClean="0">
+                <a:latin typeface="メイリオ" panose="020B0604030504040204" pitchFamily="50" charset="-128"/>
+                <a:ea typeface="メイリオ" panose="020B0604030504040204" pitchFamily="50" charset="-128"/>
+                <a:cs typeface="メイリオ" panose="020B0604030504040204" pitchFamily="50" charset="-128"/>
+              </a:rPr>
+              <a:t>除外</a:t>
+            </a:r>
+            <a:r>
+              <a:rPr lang="ja-JP" altLang="en-US" sz="1200" dirty="0" smtClean="0">
+                <a:latin typeface="メイリオ" panose="020B0604030504040204" pitchFamily="50" charset="-128"/>
+                <a:ea typeface="メイリオ" panose="020B0604030504040204" pitchFamily="50" charset="-128"/>
+                <a:cs typeface="メイリオ" panose="020B0604030504040204" pitchFamily="50" charset="-128"/>
+              </a:rPr>
+              <a:t>す</a:t>
+            </a:r>
+            <a:r>
+              <a:rPr lang="ja-JP" altLang="en-US" sz="1200" dirty="0">
+                <a:latin typeface="メイリオ" panose="020B0604030504040204" pitchFamily="50" charset="-128"/>
+                <a:ea typeface="メイリオ" panose="020B0604030504040204" pitchFamily="50" charset="-128"/>
+                <a:cs typeface="メイリオ" panose="020B0604030504040204" pitchFamily="50" charset="-128"/>
+              </a:rPr>
+              <a:t>る</a:t>
+            </a:r>
+            <a:r>
+              <a:rPr lang="ja-JP" altLang="en-US" sz="1200" dirty="0" smtClean="0">
+                <a:latin typeface="メイリオ" panose="020B0604030504040204" pitchFamily="50" charset="-128"/>
+                <a:ea typeface="メイリオ" panose="020B0604030504040204" pitchFamily="50" charset="-128"/>
+                <a:cs typeface="メイリオ" panose="020B0604030504040204" pitchFamily="50" charset="-128"/>
+              </a:rPr>
+              <a:t>。</a:t>
+            </a:r>
             <a:endParaRPr lang="en-US" altLang="ja-JP" sz="800" dirty="0">
               <a:latin typeface="メイリオ" panose="020B0604030504040204" pitchFamily="50" charset="-128"/>
               <a:ea typeface="メイリオ" panose="020B0604030504040204" pitchFamily="50" charset="-128"/>
@@ -5623,7 +6278,23 @@
                 <a:ea typeface="メイリオ" panose="020B0604030504040204" pitchFamily="50" charset="-128"/>
                 <a:cs typeface="メイリオ" panose="020B0604030504040204" pitchFamily="50" charset="-128"/>
               </a:rPr>
-              <a:t>の規則に従って移動しながら通過した経由点を記録する</a:t>
+              <a:t>の規則に従って移動</a:t>
+            </a:r>
+            <a:r>
+              <a:rPr lang="ja-JP" altLang="en-US" sz="1200" dirty="0" smtClean="0">
+                <a:latin typeface="メイリオ" panose="020B0604030504040204" pitchFamily="50" charset="-128"/>
+                <a:ea typeface="メイリオ" panose="020B0604030504040204" pitchFamily="50" charset="-128"/>
+                <a:cs typeface="メイリオ" panose="020B0604030504040204" pitchFamily="50" charset="-128"/>
+              </a:rPr>
+              <a:t>しながら、通過</a:t>
+            </a:r>
+            <a:r>
+              <a:rPr lang="ja-JP" altLang="en-US" sz="1200" dirty="0" smtClean="0">
+                <a:latin typeface="メイリオ" panose="020B0604030504040204" pitchFamily="50" charset="-128"/>
+                <a:ea typeface="メイリオ" panose="020B0604030504040204" pitchFamily="50" charset="-128"/>
+                <a:cs typeface="メイリオ" panose="020B0604030504040204" pitchFamily="50" charset="-128"/>
+              </a:rPr>
+              <a:t>した経由点を記録する</a:t>
             </a:r>
             <a:r>
               <a:rPr lang="ja-JP" altLang="en-US" sz="1200" b="1" dirty="0" smtClean="0">
@@ -5642,16 +6313,112 @@
                 <a:ea typeface="メイリオ" panose="020B0604030504040204" pitchFamily="50" charset="-128"/>
                 <a:cs typeface="メイリオ" panose="020B0604030504040204" pitchFamily="50" charset="-128"/>
               </a:rPr>
-              <a:t>を設ける。探索子は向きを変える度に複製・分岐され、それぞれの方向に移動する。探索子の停止条件は以下の通り。</a:t>
-            </a:r>
-            <a:endParaRPr lang="en-US" altLang="ja-JP" sz="1200" dirty="0" smtClean="0">
+              <a:t>を設ける。探索</a:t>
+            </a:r>
+            <a:r>
+              <a:rPr lang="ja-JP" altLang="en-US" sz="1200" dirty="0" smtClean="0">
+                <a:latin typeface="メイリオ" panose="020B0604030504040204" pitchFamily="50" charset="-128"/>
+                <a:ea typeface="メイリオ" panose="020B0604030504040204" pitchFamily="50" charset="-128"/>
+                <a:cs typeface="メイリオ" panose="020B0604030504040204" pitchFamily="50" charset="-128"/>
+              </a:rPr>
+              <a:t>子は右下図のように、次の移動先が複数</a:t>
+            </a:r>
+            <a:r>
+              <a:rPr lang="ja-JP" altLang="en-US" sz="1200" dirty="0" smtClean="0">
+                <a:latin typeface="メイリオ" panose="020B0604030504040204" pitchFamily="50" charset="-128"/>
+                <a:ea typeface="メイリオ" panose="020B0604030504040204" pitchFamily="50" charset="-128"/>
+                <a:cs typeface="メイリオ" panose="020B0604030504040204" pitchFamily="50" charset="-128"/>
+              </a:rPr>
+              <a:t>になるたびに</a:t>
+            </a:r>
+            <a:r>
+              <a:rPr lang="ja-JP" altLang="en-US" sz="1200" dirty="0" smtClean="0">
+                <a:latin typeface="メイリオ" panose="020B0604030504040204" pitchFamily="50" charset="-128"/>
+                <a:ea typeface="メイリオ" panose="020B0604030504040204" pitchFamily="50" charset="-128"/>
+                <a:cs typeface="メイリオ" panose="020B0604030504040204" pitchFamily="50" charset="-128"/>
+              </a:rPr>
+              <a:t>複製</a:t>
+            </a:r>
+            <a:r>
+              <a:rPr lang="ja-JP" altLang="en-US" sz="1200" dirty="0" smtClean="0">
+                <a:latin typeface="メイリオ" panose="020B0604030504040204" pitchFamily="50" charset="-128"/>
+                <a:ea typeface="メイリオ" panose="020B0604030504040204" pitchFamily="50" charset="-128"/>
+                <a:cs typeface="メイリオ" panose="020B0604030504040204" pitchFamily="50" charset="-128"/>
+              </a:rPr>
+              <a:t>・</a:t>
+            </a:r>
+            <a:r>
+              <a:rPr lang="ja-JP" altLang="en-US" sz="1200" dirty="0" smtClean="0">
+                <a:latin typeface="メイリオ" panose="020B0604030504040204" pitchFamily="50" charset="-128"/>
+                <a:ea typeface="メイリオ" panose="020B0604030504040204" pitchFamily="50" charset="-128"/>
+                <a:cs typeface="メイリオ" panose="020B0604030504040204" pitchFamily="50" charset="-128"/>
+              </a:rPr>
+              <a:t>分岐</a:t>
+            </a:r>
+            <a:r>
+              <a:rPr lang="ja-JP" altLang="en-US" sz="1200" dirty="0">
+                <a:latin typeface="メイリオ" panose="020B0604030504040204" pitchFamily="50" charset="-128"/>
+                <a:ea typeface="メイリオ" panose="020B0604030504040204" pitchFamily="50" charset="-128"/>
+                <a:cs typeface="メイリオ" panose="020B0604030504040204" pitchFamily="50" charset="-128"/>
+              </a:rPr>
+              <a:t>し</a:t>
+            </a:r>
+            <a:r>
+              <a:rPr lang="ja-JP" altLang="en-US" sz="1200" dirty="0" smtClean="0">
+                <a:latin typeface="メイリオ" panose="020B0604030504040204" pitchFamily="50" charset="-128"/>
+                <a:ea typeface="メイリオ" panose="020B0604030504040204" pitchFamily="50" charset="-128"/>
+                <a:cs typeface="メイリオ" panose="020B0604030504040204" pitchFamily="50" charset="-128"/>
+              </a:rPr>
+              <a:t>、</a:t>
+            </a:r>
+            <a:r>
+              <a:rPr lang="ja-JP" altLang="en-US" sz="1200" dirty="0" smtClean="0">
+                <a:latin typeface="メイリオ" panose="020B0604030504040204" pitchFamily="50" charset="-128"/>
+                <a:ea typeface="メイリオ" panose="020B0604030504040204" pitchFamily="50" charset="-128"/>
+                <a:cs typeface="メイリオ" panose="020B0604030504040204" pitchFamily="50" charset="-128"/>
+              </a:rPr>
+              <a:t>それぞれの方向に移動する。探索子の停止条件は以下の通り</a:t>
+            </a:r>
+            <a:r>
+              <a:rPr lang="ja-JP" altLang="en-US" sz="1200" dirty="0" smtClean="0">
+                <a:latin typeface="メイリオ" panose="020B0604030504040204" pitchFamily="50" charset="-128"/>
+                <a:ea typeface="メイリオ" panose="020B0604030504040204" pitchFamily="50" charset="-128"/>
+                <a:cs typeface="メイリオ" panose="020B0604030504040204" pitchFamily="50" charset="-128"/>
+              </a:rPr>
+              <a:t>。</a:t>
+            </a:r>
+            <a:endParaRPr lang="en-US" altLang="ja-JP" sz="1200" dirty="0">
               <a:latin typeface="メイリオ" panose="020B0604030504040204" pitchFamily="50" charset="-128"/>
               <a:ea typeface="メイリオ" panose="020B0604030504040204" pitchFamily="50" charset="-128"/>
               <a:cs typeface="メイリオ" panose="020B0604030504040204" pitchFamily="50" charset="-128"/>
             </a:endParaRPr>
           </a:p>
           <a:p>
-            <a:endParaRPr lang="en-US" altLang="ja-JP" sz="800" dirty="0">
+            <a:r>
+              <a:rPr lang="en-US" altLang="ja-JP" sz="1200" dirty="0" smtClean="0">
+                <a:latin typeface="メイリオ" panose="020B0604030504040204" pitchFamily="50" charset="-128"/>
+                <a:ea typeface="メイリオ" panose="020B0604030504040204" pitchFamily="50" charset="-128"/>
+                <a:cs typeface="メイリオ" panose="020B0604030504040204" pitchFamily="50" charset="-128"/>
+              </a:rPr>
+              <a:t>(</a:t>
+            </a:r>
+            <a:r>
+              <a:rPr lang="ja-JP" altLang="en-US" sz="1200" dirty="0" smtClean="0">
+                <a:latin typeface="メイリオ" panose="020B0604030504040204" pitchFamily="50" charset="-128"/>
+                <a:ea typeface="メイリオ" panose="020B0604030504040204" pitchFamily="50" charset="-128"/>
+                <a:cs typeface="メイリオ" panose="020B0604030504040204" pitchFamily="50" charset="-128"/>
+              </a:rPr>
+              <a:t>探索成功</a:t>
+            </a:r>
+            <a:r>
+              <a:rPr lang="en-US" altLang="ja-JP" sz="1200" dirty="0" smtClean="0">
+                <a:latin typeface="メイリオ" panose="020B0604030504040204" pitchFamily="50" charset="-128"/>
+                <a:ea typeface="メイリオ" panose="020B0604030504040204" pitchFamily="50" charset="-128"/>
+                <a:cs typeface="メイリオ" panose="020B0604030504040204" pitchFamily="50" charset="-128"/>
+              </a:rPr>
+              <a:t>)</a:t>
+            </a:r>
+            <a:endParaRPr lang="en-US" altLang="ja-JP" sz="1200" dirty="0">
               <a:latin typeface="メイリオ" panose="020B0604030504040204" pitchFamily="50" charset="-128"/>
               <a:ea typeface="メイリオ" panose="020B0604030504040204" pitchFamily="50" charset="-128"/>
               <a:cs typeface="メイリオ" panose="020B0604030504040204" pitchFamily="50" charset="-128"/>
@@ -5664,7 +6431,47 @@
                 <a:ea typeface="メイリオ" panose="020B0604030504040204" pitchFamily="50" charset="-128"/>
                 <a:cs typeface="メイリオ" panose="020B0604030504040204" pitchFamily="50" charset="-128"/>
               </a:rPr>
-              <a:t>・終点に到達し、走行体の向きとの違いが</a:t>
+              <a:t>・終点に到達し</a:t>
+            </a:r>
+            <a:r>
+              <a:rPr lang="ja-JP" altLang="en-US" sz="1200" dirty="0" smtClean="0">
+                <a:latin typeface="メイリオ" panose="020B0604030504040204" pitchFamily="50" charset="-128"/>
+                <a:ea typeface="メイリオ" panose="020B0604030504040204" pitchFamily="50" charset="-128"/>
+                <a:cs typeface="メイリオ" panose="020B0604030504040204" pitchFamily="50" charset="-128"/>
+              </a:rPr>
+              <a:t>、終点での走行体</a:t>
+            </a:r>
+            <a:r>
+              <a:rPr lang="ja-JP" altLang="en-US" sz="1200" dirty="0">
+                <a:latin typeface="メイリオ" panose="020B0604030504040204" pitchFamily="50" charset="-128"/>
+                <a:ea typeface="メイリオ" panose="020B0604030504040204" pitchFamily="50" charset="-128"/>
+                <a:cs typeface="メイリオ" panose="020B0604030504040204" pitchFamily="50" charset="-128"/>
+              </a:rPr>
+              <a:t>の向きと</a:t>
+            </a:r>
+            <a:r>
+              <a:rPr lang="ja-JP" altLang="en-US" sz="1200" dirty="0" smtClean="0">
+                <a:latin typeface="メイリオ" panose="020B0604030504040204" pitchFamily="50" charset="-128"/>
+                <a:ea typeface="メイリオ" panose="020B0604030504040204" pitchFamily="50" charset="-128"/>
+                <a:cs typeface="メイリオ" panose="020B0604030504040204" pitchFamily="50" charset="-128"/>
+              </a:rPr>
+              <a:t>の</a:t>
+            </a:r>
+            <a:r>
+              <a:rPr lang="ja-JP" altLang="en-US" sz="1200" dirty="0">
+                <a:latin typeface="メイリオ" panose="020B0604030504040204" pitchFamily="50" charset="-128"/>
+                <a:ea typeface="メイリオ" panose="020B0604030504040204" pitchFamily="50" charset="-128"/>
+                <a:cs typeface="メイリオ" panose="020B0604030504040204" pitchFamily="50" charset="-128"/>
+              </a:rPr>
+              <a:t>差</a:t>
+            </a:r>
+            <a:r>
+              <a:rPr lang="ja-JP" altLang="en-US" sz="1200" dirty="0" smtClean="0">
+                <a:latin typeface="メイリオ" panose="020B0604030504040204" pitchFamily="50" charset="-128"/>
+                <a:ea typeface="メイリオ" panose="020B0604030504040204" pitchFamily="50" charset="-128"/>
+                <a:cs typeface="メイリオ" panose="020B0604030504040204" pitchFamily="50" charset="-128"/>
+              </a:rPr>
+              <a:t>が</a:t>
             </a:r>
             <a:r>
               <a:rPr lang="en-US" altLang="ja-JP" sz="1200" dirty="0">
@@ -5688,15 +6495,7 @@
                 <a:ea typeface="メイリオ" panose="020B0604030504040204" pitchFamily="50" charset="-128"/>
                 <a:cs typeface="メイリオ" panose="020B0604030504040204" pitchFamily="50" charset="-128"/>
               </a:rPr>
-              <a:t>ある。</a:t>
-            </a:r>
-            <a:r>
-              <a:rPr lang="en-US" altLang="ja-JP" sz="1200" dirty="0" smtClean="0">
-                <a:latin typeface="メイリオ" panose="020B0604030504040204" pitchFamily="50" charset="-128"/>
-                <a:ea typeface="メイリオ" panose="020B0604030504040204" pitchFamily="50" charset="-128"/>
-                <a:cs typeface="メイリオ" panose="020B0604030504040204" pitchFamily="50" charset="-128"/>
-              </a:rPr>
-              <a:t>…</a:t>
+              <a:t>ある</a:t>
             </a:r>
             <a:r>
               <a:rPr lang="ja-JP" altLang="en-US" sz="1200" dirty="0" smtClean="0">
@@ -5704,18 +6503,7 @@
                 <a:ea typeface="メイリオ" panose="020B0604030504040204" pitchFamily="50" charset="-128"/>
                 <a:cs typeface="メイリオ" panose="020B0604030504040204" pitchFamily="50" charset="-128"/>
               </a:rPr>
-              <a:t> </a:t>
-            </a:r>
-            <a:r>
-              <a:rPr lang="ja-JP" altLang="en-US" sz="1200" b="1" dirty="0" smtClean="0">
-                <a:solidFill>
-                  <a:srgbClr val="FF0000"/>
-                </a:solidFill>
-                <a:latin typeface="メイリオ" panose="020B0604030504040204" pitchFamily="50" charset="-128"/>
-                <a:ea typeface="メイリオ" panose="020B0604030504040204" pitchFamily="50" charset="-128"/>
-                <a:cs typeface="メイリオ" panose="020B0604030504040204" pitchFamily="50" charset="-128"/>
-              </a:rPr>
-              <a:t>探索成功</a:t>
+              <a:t>。</a:t>
             </a:r>
             <a:endParaRPr lang="en-US" altLang="ja-JP" sz="1200" b="1" dirty="0" smtClean="0">
               <a:solidFill>
@@ -5728,12 +6516,12 @@
           </a:p>
           <a:p>
             <a:r>
-              <a:rPr lang="ja-JP" altLang="en-US" sz="1200" dirty="0">
-                <a:latin typeface="メイリオ" panose="020B0604030504040204" pitchFamily="50" charset="-128"/>
-                <a:ea typeface="メイリオ" panose="020B0604030504040204" pitchFamily="50" charset="-128"/>
-                <a:cs typeface="メイリオ" panose="020B0604030504040204" pitchFamily="50" charset="-128"/>
-              </a:rPr>
-              <a:t>・終点に到達し</a:t>
+              <a:rPr lang="en-US" altLang="ja-JP" sz="1200" dirty="0" smtClean="0">
+                <a:latin typeface="メイリオ" panose="020B0604030504040204" pitchFamily="50" charset="-128"/>
+                <a:ea typeface="メイリオ" panose="020B0604030504040204" pitchFamily="50" charset="-128"/>
+                <a:cs typeface="メイリオ" panose="020B0604030504040204" pitchFamily="50" charset="-128"/>
+              </a:rPr>
+              <a:t>(</a:t>
             </a:r>
             <a:r>
               <a:rPr lang="ja-JP" altLang="en-US" sz="1200" dirty="0" smtClean="0">
@@ -5741,15 +6529,7 @@
                 <a:ea typeface="メイリオ" panose="020B0604030504040204" pitchFamily="50" charset="-128"/>
                 <a:cs typeface="メイリオ" panose="020B0604030504040204" pitchFamily="50" charset="-128"/>
               </a:rPr>
-              <a:t>、</a:t>
-            </a:r>
-            <a:r>
-              <a:rPr lang="ja-JP" altLang="en-US" sz="1200" dirty="0">
-                <a:latin typeface="メイリオ" panose="020B0604030504040204" pitchFamily="50" charset="-128"/>
-                <a:ea typeface="メイリオ" panose="020B0604030504040204" pitchFamily="50" charset="-128"/>
-                <a:cs typeface="メイリオ" panose="020B0604030504040204" pitchFamily="50" charset="-128"/>
-              </a:rPr>
-              <a:t>走行体の向きとの違いが</a:t>
+              <a:t>探索失敗</a:t>
             </a:r>
             <a:r>
               <a:rPr lang="en-US" altLang="ja-JP" sz="1200" dirty="0" smtClean="0">
@@ -5757,39 +6537,7 @@
                 <a:ea typeface="メイリオ" panose="020B0604030504040204" pitchFamily="50" charset="-128"/>
                 <a:cs typeface="メイリオ" panose="020B0604030504040204" pitchFamily="50" charset="-128"/>
               </a:rPr>
-              <a:t>±</a:t>
-            </a:r>
-            <a:r>
-              <a:rPr lang="en-US" altLang="ja-JP" sz="1200" dirty="0">
-                <a:latin typeface="メイリオ" panose="020B0604030504040204" pitchFamily="50" charset="-128"/>
-                <a:ea typeface="メイリオ" panose="020B0604030504040204" pitchFamily="50" charset="-128"/>
-                <a:cs typeface="メイリオ" panose="020B0604030504040204" pitchFamily="50" charset="-128"/>
-              </a:rPr>
-              <a:t>90</a:t>
-            </a:r>
-            <a:r>
-              <a:rPr lang="ja-JP" altLang="en-US" sz="1200" dirty="0" smtClean="0">
-                <a:latin typeface="メイリオ" panose="020B0604030504040204" pitchFamily="50" charset="-128"/>
-                <a:ea typeface="メイリオ" panose="020B0604030504040204" pitchFamily="50" charset="-128"/>
-                <a:cs typeface="メイリオ" panose="020B0604030504040204" pitchFamily="50" charset="-128"/>
-              </a:rPr>
-              <a:t>度以上である。</a:t>
-            </a:r>
-            <a:r>
-              <a:rPr lang="en-US" altLang="ja-JP" sz="1200" dirty="0" smtClean="0">
-                <a:latin typeface="メイリオ" panose="020B0604030504040204" pitchFamily="50" charset="-128"/>
-                <a:ea typeface="メイリオ" panose="020B0604030504040204" pitchFamily="50" charset="-128"/>
-                <a:cs typeface="メイリオ" panose="020B0604030504040204" pitchFamily="50" charset="-128"/>
-              </a:rPr>
-              <a:t>…</a:t>
-            </a:r>
-            <a:r>
-              <a:rPr lang="ja-JP" altLang="en-US" sz="1200" dirty="0" smtClean="0">
-                <a:latin typeface="メイリオ" panose="020B0604030504040204" pitchFamily="50" charset="-128"/>
-                <a:ea typeface="メイリオ" panose="020B0604030504040204" pitchFamily="50" charset="-128"/>
-                <a:cs typeface="メイリオ" panose="020B0604030504040204" pitchFamily="50" charset="-128"/>
-              </a:rPr>
-              <a:t> 探索失敗</a:t>
+              <a:t>)</a:t>
             </a:r>
             <a:endParaRPr lang="en-US" altLang="ja-JP" sz="1200" dirty="0" smtClean="0">
               <a:latin typeface="メイリオ" panose="020B0604030504040204" pitchFamily="50" charset="-128"/>
@@ -5804,7 +6552,7 @@
                 <a:ea typeface="メイリオ" panose="020B0604030504040204" pitchFamily="50" charset="-128"/>
                 <a:cs typeface="メイリオ" panose="020B0604030504040204" pitchFamily="50" charset="-128"/>
               </a:rPr>
-              <a:t>・点</a:t>
+              <a:t>・終点に到達し、終点での走行体の向きとの違いが</a:t>
             </a:r>
             <a:r>
               <a:rPr lang="en-US" altLang="ja-JP" sz="1200" dirty="0" smtClean="0">
@@ -5812,7 +6560,7 @@
                 <a:ea typeface="メイリオ" panose="020B0604030504040204" pitchFamily="50" charset="-128"/>
                 <a:cs typeface="メイリオ" panose="020B0604030504040204" pitchFamily="50" charset="-128"/>
               </a:rPr>
-              <a:t>C</a:t>
+              <a:t>±90</a:t>
             </a:r>
             <a:r>
               <a:rPr lang="ja-JP" altLang="en-US" sz="1200" dirty="0" smtClean="0">
@@ -5820,18 +6568,15 @@
                 <a:ea typeface="メイリオ" panose="020B0604030504040204" pitchFamily="50" charset="-128"/>
                 <a:cs typeface="メイリオ" panose="020B0604030504040204" pitchFamily="50" charset="-128"/>
               </a:rPr>
-              <a:t>を除く</a:t>
-            </a:r>
-            <a:r>
-              <a:rPr lang="ja-JP" altLang="en-US" sz="1200" b="1" dirty="0" smtClean="0">
-                <a:solidFill>
-                  <a:srgbClr val="0000FF"/>
-                </a:solidFill>
-                <a:latin typeface="メイリオ" panose="020B0604030504040204" pitchFamily="50" charset="-128"/>
-                <a:ea typeface="メイリオ" panose="020B0604030504040204" pitchFamily="50" charset="-128"/>
-                <a:cs typeface="メイリオ" panose="020B0604030504040204" pitchFamily="50" charset="-128"/>
-              </a:rPr>
-              <a:t>終点近傍</a:t>
+              <a:t>度以上である。</a:t>
+            </a:r>
+            <a:r>
+              <a:rPr lang="en-US" altLang="ja-JP" sz="1200" dirty="0" smtClean="0">
+                <a:latin typeface="メイリオ" panose="020B0604030504040204" pitchFamily="50" charset="-128"/>
+                <a:ea typeface="メイリオ" panose="020B0604030504040204" pitchFamily="50" charset="-128"/>
+                <a:cs typeface="メイリオ" panose="020B0604030504040204" pitchFamily="50" charset="-128"/>
+              </a:rPr>
+              <a:t>…</a:t>
             </a:r>
             <a:r>
               <a:rPr lang="ja-JP" altLang="en-US" sz="1200" dirty="0" smtClean="0">
@@ -5839,23 +6584,7 @@
                 <a:ea typeface="メイリオ" panose="020B0604030504040204" pitchFamily="50" charset="-128"/>
                 <a:cs typeface="メイリオ" panose="020B0604030504040204" pitchFamily="50" charset="-128"/>
               </a:rPr>
-              <a:t>の点を</a:t>
-            </a:r>
-            <a:r>
-              <a:rPr lang="en-US" altLang="ja-JP" sz="1200" dirty="0" smtClean="0">
-                <a:latin typeface="メイリオ" panose="020B0604030504040204" pitchFamily="50" charset="-128"/>
-                <a:ea typeface="メイリオ" panose="020B0604030504040204" pitchFamily="50" charset="-128"/>
-                <a:cs typeface="メイリオ" panose="020B0604030504040204" pitchFamily="50" charset="-128"/>
-              </a:rPr>
-              <a:t>2</a:t>
-            </a:r>
-            <a:r>
-              <a:rPr lang="ja-JP" altLang="en-US" sz="1200" dirty="0" smtClean="0">
-                <a:latin typeface="メイリオ" panose="020B0604030504040204" pitchFamily="50" charset="-128"/>
-                <a:ea typeface="メイリオ" panose="020B0604030504040204" pitchFamily="50" charset="-128"/>
-                <a:cs typeface="メイリオ" panose="020B0604030504040204" pitchFamily="50" charset="-128"/>
-              </a:rPr>
-              <a:t>回通過する。</a:t>
+              <a:t> 探索失敗</a:t>
             </a:r>
             <a:endParaRPr lang="en-US" altLang="ja-JP" sz="1200" dirty="0" smtClean="0">
               <a:latin typeface="メイリオ" panose="020B0604030504040204" pitchFamily="50" charset="-128"/>
@@ -5870,10 +6599,53 @@
                 <a:ea typeface="メイリオ" panose="020B0604030504040204" pitchFamily="50" charset="-128"/>
                 <a:cs typeface="メイリオ" panose="020B0604030504040204" pitchFamily="50" charset="-128"/>
               </a:rPr>
-              <a:t>・同じ経由点を</a:t>
-            </a:r>
-            <a:r>
-              <a:rPr lang="en-US" altLang="ja-JP" sz="1200" dirty="0">
+              <a:t>・</a:t>
+            </a:r>
+            <a:r>
+              <a:rPr lang="ja-JP" altLang="en-US" sz="1200" dirty="0" smtClean="0">
+                <a:latin typeface="メイリオ" panose="020B0604030504040204" pitchFamily="50" charset="-128"/>
+                <a:ea typeface="メイリオ" panose="020B0604030504040204" pitchFamily="50" charset="-128"/>
+                <a:cs typeface="メイリオ" panose="020B0604030504040204" pitchFamily="50" charset="-128"/>
+              </a:rPr>
+              <a:t>点</a:t>
+            </a:r>
+            <a:r>
+              <a:rPr lang="en-US" altLang="ja-JP" sz="1200" dirty="0" smtClean="0">
+                <a:latin typeface="メイリオ" panose="020B0604030504040204" pitchFamily="50" charset="-128"/>
+                <a:ea typeface="メイリオ" panose="020B0604030504040204" pitchFamily="50" charset="-128"/>
+                <a:cs typeface="メイリオ" panose="020B0604030504040204" pitchFamily="50" charset="-128"/>
+              </a:rPr>
+              <a:t>C</a:t>
+            </a:r>
+            <a:r>
+              <a:rPr lang="ja-JP" altLang="en-US" sz="1200" dirty="0" smtClean="0">
+                <a:latin typeface="メイリオ" panose="020B0604030504040204" pitchFamily="50" charset="-128"/>
+                <a:ea typeface="メイリオ" panose="020B0604030504040204" pitchFamily="50" charset="-128"/>
+                <a:cs typeface="メイリオ" panose="020B0604030504040204" pitchFamily="50" charset="-128"/>
+              </a:rPr>
+              <a:t>を除く</a:t>
+            </a:r>
+            <a:r>
+              <a:rPr lang="ja-JP" altLang="en-US" sz="1200" b="1" dirty="0" smtClean="0">
+                <a:solidFill>
+                  <a:srgbClr val="0000FF"/>
+                </a:solidFill>
+                <a:latin typeface="メイリオ" panose="020B0604030504040204" pitchFamily="50" charset="-128"/>
+                <a:ea typeface="メイリオ" panose="020B0604030504040204" pitchFamily="50" charset="-128"/>
+                <a:cs typeface="メイリオ" panose="020B0604030504040204" pitchFamily="50" charset="-128"/>
+              </a:rPr>
+              <a:t>終点近傍</a:t>
+            </a:r>
+            <a:r>
+              <a:rPr lang="ja-JP" altLang="en-US" sz="1200" dirty="0" smtClean="0">
+                <a:latin typeface="メイリオ" panose="020B0604030504040204" pitchFamily="50" charset="-128"/>
+                <a:ea typeface="メイリオ" panose="020B0604030504040204" pitchFamily="50" charset="-128"/>
+                <a:cs typeface="メイリオ" panose="020B0604030504040204" pitchFamily="50" charset="-128"/>
+              </a:rPr>
+              <a:t>の点を</a:t>
+            </a:r>
+            <a:r>
+              <a:rPr lang="en-US" altLang="ja-JP" sz="1200" dirty="0" smtClean="0">
                 <a:latin typeface="メイリオ" panose="020B0604030504040204" pitchFamily="50" charset="-128"/>
                 <a:ea typeface="メイリオ" panose="020B0604030504040204" pitchFamily="50" charset="-128"/>
                 <a:cs typeface="メイリオ" panose="020B0604030504040204" pitchFamily="50" charset="-128"/>
@@ -5886,15 +6658,7 @@
                 <a:ea typeface="メイリオ" panose="020B0604030504040204" pitchFamily="50" charset="-128"/>
                 <a:cs typeface="メイリオ" panose="020B0604030504040204" pitchFamily="50" charset="-128"/>
               </a:rPr>
-              <a:t>回通過する。</a:t>
-            </a:r>
-            <a:r>
-              <a:rPr lang="en-US" altLang="ja-JP" sz="1200" dirty="0" smtClean="0">
-                <a:latin typeface="メイリオ" panose="020B0604030504040204" pitchFamily="50" charset="-128"/>
-                <a:ea typeface="メイリオ" panose="020B0604030504040204" pitchFamily="50" charset="-128"/>
-                <a:cs typeface="メイリオ" panose="020B0604030504040204" pitchFamily="50" charset="-128"/>
-              </a:rPr>
-              <a:t>…</a:t>
+              <a:t>回通過する</a:t>
             </a:r>
             <a:r>
               <a:rPr lang="ja-JP" altLang="en-US" sz="1200" dirty="0" smtClean="0">
@@ -5902,23 +6666,7 @@
                 <a:ea typeface="メイリオ" panose="020B0604030504040204" pitchFamily="50" charset="-128"/>
                 <a:cs typeface="メイリオ" panose="020B0604030504040204" pitchFamily="50" charset="-128"/>
               </a:rPr>
-              <a:t> </a:t>
-            </a:r>
-            <a:r>
-              <a:rPr lang="ja-JP" altLang="en-US" sz="1200" dirty="0">
-                <a:latin typeface="メイリオ" panose="020B0604030504040204" pitchFamily="50" charset="-128"/>
-                <a:ea typeface="メイリオ" panose="020B0604030504040204" pitchFamily="50" charset="-128"/>
-                <a:cs typeface="メイリオ" panose="020B0604030504040204" pitchFamily="50" charset="-128"/>
-              </a:rPr>
-              <a:t>探索</a:t>
-            </a:r>
-            <a:r>
-              <a:rPr lang="ja-JP" altLang="en-US" sz="1200" dirty="0" smtClean="0">
-                <a:latin typeface="メイリオ" panose="020B0604030504040204" pitchFamily="50" charset="-128"/>
-                <a:ea typeface="メイリオ" panose="020B0604030504040204" pitchFamily="50" charset="-128"/>
-                <a:cs typeface="メイリオ" panose="020B0604030504040204" pitchFamily="50" charset="-128"/>
-              </a:rPr>
-              <a:t>失敗</a:t>
+              <a:t>。</a:t>
             </a:r>
             <a:endParaRPr lang="en-US" altLang="ja-JP" sz="1200" dirty="0" smtClean="0">
               <a:latin typeface="メイリオ" panose="020B0604030504040204" pitchFamily="50" charset="-128"/>
@@ -5933,15 +6681,15 @@
                 <a:ea typeface="メイリオ" panose="020B0604030504040204" pitchFamily="50" charset="-128"/>
                 <a:cs typeface="メイリオ" panose="020B0604030504040204" pitchFamily="50" charset="-128"/>
               </a:rPr>
-              <a:t>・移動可能な経由点が存在しない。</a:t>
-            </a:r>
-            <a:r>
-              <a:rPr lang="en-US" altLang="ja-JP" sz="1200" dirty="0" smtClean="0">
-                <a:latin typeface="メイリオ" panose="020B0604030504040204" pitchFamily="50" charset="-128"/>
-                <a:ea typeface="メイリオ" panose="020B0604030504040204" pitchFamily="50" charset="-128"/>
-                <a:cs typeface="メイリオ" panose="020B0604030504040204" pitchFamily="50" charset="-128"/>
-              </a:rPr>
-              <a:t>…</a:t>
+              <a:t>・同じ経由点を</a:t>
+            </a:r>
+            <a:r>
+              <a:rPr lang="en-US" altLang="ja-JP" sz="1200" dirty="0">
+                <a:latin typeface="メイリオ" panose="020B0604030504040204" pitchFamily="50" charset="-128"/>
+                <a:ea typeface="メイリオ" panose="020B0604030504040204" pitchFamily="50" charset="-128"/>
+                <a:cs typeface="メイリオ" panose="020B0604030504040204" pitchFamily="50" charset="-128"/>
+              </a:rPr>
+              <a:t>2</a:t>
             </a:r>
             <a:r>
               <a:rPr lang="ja-JP" altLang="en-US" sz="1200" dirty="0" smtClean="0">
@@ -5949,15 +6697,7 @@
                 <a:ea typeface="メイリオ" panose="020B0604030504040204" pitchFamily="50" charset="-128"/>
                 <a:cs typeface="メイリオ" panose="020B0604030504040204" pitchFamily="50" charset="-128"/>
               </a:rPr>
-              <a:t> </a:t>
-            </a:r>
-            <a:r>
-              <a:rPr lang="ja-JP" altLang="en-US" sz="1200" dirty="0">
-                <a:latin typeface="メイリオ" panose="020B0604030504040204" pitchFamily="50" charset="-128"/>
-                <a:ea typeface="メイリオ" panose="020B0604030504040204" pitchFamily="50" charset="-128"/>
-                <a:cs typeface="メイリオ" panose="020B0604030504040204" pitchFamily="50" charset="-128"/>
-              </a:rPr>
-              <a:t>探索</a:t>
+              <a:t>回通過</a:t>
             </a:r>
             <a:r>
               <a:rPr lang="ja-JP" altLang="en-US" sz="1200" dirty="0" smtClean="0">
@@ -5965,7 +6705,30 @@
                 <a:ea typeface="メイリオ" panose="020B0604030504040204" pitchFamily="50" charset="-128"/>
                 <a:cs typeface="メイリオ" panose="020B0604030504040204" pitchFamily="50" charset="-128"/>
               </a:rPr>
-              <a:t>失敗</a:t>
+              <a:t>する。</a:t>
+            </a:r>
+            <a:endParaRPr lang="en-US" altLang="ja-JP" sz="1200" dirty="0" smtClean="0">
+              <a:latin typeface="メイリオ" panose="020B0604030504040204" pitchFamily="50" charset="-128"/>
+              <a:ea typeface="メイリオ" panose="020B0604030504040204" pitchFamily="50" charset="-128"/>
+              <a:cs typeface="メイリオ" panose="020B0604030504040204" pitchFamily="50" charset="-128"/>
+            </a:endParaRPr>
+          </a:p>
+          <a:p>
+            <a:r>
+              <a:rPr lang="ja-JP" altLang="en-US" sz="1200" dirty="0" smtClean="0">
+                <a:latin typeface="メイリオ" panose="020B0604030504040204" pitchFamily="50" charset="-128"/>
+                <a:ea typeface="メイリオ" panose="020B0604030504040204" pitchFamily="50" charset="-128"/>
+                <a:cs typeface="メイリオ" panose="020B0604030504040204" pitchFamily="50" charset="-128"/>
+              </a:rPr>
+              <a:t>・移動可能な経由点が存在しない</a:t>
+            </a:r>
+            <a:r>
+              <a:rPr lang="ja-JP" altLang="en-US" sz="1200" dirty="0" smtClean="0">
+                <a:latin typeface="メイリオ" panose="020B0604030504040204" pitchFamily="50" charset="-128"/>
+                <a:ea typeface="メイリオ" panose="020B0604030504040204" pitchFamily="50" charset="-128"/>
+                <a:cs typeface="メイリオ" panose="020B0604030504040204" pitchFamily="50" charset="-128"/>
+              </a:rPr>
+              <a:t>。</a:t>
             </a:r>
             <a:endParaRPr lang="en-US" altLang="ja-JP" sz="1200" dirty="0" smtClean="0">
               <a:latin typeface="メイリオ" panose="020B0604030504040204" pitchFamily="50" charset="-128"/>
@@ -8144,7 +8907,7 @@
         </p:nvGrpSpPr>
         <p:grpSpPr>
           <a:xfrm>
-            <a:off x="11430210" y="4995854"/>
+            <a:off x="11491173" y="4995854"/>
             <a:ext cx="3091876" cy="1139555"/>
             <a:chOff x="2222560" y="4161006"/>
             <a:chExt cx="3091876" cy="1139555"/>
@@ -9482,7 +10245,7 @@
           </a:bodyPr>
           <a:lstStyle/>
           <a:p>
-            <a:pPr indent="2509838"/>
+            <a:pPr indent="1881188"/>
             <a:r>
               <a:rPr lang="en-US" altLang="ja-JP" sz="1200" b="1" dirty="0" smtClean="0">
                 <a:solidFill>
@@ -9500,7 +10263,55 @@
                 <a:ea typeface="メイリオ" panose="020B0604030504040204" pitchFamily="50" charset="-128"/>
                 <a:cs typeface="メイリオ" panose="020B0604030504040204" pitchFamily="50" charset="-128"/>
               </a:rPr>
-              <a:t>で探索した経路の選択基準として、抽象マップ上での移動距離と向き変更から</a:t>
+              <a:t>で探索した</a:t>
+            </a:r>
+            <a:r>
+              <a:rPr lang="ja-JP" altLang="en-US" sz="1200" dirty="0" smtClean="0">
+                <a:latin typeface="メイリオ" panose="020B0604030504040204" pitchFamily="50" charset="-128"/>
+                <a:ea typeface="メイリオ" panose="020B0604030504040204" pitchFamily="50" charset="-128"/>
+                <a:cs typeface="メイリオ" panose="020B0604030504040204" pitchFamily="50" charset="-128"/>
+              </a:rPr>
+              <a:t>経路</a:t>
+            </a:r>
+            <a:r>
+              <a:rPr lang="ja-JP" altLang="en-US" sz="1200" dirty="0">
+                <a:latin typeface="メイリオ" panose="020B0604030504040204" pitchFamily="50" charset="-128"/>
+                <a:ea typeface="メイリオ" panose="020B0604030504040204" pitchFamily="50" charset="-128"/>
+                <a:cs typeface="メイリオ" panose="020B0604030504040204" pitchFamily="50" charset="-128"/>
+              </a:rPr>
+              <a:t>の</a:t>
+            </a:r>
+            <a:r>
+              <a:rPr lang="ja-JP" altLang="en-US" sz="1200" dirty="0" smtClean="0">
+                <a:latin typeface="メイリオ" panose="020B0604030504040204" pitchFamily="50" charset="-128"/>
+                <a:ea typeface="メイリオ" panose="020B0604030504040204" pitchFamily="50" charset="-128"/>
+                <a:cs typeface="メイリオ" panose="020B0604030504040204" pitchFamily="50" charset="-128"/>
+              </a:rPr>
+              <a:t>、</a:t>
+            </a:r>
+            <a:r>
+              <a:rPr lang="ja-JP" altLang="en-US" sz="1200" dirty="0" smtClean="0">
+                <a:latin typeface="メイリオ" panose="020B0604030504040204" pitchFamily="50" charset="-128"/>
+                <a:ea typeface="メイリオ" panose="020B0604030504040204" pitchFamily="50" charset="-128"/>
+                <a:cs typeface="メイリオ" panose="020B0604030504040204" pitchFamily="50" charset="-128"/>
+              </a:rPr>
+              <a:t>抽象マップ上での移動距離</a:t>
+            </a:r>
+            <a:r>
+              <a:rPr lang="ja-JP" altLang="en-US" sz="1200" dirty="0" smtClean="0">
+                <a:latin typeface="メイリオ" panose="020B0604030504040204" pitchFamily="50" charset="-128"/>
+                <a:ea typeface="メイリオ" panose="020B0604030504040204" pitchFamily="50" charset="-128"/>
+                <a:cs typeface="メイリオ" panose="020B0604030504040204" pitchFamily="50" charset="-128"/>
+              </a:rPr>
+              <a:t>と抽象走行体の向きの変更</a:t>
+            </a:r>
+            <a:r>
+              <a:rPr lang="ja-JP" altLang="en-US" sz="1200" dirty="0" smtClean="0">
+                <a:latin typeface="メイリオ" panose="020B0604030504040204" pitchFamily="50" charset="-128"/>
+                <a:ea typeface="メイリオ" panose="020B0604030504040204" pitchFamily="50" charset="-128"/>
+                <a:cs typeface="メイリオ" panose="020B0604030504040204" pitchFamily="50" charset="-128"/>
+              </a:rPr>
+              <a:t>から</a:t>
             </a:r>
             <a:r>
               <a:rPr lang="ja-JP" altLang="en-US" sz="1200" b="1" dirty="0" smtClean="0">
@@ -9519,7 +10330,31 @@
                 <a:ea typeface="メイリオ" panose="020B0604030504040204" pitchFamily="50" charset="-128"/>
                 <a:cs typeface="メイリオ" panose="020B0604030504040204" pitchFamily="50" charset="-128"/>
               </a:rPr>
-              <a:t>を算出する。移動コストが最も低い経路を採用する。</a:t>
+              <a:t>を</a:t>
+            </a:r>
+            <a:r>
+              <a:rPr lang="ja-JP" altLang="en-US" sz="1200" dirty="0" smtClean="0">
+                <a:latin typeface="メイリオ" panose="020B0604030504040204" pitchFamily="50" charset="-128"/>
+                <a:ea typeface="メイリオ" panose="020B0604030504040204" pitchFamily="50" charset="-128"/>
+                <a:cs typeface="メイリオ" panose="020B0604030504040204" pitchFamily="50" charset="-128"/>
+              </a:rPr>
+              <a:t>算出し、移動</a:t>
+            </a:r>
+            <a:r>
+              <a:rPr lang="ja-JP" altLang="en-US" sz="1200" dirty="0" smtClean="0">
+                <a:latin typeface="メイリオ" panose="020B0604030504040204" pitchFamily="50" charset="-128"/>
+                <a:ea typeface="メイリオ" panose="020B0604030504040204" pitchFamily="50" charset="-128"/>
+                <a:cs typeface="メイリオ" panose="020B0604030504040204" pitchFamily="50" charset="-128"/>
+              </a:rPr>
+              <a:t>コストが最も低い経路</a:t>
+            </a:r>
+            <a:r>
+              <a:rPr lang="ja-JP" altLang="en-US" sz="1200" dirty="0" smtClean="0">
+                <a:latin typeface="メイリオ" panose="020B0604030504040204" pitchFamily="50" charset="-128"/>
+                <a:ea typeface="メイリオ" panose="020B0604030504040204" pitchFamily="50" charset="-128"/>
+                <a:cs typeface="メイリオ" panose="020B0604030504040204" pitchFamily="50" charset="-128"/>
+              </a:rPr>
+              <a:t>を選択する。</a:t>
             </a:r>
             <a:endParaRPr lang="en-US" altLang="ja-JP" sz="1200" dirty="0" smtClean="0">
               <a:latin typeface="メイリオ" panose="020B0604030504040204" pitchFamily="50" charset="-128"/>
@@ -11184,8 +12019,8 @@
             </p:txBody>
           </p:sp>
         </p:grpSp>
-        <mc:AlternateContent xmlns:mc="http://schemas.openxmlformats.org/markup-compatibility/2006">
-          <mc:Choice xmlns:a14="http://schemas.microsoft.com/office/drawing/2010/main" Requires="a14">
+        <mc:AlternateContent xmlns:mc="http://schemas.openxmlformats.org/markup-compatibility/2006" xmlns:a14="http://schemas.microsoft.com/office/drawing/2010/main">
+          <mc:Choice Requires="a14">
             <p:sp>
               <p:nvSpPr>
                 <p:cNvPr id="1090" name="テキスト ボックス 1089"/>
@@ -11208,6 +12043,7 @@
                 </a:bodyPr>
                 <a:lstStyle/>
                 <a:p>
+                  <a:pPr/>
                   <a14:m>
                     <m:oMathPara xmlns:m="http://schemas.openxmlformats.org/officeDocument/2006/math">
                       <m:oMathParaPr>
@@ -11218,7 +12054,7 @@
                           <m:sSubPr>
                             <m:ctrlPr>
                               <a:rPr lang="en-US" altLang="ja-JP" sz="800" i="1">
-                                <a:latin typeface="Cambria Math"/>
+                                <a:latin typeface="Cambria Math" panose="02040503050406030204" pitchFamily="18" charset="0"/>
                                 <a:ea typeface="メイリオ" panose="020B0604030504040204" pitchFamily="50" charset="-128"/>
                               </a:rPr>
                             </m:ctrlPr>
@@ -11256,7 +12092,7 @@
               </p:txBody>
             </p:sp>
           </mc:Choice>
-          <mc:Fallback>
+          <mc:Fallback xmlns="">
             <p:sp>
               <p:nvSpPr>
                 <p:cNvPr id="1090" name="テキスト ボックス 1089"/>
@@ -11295,8 +12131,8 @@
             </p:sp>
           </mc:Fallback>
         </mc:AlternateContent>
-        <mc:AlternateContent xmlns:mc="http://schemas.openxmlformats.org/markup-compatibility/2006">
-          <mc:Choice xmlns:a14="http://schemas.microsoft.com/office/drawing/2010/main" Requires="a14">
+        <mc:AlternateContent xmlns:mc="http://schemas.openxmlformats.org/markup-compatibility/2006" xmlns:a14="http://schemas.microsoft.com/office/drawing/2010/main">
+          <mc:Choice Requires="a14">
             <p:sp>
               <p:nvSpPr>
                 <p:cNvPr id="1091" name="テキスト ボックス 1090"/>
@@ -11319,6 +12155,7 @@
                 </a:bodyPr>
                 <a:lstStyle/>
                 <a:p>
+                  <a:pPr/>
                   <a14:m>
                     <m:oMathPara xmlns:m="http://schemas.openxmlformats.org/officeDocument/2006/math">
                       <m:oMathParaPr>
@@ -11329,7 +12166,7 @@
                           <m:sSubPr>
                             <m:ctrlPr>
                               <a:rPr lang="en-US" altLang="ja-JP" sz="800" i="1" smtClean="0">
-                                <a:latin typeface="Cambria Math"/>
+                                <a:latin typeface="Cambria Math" panose="02040503050406030204" pitchFamily="18" charset="0"/>
                                 <a:ea typeface="メイリオ" panose="020B0604030504040204" pitchFamily="50" charset="-128"/>
                               </a:rPr>
                             </m:ctrlPr>
@@ -11367,7 +12204,7 @@
               </p:txBody>
             </p:sp>
           </mc:Choice>
-          <mc:Fallback>
+          <mc:Fallback xmlns="">
             <p:sp>
               <p:nvSpPr>
                 <p:cNvPr id="1091" name="テキスト ボックス 1090"/>
@@ -11416,7 +12253,7 @@
           <p:nvPr>
             <p:extLst>
               <p:ext uri="{D42A27DB-BD31-4B8C-83A1-F6EECF244321}">
-                <p14:modId xmlns:p14="http://schemas.microsoft.com/office/powerpoint/2010/main" val="4072906076"/>
+                <p14:modId xmlns:p14="http://schemas.microsoft.com/office/powerpoint/2010/main" val="1852561125"/>
               </p:ext>
             </p:extLst>
           </p:nvPr>
@@ -11525,7 +12362,11 @@
                     <a:p>
                       <a:r>
                         <a:rPr kumimoji="1" lang="ja-JP" altLang="en-US" sz="1000" b="1" dirty="0" smtClean="0"/>
-                        <a:t>上記の悪影響の緩和</a:t>
+                        <a:t>上の影響</a:t>
+                      </a:r>
+                      <a:r>
+                        <a:rPr kumimoji="1" lang="ja-JP" altLang="en-US" sz="1000" b="1" dirty="0" smtClean="0"/>
+                        <a:t>の緩和</a:t>
                       </a:r>
                       <a:endParaRPr kumimoji="1" lang="ja-JP" altLang="en-US" sz="1000" b="1" dirty="0"/>
                     </a:p>
@@ -11574,7 +12415,7 @@
                       <m:sSubPr>
                         <m:ctrlPr>
                           <a:rPr lang="en-US" altLang="ja-JP" sz="1050" i="1">
-                            <a:latin typeface="Cambria Math"/>
+                            <a:latin typeface="Cambria Math" panose="02040503050406030204" pitchFamily="18" charset="0"/>
                             <a:ea typeface="メイリオ" panose="020B0604030504040204" pitchFamily="50" charset="-128"/>
                           </a:rPr>
                         </m:ctrlPr>
@@ -11609,7 +12450,7 @@
                       <m:sSubPr>
                         <m:ctrlPr>
                           <a:rPr lang="en-US" altLang="ja-JP" sz="1050" i="1">
-                            <a:latin typeface="Cambria Math"/>
+                            <a:latin typeface="Cambria Math" panose="02040503050406030204" pitchFamily="18" charset="0"/>
                             <a:ea typeface="メイリオ" panose="020B0604030504040204" pitchFamily="50" charset="-128"/>
                           </a:rPr>
                         </m:ctrlPr>
@@ -11663,7 +12504,7 @@
                       <m:sSubPr>
                         <m:ctrlPr>
                           <a:rPr lang="en-US" altLang="ja-JP" sz="1050" i="1">
-                            <a:latin typeface="Cambria Math"/>
+                            <a:latin typeface="Cambria Math" panose="02040503050406030204" pitchFamily="18" charset="0"/>
                             <a:ea typeface="メイリオ" panose="020B0604030504040204" pitchFamily="50" charset="-128"/>
                           </a:rPr>
                         </m:ctrlPr>
@@ -11708,7 +12549,7 @@
                       <m:sSubPr>
                         <m:ctrlPr>
                           <a:rPr lang="en-US" altLang="ja-JP" sz="1050" i="1">
-                            <a:latin typeface="Cambria Math"/>
+                            <a:latin typeface="Cambria Math" panose="02040503050406030204" pitchFamily="18" charset="0"/>
                             <a:ea typeface="メイリオ" panose="020B0604030504040204" pitchFamily="50" charset="-128"/>
                           </a:rPr>
                         </m:ctrlPr>
@@ -11764,7 +12605,7 @@
                       <m:sSubPr>
                         <m:ctrlPr>
                           <a:rPr lang="en-US" altLang="ja-JP" sz="1050" i="1">
-                            <a:latin typeface="Cambria Math"/>
+                            <a:latin typeface="Cambria Math" panose="02040503050406030204" pitchFamily="18" charset="0"/>
                             <a:ea typeface="メイリオ" panose="020B0604030504040204" pitchFamily="50" charset="-128"/>
                           </a:rPr>
                         </m:ctrlPr>
@@ -11834,7 +12675,7 @@
                       <m:sSubPr>
                         <m:ctrlPr>
                           <a:rPr lang="en-US" altLang="ja-JP" sz="1050" i="1">
-                            <a:latin typeface="Cambria Math"/>
+                            <a:latin typeface="Cambria Math" panose="02040503050406030204" pitchFamily="18" charset="0"/>
                             <a:ea typeface="メイリオ" panose="020B0604030504040204" pitchFamily="50" charset="-128"/>
                           </a:rPr>
                         </m:ctrlPr>
@@ -11874,15 +12715,7 @@
                     <a:ea typeface="メイリオ" panose="020B0604030504040204" pitchFamily="50" charset="-128"/>
                     <a:cs typeface="メイリオ" panose="020B0604030504040204" pitchFamily="50" charset="-128"/>
                   </a:rPr>
-                  <a:t>向きの</a:t>
-                </a:r>
-                <a:r>
-                  <a:rPr lang="ja-JP" altLang="en-US" sz="1050" dirty="0">
-                    <a:latin typeface="メイリオ" panose="020B0604030504040204" pitchFamily="50" charset="-128"/>
-                    <a:ea typeface="メイリオ" panose="020B0604030504040204" pitchFamily="50" charset="-128"/>
-                    <a:cs typeface="メイリオ" panose="020B0604030504040204" pitchFamily="50" charset="-128"/>
-                  </a:rPr>
-                  <a:t>変化：</a:t>
+                  <a:t>向きの変化：</a:t>
                 </a:r>
                 <a14:m>
                   <m:oMath xmlns:m="http://schemas.openxmlformats.org/officeDocument/2006/math">
@@ -11890,7 +12723,7 @@
                       <m:sSubPr>
                         <m:ctrlPr>
                           <a:rPr lang="en-US" altLang="ja-JP" sz="1050" i="1">
-                            <a:latin typeface="Cambria Math"/>
+                            <a:latin typeface="Cambria Math" panose="02040503050406030204" pitchFamily="18" charset="0"/>
                             <a:ea typeface="メイリオ" panose="020B0604030504040204" pitchFamily="50" charset="-128"/>
                           </a:rPr>
                         </m:ctrlPr>
@@ -11970,7 +12803,15 @@
                     <a:ea typeface="メイリオ" panose="020B0604030504040204" pitchFamily="50" charset="-128"/>
                     <a:cs typeface="メイリオ" panose="020B0604030504040204" pitchFamily="50" charset="-128"/>
                   </a:rPr>
-                  <a:t>は左周りを正とする</a:t>
+                  <a:t>は右周り</a:t>
+                </a:r>
+                <a:r>
+                  <a:rPr lang="ja-JP" altLang="en-US" sz="1050" dirty="0" smtClean="0">
+                    <a:latin typeface="メイリオ" panose="020B0604030504040204" pitchFamily="50" charset="-128"/>
+                    <a:ea typeface="メイリオ" panose="020B0604030504040204" pitchFamily="50" charset="-128"/>
+                    <a:cs typeface="メイリオ" panose="020B0604030504040204" pitchFamily="50" charset="-128"/>
+                  </a:rPr>
+                  <a:t>を正とする</a:t>
                 </a:r>
                 <a:r>
                   <a:rPr lang="en-US" altLang="ja-JP" sz="1050" dirty="0" smtClean="0">
@@ -12001,7 +12842,7 @@
               <a:prstGeom prst="rect">
                 <a:avLst/>
               </a:prstGeom>
-              <a:blipFill rotWithShape="1">
+              <a:blipFill rotWithShape="0">
                 <a:blip r:embed="rId6"/>
                 <a:stretch>
                   <a:fillRect b="-8824"/>
@@ -12059,8 +12900,8 @@
           </a:p>
         </p:txBody>
       </p:sp>
-      <mc:AlternateContent xmlns:mc="http://schemas.openxmlformats.org/markup-compatibility/2006">
-        <mc:Choice xmlns:a14="http://schemas.microsoft.com/office/drawing/2010/main" Requires="a14">
+      <mc:AlternateContent xmlns:mc="http://schemas.openxmlformats.org/markup-compatibility/2006" xmlns:a14="http://schemas.microsoft.com/office/drawing/2010/main">
+        <mc:Choice Requires="a14">
           <p:sp>
             <p:nvSpPr>
               <p:cNvPr id="1093" name="テキスト ボックス 1092"/>
@@ -12083,6 +12924,7 @@
               </a:bodyPr>
               <a:lstStyle/>
               <a:p>
+                <a:pPr/>
                 <a14:m>
                   <m:oMathPara xmlns:m="http://schemas.openxmlformats.org/officeDocument/2006/math">
                     <m:oMathParaPr>
@@ -12103,7 +12945,7 @@
                           <m:supHide m:val="on"/>
                           <m:ctrlPr>
                             <a:rPr kumimoji="1" lang="ja-JP" altLang="en-US" sz="1200" i="1" smtClean="0">
-                              <a:latin typeface="Cambria Math"/>
+                              <a:latin typeface="Cambria Math" panose="02040503050406030204" pitchFamily="18" charset="0"/>
                             </a:rPr>
                           </m:ctrlPr>
                         </m:naryPr>
@@ -12114,7 +12956,7 @@
                             <m:fPr>
                               <m:ctrlPr>
                                 <a:rPr kumimoji="1" lang="en-US" altLang="ja-JP" sz="1200" i="1" smtClean="0">
-                                  <a:latin typeface="Cambria Math"/>
+                                  <a:latin typeface="Cambria Math" panose="02040503050406030204" pitchFamily="18" charset="0"/>
                                 </a:rPr>
                               </m:ctrlPr>
                             </m:fPr>
@@ -12129,7 +12971,7 @@
                                 <m:dPr>
                                   <m:ctrlPr>
                                     <a:rPr kumimoji="1" lang="en-US" altLang="ja-JP" sz="1200" i="1" smtClean="0">
-                                      <a:latin typeface="Cambria Math"/>
+                                      <a:latin typeface="Cambria Math" panose="02040503050406030204" pitchFamily="18" charset="0"/>
                                     </a:rPr>
                                   </m:ctrlPr>
                                 </m:dPr>
@@ -12139,7 +12981,7 @@
                                       <m:type m:val="lin"/>
                                       <m:ctrlPr>
                                         <a:rPr lang="en-US" altLang="ja-JP" sz="1200" i="1">
-                                          <a:latin typeface="Cambria Math"/>
+                                          <a:latin typeface="Cambria Math" panose="02040503050406030204" pitchFamily="18" charset="0"/>
                                         </a:rPr>
                                       </m:ctrlPr>
                                     </m:fPr>
@@ -12156,7 +12998,7 @@
                                           <m:endChr m:val="|"/>
                                           <m:ctrlPr>
                                             <a:rPr lang="en-US" altLang="ja-JP" sz="1200" i="1">
-                                              <a:latin typeface="Cambria Math"/>
+                                              <a:latin typeface="Cambria Math" panose="02040503050406030204" pitchFamily="18" charset="0"/>
                                             </a:rPr>
                                           </m:ctrlPr>
                                         </m:dPr>
@@ -12165,7 +13007,7 @@
                                             <m:sSubPr>
                                               <m:ctrlPr>
                                                 <a:rPr lang="en-US" altLang="ja-JP" sz="1200" i="1">
-                                                  <a:latin typeface="Cambria Math"/>
+                                                  <a:latin typeface="Cambria Math" panose="02040503050406030204" pitchFamily="18" charset="0"/>
                                                 </a:rPr>
                                               </m:ctrlPr>
                                             </m:sSubPr>
@@ -12196,7 +13038,7 @@
                                             <m:sSubPr>
                                               <m:ctrlPr>
                                                 <a:rPr lang="en-US" altLang="ja-JP" sz="1200" i="1">
-                                                  <a:latin typeface="Cambria Math"/>
+                                                  <a:latin typeface="Cambria Math" panose="02040503050406030204" pitchFamily="18" charset="0"/>
                                                 </a:rPr>
                                               </m:ctrlPr>
                                             </m:sSubPr>
@@ -12239,7 +13081,7 @@
                                   <m:endChr m:val="|"/>
                                   <m:ctrlPr>
                                     <a:rPr kumimoji="1" lang="en-US" altLang="ja-JP" sz="1200" i="1" smtClean="0">
-                                      <a:latin typeface="Cambria Math"/>
+                                      <a:latin typeface="Cambria Math" panose="02040503050406030204" pitchFamily="18" charset="0"/>
                                     </a:rPr>
                                   </m:ctrlPr>
                                 </m:dPr>
@@ -12248,7 +13090,7 @@
                                     <m:sSubPr>
                                       <m:ctrlPr>
                                         <a:rPr kumimoji="1" lang="en-US" altLang="ja-JP" sz="1200" i="1" smtClean="0">
-                                          <a:latin typeface="Cambria Math"/>
+                                          <a:latin typeface="Cambria Math" panose="02040503050406030204" pitchFamily="18" charset="0"/>
                                         </a:rPr>
                                       </m:ctrlPr>
                                     </m:sSubPr>
@@ -12273,7 +13115,7 @@
                                     <m:sSubPr>
                                       <m:ctrlPr>
                                         <a:rPr lang="en-US" altLang="ja-JP" sz="1200" i="1">
-                                          <a:latin typeface="Cambria Math"/>
+                                          <a:latin typeface="Cambria Math" panose="02040503050406030204" pitchFamily="18" charset="0"/>
                                         </a:rPr>
                                       </m:ctrlPr>
                                     </m:sSubPr>
@@ -12308,7 +13150,7 @@
             </p:txBody>
           </p:sp>
         </mc:Choice>
-        <mc:Fallback>
+        <mc:Fallback xmlns="">
           <p:sp>
             <p:nvSpPr>
               <p:cNvPr id="1093" name="テキスト ボックス 1092"/>
@@ -12427,7 +13269,7 @@
             <p:spPr>
               <a:xfrm>
                 <a:off x="11560366" y="8643385"/>
-                <a:ext cx="3025788" cy="798104"/>
+                <a:ext cx="3025788" cy="819070"/>
               </a:xfrm>
               <a:prstGeom prst="rect">
                 <a:avLst/>
@@ -12456,12 +13298,28 @@
                   <a:t>で</a:t>
                 </a:r>
                 <a:r>
+                  <a:rPr lang="ja-JP" altLang="en-US" sz="900" b="1" dirty="0">
+                    <a:latin typeface="メイリオ" panose="020B0604030504040204" pitchFamily="50" charset="-128"/>
+                    <a:ea typeface="メイリオ" panose="020B0604030504040204" pitchFamily="50" charset="-128"/>
+                    <a:cs typeface="メイリオ" panose="020B0604030504040204" pitchFamily="50" charset="-128"/>
+                  </a:rPr>
+                  <a:t>の</a:t>
+                </a:r>
+                <a:r>
                   <a:rPr lang="ja-JP" altLang="en-US" sz="900" b="1" dirty="0" smtClean="0">
                     <a:latin typeface="メイリオ" panose="020B0604030504040204" pitchFamily="50" charset="-128"/>
                     <a:ea typeface="メイリオ" panose="020B0604030504040204" pitchFamily="50" charset="-128"/>
                     <a:cs typeface="メイリオ" panose="020B0604030504040204" pitchFamily="50" charset="-128"/>
                   </a:rPr>
-                  <a:t>の移動コスト</a:t>
+                  <a:t>①の移動</a:t>
+                </a:r>
+                <a:r>
+                  <a:rPr lang="ja-JP" altLang="en-US" sz="900" b="1" dirty="0">
+                    <a:latin typeface="メイリオ" panose="020B0604030504040204" pitchFamily="50" charset="-128"/>
+                    <a:ea typeface="メイリオ" panose="020B0604030504040204" pitchFamily="50" charset="-128"/>
+                    <a:cs typeface="メイリオ" panose="020B0604030504040204" pitchFamily="50" charset="-128"/>
+                  </a:rPr>
+                  <a:t>コスト</a:t>
                 </a:r>
                 <a:endParaRPr lang="en-US" altLang="ja-JP" sz="900" b="1" dirty="0" smtClean="0">
                   <a:latin typeface="メイリオ" panose="020B0604030504040204" pitchFamily="50" charset="-128"/>
@@ -12517,7 +13375,7 @@
                         <m:degHide m:val="on"/>
                         <m:ctrlPr>
                           <a:rPr lang="en-US" altLang="ja-JP" sz="800" b="1" i="1" smtClean="0">
-                            <a:latin typeface="Cambria Math"/>
+                            <a:latin typeface="Cambria Math" panose="02040503050406030204" pitchFamily="18" charset="0"/>
                             <a:ea typeface="Cambria Math"/>
                             <a:cs typeface="メイリオ" panose="020B0604030504040204" pitchFamily="50" charset="-128"/>
                           </a:rPr>
@@ -12678,7 +13536,7 @@
                       <m:fPr>
                         <m:ctrlPr>
                           <a:rPr lang="en-US" altLang="ja-JP" sz="800" b="1" i="1" smtClean="0">
-                            <a:latin typeface="Cambria Math"/>
+                            <a:latin typeface="Cambria Math" panose="02040503050406030204" pitchFamily="18" charset="0"/>
                             <a:ea typeface="Cambria Math"/>
                             <a:cs typeface="メイリオ" panose="020B0604030504040204" pitchFamily="50" charset="-128"/>
                           </a:rPr>
@@ -12691,7 +13549,7 @@
                             <m:endChr m:val="|"/>
                             <m:ctrlPr>
                               <a:rPr lang="en-US" altLang="ja-JP" sz="800" b="1" i="1" smtClean="0">
-                                <a:latin typeface="Cambria Math"/>
+                                <a:latin typeface="Cambria Math" panose="02040503050406030204" pitchFamily="18" charset="0"/>
                                 <a:ea typeface="Cambria Math"/>
                               </a:rPr>
                             </m:ctrlPr>
@@ -12703,23 +13561,15 @@
                                 <a:ea typeface="Cambria Math"/>
                                 <a:cs typeface="メイリオ" panose="020B0604030504040204" pitchFamily="50" charset="-128"/>
                               </a:rPr>
-                              <m:t>−</m:t>
-                            </m:r>
-                            <m:r>
-                              <a:rPr lang="en-US" altLang="ja-JP" sz="800" b="1" i="1">
-                                <a:latin typeface="Cambria Math"/>
-                                <a:ea typeface="Cambria Math"/>
-                                <a:cs typeface="メイリオ" panose="020B0604030504040204" pitchFamily="50" charset="-128"/>
-                              </a:rPr>
                               <m:t>𝟒𝟓</m:t>
                             </m:r>
                             <m:r>
                               <a:rPr lang="en-US" altLang="ja-JP" sz="800" b="1" i="1">
-                                <a:latin typeface="Cambria Math"/>
+                                <a:latin typeface="Cambria Math" panose="02040503050406030204" pitchFamily="18" charset="0"/>
                                 <a:ea typeface="Cambria Math"/>
                                 <a:cs typeface="メイリオ" panose="020B0604030504040204" pitchFamily="50" charset="-128"/>
                               </a:rPr>
-                              <m:t>−</m:t>
+                              <m:t>+</m:t>
                             </m:r>
                             <m:r>
                               <a:rPr lang="en-US" altLang="ja-JP" sz="800" b="1" i="1" smtClean="0">
@@ -12761,7 +13611,7 @@
                         <m:degHide m:val="on"/>
                         <m:ctrlPr>
                           <a:rPr lang="en-US" altLang="ja-JP" sz="800" b="1" i="1">
-                            <a:latin typeface="Cambria Math"/>
+                            <a:latin typeface="Cambria Math" panose="02040503050406030204" pitchFamily="18" charset="0"/>
                             <a:ea typeface="Cambria Math"/>
                             <a:cs typeface="メイリオ" panose="020B0604030504040204" pitchFamily="50" charset="-128"/>
                           </a:rPr>
@@ -12999,15 +13849,15 @@
             <p:spPr>
               <a:xfrm>
                 <a:off x="11560366" y="8643385"/>
-                <a:ext cx="3025788" cy="798104"/>
+                <a:ext cx="3025788" cy="819070"/>
               </a:xfrm>
               <a:prstGeom prst="rect">
                 <a:avLst/>
               </a:prstGeom>
-              <a:blipFill rotWithShape="1">
+              <a:blipFill rotWithShape="0">
                 <a:blip r:embed="rId8"/>
                 <a:stretch>
-                  <a:fillRect b="-1527"/>
+                  <a:fillRect/>
                 </a:stretch>
               </a:blipFill>
             </p:spPr>
@@ -13138,7 +13988,15 @@
                 <a:ea typeface="メイリオ" panose="020B0604030504040204" pitchFamily="50" charset="-128"/>
                 <a:cs typeface="メイリオ" panose="020B0604030504040204" pitchFamily="50" charset="-128"/>
               </a:rPr>
-              <a:t>個持つ（色候補が</a:t>
+              <a:t>個</a:t>
+            </a:r>
+            <a:r>
+              <a:rPr lang="ja-JP" altLang="en-US" sz="1200" dirty="0" smtClean="0">
+                <a:latin typeface="メイリオ" panose="020B0604030504040204" pitchFamily="50" charset="-128"/>
+                <a:ea typeface="メイリオ" panose="020B0604030504040204" pitchFamily="50" charset="-128"/>
+                <a:cs typeface="メイリオ" panose="020B0604030504040204" pitchFamily="50" charset="-128"/>
+              </a:rPr>
+              <a:t>持つ</a:t>
             </a:r>
             <a:r>
               <a:rPr lang="en-US" altLang="ja-JP" sz="1200" dirty="0" smtClean="0">
@@ -13146,6 +14004,30 @@
                 <a:ea typeface="メイリオ" panose="020B0604030504040204" pitchFamily="50" charset="-128"/>
                 <a:cs typeface="メイリオ" panose="020B0604030504040204" pitchFamily="50" charset="-128"/>
               </a:rPr>
+              <a:t>(</a:t>
+            </a:r>
+            <a:r>
+              <a:rPr lang="ja-JP" altLang="en-US" sz="1200" dirty="0" smtClean="0">
+                <a:latin typeface="メイリオ" panose="020B0604030504040204" pitchFamily="50" charset="-128"/>
+                <a:ea typeface="メイリオ" panose="020B0604030504040204" pitchFamily="50" charset="-128"/>
+                <a:cs typeface="メイリオ" panose="020B0604030504040204" pitchFamily="50" charset="-128"/>
+              </a:rPr>
+              <a:t>色</a:t>
+            </a:r>
+            <a:r>
+              <a:rPr lang="ja-JP" altLang="en-US" sz="1200" dirty="0" smtClean="0">
+                <a:latin typeface="メイリオ" panose="020B0604030504040204" pitchFamily="50" charset="-128"/>
+                <a:ea typeface="メイリオ" panose="020B0604030504040204" pitchFamily="50" charset="-128"/>
+                <a:cs typeface="メイリオ" panose="020B0604030504040204" pitchFamily="50" charset="-128"/>
+              </a:rPr>
+              <a:t>候補が</a:t>
+            </a:r>
+            <a:r>
+              <a:rPr lang="en-US" altLang="ja-JP" sz="1200" dirty="0" smtClean="0">
+                <a:latin typeface="メイリオ" panose="020B0604030504040204" pitchFamily="50" charset="-128"/>
+                <a:ea typeface="メイリオ" panose="020B0604030504040204" pitchFamily="50" charset="-128"/>
+                <a:cs typeface="メイリオ" panose="020B0604030504040204" pitchFamily="50" charset="-128"/>
+              </a:rPr>
               <a:t>0</a:t>
             </a:r>
             <a:r>
@@ -13154,7 +14036,39 @@
                 <a:ea typeface="メイリオ" panose="020B0604030504040204" pitchFamily="50" charset="-128"/>
                 <a:cs typeface="メイリオ" panose="020B0604030504040204" pitchFamily="50" charset="-128"/>
               </a:rPr>
-              <a:t>個のサークルはブロックが設置されていない）。ブロックの色が確定、またはブロックが移動される度に抽象マップの情報は更新される。</a:t>
+              <a:t>個のサークルはブロックが設置されて</a:t>
+            </a:r>
+            <a:r>
+              <a:rPr lang="ja-JP" altLang="en-US" sz="1200" dirty="0" smtClean="0">
+                <a:latin typeface="メイリオ" panose="020B0604030504040204" pitchFamily="50" charset="-128"/>
+                <a:ea typeface="メイリオ" panose="020B0604030504040204" pitchFamily="50" charset="-128"/>
+                <a:cs typeface="メイリオ" panose="020B0604030504040204" pitchFamily="50" charset="-128"/>
+              </a:rPr>
+              <a:t>いない</a:t>
+            </a:r>
+            <a:r>
+              <a:rPr lang="en-US" altLang="ja-JP" sz="1200" dirty="0" smtClean="0">
+                <a:latin typeface="メイリオ" panose="020B0604030504040204" pitchFamily="50" charset="-128"/>
+                <a:ea typeface="メイリオ" panose="020B0604030504040204" pitchFamily="50" charset="-128"/>
+                <a:cs typeface="メイリオ" panose="020B0604030504040204" pitchFamily="50" charset="-128"/>
+              </a:rPr>
+              <a:t>)</a:t>
+            </a:r>
+            <a:r>
+              <a:rPr lang="ja-JP" altLang="en-US" sz="1200" dirty="0" err="1" smtClean="0">
+                <a:latin typeface="メイリオ" panose="020B0604030504040204" pitchFamily="50" charset="-128"/>
+                <a:ea typeface="メイリオ" panose="020B0604030504040204" pitchFamily="50" charset="-128"/>
+                <a:cs typeface="メイリオ" panose="020B0604030504040204" pitchFamily="50" charset="-128"/>
+              </a:rPr>
+              <a:t>。</a:t>
+            </a:r>
+            <a:r>
+              <a:rPr lang="ja-JP" altLang="en-US" sz="1200" dirty="0" smtClean="0">
+                <a:latin typeface="メイリオ" panose="020B0604030504040204" pitchFamily="50" charset="-128"/>
+                <a:ea typeface="メイリオ" panose="020B0604030504040204" pitchFamily="50" charset="-128"/>
+                <a:cs typeface="メイリオ" panose="020B0604030504040204" pitchFamily="50" charset="-128"/>
+              </a:rPr>
+              <a:t>ブロックの色が確定、またはブロックが移動される度に抽象マップの情報は更新される。</a:t>
             </a:r>
             <a:endParaRPr lang="en-US" altLang="ja-JP" sz="1200" dirty="0" smtClean="0">
               <a:latin typeface="メイリオ" panose="020B0604030504040204" pitchFamily="50" charset="-128"/>
@@ -13381,7 +14295,7 @@
         <p:spPr>
           <a:xfrm>
             <a:off x="392103" y="6066709"/>
-            <a:ext cx="2174522" cy="1569660"/>
+            <a:ext cx="2174522" cy="1384995"/>
           </a:xfrm>
           <a:prstGeom prst="rect">
             <a:avLst/>
@@ -13423,7 +14337,53 @@
                 <a:ea typeface="メイリオ" panose="020B0604030504040204" pitchFamily="50" charset="-128"/>
                 <a:cs typeface="メイリオ" panose="020B0604030504040204" pitchFamily="50" charset="-128"/>
               </a:rPr>
-              <a:t>で定義したモデルを用いてゲームを攻略するための手順を示す。抽象マップから実際の座標系への変換および走行体の各種動作については、制御技術および設計で述べる。</a:t>
+              <a:t>で定義したモデルを用いてゲームを攻略するための手順を示す。抽象マップから実際の座標系への変換および走行体の各種動作については</a:t>
+            </a:r>
+            <a:r>
+              <a:rPr lang="ja-JP" altLang="en-US" sz="1200" dirty="0" smtClean="0">
+                <a:latin typeface="メイリオ" panose="020B0604030504040204" pitchFamily="50" charset="-128"/>
+                <a:ea typeface="メイリオ" panose="020B0604030504040204" pitchFamily="50" charset="-128"/>
+                <a:cs typeface="メイリオ" panose="020B0604030504040204" pitchFamily="50" charset="-128"/>
+              </a:rPr>
+              <a:t>、</a:t>
+            </a:r>
+            <a:r>
+              <a:rPr lang="en-US" altLang="ja-JP" sz="1200" b="1" dirty="0" smtClean="0">
+                <a:solidFill>
+                  <a:srgbClr val="D24726"/>
+                </a:solidFill>
+                <a:latin typeface="メイリオ" panose="020B0604030504040204" pitchFamily="50" charset="-128"/>
+                <a:ea typeface="メイリオ" panose="020B0604030504040204" pitchFamily="50" charset="-128"/>
+                <a:cs typeface="メイリオ" panose="020B0604030504040204" pitchFamily="50" charset="-128"/>
+              </a:rPr>
+              <a:t>3.</a:t>
+            </a:r>
+            <a:r>
+              <a:rPr lang="ja-JP" altLang="en-US" sz="1200" b="1" dirty="0" smtClean="0">
+                <a:solidFill>
+                  <a:srgbClr val="D24726"/>
+                </a:solidFill>
+                <a:latin typeface="メイリオ" panose="020B0604030504040204" pitchFamily="50" charset="-128"/>
+                <a:ea typeface="メイリオ" panose="020B0604030504040204" pitchFamily="50" charset="-128"/>
+                <a:cs typeface="メイリオ" panose="020B0604030504040204" pitchFamily="50" charset="-128"/>
+              </a:rPr>
+              <a:t> 制御</a:t>
+            </a:r>
+            <a:r>
+              <a:rPr lang="ja-JP" altLang="en-US" sz="1200" dirty="0" smtClean="0">
+                <a:latin typeface="メイリオ" panose="020B0604030504040204" pitchFamily="50" charset="-128"/>
+                <a:ea typeface="メイリオ" panose="020B0604030504040204" pitchFamily="50" charset="-128"/>
+                <a:cs typeface="メイリオ" panose="020B0604030504040204" pitchFamily="50" charset="-128"/>
+              </a:rPr>
+              <a:t> で</a:t>
+            </a:r>
+            <a:r>
+              <a:rPr lang="ja-JP" altLang="en-US" sz="1200" dirty="0" smtClean="0">
+                <a:latin typeface="メイリオ" panose="020B0604030504040204" pitchFamily="50" charset="-128"/>
+                <a:ea typeface="メイリオ" panose="020B0604030504040204" pitchFamily="50" charset="-128"/>
+                <a:cs typeface="メイリオ" panose="020B0604030504040204" pitchFamily="50" charset="-128"/>
+              </a:rPr>
+              <a:t>述べる。</a:t>
             </a:r>
             <a:endParaRPr lang="en-US" altLang="ja-JP" sz="1200" dirty="0" smtClean="0">
               <a:latin typeface="メイリオ" panose="020B0604030504040204" pitchFamily="50" charset="-128"/>
@@ -13715,7 +14675,7 @@
   <a:extraClrSchemeLst/>
   <a:extLst>
     <a:ext uri="{05A4C25C-085E-4340-85A3-A5531E510DB2}">
-      <thm15:themeFamily xmlns:thm15="http://schemas.microsoft.com/office/thememl/2012/main" xmlns="" name="Office Theme" id="{62F939B6-93AF-4DB8-9C6B-D6C7DFDC589F}" vid="{4A3C46E8-61CC-4603-A589-7422A47A8E4A}"/>
+      <thm15:themeFamily xmlns:thm15="http://schemas.microsoft.com/office/thememl/2012/main" name="Office Theme" id="{62F939B6-93AF-4DB8-9C6B-D6C7DFDC589F}" vid="{4A3C46E8-61CC-4603-A589-7422A47A8E4A}"/>
     </a:ext>
   </a:extLst>
 </a:theme>
@@ -13976,7 +14936,7 @@
   <a:extraClrSchemeLst/>
   <a:extLst>
     <a:ext uri="{05A4C25C-085E-4340-85A3-A5531E510DB2}">
-      <thm15:themeFamily xmlns:thm15="http://schemas.microsoft.com/office/thememl/2012/main" xmlns="" name="Office Theme" id="{62F939B6-93AF-4DB8-9C6B-D6C7DFDC589F}" vid="{4A3C46E8-61CC-4603-A589-7422A47A8E4A}"/>
+      <thm15:themeFamily xmlns:thm15="http://schemas.microsoft.com/office/thememl/2012/main" name="Office Theme" id="{62F939B6-93AF-4DB8-9C6B-D6C7DFDC589F}" vid="{4A3C46E8-61CC-4603-A589-7422A47A8E4A}"/>
     </a:ext>
   </a:extLst>
 </a:theme>

--- a/design/2016/models/2_analysis_model.pptx
+++ b/design/2016/models/2_analysis_model.pptx
@@ -4550,18 +4550,7 @@
                 <a:ea typeface="メイリオ" panose="020B0604030504040204" pitchFamily="50" charset="-128"/>
                 <a:cs typeface="メイリオ" panose="020B0604030504040204" pitchFamily="50" charset="-128"/>
               </a:rPr>
-              <a:t> 経路</a:t>
-            </a:r>
-            <a:r>
-              <a:rPr kumimoji="1" lang="ja-JP" altLang="en-US" sz="1400" b="1" dirty="0" smtClean="0">
-                <a:solidFill>
-                  <a:schemeClr val="bg1"/>
-                </a:solidFill>
-                <a:latin typeface="メイリオ" panose="020B0604030504040204" pitchFamily="50" charset="-128"/>
-                <a:ea typeface="メイリオ" panose="020B0604030504040204" pitchFamily="50" charset="-128"/>
-                <a:cs typeface="メイリオ" panose="020B0604030504040204" pitchFamily="50" charset="-128"/>
-              </a:rPr>
-              <a:t>の選択基準</a:t>
+              <a:t> 経路の選択基準</a:t>
             </a:r>
             <a:endParaRPr kumimoji="1" lang="ja-JP" altLang="en-US" sz="1400" b="1" dirty="0">
               <a:solidFill>
@@ -4706,23 +4695,7 @@
                 <a:ea typeface="メイリオ" panose="020B0604030504040204" pitchFamily="50" charset="-128"/>
                 <a:cs typeface="メイリオ" panose="020B0604030504040204" pitchFamily="50" charset="-128"/>
               </a:rPr>
-              <a:t>４ｘ４マスの格子であるゲームエリアを、格子点間の中点で分割し</a:t>
-            </a:r>
-            <a:r>
-              <a:rPr kumimoji="1" lang="ja-JP" altLang="en-US" sz="1200" dirty="0" smtClean="0">
-                <a:latin typeface="メイリオ" panose="020B0604030504040204" pitchFamily="50" charset="-128"/>
-                <a:ea typeface="メイリオ" panose="020B0604030504040204" pitchFamily="50" charset="-128"/>
-                <a:cs typeface="メイリオ" panose="020B0604030504040204" pitchFamily="50" charset="-128"/>
-              </a:rPr>
-              <a:t>、下図</a:t>
-            </a:r>
-            <a:r>
-              <a:rPr kumimoji="1" lang="ja-JP" altLang="en-US" sz="1200" dirty="0" smtClean="0">
-                <a:latin typeface="メイリオ" panose="020B0604030504040204" pitchFamily="50" charset="-128"/>
-                <a:ea typeface="メイリオ" panose="020B0604030504040204" pitchFamily="50" charset="-128"/>
-                <a:cs typeface="メイリオ" panose="020B0604030504040204" pitchFamily="50" charset="-128"/>
-              </a:rPr>
-              <a:t>のような座標系で表現した</a:t>
+              <a:t>４ｘ４マスの格子であるゲームエリアを、格子点間の中点で分割し、下図のような座標系で表現した</a:t>
             </a:r>
             <a:r>
               <a:rPr kumimoji="1" lang="ja-JP" altLang="en-US" sz="1200" b="1" dirty="0" smtClean="0">
@@ -4784,7 +4757,15 @@
                 <a:ea typeface="メイリオ" panose="020B0604030504040204" pitchFamily="50" charset="-128"/>
                 <a:cs typeface="メイリオ" panose="020B0604030504040204" pitchFamily="50" charset="-128"/>
               </a:rPr>
-              <a:t>として</a:t>
+              <a:t>として表現す</a:t>
+            </a:r>
+            <a:r>
+              <a:rPr lang="ja-JP" altLang="en-US" sz="1200" dirty="0">
+                <a:latin typeface="メイリオ" panose="020B0604030504040204" pitchFamily="50" charset="-128"/>
+                <a:ea typeface="メイリオ" panose="020B0604030504040204" pitchFamily="50" charset="-128"/>
+                <a:cs typeface="メイリオ" panose="020B0604030504040204" pitchFamily="50" charset="-128"/>
+              </a:rPr>
+              <a:t>る</a:t>
             </a:r>
             <a:r>
               <a:rPr lang="ja-JP" altLang="en-US" sz="1200" dirty="0" smtClean="0">
@@ -4792,7 +4773,15 @@
                 <a:ea typeface="メイリオ" panose="020B0604030504040204" pitchFamily="50" charset="-128"/>
                 <a:cs typeface="メイリオ" panose="020B0604030504040204" pitchFamily="50" charset="-128"/>
               </a:rPr>
-              <a:t>表現</a:t>
+              <a:t>。走行体の振る舞い</a:t>
+            </a:r>
+            <a:r>
+              <a:rPr lang="ja-JP" altLang="en-US" sz="1200" dirty="0">
+                <a:latin typeface="メイリオ" panose="020B0604030504040204" pitchFamily="50" charset="-128"/>
+                <a:ea typeface="メイリオ" panose="020B0604030504040204" pitchFamily="50" charset="-128"/>
+                <a:cs typeface="メイリオ" panose="020B0604030504040204" pitchFamily="50" charset="-128"/>
+              </a:rPr>
+              <a:t>を</a:t>
             </a:r>
             <a:r>
               <a:rPr lang="ja-JP" altLang="en-US" sz="1200" dirty="0" smtClean="0">
@@ -4800,7 +4789,7 @@
                 <a:ea typeface="メイリオ" panose="020B0604030504040204" pitchFamily="50" charset="-128"/>
                 <a:cs typeface="メイリオ" panose="020B0604030504040204" pitchFamily="50" charset="-128"/>
               </a:rPr>
-              <a:t>す</a:t>
+              <a:t>抽象マップ上で検討</a:t>
             </a:r>
             <a:r>
               <a:rPr lang="ja-JP" altLang="en-US" sz="1200" dirty="0">
@@ -4808,7 +4797,7 @@
                 <a:ea typeface="メイリオ" panose="020B0604030504040204" pitchFamily="50" charset="-128"/>
                 <a:cs typeface="メイリオ" panose="020B0604030504040204" pitchFamily="50" charset="-128"/>
               </a:rPr>
-              <a:t>る</a:t>
+              <a:t>し</a:t>
             </a:r>
             <a:r>
               <a:rPr lang="ja-JP" altLang="en-US" sz="1200" dirty="0" smtClean="0">
@@ -4816,87 +4805,7 @@
                 <a:ea typeface="メイリオ" panose="020B0604030504040204" pitchFamily="50" charset="-128"/>
                 <a:cs typeface="メイリオ" panose="020B0604030504040204" pitchFamily="50" charset="-128"/>
               </a:rPr>
-              <a:t>。</a:t>
-            </a:r>
-            <a:r>
-              <a:rPr lang="ja-JP" altLang="en-US" sz="1200" dirty="0" smtClean="0">
-                <a:latin typeface="メイリオ" panose="020B0604030504040204" pitchFamily="50" charset="-128"/>
-                <a:ea typeface="メイリオ" panose="020B0604030504040204" pitchFamily="50" charset="-128"/>
-                <a:cs typeface="メイリオ" panose="020B0604030504040204" pitchFamily="50" charset="-128"/>
-              </a:rPr>
-              <a:t>走行体の</a:t>
-            </a:r>
-            <a:r>
-              <a:rPr lang="ja-JP" altLang="en-US" sz="1200" dirty="0" smtClean="0">
-                <a:latin typeface="メイリオ" panose="020B0604030504040204" pitchFamily="50" charset="-128"/>
-                <a:ea typeface="メイリオ" panose="020B0604030504040204" pitchFamily="50" charset="-128"/>
-                <a:cs typeface="メイリオ" panose="020B0604030504040204" pitchFamily="50" charset="-128"/>
-              </a:rPr>
-              <a:t>振る舞い</a:t>
-            </a:r>
-            <a:r>
-              <a:rPr lang="ja-JP" altLang="en-US" sz="1200" dirty="0">
-                <a:latin typeface="メイリオ" panose="020B0604030504040204" pitchFamily="50" charset="-128"/>
-                <a:ea typeface="メイリオ" panose="020B0604030504040204" pitchFamily="50" charset="-128"/>
-                <a:cs typeface="メイリオ" panose="020B0604030504040204" pitchFamily="50" charset="-128"/>
-              </a:rPr>
-              <a:t>を</a:t>
-            </a:r>
-            <a:r>
-              <a:rPr lang="ja-JP" altLang="en-US" sz="1200" dirty="0" smtClean="0">
-                <a:latin typeface="メイリオ" panose="020B0604030504040204" pitchFamily="50" charset="-128"/>
-                <a:ea typeface="メイリオ" panose="020B0604030504040204" pitchFamily="50" charset="-128"/>
-                <a:cs typeface="メイリオ" panose="020B0604030504040204" pitchFamily="50" charset="-128"/>
-              </a:rPr>
-              <a:t>抽象</a:t>
-            </a:r>
-            <a:r>
-              <a:rPr lang="ja-JP" altLang="en-US" sz="1200" dirty="0" smtClean="0">
-                <a:latin typeface="メイリオ" panose="020B0604030504040204" pitchFamily="50" charset="-128"/>
-                <a:ea typeface="メイリオ" panose="020B0604030504040204" pitchFamily="50" charset="-128"/>
-                <a:cs typeface="メイリオ" panose="020B0604030504040204" pitchFamily="50" charset="-128"/>
-              </a:rPr>
-              <a:t>マップ上で</a:t>
-            </a:r>
-            <a:r>
-              <a:rPr lang="ja-JP" altLang="en-US" sz="1200" dirty="0" smtClean="0">
-                <a:latin typeface="メイリオ" panose="020B0604030504040204" pitchFamily="50" charset="-128"/>
-                <a:ea typeface="メイリオ" panose="020B0604030504040204" pitchFamily="50" charset="-128"/>
-                <a:cs typeface="メイリオ" panose="020B0604030504040204" pitchFamily="50" charset="-128"/>
-              </a:rPr>
-              <a:t>検討</a:t>
-            </a:r>
-            <a:r>
-              <a:rPr lang="ja-JP" altLang="en-US" sz="1200" dirty="0">
-                <a:latin typeface="メイリオ" panose="020B0604030504040204" pitchFamily="50" charset="-128"/>
-                <a:ea typeface="メイリオ" panose="020B0604030504040204" pitchFamily="50" charset="-128"/>
-                <a:cs typeface="メイリオ" panose="020B0604030504040204" pitchFamily="50" charset="-128"/>
-              </a:rPr>
-              <a:t>し</a:t>
-            </a:r>
-            <a:r>
-              <a:rPr lang="ja-JP" altLang="en-US" sz="1200" dirty="0" smtClean="0">
-                <a:latin typeface="メイリオ" panose="020B0604030504040204" pitchFamily="50" charset="-128"/>
-                <a:ea typeface="メイリオ" panose="020B0604030504040204" pitchFamily="50" charset="-128"/>
-                <a:cs typeface="メイリオ" panose="020B0604030504040204" pitchFamily="50" charset="-128"/>
-              </a:rPr>
-              <a:t>、</a:t>
-            </a:r>
-            <a:r>
-              <a:rPr lang="ja-JP" altLang="en-US" sz="1200" dirty="0" smtClean="0">
-                <a:latin typeface="メイリオ" panose="020B0604030504040204" pitchFamily="50" charset="-128"/>
-                <a:ea typeface="メイリオ" panose="020B0604030504040204" pitchFamily="50" charset="-128"/>
-                <a:cs typeface="メイリオ" panose="020B0604030504040204" pitchFamily="50" charset="-128"/>
-              </a:rPr>
-              <a:t>実際の動作</a:t>
-            </a:r>
-            <a:r>
-              <a:rPr lang="ja-JP" altLang="en-US" sz="1200" dirty="0" smtClean="0">
-                <a:latin typeface="メイリオ" panose="020B0604030504040204" pitchFamily="50" charset="-128"/>
-                <a:ea typeface="メイリオ" panose="020B0604030504040204" pitchFamily="50" charset="-128"/>
-                <a:cs typeface="メイリオ" panose="020B0604030504040204" pitchFamily="50" charset="-128"/>
-              </a:rPr>
-              <a:t>へ変換する。</a:t>
+              <a:t>、実際の動作へ変換する。</a:t>
             </a:r>
             <a:endParaRPr lang="en-US" altLang="ja-JP" sz="1200" dirty="0" smtClean="0">
               <a:latin typeface="メイリオ" panose="020B0604030504040204" pitchFamily="50" charset="-128"/>
@@ -4996,29 +4905,7 @@
                 <a:ea typeface="メイリオ" panose="020B0604030504040204" pitchFamily="50" charset="-128"/>
                 <a:cs typeface="メイリオ" panose="020B0604030504040204" pitchFamily="50" charset="-128"/>
               </a:rPr>
-              <a:t> </a:t>
-            </a:r>
-            <a:r>
-              <a:rPr kumimoji="1" lang="ja-JP" altLang="en-US" sz="1400" b="1" dirty="0" smtClean="0">
-                <a:solidFill>
-                  <a:schemeClr val="bg1"/>
-                </a:solidFill>
-                <a:latin typeface="メイリオ" panose="020B0604030504040204" pitchFamily="50" charset="-128"/>
-                <a:ea typeface="メイリオ" panose="020B0604030504040204" pitchFamily="50" charset="-128"/>
-                <a:cs typeface="メイリオ" panose="020B0604030504040204" pitchFamily="50" charset="-128"/>
-              </a:rPr>
-              <a:t>ブロックの</a:t>
-            </a:r>
-            <a:r>
-              <a:rPr kumimoji="1" lang="ja-JP" altLang="en-US" sz="1400" b="1" dirty="0" smtClean="0">
-                <a:solidFill>
-                  <a:schemeClr val="bg1"/>
-                </a:solidFill>
-                <a:latin typeface="メイリオ" panose="020B0604030504040204" pitchFamily="50" charset="-128"/>
-                <a:ea typeface="メイリオ" panose="020B0604030504040204" pitchFamily="50" charset="-128"/>
-                <a:cs typeface="メイリオ" panose="020B0604030504040204" pitchFamily="50" charset="-128"/>
-              </a:rPr>
-              <a:t>色の管理</a:t>
+              <a:t> ブロックの色の管理</a:t>
             </a:r>
             <a:endParaRPr kumimoji="1" lang="ja-JP" altLang="en-US" sz="1400" b="1" dirty="0">
               <a:solidFill>
@@ -5121,18 +5008,7 @@
                 <a:ea typeface="メイリオ" panose="020B0604030504040204" pitchFamily="50" charset="-128"/>
                 <a:cs typeface="メイリオ" panose="020B0604030504040204" pitchFamily="50" charset="-128"/>
               </a:rPr>
-              <a:t> </a:t>
-            </a:r>
-            <a:r>
-              <a:rPr kumimoji="1" lang="ja-JP" altLang="en-US" sz="1400" b="1" dirty="0" smtClean="0">
-                <a:solidFill>
-                  <a:schemeClr val="bg1"/>
-                </a:solidFill>
-                <a:latin typeface="メイリオ" panose="020B0604030504040204" pitchFamily="50" charset="-128"/>
-                <a:ea typeface="メイリオ" panose="020B0604030504040204" pitchFamily="50" charset="-128"/>
-                <a:cs typeface="メイリオ" panose="020B0604030504040204" pitchFamily="50" charset="-128"/>
-              </a:rPr>
-              <a:t>抽象</a:t>
+              <a:t> 抽象</a:t>
             </a:r>
             <a:r>
               <a:rPr lang="ja-JP" altLang="en-US" sz="1400" b="1" dirty="0" smtClean="0">
@@ -5220,7 +5096,15 @@
                 <a:ea typeface="メイリオ" panose="020B0604030504040204" pitchFamily="50" charset="-128"/>
                 <a:cs typeface="メイリオ" panose="020B0604030504040204" pitchFamily="50" charset="-128"/>
               </a:rPr>
-              <a:t>停止中は、</a:t>
+              <a:t>停止中は、常にサークルとサークルの中間</a:t>
+            </a:r>
+            <a:r>
+              <a:rPr lang="en-US" altLang="ja-JP" sz="1200" dirty="0" smtClean="0">
+                <a:latin typeface="メイリオ" panose="020B0604030504040204" pitchFamily="50" charset="-128"/>
+                <a:ea typeface="メイリオ" panose="020B0604030504040204" pitchFamily="50" charset="-128"/>
+                <a:cs typeface="メイリオ" panose="020B0604030504040204" pitchFamily="50" charset="-128"/>
+              </a:rPr>
+              <a:t>(</a:t>
             </a:r>
             <a:r>
               <a:rPr lang="ja-JP" altLang="en-US" sz="1200" dirty="0" smtClean="0">
@@ -5228,31 +5112,7 @@
                 <a:ea typeface="メイリオ" panose="020B0604030504040204" pitchFamily="50" charset="-128"/>
                 <a:cs typeface="メイリオ" panose="020B0604030504040204" pitchFamily="50" charset="-128"/>
               </a:rPr>
-              <a:t>常にサークルとサークルの中間</a:t>
-            </a:r>
-            <a:r>
-              <a:rPr lang="en-US" altLang="ja-JP" sz="1200" dirty="0" smtClean="0">
-                <a:latin typeface="メイリオ" panose="020B0604030504040204" pitchFamily="50" charset="-128"/>
-                <a:ea typeface="メイリオ" panose="020B0604030504040204" pitchFamily="50" charset="-128"/>
-                <a:cs typeface="メイリオ" panose="020B0604030504040204" pitchFamily="50" charset="-128"/>
-              </a:rPr>
-              <a:t>(</a:t>
-            </a:r>
-            <a:r>
-              <a:rPr lang="ja-JP" altLang="en-US" sz="1200" dirty="0" smtClean="0">
-                <a:latin typeface="メイリオ" panose="020B0604030504040204" pitchFamily="50" charset="-128"/>
-                <a:ea typeface="メイリオ" panose="020B0604030504040204" pitchFamily="50" charset="-128"/>
-                <a:cs typeface="メイリオ" panose="020B0604030504040204" pitchFamily="50" charset="-128"/>
-              </a:rPr>
-              <a:t>以降</a:t>
-            </a:r>
-            <a:r>
-              <a:rPr lang="ja-JP" altLang="en-US" sz="1200" dirty="0" smtClean="0">
-                <a:latin typeface="メイリオ" panose="020B0604030504040204" pitchFamily="50" charset="-128"/>
-                <a:ea typeface="メイリオ" panose="020B0604030504040204" pitchFamily="50" charset="-128"/>
-                <a:cs typeface="メイリオ" panose="020B0604030504040204" pitchFamily="50" charset="-128"/>
-              </a:rPr>
-              <a:t>、</a:t>
+              <a:t>以降、</a:t>
             </a:r>
             <a:r>
               <a:rPr lang="ja-JP" altLang="en-US" sz="1200" b="1" dirty="0" smtClean="0">
@@ -5279,15 +5139,7 @@
                 <a:ea typeface="メイリオ" panose="020B0604030504040204" pitchFamily="50" charset="-128"/>
                 <a:cs typeface="メイリオ" panose="020B0604030504040204" pitchFamily="50" charset="-128"/>
               </a:rPr>
-              <a:t>に</a:t>
-            </a:r>
-            <a:r>
-              <a:rPr lang="ja-JP" altLang="en-US" sz="1200" dirty="0" smtClean="0">
-                <a:latin typeface="メイリオ" panose="020B0604030504040204" pitchFamily="50" charset="-128"/>
-                <a:ea typeface="メイリオ" panose="020B0604030504040204" pitchFamily="50" charset="-128"/>
-                <a:cs typeface="メイリオ" panose="020B0604030504040204" pitchFamily="50" charset="-128"/>
-              </a:rPr>
-              <a:t>存在する。</a:t>
+              <a:t>に存在する。</a:t>
             </a:r>
             <a:endParaRPr lang="en-US" altLang="ja-JP" sz="1200" dirty="0" smtClean="0">
               <a:latin typeface="メイリオ" panose="020B0604030504040204" pitchFamily="50" charset="-128"/>
@@ -5397,23 +5249,7 @@
                 <a:ea typeface="メイリオ" panose="020B0604030504040204" pitchFamily="50" charset="-128"/>
                 <a:cs typeface="メイリオ" panose="020B0604030504040204" pitchFamily="50" charset="-128"/>
               </a:rPr>
-              <a:t>把持して</a:t>
-            </a:r>
-            <a:r>
-              <a:rPr lang="ja-JP" altLang="en-US" sz="1200" b="1" dirty="0" smtClean="0">
-                <a:latin typeface="メイリオ" panose="020B0604030504040204" pitchFamily="50" charset="-128"/>
-                <a:ea typeface="メイリオ" panose="020B0604030504040204" pitchFamily="50" charset="-128"/>
-                <a:cs typeface="メイリオ" panose="020B0604030504040204" pitchFamily="50" charset="-128"/>
-              </a:rPr>
-              <a:t>おらず、かつ停止中</a:t>
-            </a:r>
-            <a:r>
-              <a:rPr lang="ja-JP" altLang="en-US" sz="1200" b="1" dirty="0" smtClean="0">
-                <a:latin typeface="メイリオ" panose="020B0604030504040204" pitchFamily="50" charset="-128"/>
-                <a:ea typeface="メイリオ" panose="020B0604030504040204" pitchFamily="50" charset="-128"/>
-                <a:cs typeface="メイリオ" panose="020B0604030504040204" pitchFamily="50" charset="-128"/>
-              </a:rPr>
-              <a:t>のみ</a:t>
+              <a:t>把持しておらず、かつ停止中のみ</a:t>
             </a:r>
             <a:r>
               <a:rPr lang="ja-JP" altLang="en-US" sz="1200" dirty="0" smtClean="0">
@@ -5532,7 +5368,15 @@
                 <a:ea typeface="メイリオ" panose="020B0604030504040204" pitchFamily="50" charset="-128"/>
                 <a:cs typeface="メイリオ" panose="020B0604030504040204" pitchFamily="50" charset="-128"/>
               </a:rPr>
-              <a:t>変える</a:t>
+              <a:t>変えることができる</a:t>
+            </a:r>
+            <a:r>
+              <a:rPr lang="en-US" altLang="ja-JP" sz="1200" dirty="0" smtClean="0">
+                <a:latin typeface="メイリオ" panose="020B0604030504040204" pitchFamily="50" charset="-128"/>
+                <a:ea typeface="メイリオ" panose="020B0604030504040204" pitchFamily="50" charset="-128"/>
+                <a:cs typeface="メイリオ" panose="020B0604030504040204" pitchFamily="50" charset="-128"/>
+              </a:rPr>
+              <a:t>(</a:t>
             </a:r>
             <a:r>
               <a:rPr lang="ja-JP" altLang="en-US" sz="1200" dirty="0" smtClean="0">
@@ -5540,47 +5384,7 @@
                 <a:ea typeface="メイリオ" panose="020B0604030504040204" pitchFamily="50" charset="-128"/>
                 <a:cs typeface="メイリオ" panose="020B0604030504040204" pitchFamily="50" charset="-128"/>
               </a:rPr>
-              <a:t>ことが</a:t>
-            </a:r>
-            <a:r>
-              <a:rPr lang="ja-JP" altLang="en-US" sz="1200" dirty="0" smtClean="0">
-                <a:latin typeface="メイリオ" panose="020B0604030504040204" pitchFamily="50" charset="-128"/>
-                <a:ea typeface="メイリオ" panose="020B0604030504040204" pitchFamily="50" charset="-128"/>
-                <a:cs typeface="メイリオ" panose="020B0604030504040204" pitchFamily="50" charset="-128"/>
-              </a:rPr>
-              <a:t>できる</a:t>
-            </a:r>
-            <a:r>
-              <a:rPr lang="en-US" altLang="ja-JP" sz="1200" dirty="0" smtClean="0">
-                <a:latin typeface="メイリオ" panose="020B0604030504040204" pitchFamily="50" charset="-128"/>
-                <a:ea typeface="メイリオ" panose="020B0604030504040204" pitchFamily="50" charset="-128"/>
-                <a:cs typeface="メイリオ" panose="020B0604030504040204" pitchFamily="50" charset="-128"/>
-              </a:rPr>
-              <a:t>(</a:t>
-            </a:r>
-            <a:r>
-              <a:rPr lang="ja-JP" altLang="en-US" sz="1200" dirty="0" smtClean="0">
-                <a:latin typeface="メイリオ" panose="020B0604030504040204" pitchFamily="50" charset="-128"/>
-                <a:ea typeface="メイリオ" panose="020B0604030504040204" pitchFamily="50" charset="-128"/>
-                <a:cs typeface="メイリオ" panose="020B0604030504040204" pitchFamily="50" charset="-128"/>
-              </a:rPr>
-              <a:t>左図</a:t>
-            </a:r>
-            <a:r>
-              <a:rPr lang="ja-JP" altLang="en-US" sz="1200" dirty="0" smtClean="0">
-                <a:latin typeface="メイリオ" panose="020B0604030504040204" pitchFamily="50" charset="-128"/>
-                <a:ea typeface="メイリオ" panose="020B0604030504040204" pitchFamily="50" charset="-128"/>
-                <a:cs typeface="メイリオ" panose="020B0604030504040204" pitchFamily="50" charset="-128"/>
-              </a:rPr>
-              <a:t>に</a:t>
-            </a:r>
-            <a:r>
-              <a:rPr lang="ja-JP" altLang="en-US" sz="1200" dirty="0" smtClean="0">
-                <a:latin typeface="メイリオ" panose="020B0604030504040204" pitchFamily="50" charset="-128"/>
-                <a:ea typeface="メイリオ" panose="020B0604030504040204" pitchFamily="50" charset="-128"/>
-                <a:cs typeface="メイリオ" panose="020B0604030504040204" pitchFamily="50" charset="-128"/>
-              </a:rPr>
-              <a:t>例示</a:t>
+              <a:t>左図に例示</a:t>
             </a:r>
             <a:r>
               <a:rPr lang="en-US" altLang="ja-JP" sz="1200" dirty="0" smtClean="0">
@@ -5683,7 +5487,15 @@
                 <a:ea typeface="メイリオ" panose="020B0604030504040204" pitchFamily="50" charset="-128"/>
                 <a:cs typeface="メイリオ" panose="020B0604030504040204" pitchFamily="50" charset="-128"/>
               </a:rPr>
-              <a:t>  始点から終点への経路の探索範囲</a:t>
+              <a:t>  始点から終点への経路の探索範囲は、</a:t>
+            </a:r>
+            <a:r>
+              <a:rPr lang="en-US" altLang="ja-JP" sz="1200" dirty="0" smtClean="0">
+                <a:latin typeface="メイリオ" panose="020B0604030504040204" pitchFamily="50" charset="-128"/>
+                <a:ea typeface="メイリオ" panose="020B0604030504040204" pitchFamily="50" charset="-128"/>
+                <a:cs typeface="メイリオ" panose="020B0604030504040204" pitchFamily="50" charset="-128"/>
+              </a:rPr>
+              <a:t>『</a:t>
             </a:r>
             <a:r>
               <a:rPr lang="ja-JP" altLang="en-US" sz="1200" dirty="0" smtClean="0">
@@ -5691,7 +5503,7 @@
                 <a:ea typeface="メイリオ" panose="020B0604030504040204" pitchFamily="50" charset="-128"/>
                 <a:cs typeface="メイリオ" panose="020B0604030504040204" pitchFamily="50" charset="-128"/>
               </a:rPr>
-              <a:t>は、</a:t>
+              <a:t>始点</a:t>
             </a:r>
             <a:r>
               <a:rPr lang="en-US" altLang="ja-JP" sz="1200" dirty="0" smtClean="0">
@@ -5699,6 +5511,22 @@
                 <a:ea typeface="メイリオ" panose="020B0604030504040204" pitchFamily="50" charset="-128"/>
                 <a:cs typeface="メイリオ" panose="020B0604030504040204" pitchFamily="50" charset="-128"/>
               </a:rPr>
+              <a:t>』</a:t>
+            </a:r>
+            <a:r>
+              <a:rPr lang="ja-JP" altLang="en-US" sz="1200" dirty="0" smtClean="0">
+                <a:latin typeface="メイリオ" panose="020B0604030504040204" pitchFamily="50" charset="-128"/>
+                <a:ea typeface="メイリオ" panose="020B0604030504040204" pitchFamily="50" charset="-128"/>
+                <a:cs typeface="メイリオ" panose="020B0604030504040204" pitchFamily="50" charset="-128"/>
+              </a:rPr>
+              <a:t>と</a:t>
+            </a:r>
+            <a:r>
+              <a:rPr lang="en-US" altLang="ja-JP" sz="1200" dirty="0" smtClean="0">
+                <a:latin typeface="メイリオ" panose="020B0604030504040204" pitchFamily="50" charset="-128"/>
+                <a:ea typeface="メイリオ" panose="020B0604030504040204" pitchFamily="50" charset="-128"/>
+                <a:cs typeface="メイリオ" panose="020B0604030504040204" pitchFamily="50" charset="-128"/>
+              </a:rPr>
               <a:t>『</a:t>
             </a:r>
             <a:r>
@@ -5707,7 +5535,7 @@
                 <a:ea typeface="メイリオ" panose="020B0604030504040204" pitchFamily="50" charset="-128"/>
                 <a:cs typeface="メイリオ" panose="020B0604030504040204" pitchFamily="50" charset="-128"/>
               </a:rPr>
-              <a:t>始点</a:t>
+              <a:t>終点での走行体の向きと反対の隣接点</a:t>
             </a:r>
             <a:r>
               <a:rPr lang="en-US" altLang="ja-JP" sz="1200" dirty="0" smtClean="0">
@@ -5715,7 +5543,7 @@
                 <a:ea typeface="メイリオ" panose="020B0604030504040204" pitchFamily="50" charset="-128"/>
                 <a:cs typeface="メイリオ" panose="020B0604030504040204" pitchFamily="50" charset="-128"/>
               </a:rPr>
-              <a:t>』</a:t>
+              <a:t>(</a:t>
             </a:r>
             <a:r>
               <a:rPr lang="ja-JP" altLang="en-US" sz="1200" dirty="0" smtClean="0">
@@ -5723,79 +5551,7 @@
                 <a:ea typeface="メイリオ" panose="020B0604030504040204" pitchFamily="50" charset="-128"/>
                 <a:cs typeface="メイリオ" panose="020B0604030504040204" pitchFamily="50" charset="-128"/>
               </a:rPr>
-              <a:t>と</a:t>
-            </a:r>
-            <a:r>
-              <a:rPr lang="en-US" altLang="ja-JP" sz="1200" dirty="0" smtClean="0">
-                <a:latin typeface="メイリオ" panose="020B0604030504040204" pitchFamily="50" charset="-128"/>
-                <a:ea typeface="メイリオ" panose="020B0604030504040204" pitchFamily="50" charset="-128"/>
-                <a:cs typeface="メイリオ" panose="020B0604030504040204" pitchFamily="50" charset="-128"/>
-              </a:rPr>
-              <a:t>『</a:t>
-            </a:r>
-            <a:r>
-              <a:rPr lang="ja-JP" altLang="en-US" sz="1200" dirty="0" smtClean="0">
-                <a:latin typeface="メイリオ" panose="020B0604030504040204" pitchFamily="50" charset="-128"/>
-                <a:ea typeface="メイリオ" panose="020B0604030504040204" pitchFamily="50" charset="-128"/>
-                <a:cs typeface="メイリオ" panose="020B0604030504040204" pitchFamily="50" charset="-128"/>
-              </a:rPr>
-              <a:t>終点</a:t>
-            </a:r>
-            <a:r>
-              <a:rPr lang="ja-JP" altLang="en-US" sz="1200" dirty="0" smtClean="0">
-                <a:latin typeface="メイリオ" panose="020B0604030504040204" pitchFamily="50" charset="-128"/>
-                <a:ea typeface="メイリオ" panose="020B0604030504040204" pitchFamily="50" charset="-128"/>
-                <a:cs typeface="メイリオ" panose="020B0604030504040204" pitchFamily="50" charset="-128"/>
-              </a:rPr>
-              <a:t>での</a:t>
-            </a:r>
-            <a:r>
-              <a:rPr lang="ja-JP" altLang="en-US" sz="1200" dirty="0" smtClean="0">
-                <a:latin typeface="メイリオ" panose="020B0604030504040204" pitchFamily="50" charset="-128"/>
-                <a:ea typeface="メイリオ" panose="020B0604030504040204" pitchFamily="50" charset="-128"/>
-                <a:cs typeface="メイリオ" panose="020B0604030504040204" pitchFamily="50" charset="-128"/>
-              </a:rPr>
-              <a:t>走行体の向きと反対の</a:t>
-            </a:r>
-            <a:r>
-              <a:rPr lang="ja-JP" altLang="en-US" sz="1200" dirty="0" smtClean="0">
-                <a:latin typeface="メイリオ" panose="020B0604030504040204" pitchFamily="50" charset="-128"/>
-                <a:ea typeface="メイリオ" panose="020B0604030504040204" pitchFamily="50" charset="-128"/>
-                <a:cs typeface="メイリオ" panose="020B0604030504040204" pitchFamily="50" charset="-128"/>
-              </a:rPr>
-              <a:t>隣</a:t>
-            </a:r>
-            <a:r>
-              <a:rPr lang="ja-JP" altLang="en-US" sz="1200" dirty="0" smtClean="0">
-                <a:latin typeface="メイリオ" panose="020B0604030504040204" pitchFamily="50" charset="-128"/>
-                <a:ea typeface="メイリオ" panose="020B0604030504040204" pitchFamily="50" charset="-128"/>
-                <a:cs typeface="メイリオ" panose="020B0604030504040204" pitchFamily="50" charset="-128"/>
-              </a:rPr>
-              <a:t>接点</a:t>
-            </a:r>
-            <a:r>
-              <a:rPr lang="en-US" altLang="ja-JP" sz="1200" dirty="0" smtClean="0">
-                <a:latin typeface="メイリオ" panose="020B0604030504040204" pitchFamily="50" charset="-128"/>
-                <a:ea typeface="メイリオ" panose="020B0604030504040204" pitchFamily="50" charset="-128"/>
-                <a:cs typeface="メイリオ" panose="020B0604030504040204" pitchFamily="50" charset="-128"/>
-              </a:rPr>
-              <a:t>(</a:t>
-            </a:r>
-            <a:r>
-              <a:rPr lang="ja-JP" altLang="en-US" sz="1200" dirty="0" smtClean="0">
-                <a:latin typeface="メイリオ" panose="020B0604030504040204" pitchFamily="50" charset="-128"/>
-                <a:ea typeface="メイリオ" panose="020B0604030504040204" pitchFamily="50" charset="-128"/>
-                <a:cs typeface="メイリオ" panose="020B0604030504040204" pitchFamily="50" charset="-128"/>
-              </a:rPr>
-              <a:t>右図</a:t>
-            </a:r>
-            <a:r>
-              <a:rPr lang="ja-JP" altLang="en-US" sz="1200" dirty="0" smtClean="0">
-                <a:latin typeface="メイリオ" panose="020B0604030504040204" pitchFamily="50" charset="-128"/>
-                <a:ea typeface="メイリオ" panose="020B0604030504040204" pitchFamily="50" charset="-128"/>
-                <a:cs typeface="メイリオ" panose="020B0604030504040204" pitchFamily="50" charset="-128"/>
-              </a:rPr>
-              <a:t>の</a:t>
+              <a:t>右図の</a:t>
             </a:r>
             <a:r>
               <a:rPr lang="ja-JP" altLang="en-US" sz="1200" dirty="0" smtClean="0">
@@ -5833,7 +5589,39 @@
                 <a:ea typeface="メイリオ" panose="020B0604030504040204" pitchFamily="50" charset="-128"/>
                 <a:cs typeface="メイリオ" panose="020B0604030504040204" pitchFamily="50" charset="-128"/>
               </a:rPr>
-              <a:t>を</a:t>
+              <a:t>を中心とする</a:t>
+            </a:r>
+            <a:r>
+              <a:rPr lang="ja-JP" altLang="en-US" sz="1200" b="1" dirty="0" smtClean="0">
+                <a:latin typeface="メイリオ" panose="020B0604030504040204" pitchFamily="50" charset="-128"/>
+                <a:ea typeface="メイリオ" panose="020B0604030504040204" pitchFamily="50" charset="-128"/>
+                <a:cs typeface="メイリオ" panose="020B0604030504040204" pitchFamily="50" charset="-128"/>
+              </a:rPr>
+              <a:t>最大</a:t>
+            </a:r>
+            <a:r>
+              <a:rPr lang="en-US" altLang="ja-JP" sz="1200" b="1" dirty="0" smtClean="0">
+                <a:latin typeface="メイリオ" panose="020B0604030504040204" pitchFamily="50" charset="-128"/>
+                <a:ea typeface="メイリオ" panose="020B0604030504040204" pitchFamily="50" charset="-128"/>
+                <a:cs typeface="メイリオ" panose="020B0604030504040204" pitchFamily="50" charset="-128"/>
+              </a:rPr>
+              <a:t>2x2</a:t>
+            </a:r>
+            <a:r>
+              <a:rPr lang="ja-JP" altLang="en-US" sz="1200" b="1" dirty="0" smtClean="0">
+                <a:latin typeface="メイリオ" panose="020B0604030504040204" pitchFamily="50" charset="-128"/>
+                <a:ea typeface="メイリオ" panose="020B0604030504040204" pitchFamily="50" charset="-128"/>
+                <a:cs typeface="メイリオ" panose="020B0604030504040204" pitchFamily="50" charset="-128"/>
+              </a:rPr>
+              <a:t>の矩形</a:t>
+            </a:r>
+            <a:r>
+              <a:rPr lang="en-US" altLang="ja-JP" sz="1200" dirty="0">
+                <a:latin typeface="メイリオ" panose="020B0604030504040204" pitchFamily="50" charset="-128"/>
+                <a:ea typeface="メイリオ" panose="020B0604030504040204" pitchFamily="50" charset="-128"/>
+                <a:cs typeface="メイリオ" panose="020B0604030504040204" pitchFamily="50" charset="-128"/>
+              </a:rPr>
+              <a:t>(</a:t>
             </a:r>
             <a:r>
               <a:rPr lang="ja-JP" altLang="en-US" sz="1200" dirty="0" smtClean="0">
@@ -5841,63 +5629,7 @@
                 <a:ea typeface="メイリオ" panose="020B0604030504040204" pitchFamily="50" charset="-128"/>
                 <a:cs typeface="メイリオ" panose="020B0604030504040204" pitchFamily="50" charset="-128"/>
               </a:rPr>
-              <a:t>中心とする</a:t>
-            </a:r>
-            <a:r>
-              <a:rPr lang="ja-JP" altLang="en-US" sz="1200" b="1" dirty="0" smtClean="0">
-                <a:latin typeface="メイリオ" panose="020B0604030504040204" pitchFamily="50" charset="-128"/>
-                <a:ea typeface="メイリオ" panose="020B0604030504040204" pitchFamily="50" charset="-128"/>
-                <a:cs typeface="メイリオ" panose="020B0604030504040204" pitchFamily="50" charset="-128"/>
-              </a:rPr>
-              <a:t>最大</a:t>
-            </a:r>
-            <a:r>
-              <a:rPr lang="en-US" altLang="ja-JP" sz="1200" b="1" dirty="0" smtClean="0">
-                <a:latin typeface="メイリオ" panose="020B0604030504040204" pitchFamily="50" charset="-128"/>
-                <a:ea typeface="メイリオ" panose="020B0604030504040204" pitchFamily="50" charset="-128"/>
-                <a:cs typeface="メイリオ" panose="020B0604030504040204" pitchFamily="50" charset="-128"/>
-              </a:rPr>
-              <a:t>2x2</a:t>
-            </a:r>
-            <a:r>
-              <a:rPr lang="ja-JP" altLang="en-US" sz="1200" b="1" dirty="0" smtClean="0">
-                <a:latin typeface="メイリオ" panose="020B0604030504040204" pitchFamily="50" charset="-128"/>
-                <a:ea typeface="メイリオ" panose="020B0604030504040204" pitchFamily="50" charset="-128"/>
-                <a:cs typeface="メイリオ" panose="020B0604030504040204" pitchFamily="50" charset="-128"/>
-              </a:rPr>
-              <a:t>の</a:t>
-            </a:r>
-            <a:r>
-              <a:rPr lang="ja-JP" altLang="en-US" sz="1200" b="1" dirty="0" smtClean="0">
-                <a:latin typeface="メイリオ" panose="020B0604030504040204" pitchFamily="50" charset="-128"/>
-                <a:ea typeface="メイリオ" panose="020B0604030504040204" pitchFamily="50" charset="-128"/>
-                <a:cs typeface="メイリオ" panose="020B0604030504040204" pitchFamily="50" charset="-128"/>
-              </a:rPr>
-              <a:t>矩形</a:t>
-            </a:r>
-            <a:r>
-              <a:rPr lang="en-US" altLang="ja-JP" sz="1200" dirty="0">
-                <a:latin typeface="メイリオ" panose="020B0604030504040204" pitchFamily="50" charset="-128"/>
-                <a:ea typeface="メイリオ" panose="020B0604030504040204" pitchFamily="50" charset="-128"/>
-                <a:cs typeface="メイリオ" panose="020B0604030504040204" pitchFamily="50" charset="-128"/>
-              </a:rPr>
-              <a:t>(</a:t>
-            </a:r>
-            <a:r>
-              <a:rPr lang="ja-JP" altLang="en-US" sz="1200" dirty="0" smtClean="0">
-                <a:latin typeface="メイリオ" panose="020B0604030504040204" pitchFamily="50" charset="-128"/>
-                <a:ea typeface="メイリオ" panose="020B0604030504040204" pitchFamily="50" charset="-128"/>
-                <a:cs typeface="メイリオ" panose="020B0604030504040204" pitchFamily="50" charset="-128"/>
-              </a:rPr>
-              <a:t>以降</a:t>
-            </a:r>
-            <a:r>
-              <a:rPr lang="ja-JP" altLang="en-US" sz="1200" dirty="0" smtClean="0">
-                <a:latin typeface="メイリオ" panose="020B0604030504040204" pitchFamily="50" charset="-128"/>
-                <a:ea typeface="メイリオ" panose="020B0604030504040204" pitchFamily="50" charset="-128"/>
-                <a:cs typeface="メイリオ" panose="020B0604030504040204" pitchFamily="50" charset="-128"/>
-              </a:rPr>
-              <a:t>、</a:t>
+              <a:t>以降、</a:t>
             </a:r>
             <a:r>
               <a:rPr lang="ja-JP" altLang="en-US" sz="1200" b="1" dirty="0" smtClean="0">
@@ -5908,7 +5640,117 @@
                 <a:ea typeface="メイリオ" panose="020B0604030504040204" pitchFamily="50" charset="-128"/>
                 <a:cs typeface="メイリオ" panose="020B0604030504040204" pitchFamily="50" charset="-128"/>
               </a:rPr>
-              <a:t>終点</a:t>
+              <a:t>終点近傍 </a:t>
+            </a:r>
+            <a:r>
+              <a:rPr lang="en-US" altLang="ja-JP" sz="1200" dirty="0" smtClean="0">
+                <a:latin typeface="メイリオ" panose="020B0604030504040204" pitchFamily="50" charset="-128"/>
+                <a:ea typeface="メイリオ" panose="020B0604030504040204" pitchFamily="50" charset="-128"/>
+                <a:cs typeface="メイリオ" panose="020B0604030504040204" pitchFamily="50" charset="-128"/>
+              </a:rPr>
+              <a:t>:</a:t>
+            </a:r>
+            <a:r>
+              <a:rPr lang="ja-JP" altLang="en-US" sz="1200" dirty="0" smtClean="0">
+                <a:latin typeface="メイリオ" panose="020B0604030504040204" pitchFamily="50" charset="-128"/>
+                <a:ea typeface="メイリオ" panose="020B0604030504040204" pitchFamily="50" charset="-128"/>
+                <a:cs typeface="メイリオ" panose="020B0604030504040204" pitchFamily="50" charset="-128"/>
+              </a:rPr>
+              <a:t> 右図の</a:t>
+            </a:r>
+            <a:r>
+              <a:rPr lang="ja-JP" altLang="en-US" sz="1200" dirty="0" smtClean="0">
+                <a:solidFill>
+                  <a:srgbClr val="FF0000"/>
+                </a:solidFill>
+                <a:latin typeface="メイリオ" panose="020B0604030504040204" pitchFamily="50" charset="-128"/>
+                <a:ea typeface="メイリオ" panose="020B0604030504040204" pitchFamily="50" charset="-128"/>
+                <a:cs typeface="メイリオ" panose="020B0604030504040204" pitchFamily="50" charset="-128"/>
+              </a:rPr>
+              <a:t>赤破線</a:t>
+            </a:r>
+            <a:r>
+              <a:rPr lang="en-US" altLang="ja-JP" sz="1200" dirty="0" smtClean="0">
+                <a:latin typeface="メイリオ" panose="020B0604030504040204" pitchFamily="50" charset="-128"/>
+                <a:ea typeface="メイリオ" panose="020B0604030504040204" pitchFamily="50" charset="-128"/>
+                <a:cs typeface="メイリオ" panose="020B0604030504040204" pitchFamily="50" charset="-128"/>
+              </a:rPr>
+              <a:t>)』</a:t>
+            </a:r>
+            <a:r>
+              <a:rPr lang="ja-JP" altLang="en-US" sz="1200" dirty="0" smtClean="0">
+                <a:latin typeface="メイリオ" panose="020B0604030504040204" pitchFamily="50" charset="-128"/>
+                <a:ea typeface="メイリオ" panose="020B0604030504040204" pitchFamily="50" charset="-128"/>
+                <a:cs typeface="メイリオ" panose="020B0604030504040204" pitchFamily="50" charset="-128"/>
+              </a:rPr>
+              <a:t>を含む矩形</a:t>
+            </a:r>
+            <a:r>
+              <a:rPr lang="en-US" altLang="ja-JP" sz="1200" dirty="0" smtClean="0">
+                <a:latin typeface="メイリオ" panose="020B0604030504040204" pitchFamily="50" charset="-128"/>
+                <a:ea typeface="メイリオ" panose="020B0604030504040204" pitchFamily="50" charset="-128"/>
+                <a:cs typeface="メイリオ" panose="020B0604030504040204" pitchFamily="50" charset="-128"/>
+              </a:rPr>
+              <a:t>(</a:t>
+            </a:r>
+            <a:r>
+              <a:rPr lang="ja-JP" altLang="en-US" sz="1200" dirty="0" smtClean="0">
+                <a:latin typeface="メイリオ" panose="020B0604030504040204" pitchFamily="50" charset="-128"/>
+                <a:ea typeface="メイリオ" panose="020B0604030504040204" pitchFamily="50" charset="-128"/>
+                <a:cs typeface="メイリオ" panose="020B0604030504040204" pitchFamily="50" charset="-128"/>
+              </a:rPr>
+              <a:t>右図の</a:t>
+            </a:r>
+            <a:r>
+              <a:rPr lang="ja-JP" altLang="en-US" sz="1200" dirty="0" smtClean="0">
+                <a:solidFill>
+                  <a:srgbClr val="0000FF"/>
+                </a:solidFill>
+                <a:latin typeface="メイリオ" panose="020B0604030504040204" pitchFamily="50" charset="-128"/>
+                <a:ea typeface="メイリオ" panose="020B0604030504040204" pitchFamily="50" charset="-128"/>
+                <a:cs typeface="メイリオ" panose="020B0604030504040204" pitchFamily="50" charset="-128"/>
+              </a:rPr>
+              <a:t>青破線</a:t>
+            </a:r>
+            <a:r>
+              <a:rPr lang="en-US" altLang="ja-JP" sz="1200" dirty="0">
+                <a:latin typeface="メイリオ" panose="020B0604030504040204" pitchFamily="50" charset="-128"/>
+                <a:ea typeface="メイリオ" panose="020B0604030504040204" pitchFamily="50" charset="-128"/>
+                <a:cs typeface="メイリオ" panose="020B0604030504040204" pitchFamily="50" charset="-128"/>
+              </a:rPr>
+              <a:t>)</a:t>
+            </a:r>
+            <a:r>
+              <a:rPr lang="ja-JP" altLang="en-US" sz="1200" dirty="0" smtClean="0">
+                <a:latin typeface="メイリオ" panose="020B0604030504040204" pitchFamily="50" charset="-128"/>
+                <a:ea typeface="メイリオ" panose="020B0604030504040204" pitchFamily="50" charset="-128"/>
+                <a:cs typeface="メイリオ" panose="020B0604030504040204" pitchFamily="50" charset="-128"/>
+              </a:rPr>
+              <a:t>とする。走行体は探索範囲中の格子点を経由するが</a:t>
+            </a:r>
+            <a:r>
+              <a:rPr lang="en-US" altLang="ja-JP" sz="1200" dirty="0">
+                <a:latin typeface="メイリオ" panose="020B0604030504040204" pitchFamily="50" charset="-128"/>
+                <a:ea typeface="メイリオ" panose="020B0604030504040204" pitchFamily="50" charset="-128"/>
+                <a:cs typeface="メイリオ" panose="020B0604030504040204" pitchFamily="50" charset="-128"/>
+              </a:rPr>
+              <a:t>(</a:t>
+            </a:r>
+            <a:r>
+              <a:rPr lang="ja-JP" altLang="en-US" sz="1200" dirty="0" smtClean="0">
+                <a:latin typeface="メイリオ" panose="020B0604030504040204" pitchFamily="50" charset="-128"/>
+                <a:ea typeface="メイリオ" panose="020B0604030504040204" pitchFamily="50" charset="-128"/>
+                <a:cs typeface="メイリオ" panose="020B0604030504040204" pitchFamily="50" charset="-128"/>
+              </a:rPr>
+              <a:t>以降</a:t>
+            </a:r>
+            <a:r>
+              <a:rPr lang="ja-JP" altLang="en-US" sz="1200" dirty="0">
+                <a:latin typeface="メイリオ" panose="020B0604030504040204" pitchFamily="50" charset="-128"/>
+                <a:ea typeface="メイリオ" panose="020B0604030504040204" pitchFamily="50" charset="-128"/>
+                <a:cs typeface="メイリオ" panose="020B0604030504040204" pitchFamily="50" charset="-128"/>
+              </a:rPr>
+              <a:t>、</a:t>
             </a:r>
             <a:r>
               <a:rPr lang="ja-JP" altLang="en-US" sz="1200" b="1" dirty="0" smtClean="0">
@@ -5919,205 +5761,6 @@
                 <a:ea typeface="メイリオ" panose="020B0604030504040204" pitchFamily="50" charset="-128"/>
                 <a:cs typeface="メイリオ" panose="020B0604030504040204" pitchFamily="50" charset="-128"/>
               </a:rPr>
-              <a:t>近傍 </a:t>
-            </a:r>
-            <a:r>
-              <a:rPr lang="en-US" altLang="ja-JP" sz="1200" dirty="0" smtClean="0">
-                <a:latin typeface="メイリオ" panose="020B0604030504040204" pitchFamily="50" charset="-128"/>
-                <a:ea typeface="メイリオ" panose="020B0604030504040204" pitchFamily="50" charset="-128"/>
-                <a:cs typeface="メイリオ" panose="020B0604030504040204" pitchFamily="50" charset="-128"/>
-              </a:rPr>
-              <a:t>:</a:t>
-            </a:r>
-            <a:r>
-              <a:rPr lang="ja-JP" altLang="en-US" sz="1200" dirty="0" smtClean="0">
-                <a:latin typeface="メイリオ" panose="020B0604030504040204" pitchFamily="50" charset="-128"/>
-                <a:ea typeface="メイリオ" panose="020B0604030504040204" pitchFamily="50" charset="-128"/>
-                <a:cs typeface="メイリオ" panose="020B0604030504040204" pitchFamily="50" charset="-128"/>
-              </a:rPr>
-              <a:t> </a:t>
-            </a:r>
-            <a:r>
-              <a:rPr lang="ja-JP" altLang="en-US" sz="1200" dirty="0" smtClean="0">
-                <a:latin typeface="メイリオ" panose="020B0604030504040204" pitchFamily="50" charset="-128"/>
-                <a:ea typeface="メイリオ" panose="020B0604030504040204" pitchFamily="50" charset="-128"/>
-                <a:cs typeface="メイリオ" panose="020B0604030504040204" pitchFamily="50" charset="-128"/>
-              </a:rPr>
-              <a:t>右図</a:t>
-            </a:r>
-            <a:r>
-              <a:rPr lang="ja-JP" altLang="en-US" sz="1200" dirty="0" smtClean="0">
-                <a:latin typeface="メイリオ" panose="020B0604030504040204" pitchFamily="50" charset="-128"/>
-                <a:ea typeface="メイリオ" panose="020B0604030504040204" pitchFamily="50" charset="-128"/>
-                <a:cs typeface="メイリオ" panose="020B0604030504040204" pitchFamily="50" charset="-128"/>
-              </a:rPr>
-              <a:t>の</a:t>
-            </a:r>
-            <a:r>
-              <a:rPr lang="ja-JP" altLang="en-US" sz="1200" dirty="0" smtClean="0">
-                <a:solidFill>
-                  <a:srgbClr val="FF0000"/>
-                </a:solidFill>
-                <a:latin typeface="メイリオ" panose="020B0604030504040204" pitchFamily="50" charset="-128"/>
-                <a:ea typeface="メイリオ" panose="020B0604030504040204" pitchFamily="50" charset="-128"/>
-                <a:cs typeface="メイリオ" panose="020B0604030504040204" pitchFamily="50" charset="-128"/>
-              </a:rPr>
-              <a:t>赤</a:t>
-            </a:r>
-            <a:r>
-              <a:rPr lang="ja-JP" altLang="en-US" sz="1200" dirty="0" smtClean="0">
-                <a:solidFill>
-                  <a:srgbClr val="FF0000"/>
-                </a:solidFill>
-                <a:latin typeface="メイリオ" panose="020B0604030504040204" pitchFamily="50" charset="-128"/>
-                <a:ea typeface="メイリオ" panose="020B0604030504040204" pitchFamily="50" charset="-128"/>
-                <a:cs typeface="メイリオ" panose="020B0604030504040204" pitchFamily="50" charset="-128"/>
-              </a:rPr>
-              <a:t>破線</a:t>
-            </a:r>
-            <a:r>
-              <a:rPr lang="en-US" altLang="ja-JP" sz="1200" dirty="0" smtClean="0">
-                <a:latin typeface="メイリオ" panose="020B0604030504040204" pitchFamily="50" charset="-128"/>
-                <a:ea typeface="メイリオ" panose="020B0604030504040204" pitchFamily="50" charset="-128"/>
-                <a:cs typeface="メイリオ" panose="020B0604030504040204" pitchFamily="50" charset="-128"/>
-              </a:rPr>
-              <a:t>)』</a:t>
-            </a:r>
-            <a:r>
-              <a:rPr lang="ja-JP" altLang="en-US" sz="1200" dirty="0" smtClean="0">
-                <a:latin typeface="メイリオ" panose="020B0604030504040204" pitchFamily="50" charset="-128"/>
-                <a:ea typeface="メイリオ" panose="020B0604030504040204" pitchFamily="50" charset="-128"/>
-                <a:cs typeface="メイリオ" panose="020B0604030504040204" pitchFamily="50" charset="-128"/>
-              </a:rPr>
-              <a:t>を</a:t>
-            </a:r>
-            <a:r>
-              <a:rPr lang="ja-JP" altLang="en-US" sz="1200" dirty="0" smtClean="0">
-                <a:latin typeface="メイリオ" panose="020B0604030504040204" pitchFamily="50" charset="-128"/>
-                <a:ea typeface="メイリオ" panose="020B0604030504040204" pitchFamily="50" charset="-128"/>
-                <a:cs typeface="メイリオ" panose="020B0604030504040204" pitchFamily="50" charset="-128"/>
-              </a:rPr>
-              <a:t>含む</a:t>
-            </a:r>
-            <a:r>
-              <a:rPr lang="ja-JP" altLang="en-US" sz="1200" dirty="0" smtClean="0">
-                <a:latin typeface="メイリオ" panose="020B0604030504040204" pitchFamily="50" charset="-128"/>
-                <a:ea typeface="メイリオ" panose="020B0604030504040204" pitchFamily="50" charset="-128"/>
-                <a:cs typeface="メイリオ" panose="020B0604030504040204" pitchFamily="50" charset="-128"/>
-              </a:rPr>
-              <a:t>矩形</a:t>
-            </a:r>
-            <a:r>
-              <a:rPr lang="en-US" altLang="ja-JP" sz="1200" dirty="0" smtClean="0">
-                <a:latin typeface="メイリオ" panose="020B0604030504040204" pitchFamily="50" charset="-128"/>
-                <a:ea typeface="メイリオ" panose="020B0604030504040204" pitchFamily="50" charset="-128"/>
-                <a:cs typeface="メイリオ" panose="020B0604030504040204" pitchFamily="50" charset="-128"/>
-              </a:rPr>
-              <a:t>(</a:t>
-            </a:r>
-            <a:r>
-              <a:rPr lang="ja-JP" altLang="en-US" sz="1200" dirty="0" smtClean="0">
-                <a:latin typeface="メイリオ" panose="020B0604030504040204" pitchFamily="50" charset="-128"/>
-                <a:ea typeface="メイリオ" panose="020B0604030504040204" pitchFamily="50" charset="-128"/>
-                <a:cs typeface="メイリオ" panose="020B0604030504040204" pitchFamily="50" charset="-128"/>
-              </a:rPr>
-              <a:t>右図</a:t>
-            </a:r>
-            <a:r>
-              <a:rPr lang="ja-JP" altLang="en-US" sz="1200" dirty="0" smtClean="0">
-                <a:latin typeface="メイリオ" panose="020B0604030504040204" pitchFamily="50" charset="-128"/>
-                <a:ea typeface="メイリオ" panose="020B0604030504040204" pitchFamily="50" charset="-128"/>
-                <a:cs typeface="メイリオ" panose="020B0604030504040204" pitchFamily="50" charset="-128"/>
-              </a:rPr>
-              <a:t>の</a:t>
-            </a:r>
-            <a:r>
-              <a:rPr lang="ja-JP" altLang="en-US" sz="1200" dirty="0" smtClean="0">
-                <a:solidFill>
-                  <a:srgbClr val="0000FF"/>
-                </a:solidFill>
-                <a:latin typeface="メイリオ" panose="020B0604030504040204" pitchFamily="50" charset="-128"/>
-                <a:ea typeface="メイリオ" panose="020B0604030504040204" pitchFamily="50" charset="-128"/>
-                <a:cs typeface="メイリオ" panose="020B0604030504040204" pitchFamily="50" charset="-128"/>
-              </a:rPr>
-              <a:t>青</a:t>
-            </a:r>
-            <a:r>
-              <a:rPr lang="ja-JP" altLang="en-US" sz="1200" dirty="0" smtClean="0">
-                <a:solidFill>
-                  <a:srgbClr val="0000FF"/>
-                </a:solidFill>
-                <a:latin typeface="メイリオ" panose="020B0604030504040204" pitchFamily="50" charset="-128"/>
-                <a:ea typeface="メイリオ" panose="020B0604030504040204" pitchFamily="50" charset="-128"/>
-                <a:cs typeface="メイリオ" panose="020B0604030504040204" pitchFamily="50" charset="-128"/>
-              </a:rPr>
-              <a:t>破線</a:t>
-            </a:r>
-            <a:r>
-              <a:rPr lang="en-US" altLang="ja-JP" sz="1200" dirty="0">
-                <a:latin typeface="メイリオ" panose="020B0604030504040204" pitchFamily="50" charset="-128"/>
-                <a:ea typeface="メイリオ" panose="020B0604030504040204" pitchFamily="50" charset="-128"/>
-                <a:cs typeface="メイリオ" panose="020B0604030504040204" pitchFamily="50" charset="-128"/>
-              </a:rPr>
-              <a:t>)</a:t>
-            </a:r>
-            <a:r>
-              <a:rPr lang="ja-JP" altLang="en-US" sz="1200" dirty="0" smtClean="0">
-                <a:latin typeface="メイリオ" panose="020B0604030504040204" pitchFamily="50" charset="-128"/>
-                <a:ea typeface="メイリオ" panose="020B0604030504040204" pitchFamily="50" charset="-128"/>
-                <a:cs typeface="メイリオ" panose="020B0604030504040204" pitchFamily="50" charset="-128"/>
-              </a:rPr>
-              <a:t>と</a:t>
-            </a:r>
-            <a:r>
-              <a:rPr lang="ja-JP" altLang="en-US" sz="1200" dirty="0" smtClean="0">
-                <a:latin typeface="メイリオ" panose="020B0604030504040204" pitchFamily="50" charset="-128"/>
-                <a:ea typeface="メイリオ" panose="020B0604030504040204" pitchFamily="50" charset="-128"/>
-                <a:cs typeface="メイリオ" panose="020B0604030504040204" pitchFamily="50" charset="-128"/>
-              </a:rPr>
-              <a:t>する。走行体は探索範囲中の格子点を経由する</a:t>
-            </a:r>
-            <a:r>
-              <a:rPr lang="ja-JP" altLang="en-US" sz="1200" dirty="0" smtClean="0">
-                <a:latin typeface="メイリオ" panose="020B0604030504040204" pitchFamily="50" charset="-128"/>
-                <a:ea typeface="メイリオ" panose="020B0604030504040204" pitchFamily="50" charset="-128"/>
-                <a:cs typeface="メイリオ" panose="020B0604030504040204" pitchFamily="50" charset="-128"/>
-              </a:rPr>
-              <a:t>が</a:t>
-            </a:r>
-            <a:r>
-              <a:rPr lang="en-US" altLang="ja-JP" sz="1200" dirty="0">
-                <a:latin typeface="メイリオ" panose="020B0604030504040204" pitchFamily="50" charset="-128"/>
-                <a:ea typeface="メイリオ" panose="020B0604030504040204" pitchFamily="50" charset="-128"/>
-                <a:cs typeface="メイリオ" panose="020B0604030504040204" pitchFamily="50" charset="-128"/>
-              </a:rPr>
-              <a:t>(</a:t>
-            </a:r>
-            <a:r>
-              <a:rPr lang="ja-JP" altLang="en-US" sz="1200" dirty="0" smtClean="0">
-                <a:latin typeface="メイリオ" panose="020B0604030504040204" pitchFamily="50" charset="-128"/>
-                <a:ea typeface="メイリオ" panose="020B0604030504040204" pitchFamily="50" charset="-128"/>
-                <a:cs typeface="メイリオ" panose="020B0604030504040204" pitchFamily="50" charset="-128"/>
-              </a:rPr>
-              <a:t>以降</a:t>
-            </a:r>
-            <a:r>
-              <a:rPr lang="ja-JP" altLang="en-US" sz="1200" dirty="0">
-                <a:latin typeface="メイリオ" panose="020B0604030504040204" pitchFamily="50" charset="-128"/>
-                <a:ea typeface="メイリオ" panose="020B0604030504040204" pitchFamily="50" charset="-128"/>
-                <a:cs typeface="メイリオ" panose="020B0604030504040204" pitchFamily="50" charset="-128"/>
-              </a:rPr>
-              <a:t>、</a:t>
-            </a:r>
-            <a:r>
-              <a:rPr lang="ja-JP" altLang="en-US" sz="1200" b="1" dirty="0" smtClean="0">
-                <a:solidFill>
-                  <a:srgbClr val="0000FF"/>
-                </a:solidFill>
-                <a:latin typeface="メイリオ" panose="020B0604030504040204" pitchFamily="50" charset="-128"/>
-                <a:ea typeface="メイリオ" panose="020B0604030504040204" pitchFamily="50" charset="-128"/>
-                <a:cs typeface="メイリオ" panose="020B0604030504040204" pitchFamily="50" charset="-128"/>
-              </a:rPr>
               <a:t>経由点</a:t>
             </a:r>
             <a:r>
@@ -6137,74 +5780,31 @@
                 <a:ea typeface="メイリオ" panose="020B0604030504040204" pitchFamily="50" charset="-128"/>
                 <a:cs typeface="メイリオ" panose="020B0604030504040204" pitchFamily="50" charset="-128"/>
               </a:rPr>
-              <a:t>ピンク色の</a:t>
+              <a:t>ピンク色の点</a:t>
+            </a:r>
+            <a:r>
+              <a:rPr lang="en-US" altLang="ja-JP" sz="1200" dirty="0" smtClean="0">
+                <a:latin typeface="メイリオ" panose="020B0604030504040204" pitchFamily="50" charset="-128"/>
+                <a:ea typeface="メイリオ" panose="020B0604030504040204" pitchFamily="50" charset="-128"/>
+                <a:cs typeface="メイリオ" panose="020B0604030504040204" pitchFamily="50" charset="-128"/>
+              </a:rPr>
+              <a:t>)</a:t>
+            </a:r>
+            <a:r>
+              <a:rPr lang="ja-JP" altLang="en-US" sz="1200" dirty="0" err="1" smtClean="0">
+                <a:latin typeface="メイリオ" panose="020B0604030504040204" pitchFamily="50" charset="-128"/>
+                <a:ea typeface="メイリオ" panose="020B0604030504040204" pitchFamily="50" charset="-128"/>
+                <a:cs typeface="メイリオ" panose="020B0604030504040204" pitchFamily="50" charset="-128"/>
+              </a:rPr>
+              <a:t>、</a:t>
             </a:r>
             <a:r>
               <a:rPr lang="ja-JP" altLang="en-US" sz="1200" dirty="0" smtClean="0">
-                <a:solidFill>
-                  <a:srgbClr val="FF00FF"/>
-                </a:solidFill>
-                <a:latin typeface="メイリオ" panose="020B0604030504040204" pitchFamily="50" charset="-128"/>
-                <a:ea typeface="メイリオ" panose="020B0604030504040204" pitchFamily="50" charset="-128"/>
-                <a:cs typeface="メイリオ" panose="020B0604030504040204" pitchFamily="50" charset="-128"/>
-              </a:rPr>
-              <a:t>点</a:t>
-            </a:r>
-            <a:r>
-              <a:rPr lang="en-US" altLang="ja-JP" sz="1200" dirty="0" smtClean="0">
-                <a:latin typeface="メイリオ" panose="020B0604030504040204" pitchFamily="50" charset="-128"/>
-                <a:ea typeface="メイリオ" panose="020B0604030504040204" pitchFamily="50" charset="-128"/>
-                <a:cs typeface="メイリオ" panose="020B0604030504040204" pitchFamily="50" charset="-128"/>
-              </a:rPr>
-              <a:t>)</a:t>
-            </a:r>
-            <a:r>
-              <a:rPr lang="ja-JP" altLang="en-US" sz="1200" dirty="0" err="1" smtClean="0">
-                <a:latin typeface="メイリオ" panose="020B0604030504040204" pitchFamily="50" charset="-128"/>
-                <a:ea typeface="メイリオ" panose="020B0604030504040204" pitchFamily="50" charset="-128"/>
-                <a:cs typeface="メイリオ" panose="020B0604030504040204" pitchFamily="50" charset="-128"/>
-              </a:rPr>
-              <a:t>、</a:t>
-            </a:r>
-            <a:r>
-              <a:rPr lang="ja-JP" altLang="en-US" sz="1200" dirty="0" smtClean="0">
-                <a:latin typeface="メイリオ" panose="020B0604030504040204" pitchFamily="50" charset="-128"/>
-                <a:ea typeface="メイリオ" panose="020B0604030504040204" pitchFamily="50" charset="-128"/>
-                <a:cs typeface="メイリオ" panose="020B0604030504040204" pitchFamily="50" charset="-128"/>
-              </a:rPr>
-              <a:t>始点と終点を除く矩形の</a:t>
-            </a:r>
-            <a:r>
-              <a:rPr lang="ja-JP" altLang="en-US" sz="1200" dirty="0" smtClean="0">
-                <a:latin typeface="メイリオ" panose="020B0604030504040204" pitchFamily="50" charset="-128"/>
-                <a:ea typeface="メイリオ" panose="020B0604030504040204" pitchFamily="50" charset="-128"/>
-                <a:cs typeface="メイリオ" panose="020B0604030504040204" pitchFamily="50" charset="-128"/>
-              </a:rPr>
-              <a:t>頂点</a:t>
-            </a:r>
-            <a:r>
-              <a:rPr lang="ja-JP" altLang="en-US" sz="1200" dirty="0" smtClean="0">
-                <a:latin typeface="メイリオ" panose="020B0604030504040204" pitchFamily="50" charset="-128"/>
-                <a:ea typeface="メイリオ" panose="020B0604030504040204" pitchFamily="50" charset="-128"/>
-                <a:cs typeface="メイリオ" panose="020B0604030504040204" pitchFamily="50" charset="-128"/>
-              </a:rPr>
-              <a:t>は</a:t>
-            </a:r>
-            <a:r>
-              <a:rPr lang="ja-JP" altLang="en-US" sz="1200" dirty="0" smtClean="0">
-                <a:latin typeface="メイリオ" panose="020B0604030504040204" pitchFamily="50" charset="-128"/>
-                <a:ea typeface="メイリオ" panose="020B0604030504040204" pitchFamily="50" charset="-128"/>
-                <a:cs typeface="メイリオ" panose="020B0604030504040204" pitchFamily="50" charset="-128"/>
-              </a:rPr>
-              <a:t>除外</a:t>
-            </a:r>
-            <a:r>
-              <a:rPr lang="ja-JP" altLang="en-US" sz="1200" dirty="0" smtClean="0">
-                <a:latin typeface="メイリオ" panose="020B0604030504040204" pitchFamily="50" charset="-128"/>
-                <a:ea typeface="メイリオ" panose="020B0604030504040204" pitchFamily="50" charset="-128"/>
-                <a:cs typeface="メイリオ" panose="020B0604030504040204" pitchFamily="50" charset="-128"/>
-              </a:rPr>
-              <a:t>す</a:t>
+                <a:latin typeface="メイリオ" panose="020B0604030504040204" pitchFamily="50" charset="-128"/>
+                <a:ea typeface="メイリオ" panose="020B0604030504040204" pitchFamily="50" charset="-128"/>
+                <a:cs typeface="メイリオ" panose="020B0604030504040204" pitchFamily="50" charset="-128"/>
+              </a:rPr>
+              <a:t>始点と終点を除く矩形の頂点は除外す</a:t>
             </a:r>
             <a:r>
               <a:rPr lang="ja-JP" altLang="en-US" sz="1200" dirty="0">
@@ -6278,23 +5878,7 @@
                 <a:ea typeface="メイリオ" panose="020B0604030504040204" pitchFamily="50" charset="-128"/>
                 <a:cs typeface="メイリオ" panose="020B0604030504040204" pitchFamily="50" charset="-128"/>
               </a:rPr>
-              <a:t>の規則に従って移動</a:t>
-            </a:r>
-            <a:r>
-              <a:rPr lang="ja-JP" altLang="en-US" sz="1200" dirty="0" smtClean="0">
-                <a:latin typeface="メイリオ" panose="020B0604030504040204" pitchFamily="50" charset="-128"/>
-                <a:ea typeface="メイリオ" panose="020B0604030504040204" pitchFamily="50" charset="-128"/>
-                <a:cs typeface="メイリオ" panose="020B0604030504040204" pitchFamily="50" charset="-128"/>
-              </a:rPr>
-              <a:t>しながら、通過</a:t>
-            </a:r>
-            <a:r>
-              <a:rPr lang="ja-JP" altLang="en-US" sz="1200" dirty="0" smtClean="0">
-                <a:latin typeface="メイリオ" panose="020B0604030504040204" pitchFamily="50" charset="-128"/>
-                <a:ea typeface="メイリオ" panose="020B0604030504040204" pitchFamily="50" charset="-128"/>
-                <a:cs typeface="メイリオ" panose="020B0604030504040204" pitchFamily="50" charset="-128"/>
-              </a:rPr>
-              <a:t>した経由点を記録する</a:t>
+              <a:t>の規則に従って移動しながら、通過した経由点を記録する</a:t>
             </a:r>
             <a:r>
               <a:rPr lang="ja-JP" altLang="en-US" sz="1200" b="1" dirty="0" smtClean="0">
@@ -6313,7 +5897,15 @@
                 <a:ea typeface="メイリオ" panose="020B0604030504040204" pitchFamily="50" charset="-128"/>
                 <a:cs typeface="メイリオ" panose="020B0604030504040204" pitchFamily="50" charset="-128"/>
               </a:rPr>
-              <a:t>を設ける。探索</a:t>
+              <a:t>を設ける。探索子は右下図のように、次の移動先が複数になるたびに複製・分岐</a:t>
+            </a:r>
+            <a:r>
+              <a:rPr lang="ja-JP" altLang="en-US" sz="1200" dirty="0">
+                <a:latin typeface="メイリオ" panose="020B0604030504040204" pitchFamily="50" charset="-128"/>
+                <a:ea typeface="メイリオ" panose="020B0604030504040204" pitchFamily="50" charset="-128"/>
+                <a:cs typeface="メイリオ" panose="020B0604030504040204" pitchFamily="50" charset="-128"/>
+              </a:rPr>
+              <a:t>し</a:t>
             </a:r>
             <a:r>
               <a:rPr lang="ja-JP" altLang="en-US" sz="1200" dirty="0" smtClean="0">
@@ -6321,71 +5913,7 @@
                 <a:ea typeface="メイリオ" panose="020B0604030504040204" pitchFamily="50" charset="-128"/>
                 <a:cs typeface="メイリオ" panose="020B0604030504040204" pitchFamily="50" charset="-128"/>
               </a:rPr>
-              <a:t>子は右下図のように、次の移動先が複数</a:t>
-            </a:r>
-            <a:r>
-              <a:rPr lang="ja-JP" altLang="en-US" sz="1200" dirty="0" smtClean="0">
-                <a:latin typeface="メイリオ" panose="020B0604030504040204" pitchFamily="50" charset="-128"/>
-                <a:ea typeface="メイリオ" panose="020B0604030504040204" pitchFamily="50" charset="-128"/>
-                <a:cs typeface="メイリオ" panose="020B0604030504040204" pitchFamily="50" charset="-128"/>
-              </a:rPr>
-              <a:t>になるたびに</a:t>
-            </a:r>
-            <a:r>
-              <a:rPr lang="ja-JP" altLang="en-US" sz="1200" dirty="0" smtClean="0">
-                <a:latin typeface="メイリオ" panose="020B0604030504040204" pitchFamily="50" charset="-128"/>
-                <a:ea typeface="メイリオ" panose="020B0604030504040204" pitchFamily="50" charset="-128"/>
-                <a:cs typeface="メイリオ" panose="020B0604030504040204" pitchFamily="50" charset="-128"/>
-              </a:rPr>
-              <a:t>複製</a:t>
-            </a:r>
-            <a:r>
-              <a:rPr lang="ja-JP" altLang="en-US" sz="1200" dirty="0" smtClean="0">
-                <a:latin typeface="メイリオ" panose="020B0604030504040204" pitchFamily="50" charset="-128"/>
-                <a:ea typeface="メイリオ" panose="020B0604030504040204" pitchFamily="50" charset="-128"/>
-                <a:cs typeface="メイリオ" panose="020B0604030504040204" pitchFamily="50" charset="-128"/>
-              </a:rPr>
-              <a:t>・</a:t>
-            </a:r>
-            <a:r>
-              <a:rPr lang="ja-JP" altLang="en-US" sz="1200" dirty="0" smtClean="0">
-                <a:latin typeface="メイリオ" panose="020B0604030504040204" pitchFamily="50" charset="-128"/>
-                <a:ea typeface="メイリオ" panose="020B0604030504040204" pitchFamily="50" charset="-128"/>
-                <a:cs typeface="メイリオ" panose="020B0604030504040204" pitchFamily="50" charset="-128"/>
-              </a:rPr>
-              <a:t>分岐</a:t>
-            </a:r>
-            <a:r>
-              <a:rPr lang="ja-JP" altLang="en-US" sz="1200" dirty="0">
-                <a:latin typeface="メイリオ" panose="020B0604030504040204" pitchFamily="50" charset="-128"/>
-                <a:ea typeface="メイリオ" panose="020B0604030504040204" pitchFamily="50" charset="-128"/>
-                <a:cs typeface="メイリオ" panose="020B0604030504040204" pitchFamily="50" charset="-128"/>
-              </a:rPr>
-              <a:t>し</a:t>
-            </a:r>
-            <a:r>
-              <a:rPr lang="ja-JP" altLang="en-US" sz="1200" dirty="0" smtClean="0">
-                <a:latin typeface="メイリオ" panose="020B0604030504040204" pitchFamily="50" charset="-128"/>
-                <a:ea typeface="メイリオ" panose="020B0604030504040204" pitchFamily="50" charset="-128"/>
-                <a:cs typeface="メイリオ" panose="020B0604030504040204" pitchFamily="50" charset="-128"/>
-              </a:rPr>
-              <a:t>、</a:t>
-            </a:r>
-            <a:r>
-              <a:rPr lang="ja-JP" altLang="en-US" sz="1200" dirty="0" smtClean="0">
-                <a:latin typeface="メイリオ" panose="020B0604030504040204" pitchFamily="50" charset="-128"/>
-                <a:ea typeface="メイリオ" panose="020B0604030504040204" pitchFamily="50" charset="-128"/>
-                <a:cs typeface="メイリオ" panose="020B0604030504040204" pitchFamily="50" charset="-128"/>
-              </a:rPr>
-              <a:t>それぞれの方向に移動する。探索子の停止条件は以下の通り</a:t>
-            </a:r>
-            <a:r>
-              <a:rPr lang="ja-JP" altLang="en-US" sz="1200" dirty="0" smtClean="0">
-                <a:latin typeface="メイリオ" panose="020B0604030504040204" pitchFamily="50" charset="-128"/>
-                <a:ea typeface="メイリオ" panose="020B0604030504040204" pitchFamily="50" charset="-128"/>
-                <a:cs typeface="メイリオ" panose="020B0604030504040204" pitchFamily="50" charset="-128"/>
-              </a:rPr>
-              <a:t>。</a:t>
+              <a:t>、それぞれの方向に移動する。探索子の停止条件は以下の通り。</a:t>
             </a:r>
             <a:endParaRPr lang="en-US" altLang="ja-JP" sz="1200" dirty="0">
               <a:latin typeface="メイリオ" panose="020B0604030504040204" pitchFamily="50" charset="-128"/>
@@ -6495,15 +6023,7 @@
                 <a:ea typeface="メイリオ" panose="020B0604030504040204" pitchFamily="50" charset="-128"/>
                 <a:cs typeface="メイリオ" panose="020B0604030504040204" pitchFamily="50" charset="-128"/>
               </a:rPr>
-              <a:t>ある</a:t>
-            </a:r>
-            <a:r>
-              <a:rPr lang="ja-JP" altLang="en-US" sz="1200" dirty="0" smtClean="0">
-                <a:latin typeface="メイリオ" panose="020B0604030504040204" pitchFamily="50" charset="-128"/>
-                <a:ea typeface="メイリオ" panose="020B0604030504040204" pitchFamily="50" charset="-128"/>
-                <a:cs typeface="メイリオ" panose="020B0604030504040204" pitchFamily="50" charset="-128"/>
-              </a:rPr>
-              <a:t>。</a:t>
+              <a:t>ある。</a:t>
             </a:r>
             <a:endParaRPr lang="en-US" altLang="ja-JP" sz="1200" b="1" dirty="0" smtClean="0">
               <a:solidFill>
@@ -6539,6 +6059,48 @@
               </a:rPr>
               <a:t>)</a:t>
             </a:r>
+          </a:p>
+          <a:p>
+            <a:r>
+              <a:rPr lang="ja-JP" altLang="en-US" sz="1200" dirty="0" smtClean="0">
+                <a:latin typeface="メイリオ" panose="020B0604030504040204" pitchFamily="50" charset="-128"/>
+                <a:ea typeface="メイリオ" panose="020B0604030504040204" pitchFamily="50" charset="-128"/>
+                <a:cs typeface="メイリオ" panose="020B0604030504040204" pitchFamily="50" charset="-128"/>
+              </a:rPr>
+              <a:t>・終点に到達し、終点での走行体の向きとの違いが</a:t>
+            </a:r>
+            <a:r>
+              <a:rPr lang="en-US" altLang="ja-JP" sz="1200" dirty="0" smtClean="0">
+                <a:latin typeface="メイリオ" panose="020B0604030504040204" pitchFamily="50" charset="-128"/>
+                <a:ea typeface="メイリオ" panose="020B0604030504040204" pitchFamily="50" charset="-128"/>
+                <a:cs typeface="メイリオ" panose="020B0604030504040204" pitchFamily="50" charset="-128"/>
+              </a:rPr>
+              <a:t>±90</a:t>
+            </a:r>
+            <a:r>
+              <a:rPr lang="ja-JP" altLang="en-US" sz="1200" dirty="0" smtClean="0">
+                <a:latin typeface="メイリオ" panose="020B0604030504040204" pitchFamily="50" charset="-128"/>
+                <a:ea typeface="メイリオ" panose="020B0604030504040204" pitchFamily="50" charset="-128"/>
+                <a:cs typeface="メイリオ" panose="020B0604030504040204" pitchFamily="50" charset="-128"/>
+              </a:rPr>
+              <a:t>度以上である。</a:t>
+            </a:r>
+            <a:r>
+              <a:rPr lang="en-US" altLang="ja-JP" sz="1200" dirty="0" smtClean="0">
+                <a:latin typeface="メイリオ" panose="020B0604030504040204" pitchFamily="50" charset="-128"/>
+                <a:ea typeface="メイリオ" panose="020B0604030504040204" pitchFamily="50" charset="-128"/>
+                <a:cs typeface="メイリオ" panose="020B0604030504040204" pitchFamily="50" charset="-128"/>
+              </a:rPr>
+              <a:t>…</a:t>
+            </a:r>
+            <a:r>
+              <a:rPr lang="ja-JP" altLang="en-US" sz="1200" dirty="0" smtClean="0">
+                <a:latin typeface="メイリオ" panose="020B0604030504040204" pitchFamily="50" charset="-128"/>
+                <a:ea typeface="メイリオ" panose="020B0604030504040204" pitchFamily="50" charset="-128"/>
+                <a:cs typeface="メイリオ" panose="020B0604030504040204" pitchFamily="50" charset="-128"/>
+              </a:rPr>
+              <a:t> 探索失敗</a:t>
+            </a:r>
             <a:endParaRPr lang="en-US" altLang="ja-JP" sz="1200" dirty="0" smtClean="0">
               <a:latin typeface="メイリオ" panose="020B0604030504040204" pitchFamily="50" charset="-128"/>
               <a:ea typeface="メイリオ" panose="020B0604030504040204" pitchFamily="50" charset="-128"/>
@@ -6552,7 +6114,7 @@
                 <a:ea typeface="メイリオ" panose="020B0604030504040204" pitchFamily="50" charset="-128"/>
                 <a:cs typeface="メイリオ" panose="020B0604030504040204" pitchFamily="50" charset="-128"/>
               </a:rPr>
-              <a:t>・終点に到達し、終点での走行体の向きとの違いが</a:t>
+              <a:t>・点</a:t>
             </a:r>
             <a:r>
               <a:rPr lang="en-US" altLang="ja-JP" sz="1200" dirty="0" smtClean="0">
@@ -6560,7 +6122,7 @@
                 <a:ea typeface="メイリオ" panose="020B0604030504040204" pitchFamily="50" charset="-128"/>
                 <a:cs typeface="メイリオ" panose="020B0604030504040204" pitchFamily="50" charset="-128"/>
               </a:rPr>
-              <a:t>±90</a:t>
+              <a:t>C</a:t>
             </a:r>
             <a:r>
               <a:rPr lang="ja-JP" altLang="en-US" sz="1200" dirty="0" smtClean="0">
@@ -6568,7 +6130,26 @@
                 <a:ea typeface="メイリオ" panose="020B0604030504040204" pitchFamily="50" charset="-128"/>
                 <a:cs typeface="メイリオ" panose="020B0604030504040204" pitchFamily="50" charset="-128"/>
               </a:rPr>
-              <a:t>度以上である。</a:t>
+              <a:t>を除く</a:t>
+            </a:r>
+            <a:r>
+              <a:rPr lang="ja-JP" altLang="en-US" sz="1200" b="1" dirty="0" smtClean="0">
+                <a:solidFill>
+                  <a:srgbClr val="0000FF"/>
+                </a:solidFill>
+                <a:latin typeface="メイリオ" panose="020B0604030504040204" pitchFamily="50" charset="-128"/>
+                <a:ea typeface="メイリオ" panose="020B0604030504040204" pitchFamily="50" charset="-128"/>
+                <a:cs typeface="メイリオ" panose="020B0604030504040204" pitchFamily="50" charset="-128"/>
+              </a:rPr>
+              <a:t>終点近傍</a:t>
+            </a:r>
+            <a:r>
+              <a:rPr lang="ja-JP" altLang="en-US" sz="1200" dirty="0" smtClean="0">
+                <a:latin typeface="メイリオ" panose="020B0604030504040204" pitchFamily="50" charset="-128"/>
+                <a:ea typeface="メイリオ" panose="020B0604030504040204" pitchFamily="50" charset="-128"/>
+                <a:cs typeface="メイリオ" panose="020B0604030504040204" pitchFamily="50" charset="-128"/>
+              </a:rPr>
+              <a:t>の点を</a:t>
             </a:r>
             <a:r>
               <a:rPr lang="en-US" altLang="ja-JP" sz="1200" dirty="0" smtClean="0">
@@ -6576,7 +6157,7 @@
                 <a:ea typeface="メイリオ" panose="020B0604030504040204" pitchFamily="50" charset="-128"/>
                 <a:cs typeface="メイリオ" panose="020B0604030504040204" pitchFamily="50" charset="-128"/>
               </a:rPr>
-              <a:t>…</a:t>
+              <a:t>2</a:t>
             </a:r>
             <a:r>
               <a:rPr lang="ja-JP" altLang="en-US" sz="1200" dirty="0" smtClean="0">
@@ -6584,7 +6165,7 @@
                 <a:ea typeface="メイリオ" panose="020B0604030504040204" pitchFamily="50" charset="-128"/>
                 <a:cs typeface="メイリオ" panose="020B0604030504040204" pitchFamily="50" charset="-128"/>
               </a:rPr>
-              <a:t> 探索失敗</a:t>
+              <a:t>回通過する。</a:t>
             </a:r>
             <a:endParaRPr lang="en-US" altLang="ja-JP" sz="1200" dirty="0" smtClean="0">
               <a:latin typeface="メイリオ" panose="020B0604030504040204" pitchFamily="50" charset="-128"/>
@@ -6599,7 +6180,15 @@
                 <a:ea typeface="メイリオ" panose="020B0604030504040204" pitchFamily="50" charset="-128"/>
                 <a:cs typeface="メイリオ" panose="020B0604030504040204" pitchFamily="50" charset="-128"/>
               </a:rPr>
-              <a:t>・</a:t>
+              <a:t>・同じ経由点を</a:t>
+            </a:r>
+            <a:r>
+              <a:rPr lang="en-US" altLang="ja-JP" sz="1200" dirty="0">
+                <a:latin typeface="メイリオ" panose="020B0604030504040204" pitchFamily="50" charset="-128"/>
+                <a:ea typeface="メイリオ" panose="020B0604030504040204" pitchFamily="50" charset="-128"/>
+                <a:cs typeface="メイリオ" panose="020B0604030504040204" pitchFamily="50" charset="-128"/>
+              </a:rPr>
+              <a:t>2</a:t>
             </a:r>
             <a:r>
               <a:rPr lang="ja-JP" altLang="en-US" sz="1200" dirty="0" smtClean="0">
@@ -6607,66 +6196,7 @@
                 <a:ea typeface="メイリオ" panose="020B0604030504040204" pitchFamily="50" charset="-128"/>
                 <a:cs typeface="メイリオ" panose="020B0604030504040204" pitchFamily="50" charset="-128"/>
               </a:rPr>
-              <a:t>点</a:t>
-            </a:r>
-            <a:r>
-              <a:rPr lang="en-US" altLang="ja-JP" sz="1200" dirty="0" smtClean="0">
-                <a:latin typeface="メイリオ" panose="020B0604030504040204" pitchFamily="50" charset="-128"/>
-                <a:ea typeface="メイリオ" panose="020B0604030504040204" pitchFamily="50" charset="-128"/>
-                <a:cs typeface="メイリオ" panose="020B0604030504040204" pitchFamily="50" charset="-128"/>
-              </a:rPr>
-              <a:t>C</a:t>
-            </a:r>
-            <a:r>
-              <a:rPr lang="ja-JP" altLang="en-US" sz="1200" dirty="0" smtClean="0">
-                <a:latin typeface="メイリオ" panose="020B0604030504040204" pitchFamily="50" charset="-128"/>
-                <a:ea typeface="メイリオ" panose="020B0604030504040204" pitchFamily="50" charset="-128"/>
-                <a:cs typeface="メイリオ" panose="020B0604030504040204" pitchFamily="50" charset="-128"/>
-              </a:rPr>
-              <a:t>を除く</a:t>
-            </a:r>
-            <a:r>
-              <a:rPr lang="ja-JP" altLang="en-US" sz="1200" b="1" dirty="0" smtClean="0">
-                <a:solidFill>
-                  <a:srgbClr val="0000FF"/>
-                </a:solidFill>
-                <a:latin typeface="メイリオ" panose="020B0604030504040204" pitchFamily="50" charset="-128"/>
-                <a:ea typeface="メイリオ" panose="020B0604030504040204" pitchFamily="50" charset="-128"/>
-                <a:cs typeface="メイリオ" panose="020B0604030504040204" pitchFamily="50" charset="-128"/>
-              </a:rPr>
-              <a:t>終点近傍</a:t>
-            </a:r>
-            <a:r>
-              <a:rPr lang="ja-JP" altLang="en-US" sz="1200" dirty="0" smtClean="0">
-                <a:latin typeface="メイリオ" panose="020B0604030504040204" pitchFamily="50" charset="-128"/>
-                <a:ea typeface="メイリオ" panose="020B0604030504040204" pitchFamily="50" charset="-128"/>
-                <a:cs typeface="メイリオ" panose="020B0604030504040204" pitchFamily="50" charset="-128"/>
-              </a:rPr>
-              <a:t>の点を</a:t>
-            </a:r>
-            <a:r>
-              <a:rPr lang="en-US" altLang="ja-JP" sz="1200" dirty="0" smtClean="0">
-                <a:latin typeface="メイリオ" panose="020B0604030504040204" pitchFamily="50" charset="-128"/>
-                <a:ea typeface="メイリオ" panose="020B0604030504040204" pitchFamily="50" charset="-128"/>
-                <a:cs typeface="メイリオ" panose="020B0604030504040204" pitchFamily="50" charset="-128"/>
-              </a:rPr>
-              <a:t>2</a:t>
-            </a:r>
-            <a:r>
-              <a:rPr lang="ja-JP" altLang="en-US" sz="1200" dirty="0" smtClean="0">
-                <a:latin typeface="メイリオ" panose="020B0604030504040204" pitchFamily="50" charset="-128"/>
-                <a:ea typeface="メイリオ" panose="020B0604030504040204" pitchFamily="50" charset="-128"/>
-                <a:cs typeface="メイリオ" panose="020B0604030504040204" pitchFamily="50" charset="-128"/>
-              </a:rPr>
-              <a:t>回通過する</a:t>
-            </a:r>
-            <a:r>
-              <a:rPr lang="ja-JP" altLang="en-US" sz="1200" dirty="0" smtClean="0">
-                <a:latin typeface="メイリオ" panose="020B0604030504040204" pitchFamily="50" charset="-128"/>
-                <a:ea typeface="メイリオ" panose="020B0604030504040204" pitchFamily="50" charset="-128"/>
-                <a:cs typeface="メイリオ" panose="020B0604030504040204" pitchFamily="50" charset="-128"/>
-              </a:rPr>
-              <a:t>。</a:t>
+              <a:t>回通過する。</a:t>
             </a:r>
             <a:endParaRPr lang="en-US" altLang="ja-JP" sz="1200" dirty="0" smtClean="0">
               <a:latin typeface="メイリオ" panose="020B0604030504040204" pitchFamily="50" charset="-128"/>
@@ -6681,54 +6211,7 @@
                 <a:ea typeface="メイリオ" panose="020B0604030504040204" pitchFamily="50" charset="-128"/>
                 <a:cs typeface="メイリオ" panose="020B0604030504040204" pitchFamily="50" charset="-128"/>
               </a:rPr>
-              <a:t>・同じ経由点を</a:t>
-            </a:r>
-            <a:r>
-              <a:rPr lang="en-US" altLang="ja-JP" sz="1200" dirty="0">
-                <a:latin typeface="メイリオ" panose="020B0604030504040204" pitchFamily="50" charset="-128"/>
-                <a:ea typeface="メイリオ" panose="020B0604030504040204" pitchFamily="50" charset="-128"/>
-                <a:cs typeface="メイリオ" panose="020B0604030504040204" pitchFamily="50" charset="-128"/>
-              </a:rPr>
-              <a:t>2</a:t>
-            </a:r>
-            <a:r>
-              <a:rPr lang="ja-JP" altLang="en-US" sz="1200" dirty="0" smtClean="0">
-                <a:latin typeface="メイリオ" panose="020B0604030504040204" pitchFamily="50" charset="-128"/>
-                <a:ea typeface="メイリオ" panose="020B0604030504040204" pitchFamily="50" charset="-128"/>
-                <a:cs typeface="メイリオ" panose="020B0604030504040204" pitchFamily="50" charset="-128"/>
-              </a:rPr>
-              <a:t>回通過</a:t>
-            </a:r>
-            <a:r>
-              <a:rPr lang="ja-JP" altLang="en-US" sz="1200" dirty="0" smtClean="0">
-                <a:latin typeface="メイリオ" panose="020B0604030504040204" pitchFamily="50" charset="-128"/>
-                <a:ea typeface="メイリオ" panose="020B0604030504040204" pitchFamily="50" charset="-128"/>
-                <a:cs typeface="メイリオ" panose="020B0604030504040204" pitchFamily="50" charset="-128"/>
-              </a:rPr>
-              <a:t>する。</a:t>
-            </a:r>
-            <a:endParaRPr lang="en-US" altLang="ja-JP" sz="1200" dirty="0" smtClean="0">
-              <a:latin typeface="メイリオ" panose="020B0604030504040204" pitchFamily="50" charset="-128"/>
-              <a:ea typeface="メイリオ" panose="020B0604030504040204" pitchFamily="50" charset="-128"/>
-              <a:cs typeface="メイリオ" panose="020B0604030504040204" pitchFamily="50" charset="-128"/>
-            </a:endParaRPr>
-          </a:p>
-          <a:p>
-            <a:r>
-              <a:rPr lang="ja-JP" altLang="en-US" sz="1200" dirty="0" smtClean="0">
-                <a:latin typeface="メイリオ" panose="020B0604030504040204" pitchFamily="50" charset="-128"/>
-                <a:ea typeface="メイリオ" panose="020B0604030504040204" pitchFamily="50" charset="-128"/>
-                <a:cs typeface="メイリオ" panose="020B0604030504040204" pitchFamily="50" charset="-128"/>
-              </a:rPr>
-              <a:t>・移動可能な経由点が存在しない</a:t>
-            </a:r>
-            <a:r>
-              <a:rPr lang="ja-JP" altLang="en-US" sz="1200" dirty="0" smtClean="0">
-                <a:latin typeface="メイリオ" panose="020B0604030504040204" pitchFamily="50" charset="-128"/>
-                <a:ea typeface="メイリオ" panose="020B0604030504040204" pitchFamily="50" charset="-128"/>
-                <a:cs typeface="メイリオ" panose="020B0604030504040204" pitchFamily="50" charset="-128"/>
-              </a:rPr>
-              <a:t>。</a:t>
+              <a:t>・移動可能な経由点が存在しない。</a:t>
             </a:r>
             <a:endParaRPr lang="en-US" altLang="ja-JP" sz="1200" dirty="0" smtClean="0">
               <a:latin typeface="メイリオ" panose="020B0604030504040204" pitchFamily="50" charset="-128"/>
@@ -10263,7 +9746,15 @@
                 <a:ea typeface="メイリオ" panose="020B0604030504040204" pitchFamily="50" charset="-128"/>
                 <a:cs typeface="メイリオ" panose="020B0604030504040204" pitchFamily="50" charset="-128"/>
               </a:rPr>
-              <a:t>で探索した</a:t>
+              <a:t>で探索した経路</a:t>
+            </a:r>
+            <a:r>
+              <a:rPr lang="ja-JP" altLang="en-US" sz="1200" dirty="0">
+                <a:latin typeface="メイリオ" panose="020B0604030504040204" pitchFamily="50" charset="-128"/>
+                <a:ea typeface="メイリオ" panose="020B0604030504040204" pitchFamily="50" charset="-128"/>
+                <a:cs typeface="メイリオ" panose="020B0604030504040204" pitchFamily="50" charset="-128"/>
+              </a:rPr>
+              <a:t>の</a:t>
             </a:r>
             <a:r>
               <a:rPr lang="ja-JP" altLang="en-US" sz="1200" dirty="0" smtClean="0">
@@ -10271,47 +9762,7 @@
                 <a:ea typeface="メイリオ" panose="020B0604030504040204" pitchFamily="50" charset="-128"/>
                 <a:cs typeface="メイリオ" panose="020B0604030504040204" pitchFamily="50" charset="-128"/>
               </a:rPr>
-              <a:t>経路</a:t>
-            </a:r>
-            <a:r>
-              <a:rPr lang="ja-JP" altLang="en-US" sz="1200" dirty="0">
-                <a:latin typeface="メイリオ" panose="020B0604030504040204" pitchFamily="50" charset="-128"/>
-                <a:ea typeface="メイリオ" panose="020B0604030504040204" pitchFamily="50" charset="-128"/>
-                <a:cs typeface="メイリオ" panose="020B0604030504040204" pitchFamily="50" charset="-128"/>
-              </a:rPr>
-              <a:t>の</a:t>
-            </a:r>
-            <a:r>
-              <a:rPr lang="ja-JP" altLang="en-US" sz="1200" dirty="0" smtClean="0">
-                <a:latin typeface="メイリオ" panose="020B0604030504040204" pitchFamily="50" charset="-128"/>
-                <a:ea typeface="メイリオ" panose="020B0604030504040204" pitchFamily="50" charset="-128"/>
-                <a:cs typeface="メイリオ" panose="020B0604030504040204" pitchFamily="50" charset="-128"/>
-              </a:rPr>
-              <a:t>、</a:t>
-            </a:r>
-            <a:r>
-              <a:rPr lang="ja-JP" altLang="en-US" sz="1200" dirty="0" smtClean="0">
-                <a:latin typeface="メイリオ" panose="020B0604030504040204" pitchFamily="50" charset="-128"/>
-                <a:ea typeface="メイリオ" panose="020B0604030504040204" pitchFamily="50" charset="-128"/>
-                <a:cs typeface="メイリオ" panose="020B0604030504040204" pitchFamily="50" charset="-128"/>
-              </a:rPr>
-              <a:t>抽象マップ上での移動距離</a:t>
-            </a:r>
-            <a:r>
-              <a:rPr lang="ja-JP" altLang="en-US" sz="1200" dirty="0" smtClean="0">
-                <a:latin typeface="メイリオ" panose="020B0604030504040204" pitchFamily="50" charset="-128"/>
-                <a:ea typeface="メイリオ" panose="020B0604030504040204" pitchFamily="50" charset="-128"/>
-                <a:cs typeface="メイリオ" panose="020B0604030504040204" pitchFamily="50" charset="-128"/>
-              </a:rPr>
-              <a:t>と抽象走行体の向きの変更</a:t>
-            </a:r>
-            <a:r>
-              <a:rPr lang="ja-JP" altLang="en-US" sz="1200" dirty="0" smtClean="0">
-                <a:latin typeface="メイリオ" panose="020B0604030504040204" pitchFamily="50" charset="-128"/>
-                <a:ea typeface="メイリオ" panose="020B0604030504040204" pitchFamily="50" charset="-128"/>
-                <a:cs typeface="メイリオ" panose="020B0604030504040204" pitchFamily="50" charset="-128"/>
-              </a:rPr>
-              <a:t>から</a:t>
+              <a:t>、抽象マップ上での移動距離と抽象走行体の向きの変更から</a:t>
             </a:r>
             <a:r>
               <a:rPr lang="ja-JP" altLang="en-US" sz="1200" b="1" dirty="0" smtClean="0">
@@ -10330,31 +9781,7 @@
                 <a:ea typeface="メイリオ" panose="020B0604030504040204" pitchFamily="50" charset="-128"/>
                 <a:cs typeface="メイリオ" panose="020B0604030504040204" pitchFamily="50" charset="-128"/>
               </a:rPr>
-              <a:t>を</a:t>
-            </a:r>
-            <a:r>
-              <a:rPr lang="ja-JP" altLang="en-US" sz="1200" dirty="0" smtClean="0">
-                <a:latin typeface="メイリオ" panose="020B0604030504040204" pitchFamily="50" charset="-128"/>
-                <a:ea typeface="メイリオ" panose="020B0604030504040204" pitchFamily="50" charset="-128"/>
-                <a:cs typeface="メイリオ" panose="020B0604030504040204" pitchFamily="50" charset="-128"/>
-              </a:rPr>
-              <a:t>算出し、移動</a:t>
-            </a:r>
-            <a:r>
-              <a:rPr lang="ja-JP" altLang="en-US" sz="1200" dirty="0" smtClean="0">
-                <a:latin typeface="メイリオ" panose="020B0604030504040204" pitchFamily="50" charset="-128"/>
-                <a:ea typeface="メイリオ" panose="020B0604030504040204" pitchFamily="50" charset="-128"/>
-                <a:cs typeface="メイリオ" panose="020B0604030504040204" pitchFamily="50" charset="-128"/>
-              </a:rPr>
-              <a:t>コストが最も低い経路</a:t>
-            </a:r>
-            <a:r>
-              <a:rPr lang="ja-JP" altLang="en-US" sz="1200" dirty="0" smtClean="0">
-                <a:latin typeface="メイリオ" panose="020B0604030504040204" pitchFamily="50" charset="-128"/>
-                <a:ea typeface="メイリオ" panose="020B0604030504040204" pitchFamily="50" charset="-128"/>
-                <a:cs typeface="メイリオ" panose="020B0604030504040204" pitchFamily="50" charset="-128"/>
-              </a:rPr>
-              <a:t>を選択する。</a:t>
+              <a:t>を算出し、移動コストが最も低い経路を選択する。</a:t>
             </a:r>
             <a:endParaRPr lang="en-US" altLang="ja-JP" sz="1200" dirty="0" smtClean="0">
               <a:latin typeface="メイリオ" panose="020B0604030504040204" pitchFamily="50" charset="-128"/>
@@ -12362,11 +11789,7 @@
                     <a:p>
                       <a:r>
                         <a:rPr kumimoji="1" lang="ja-JP" altLang="en-US" sz="1000" b="1" dirty="0" smtClean="0"/>
-                        <a:t>上の影響</a:t>
-                      </a:r>
-                      <a:r>
-                        <a:rPr kumimoji="1" lang="ja-JP" altLang="en-US" sz="1000" b="1" dirty="0" smtClean="0"/>
-                        <a:t>の緩和</a:t>
+                        <a:t>上の影響の緩和</a:t>
                       </a:r>
                       <a:endParaRPr kumimoji="1" lang="ja-JP" altLang="en-US" sz="1000" b="1" dirty="0"/>
                     </a:p>
@@ -12378,8 +11801,8 @@
           </a:graphicData>
         </a:graphic>
       </p:graphicFrame>
-      <mc:AlternateContent xmlns:mc="http://schemas.openxmlformats.org/markup-compatibility/2006">
-        <mc:Choice xmlns:a14="http://schemas.microsoft.com/office/drawing/2010/main" Requires="a14">
+      <mc:AlternateContent xmlns:mc="http://schemas.openxmlformats.org/markup-compatibility/2006" xmlns:a14="http://schemas.microsoft.com/office/drawing/2010/main">
+        <mc:Choice Requires="a14">
           <p:sp>
             <p:nvSpPr>
               <p:cNvPr id="1092" name="正方形/長方形 1091"/>
@@ -12803,15 +12226,7 @@
                     <a:ea typeface="メイリオ" panose="020B0604030504040204" pitchFamily="50" charset="-128"/>
                     <a:cs typeface="メイリオ" panose="020B0604030504040204" pitchFamily="50" charset="-128"/>
                   </a:rPr>
-                  <a:t>は右周り</a:t>
-                </a:r>
-                <a:r>
-                  <a:rPr lang="ja-JP" altLang="en-US" sz="1050" dirty="0" smtClean="0">
-                    <a:latin typeface="メイリオ" panose="020B0604030504040204" pitchFamily="50" charset="-128"/>
-                    <a:ea typeface="メイリオ" panose="020B0604030504040204" pitchFamily="50" charset="-128"/>
-                    <a:cs typeface="メイリオ" panose="020B0604030504040204" pitchFamily="50" charset="-128"/>
-                  </a:rPr>
-                  <a:t>を正とする</a:t>
+                  <a:t>は右周りを正とする</a:t>
                 </a:r>
                 <a:r>
                   <a:rPr lang="en-US" altLang="ja-JP" sz="1050" dirty="0" smtClean="0">
@@ -12825,7 +12240,7 @@
             </p:txBody>
           </p:sp>
         </mc:Choice>
-        <mc:Fallback>
+        <mc:Fallback xmlns="">
           <p:sp>
             <p:nvSpPr>
               <p:cNvPr id="1092" name="正方形/長方形 1091"/>
@@ -13258,8 +12673,8 @@
           </a:p>
         </p:txBody>
       </p:sp>
-      <mc:AlternateContent xmlns:mc="http://schemas.openxmlformats.org/markup-compatibility/2006">
-        <mc:Choice xmlns:a14="http://schemas.microsoft.com/office/drawing/2010/main" Requires="a14">
+      <mc:AlternateContent xmlns:mc="http://schemas.openxmlformats.org/markup-compatibility/2006" xmlns:a14="http://schemas.microsoft.com/office/drawing/2010/main">
+        <mc:Choice Requires="a14">
           <p:sp>
             <p:nvSpPr>
               <p:cNvPr id="1095" name="正方形/長方形 1094"/>
@@ -13295,15 +12710,7 @@
                     <a:ea typeface="メイリオ" panose="020B0604030504040204" pitchFamily="50" charset="-128"/>
                     <a:cs typeface="メイリオ" panose="020B0604030504040204" pitchFamily="50" charset="-128"/>
                   </a:rPr>
-                  <a:t>で</a:t>
-                </a:r>
-                <a:r>
-                  <a:rPr lang="ja-JP" altLang="en-US" sz="900" b="1" dirty="0">
-                    <a:latin typeface="メイリオ" panose="020B0604030504040204" pitchFamily="50" charset="-128"/>
-                    <a:ea typeface="メイリオ" panose="020B0604030504040204" pitchFamily="50" charset="-128"/>
-                    <a:cs typeface="メイリオ" panose="020B0604030504040204" pitchFamily="50" charset="-128"/>
-                  </a:rPr>
-                  <a:t>の</a:t>
+                  <a:t>での</a:t>
                 </a:r>
                 <a:r>
                   <a:rPr lang="ja-JP" altLang="en-US" sz="900" b="1" dirty="0" smtClean="0">
@@ -13837,7 +13244,7 @@
             </p:txBody>
           </p:sp>
         </mc:Choice>
-        <mc:Fallback>
+        <mc:Fallback xmlns="">
           <p:sp>
             <p:nvSpPr>
               <p:cNvPr id="1095" name="正方形/長方形 1094"/>
@@ -13988,7 +13395,15 @@
                 <a:ea typeface="メイリオ" panose="020B0604030504040204" pitchFamily="50" charset="-128"/>
                 <a:cs typeface="メイリオ" panose="020B0604030504040204" pitchFamily="50" charset="-128"/>
               </a:rPr>
-              <a:t>個</a:t>
+              <a:t>個持つ</a:t>
+            </a:r>
+            <a:r>
+              <a:rPr lang="en-US" altLang="ja-JP" sz="1200" dirty="0" smtClean="0">
+                <a:latin typeface="メイリオ" panose="020B0604030504040204" pitchFamily="50" charset="-128"/>
+                <a:ea typeface="メイリオ" panose="020B0604030504040204" pitchFamily="50" charset="-128"/>
+                <a:cs typeface="メイリオ" panose="020B0604030504040204" pitchFamily="50" charset="-128"/>
+              </a:rPr>
+              <a:t>(</a:t>
             </a:r>
             <a:r>
               <a:rPr lang="ja-JP" altLang="en-US" sz="1200" dirty="0" smtClean="0">
@@ -13996,7 +13411,7 @@
                 <a:ea typeface="メイリオ" panose="020B0604030504040204" pitchFamily="50" charset="-128"/>
                 <a:cs typeface="メイリオ" panose="020B0604030504040204" pitchFamily="50" charset="-128"/>
               </a:rPr>
-              <a:t>持つ</a:t>
+              <a:t>色候補が</a:t>
             </a:r>
             <a:r>
               <a:rPr lang="en-US" altLang="ja-JP" sz="1200" dirty="0" smtClean="0">
@@ -14004,7 +13419,7 @@
                 <a:ea typeface="メイリオ" panose="020B0604030504040204" pitchFamily="50" charset="-128"/>
                 <a:cs typeface="メイリオ" panose="020B0604030504040204" pitchFamily="50" charset="-128"/>
               </a:rPr>
-              <a:t>(</a:t>
+              <a:t>0</a:t>
             </a:r>
             <a:r>
               <a:rPr lang="ja-JP" altLang="en-US" sz="1200" dirty="0" smtClean="0">
@@ -14012,39 +13427,7 @@
                 <a:ea typeface="メイリオ" panose="020B0604030504040204" pitchFamily="50" charset="-128"/>
                 <a:cs typeface="メイリオ" panose="020B0604030504040204" pitchFamily="50" charset="-128"/>
               </a:rPr>
-              <a:t>色</a:t>
-            </a:r>
-            <a:r>
-              <a:rPr lang="ja-JP" altLang="en-US" sz="1200" dirty="0" smtClean="0">
-                <a:latin typeface="メイリオ" panose="020B0604030504040204" pitchFamily="50" charset="-128"/>
-                <a:ea typeface="メイリオ" panose="020B0604030504040204" pitchFamily="50" charset="-128"/>
-                <a:cs typeface="メイリオ" panose="020B0604030504040204" pitchFamily="50" charset="-128"/>
-              </a:rPr>
-              <a:t>候補が</a:t>
-            </a:r>
-            <a:r>
-              <a:rPr lang="en-US" altLang="ja-JP" sz="1200" dirty="0" smtClean="0">
-                <a:latin typeface="メイリオ" panose="020B0604030504040204" pitchFamily="50" charset="-128"/>
-                <a:ea typeface="メイリオ" panose="020B0604030504040204" pitchFamily="50" charset="-128"/>
-                <a:cs typeface="メイリオ" panose="020B0604030504040204" pitchFamily="50" charset="-128"/>
-              </a:rPr>
-              <a:t>0</a:t>
-            </a:r>
-            <a:r>
-              <a:rPr lang="ja-JP" altLang="en-US" sz="1200" dirty="0" smtClean="0">
-                <a:latin typeface="メイリオ" panose="020B0604030504040204" pitchFamily="50" charset="-128"/>
-                <a:ea typeface="メイリオ" panose="020B0604030504040204" pitchFamily="50" charset="-128"/>
-                <a:cs typeface="メイリオ" panose="020B0604030504040204" pitchFamily="50" charset="-128"/>
-              </a:rPr>
-              <a:t>個のサークルはブロックが設置されて</a:t>
-            </a:r>
-            <a:r>
-              <a:rPr lang="ja-JP" altLang="en-US" sz="1200" dirty="0" smtClean="0">
-                <a:latin typeface="メイリオ" panose="020B0604030504040204" pitchFamily="50" charset="-128"/>
-                <a:ea typeface="メイリオ" panose="020B0604030504040204" pitchFamily="50" charset="-128"/>
-                <a:cs typeface="メイリオ" panose="020B0604030504040204" pitchFamily="50" charset="-128"/>
-              </a:rPr>
-              <a:t>いない</a:t>
+              <a:t>個のサークルはブロックが設置されていない</a:t>
             </a:r>
             <a:r>
               <a:rPr lang="en-US" altLang="ja-JP" sz="1200" dirty="0" smtClean="0">
@@ -14329,7 +13712,7 @@
                 <a:ea typeface="メイリオ" panose="020B0604030504040204" pitchFamily="50" charset="-128"/>
                 <a:cs typeface="メイリオ" panose="020B0604030504040204" pitchFamily="50" charset="-128"/>
               </a:rPr>
-              <a:t>5</a:t>
+              <a:t>2-5</a:t>
             </a:r>
             <a:r>
               <a:rPr lang="ja-JP" altLang="en-US" sz="1200" dirty="0" smtClean="0">
@@ -14337,15 +13720,7 @@
                 <a:ea typeface="メイリオ" panose="020B0604030504040204" pitchFamily="50" charset="-128"/>
                 <a:cs typeface="メイリオ" panose="020B0604030504040204" pitchFamily="50" charset="-128"/>
               </a:rPr>
-              <a:t>で定義したモデルを用いてゲームを攻略するための手順を示す。抽象マップから実際の座標系への変換および走行体の各種動作については</a:t>
-            </a:r>
-            <a:r>
-              <a:rPr lang="ja-JP" altLang="en-US" sz="1200" dirty="0" smtClean="0">
-                <a:latin typeface="メイリオ" panose="020B0604030504040204" pitchFamily="50" charset="-128"/>
-                <a:ea typeface="メイリオ" panose="020B0604030504040204" pitchFamily="50" charset="-128"/>
-                <a:cs typeface="メイリオ" panose="020B0604030504040204" pitchFamily="50" charset="-128"/>
-              </a:rPr>
-              <a:t>、</a:t>
+              <a:t>で定義したモデルを用いてゲームを攻略するための手順を示す。抽象マップから実際の座標系への変換および走行体の各種動作については、</a:t>
             </a:r>
             <a:r>
               <a:rPr lang="en-US" altLang="ja-JP" sz="1200" b="1" dirty="0" smtClean="0">
@@ -14375,15 +13750,7 @@
                 <a:ea typeface="メイリオ" panose="020B0604030504040204" pitchFamily="50" charset="-128"/>
                 <a:cs typeface="メイリオ" panose="020B0604030504040204" pitchFamily="50" charset="-128"/>
               </a:rPr>
-              <a:t> で</a:t>
-            </a:r>
-            <a:r>
-              <a:rPr lang="ja-JP" altLang="en-US" sz="1200" dirty="0" smtClean="0">
-                <a:latin typeface="メイリオ" panose="020B0604030504040204" pitchFamily="50" charset="-128"/>
-                <a:ea typeface="メイリオ" panose="020B0604030504040204" pitchFamily="50" charset="-128"/>
-                <a:cs typeface="メイリオ" panose="020B0604030504040204" pitchFamily="50" charset="-128"/>
-              </a:rPr>
-              <a:t>述べる。</a:t>
+              <a:t> で述べる。</a:t>
             </a:r>
             <a:endParaRPr lang="en-US" altLang="ja-JP" sz="1200" dirty="0" smtClean="0">
               <a:latin typeface="メイリオ" panose="020B0604030504040204" pitchFamily="50" charset="-128"/>

--- a/design/2016/models/2_analysis_model.pptx
+++ b/design/2016/models/2_analysis_model.pptx
@@ -208,7 +208,7 @@
           <a:p>
             <a:fld id="{729140AA-5DCF-4644-846F-5EE03622738A}" type="datetimeFigureOut">
               <a:rPr kumimoji="1" lang="ja-JP" altLang="en-US" smtClean="0"/>
-              <a:t>2016/8/17</a:t>
+              <a:t>2016/8/18</a:t>
             </a:fld>
             <a:endParaRPr kumimoji="1" lang="ja-JP" altLang="en-US"/>
           </a:p>
@@ -639,7 +639,7 @@
           <a:p>
             <a:fld id="{D72B48E1-50D5-40B7-9AA4-D680720A3CD4}" type="datetimeFigureOut">
               <a:rPr kumimoji="1" lang="ja-JP" altLang="en-US" smtClean="0"/>
-              <a:t>2016/8/17</a:t>
+              <a:t>2016/8/18</a:t>
             </a:fld>
             <a:endParaRPr kumimoji="1" lang="ja-JP" altLang="en-US"/>
           </a:p>
@@ -841,7 +841,7 @@
           <a:p>
             <a:fld id="{D72B48E1-50D5-40B7-9AA4-D680720A3CD4}" type="datetimeFigureOut">
               <a:rPr kumimoji="1" lang="ja-JP" altLang="en-US" smtClean="0"/>
-              <a:t>2016/8/17</a:t>
+              <a:t>2016/8/18</a:t>
             </a:fld>
             <a:endParaRPr kumimoji="1" lang="ja-JP" altLang="en-US"/>
           </a:p>
@@ -1053,7 +1053,7 @@
           <a:p>
             <a:fld id="{D72B48E1-50D5-40B7-9AA4-D680720A3CD4}" type="datetimeFigureOut">
               <a:rPr kumimoji="1" lang="ja-JP" altLang="en-US" smtClean="0"/>
-              <a:t>2016/8/17</a:t>
+              <a:t>2016/8/18</a:t>
             </a:fld>
             <a:endParaRPr kumimoji="1" lang="ja-JP" altLang="en-US"/>
           </a:p>
@@ -1292,7 +1292,7 @@
           <a:p>
             <a:fld id="{D72B48E1-50D5-40B7-9AA4-D680720A3CD4}" type="datetimeFigureOut">
               <a:rPr kumimoji="1" lang="ja-JP" altLang="en-US" smtClean="0"/>
-              <a:t>2016/8/17</a:t>
+              <a:t>2016/8/18</a:t>
             </a:fld>
             <a:endParaRPr kumimoji="1" lang="ja-JP" altLang="en-US"/>
           </a:p>
@@ -1536,7 +1536,7 @@
           <a:p>
             <a:fld id="{D72B48E1-50D5-40B7-9AA4-D680720A3CD4}" type="datetimeFigureOut">
               <a:rPr kumimoji="1" lang="ja-JP" altLang="en-US" smtClean="0"/>
-              <a:t>2016/8/17</a:t>
+              <a:t>2016/8/18</a:t>
             </a:fld>
             <a:endParaRPr kumimoji="1" lang="ja-JP" altLang="en-US"/>
           </a:p>
@@ -1832,7 +1832,7 @@
           <a:p>
             <a:fld id="{D72B48E1-50D5-40B7-9AA4-D680720A3CD4}" type="datetimeFigureOut">
               <a:rPr kumimoji="1" lang="ja-JP" altLang="en-US" smtClean="0"/>
-              <a:t>2016/8/17</a:t>
+              <a:t>2016/8/18</a:t>
             </a:fld>
             <a:endParaRPr kumimoji="1" lang="ja-JP" altLang="en-US"/>
           </a:p>
@@ -2263,7 +2263,7 @@
           <a:p>
             <a:fld id="{D72B48E1-50D5-40B7-9AA4-D680720A3CD4}" type="datetimeFigureOut">
               <a:rPr kumimoji="1" lang="ja-JP" altLang="en-US" smtClean="0"/>
-              <a:t>2016/8/17</a:t>
+              <a:t>2016/8/18</a:t>
             </a:fld>
             <a:endParaRPr kumimoji="1" lang="ja-JP" altLang="en-US"/>
           </a:p>
@@ -2381,7 +2381,7 @@
           <a:p>
             <a:fld id="{D72B48E1-50D5-40B7-9AA4-D680720A3CD4}" type="datetimeFigureOut">
               <a:rPr kumimoji="1" lang="ja-JP" altLang="en-US" smtClean="0"/>
-              <a:t>2016/8/17</a:t>
+              <a:t>2016/8/18</a:t>
             </a:fld>
             <a:endParaRPr kumimoji="1" lang="ja-JP" altLang="en-US"/>
           </a:p>
@@ -2476,7 +2476,7 @@
           <a:p>
             <a:fld id="{D72B48E1-50D5-40B7-9AA4-D680720A3CD4}" type="datetimeFigureOut">
               <a:rPr kumimoji="1" lang="ja-JP" altLang="en-US" smtClean="0"/>
-              <a:t>2016/8/17</a:t>
+              <a:t>2016/8/18</a:t>
             </a:fld>
             <a:endParaRPr kumimoji="1" lang="ja-JP" altLang="en-US"/>
           </a:p>
@@ -2785,7 +2785,7 @@
           <a:p>
             <a:fld id="{D72B48E1-50D5-40B7-9AA4-D680720A3CD4}" type="datetimeFigureOut">
               <a:rPr kumimoji="1" lang="ja-JP" altLang="en-US" smtClean="0"/>
-              <a:t>2016/8/17</a:t>
+              <a:t>2016/8/18</a:t>
             </a:fld>
             <a:endParaRPr kumimoji="1" lang="ja-JP" altLang="en-US"/>
           </a:p>
@@ -3042,7 +3042,7 @@
           <a:p>
             <a:fld id="{D72B48E1-50D5-40B7-9AA4-D680720A3CD4}" type="datetimeFigureOut">
               <a:rPr kumimoji="1" lang="ja-JP" altLang="en-US" smtClean="0"/>
-              <a:t>2016/8/17</a:t>
+              <a:t>2016/8/18</a:t>
             </a:fld>
             <a:endParaRPr kumimoji="1" lang="ja-JP" altLang="en-US"/>
           </a:p>
@@ -3287,7 +3287,7 @@
           <a:p>
             <a:fld id="{D72B48E1-50D5-40B7-9AA4-D680720A3CD4}" type="datetimeFigureOut">
               <a:rPr kumimoji="1" lang="ja-JP" altLang="en-US" smtClean="0"/>
-              <a:t>2016/8/17</a:t>
+              <a:t>2016/8/18</a:t>
             </a:fld>
             <a:endParaRPr kumimoji="1" lang="ja-JP" altLang="en-US"/>
           </a:p>
@@ -3997,7 +3997,28 @@
                 <a:ea typeface="メイリオ" panose="020B0604030504040204" pitchFamily="50" charset="-128"/>
                 <a:cs typeface="メイリオ" panose="020B0604030504040204" pitchFamily="50" charset="-128"/>
               </a:rPr>
-              <a:t>(1/2)</a:t>
+              <a:t>(</a:t>
+            </a:r>
+            <a:r>
+              <a:rPr lang="en-US" altLang="ja-JP" sz="2000" dirty="0" smtClean="0">
+                <a:ln w="0"/>
+                <a:solidFill>
+                  <a:schemeClr val="bg1">
+                    <a:lumMod val="50000"/>
+                  </a:schemeClr>
+                </a:solidFill>
+                <a:effectLst>
+                  <a:outerShdw blurRad="38100" dist="38100" dir="2700000" algn="tl">
+                    <a:srgbClr val="000000">
+                      <a:alpha val="43137"/>
+                    </a:srgbClr>
+                  </a:outerShdw>
+                </a:effectLst>
+                <a:latin typeface="メイリオ" panose="020B0604030504040204" pitchFamily="50" charset="-128"/>
+                <a:ea typeface="メイリオ" panose="020B0604030504040204" pitchFamily="50" charset="-128"/>
+                <a:cs typeface="メイリオ" panose="020B0604030504040204" pitchFamily="50" charset="-128"/>
+              </a:rPr>
+              <a:t>1)</a:t>
             </a:r>
             <a:endParaRPr lang="ja-JP" altLang="en-US" sz="2227" dirty="0">
               <a:ln w="0"/>
@@ -4114,7 +4135,7 @@
               <a:t>設計</a:t>
             </a:r>
             <a:r>
-              <a:rPr lang="en-US" altLang="ja-JP" sz="2000" dirty="0">
+              <a:rPr lang="en-US" altLang="ja-JP" sz="2000">
                 <a:ln w="0"/>
                 <a:solidFill>
                   <a:schemeClr val="bg1">
@@ -4132,7 +4153,28 @@
                 <a:ea typeface="メイリオ" panose="020B0604030504040204" pitchFamily="50" charset="-128"/>
                 <a:cs typeface="メイリオ" panose="020B0604030504040204" pitchFamily="50" charset="-128"/>
               </a:rPr>
-              <a:t>(2/2)</a:t>
+              <a:t>(</a:t>
+            </a:r>
+            <a:r>
+              <a:rPr lang="en-US" altLang="ja-JP" sz="2000" smtClean="0">
+                <a:ln w="0"/>
+                <a:solidFill>
+                  <a:schemeClr val="bg1">
+                    <a:lumMod val="50000"/>
+                  </a:schemeClr>
+                </a:solidFill>
+                <a:effectLst>
+                  <a:outerShdw blurRad="38100" dist="38100" dir="2700000" algn="tl">
+                    <a:srgbClr val="000000">
+                      <a:alpha val="43137"/>
+                    </a:srgbClr>
+                  </a:outerShdw>
+                </a:effectLst>
+                <a:latin typeface="メイリオ" panose="020B0604030504040204" pitchFamily="50" charset="-128"/>
+                <a:ea typeface="メイリオ" panose="020B0604030504040204" pitchFamily="50" charset="-128"/>
+                <a:cs typeface="メイリオ" panose="020B0604030504040204" pitchFamily="50" charset="-128"/>
+              </a:rPr>
+              <a:t>2)</a:t>
             </a:r>
             <a:endParaRPr lang="ja-JP" altLang="en-US" sz="2000" dirty="0">
               <a:ln w="0"/>

--- a/design/2016/models/2_analysis_model.pptx
+++ b/design/2016/models/2_analysis_model.pptx
@@ -6125,15 +6125,7 @@
                 <a:ea typeface="メイリオ" panose="020B0604030504040204" pitchFamily="50" charset="-128"/>
                 <a:cs typeface="メイリオ" panose="020B0604030504040204" pitchFamily="50" charset="-128"/>
               </a:rPr>
-              <a:t>度以上である。</a:t>
-            </a:r>
-            <a:r>
-              <a:rPr lang="en-US" altLang="ja-JP" sz="1200" dirty="0" smtClean="0">
-                <a:latin typeface="メイリオ" panose="020B0604030504040204" pitchFamily="50" charset="-128"/>
-                <a:ea typeface="メイリオ" panose="020B0604030504040204" pitchFamily="50" charset="-128"/>
-                <a:cs typeface="メイリオ" panose="020B0604030504040204" pitchFamily="50" charset="-128"/>
-              </a:rPr>
-              <a:t>…</a:t>
+              <a:t>度以上である</a:t>
             </a:r>
             <a:r>
               <a:rPr lang="ja-JP" altLang="en-US" sz="1200" dirty="0" smtClean="0">
@@ -6141,9 +6133,9 @@
                 <a:ea typeface="メイリオ" panose="020B0604030504040204" pitchFamily="50" charset="-128"/>
                 <a:cs typeface="メイリオ" panose="020B0604030504040204" pitchFamily="50" charset="-128"/>
               </a:rPr>
-              <a:t> 探索失敗</a:t>
-            </a:r>
-            <a:endParaRPr lang="en-US" altLang="ja-JP" sz="1200" dirty="0" smtClean="0">
+              <a:t>。</a:t>
+            </a:r>
+            <a:endParaRPr lang="en-US" altLang="ja-JP" sz="1200" smtClean="0">
               <a:latin typeface="メイリオ" panose="020B0604030504040204" pitchFamily="50" charset="-128"/>
               <a:ea typeface="メイリオ" panose="020B0604030504040204" pitchFamily="50" charset="-128"/>
               <a:cs typeface="メイリオ" panose="020B0604030504040204" pitchFamily="50" charset="-128"/>
@@ -6156,7 +6148,15 @@
                 <a:ea typeface="メイリオ" panose="020B0604030504040204" pitchFamily="50" charset="-128"/>
                 <a:cs typeface="メイリオ" panose="020B0604030504040204" pitchFamily="50" charset="-128"/>
               </a:rPr>
-              <a:t>・点</a:t>
+              <a:t>・</a:t>
+            </a:r>
+            <a:r>
+              <a:rPr lang="ja-JP" altLang="en-US" sz="1200" dirty="0" smtClean="0">
+                <a:latin typeface="メイリオ" panose="020B0604030504040204" pitchFamily="50" charset="-128"/>
+                <a:ea typeface="メイリオ" panose="020B0604030504040204" pitchFamily="50" charset="-128"/>
+                <a:cs typeface="メイリオ" panose="020B0604030504040204" pitchFamily="50" charset="-128"/>
+              </a:rPr>
+              <a:t>点</a:t>
             </a:r>
             <a:r>
               <a:rPr lang="en-US" altLang="ja-JP" sz="1200" dirty="0" smtClean="0">

--- a/design/2016/models/2_analysis_model.pptx
+++ b/design/2016/models/2_analysis_model.pptx
@@ -3693,6 +3693,60 @@
           <a:chExt cx="0" cy="0"/>
         </a:xfrm>
       </p:grpSpPr>
+      <p:pic>
+        <p:nvPicPr>
+          <p:cNvPr id="839" name="Picture 14"/>
+          <p:cNvPicPr>
+            <a:picLocks noChangeAspect="1" noChangeArrowheads="1"/>
+          </p:cNvPicPr>
+          <p:nvPr/>
+        </p:nvPicPr>
+        <p:blipFill>
+          <a:blip r:embed="rId2" cstate="print">
+            <a:extLst>
+              <a:ext uri="{28A0092B-C50C-407E-A947-70E740481C1C}">
+                <a14:useLocalDpi xmlns:a14="http://schemas.microsoft.com/office/drawing/2010/main" val="0"/>
+              </a:ext>
+            </a:extLst>
+          </a:blip>
+          <a:srcRect/>
+          <a:stretch>
+            <a:fillRect/>
+          </a:stretch>
+        </p:blipFill>
+        <p:spPr bwMode="auto">
+          <a:xfrm>
+            <a:off x="10860615" y="9432565"/>
+            <a:ext cx="3768739" cy="1051195"/>
+          </a:xfrm>
+          <a:prstGeom prst="rect">
+            <a:avLst/>
+          </a:prstGeom>
+          <a:noFill/>
+          <a:ln>
+            <a:noFill/>
+          </a:ln>
+          <a:extLst>
+            <a:ext uri="{909E8E84-426E-40DD-AFC4-6F175D3DCCD1}">
+              <a14:hiddenFill xmlns:a14="http://schemas.microsoft.com/office/drawing/2010/main">
+                <a:solidFill>
+                  <a:schemeClr val="accent1"/>
+                </a:solidFill>
+              </a14:hiddenFill>
+            </a:ext>
+            <a:ext uri="{91240B29-F687-4F45-9708-019B960494DF}">
+              <a14:hiddenLine xmlns:a14="http://schemas.microsoft.com/office/drawing/2010/main" w="9525">
+                <a:solidFill>
+                  <a:schemeClr val="tx1"/>
+                </a:solidFill>
+                <a:miter lim="800000"/>
+                <a:headEnd/>
+                <a:tailEnd/>
+              </a14:hiddenLine>
+            </a:ext>
+          </a:extLst>
+        </p:spPr>
+      </p:pic>
       <p:sp>
         <p:nvSpPr>
           <p:cNvPr id="6" name="角丸四角形 5"/>
@@ -4510,7 +4564,7 @@
         </p:nvSpPr>
         <p:spPr>
           <a:xfrm>
-            <a:off x="361020" y="1777928"/>
+            <a:off x="361020" y="1728941"/>
             <a:ext cx="5896599" cy="3711985"/>
           </a:xfrm>
           <a:prstGeom prst="rect">
@@ -4556,7 +4610,7 @@
         </p:nvSpPr>
         <p:spPr>
           <a:xfrm>
-            <a:off x="6260542" y="6387063"/>
+            <a:off x="6260542" y="6338076"/>
             <a:ext cx="1890681" cy="307777"/>
           </a:xfrm>
           <a:prstGeom prst="rect">
@@ -4613,7 +4667,7 @@
         </p:nvSpPr>
         <p:spPr>
           <a:xfrm>
-            <a:off x="6254612" y="6387064"/>
+            <a:off x="6254612" y="6338077"/>
             <a:ext cx="8428950" cy="3054426"/>
           </a:xfrm>
           <a:prstGeom prst="rect">
@@ -4659,7 +4713,7 @@
         </p:nvSpPr>
         <p:spPr>
           <a:xfrm>
-            <a:off x="367256" y="1777927"/>
+            <a:off x="367256" y="1728940"/>
             <a:ext cx="3147015" cy="307777"/>
           </a:xfrm>
           <a:prstGeom prst="rect">
@@ -4716,7 +4770,7 @@
         </p:nvSpPr>
         <p:spPr>
           <a:xfrm>
-            <a:off x="392103" y="1894505"/>
+            <a:off x="392103" y="1845518"/>
             <a:ext cx="5938710" cy="830997"/>
           </a:xfrm>
           <a:prstGeom prst="rect">
@@ -4865,7 +4919,7 @@
         </p:nvSpPr>
         <p:spPr>
           <a:xfrm>
-            <a:off x="6257619" y="1777930"/>
+            <a:off x="6257619" y="1728943"/>
             <a:ext cx="8425943" cy="1488607"/>
           </a:xfrm>
           <a:prstGeom prst="rect">
@@ -4911,7 +4965,7 @@
         </p:nvSpPr>
         <p:spPr>
           <a:xfrm>
-            <a:off x="6268469" y="9441489"/>
+            <a:off x="6268469" y="9392502"/>
             <a:ext cx="2249334" cy="307777"/>
           </a:xfrm>
           <a:prstGeom prst="rect">
@@ -4968,8 +5022,8 @@
         </p:nvSpPr>
         <p:spPr>
           <a:xfrm>
-            <a:off x="6254614" y="9441489"/>
-            <a:ext cx="8428948" cy="1139811"/>
+            <a:off x="6254614" y="9392503"/>
+            <a:ext cx="8428948" cy="1107884"/>
           </a:xfrm>
           <a:prstGeom prst="rect">
             <a:avLst/>
@@ -5014,7 +5068,7 @@
         </p:nvSpPr>
         <p:spPr>
           <a:xfrm>
-            <a:off x="6265802" y="1777929"/>
+            <a:off x="6265802" y="1728942"/>
             <a:ext cx="2428870" cy="307777"/>
           </a:xfrm>
           <a:prstGeom prst="rect">
@@ -5093,7 +5147,7 @@
         </p:nvSpPr>
         <p:spPr>
           <a:xfrm>
-            <a:off x="6391775" y="1836444"/>
+            <a:off x="6391775" y="1787457"/>
             <a:ext cx="6723272" cy="1323439"/>
           </a:xfrm>
           <a:prstGeom prst="rect">
@@ -5491,7 +5545,7 @@
         </p:nvSpPr>
         <p:spPr>
           <a:xfrm>
-            <a:off x="6273040" y="3569567"/>
+            <a:off x="6273040" y="3520580"/>
             <a:ext cx="6285918" cy="2862322"/>
           </a:xfrm>
           <a:prstGeom prst="rect">
@@ -6125,15 +6179,7 @@
                 <a:ea typeface="メイリオ" panose="020B0604030504040204" pitchFamily="50" charset="-128"/>
                 <a:cs typeface="メイリオ" panose="020B0604030504040204" pitchFamily="50" charset="-128"/>
               </a:rPr>
-              <a:t>度以上である</a:t>
-            </a:r>
-            <a:r>
-              <a:rPr lang="ja-JP" altLang="en-US" sz="1200" dirty="0" smtClean="0">
-                <a:latin typeface="メイリオ" panose="020B0604030504040204" pitchFamily="50" charset="-128"/>
-                <a:ea typeface="メイリオ" panose="020B0604030504040204" pitchFamily="50" charset="-128"/>
-                <a:cs typeface="メイリオ" panose="020B0604030504040204" pitchFamily="50" charset="-128"/>
-              </a:rPr>
-              <a:t>。</a:t>
+              <a:t>度以上である。</a:t>
             </a:r>
             <a:endParaRPr lang="en-US" altLang="ja-JP" sz="1200" smtClean="0">
               <a:latin typeface="メイリオ" panose="020B0604030504040204" pitchFamily="50" charset="-128"/>
@@ -6148,15 +6194,7 @@
                 <a:ea typeface="メイリオ" panose="020B0604030504040204" pitchFamily="50" charset="-128"/>
                 <a:cs typeface="メイリオ" panose="020B0604030504040204" pitchFamily="50" charset="-128"/>
               </a:rPr>
-              <a:t>・</a:t>
-            </a:r>
-            <a:r>
-              <a:rPr lang="ja-JP" altLang="en-US" sz="1200" dirty="0" smtClean="0">
-                <a:latin typeface="メイリオ" panose="020B0604030504040204" pitchFamily="50" charset="-128"/>
-                <a:ea typeface="メイリオ" panose="020B0604030504040204" pitchFamily="50" charset="-128"/>
-                <a:cs typeface="メイリオ" panose="020B0604030504040204" pitchFamily="50" charset="-128"/>
-              </a:rPr>
-              <a:t>点</a:t>
+              <a:t>・点</a:t>
             </a:r>
             <a:r>
               <a:rPr lang="en-US" altLang="ja-JP" sz="1200" dirty="0" smtClean="0">
@@ -6272,7 +6310,7 @@
           <p:nvPr/>
         </p:nvPicPr>
         <p:blipFill>
-          <a:blip r:embed="rId2">
+          <a:blip r:embed="rId3">
             <a:extLst>
               <a:ext uri="{28A0092B-C50C-407E-A947-70E740481C1C}">
                 <a14:useLocalDpi xmlns:a14="http://schemas.microsoft.com/office/drawing/2010/main" val="0"/>
@@ -6286,7 +6324,7 @@
         </p:blipFill>
         <p:spPr bwMode="auto">
           <a:xfrm>
-            <a:off x="472225" y="2768640"/>
+            <a:off x="472225" y="2719653"/>
             <a:ext cx="5608909" cy="2746402"/>
           </a:xfrm>
           <a:prstGeom prst="rect">
@@ -6335,7 +6373,7 @@
         </p:nvSpPr>
         <p:spPr>
           <a:xfrm>
-            <a:off x="6254613" y="3268999"/>
+            <a:off x="6254613" y="3220012"/>
             <a:ext cx="8428948" cy="3117835"/>
           </a:xfrm>
           <a:prstGeom prst="rect">
@@ -6381,7 +6419,7 @@
         </p:nvSpPr>
         <p:spPr>
           <a:xfrm>
-            <a:off x="6256454" y="3278702"/>
+            <a:off x="6256454" y="3229715"/>
             <a:ext cx="2787943" cy="307777"/>
           </a:xfrm>
           <a:prstGeom prst="rect">
@@ -6438,7 +6476,7 @@
         </p:nvGrpSpPr>
         <p:grpSpPr>
           <a:xfrm>
-            <a:off x="12552114" y="3524896"/>
+            <a:off x="12552114" y="3475909"/>
             <a:ext cx="2024515" cy="1237475"/>
             <a:chOff x="12628314" y="3576409"/>
             <a:chExt cx="2024515" cy="1237475"/>
@@ -8060,7 +8098,7 @@
         </p:nvSpPr>
         <p:spPr>
           <a:xfrm>
-            <a:off x="13903046" y="3476508"/>
+            <a:off x="13903046" y="3427521"/>
             <a:ext cx="410369" cy="123111"/>
           </a:xfrm>
           <a:prstGeom prst="rect">
@@ -8106,7 +8144,7 @@
         </p:nvSpPr>
         <p:spPr>
           <a:xfrm>
-            <a:off x="13807898" y="4288827"/>
+            <a:off x="13807898" y="4239840"/>
             <a:ext cx="72000" cy="72000"/>
           </a:xfrm>
           <a:prstGeom prst="ellipse">
@@ -8151,7 +8189,7 @@
           <p:nvPr/>
         </p:nvPicPr>
         <p:blipFill>
-          <a:blip r:embed="rId3">
+          <a:blip r:embed="rId4">
             <a:extLst>
               <a:ext uri="{28A0092B-C50C-407E-A947-70E740481C1C}">
                 <a14:useLocalDpi xmlns:a14="http://schemas.microsoft.com/office/drawing/2010/main" val="0"/>
@@ -8165,7 +8203,7 @@
         </p:blipFill>
         <p:spPr bwMode="auto">
           <a:xfrm>
-            <a:off x="13012681" y="1805977"/>
+            <a:off x="13012681" y="1756990"/>
             <a:ext cx="1220249" cy="1417253"/>
           </a:xfrm>
           <a:prstGeom prst="rect">
@@ -8214,7 +8252,7 @@
         </p:nvSpPr>
         <p:spPr>
           <a:xfrm>
-            <a:off x="14116050" y="3691041"/>
+            <a:off x="14116050" y="3642054"/>
             <a:ext cx="72000" cy="72000"/>
           </a:xfrm>
           <a:prstGeom prst="ellipse">
@@ -8258,7 +8296,7 @@
         </p:nvSpPr>
         <p:spPr>
           <a:xfrm>
-            <a:off x="14116980" y="4281021"/>
+            <a:off x="14116980" y="4232034"/>
             <a:ext cx="72000" cy="72000"/>
           </a:xfrm>
           <a:prstGeom prst="ellipse">
@@ -8302,7 +8340,7 @@
         </p:nvSpPr>
         <p:spPr>
           <a:xfrm>
-            <a:off x="13506420" y="4281951"/>
+            <a:off x="13506420" y="4232964"/>
             <a:ext cx="72000" cy="72000"/>
           </a:xfrm>
           <a:prstGeom prst="ellipse">
@@ -8346,7 +8384,7 @@
         </p:nvSpPr>
         <p:spPr>
           <a:xfrm>
-            <a:off x="13506192" y="3680865"/>
+            <a:off x="13506192" y="3631878"/>
             <a:ext cx="72000" cy="72000"/>
           </a:xfrm>
           <a:prstGeom prst="ellipse">
@@ -8390,7 +8428,7 @@
         </p:nvSpPr>
         <p:spPr>
           <a:xfrm>
-            <a:off x="12987368" y="3702375"/>
+            <a:off x="12987368" y="3653388"/>
             <a:ext cx="483072" cy="195814"/>
           </a:xfrm>
           <a:prstGeom prst="rect">
@@ -8432,7 +8470,7 @@
         </p:nvGrpSpPr>
         <p:grpSpPr>
           <a:xfrm>
-            <a:off x="11491173" y="4995854"/>
+            <a:off x="11491173" y="4946867"/>
             <a:ext cx="3091876" cy="1139555"/>
             <a:chOff x="2222560" y="4161006"/>
             <a:chExt cx="3091876" cy="1139555"/>
@@ -9721,7 +9759,7 @@
         </p:nvSpPr>
         <p:spPr>
           <a:xfrm>
-            <a:off x="11101410" y="6128498"/>
+            <a:off x="11101410" y="6079511"/>
             <a:ext cx="3262432" cy="246221"/>
           </a:xfrm>
           <a:prstGeom prst="rect">
@@ -9757,7 +9795,7 @@
         </p:nvSpPr>
         <p:spPr>
           <a:xfrm>
-            <a:off x="6325101" y="6529061"/>
+            <a:off x="6325101" y="6480074"/>
             <a:ext cx="8261054" cy="954107"/>
           </a:xfrm>
           <a:prstGeom prst="rect">
@@ -9960,7 +9998,7 @@
         </p:nvGrpSpPr>
         <p:grpSpPr>
           <a:xfrm>
-            <a:off x="12035774" y="7027884"/>
+            <a:off x="12035774" y="6978897"/>
             <a:ext cx="1855505" cy="1289614"/>
             <a:chOff x="11849022" y="7671957"/>
             <a:chExt cx="1855505" cy="1289614"/>
@@ -11579,7 +11617,7 @@
                   <a:avLst/>
                 </a:prstGeom>
                 <a:blipFill rotWithShape="1">
-                  <a:blip r:embed="rId4"/>
+                  <a:blip r:embed="rId5"/>
                   <a:stretch>
                     <a:fillRect/>
                   </a:stretch>
@@ -11691,7 +11729,7 @@
                   <a:avLst/>
                 </a:prstGeom>
                 <a:blipFill rotWithShape="1">
-                  <a:blip r:embed="rId5"/>
+                  <a:blip r:embed="rId6"/>
                   <a:stretch>
                     <a:fillRect/>
                   </a:stretch>
@@ -11722,14 +11760,14 @@
           <p:nvPr>
             <p:extLst>
               <p:ext uri="{D42A27DB-BD31-4B8C-83A1-F6EECF244321}">
-                <p14:modId xmlns:p14="http://schemas.microsoft.com/office/powerpoint/2010/main" val="1852561125"/>
+                <p14:modId xmlns:p14="http://schemas.microsoft.com/office/powerpoint/2010/main" val="1102902414"/>
               </p:ext>
             </p:extLst>
           </p:nvPr>
         </p:nvGraphicFramePr>
         <p:xfrm>
-          <a:off x="6667126" y="7443705"/>
-          <a:ext cx="4323771" cy="731520"/>
+          <a:off x="6491664" y="7418472"/>
+          <a:ext cx="5063030" cy="731520"/>
         </p:xfrm>
         <a:graphic>
           <a:graphicData uri="http://schemas.openxmlformats.org/drawingml/2006/table">
@@ -11738,8 +11776,8 @@
                 <a:tableStyleId>{5C22544A-7EE6-4342-B048-85BDC9FD1C3A}</a:tableStyleId>
               </a:tblPr>
               <a:tblGrid>
-                <a:gridCol w="1797519"/>
-                <a:gridCol w="2526252"/>
+                <a:gridCol w="1865926"/>
+                <a:gridCol w="3197104"/>
               </a:tblGrid>
               <a:tr h="232701">
                 <a:tc>
@@ -11829,9 +11867,26 @@
                     <a:bodyPr/>
                     <a:lstStyle/>
                     <a:p>
+                      <a:pPr marL="0" marR="0" indent="0" algn="l" defTabSz="1425550" rtl="0" eaLnBrk="1" fontAlgn="auto" latinLnBrk="0" hangingPunct="1">
+                        <a:lnSpc>
+                          <a:spcPct val="100000"/>
+                        </a:lnSpc>
+                        <a:spcBef>
+                          <a:spcPts val="0"/>
+                        </a:spcBef>
+                        <a:spcAft>
+                          <a:spcPts val="0"/>
+                        </a:spcAft>
+                        <a:buClrTx/>
+                        <a:buSzTx/>
+                        <a:buFontTx/>
+                        <a:buNone/>
+                        <a:tabLst/>
+                        <a:defRPr/>
+                      </a:pPr>
                       <a:r>
                         <a:rPr kumimoji="1" lang="ja-JP" altLang="en-US" sz="1000" b="1" dirty="0" smtClean="0"/>
-                        <a:t>上の影響の緩和</a:t>
+                        <a:t>向きの急激な変化による現実の走行体への影響を低減</a:t>
                       </a:r>
                       <a:endParaRPr kumimoji="1" lang="ja-JP" altLang="en-US" sz="1000" b="1" dirty="0"/>
                     </a:p>
@@ -11853,7 +11908,7 @@
             </p:nvSpPr>
             <p:spPr>
               <a:xfrm>
-                <a:off x="6683126" y="8254544"/>
+                <a:off x="6683126" y="8205557"/>
                 <a:ext cx="6723141" cy="415498"/>
               </a:xfrm>
               <a:prstGeom prst="rect">
@@ -12293,14 +12348,14 @@
             </p:nvSpPr>
             <p:spPr>
               <a:xfrm>
-                <a:off x="6683126" y="8254544"/>
+                <a:off x="6683126" y="8205557"/>
                 <a:ext cx="6723141" cy="415498"/>
               </a:xfrm>
               <a:prstGeom prst="rect">
                 <a:avLst/>
               </a:prstGeom>
               <a:blipFill rotWithShape="0">
-                <a:blip r:embed="rId6"/>
+                <a:blip r:embed="rId7"/>
                 <a:stretch>
                   <a:fillRect b="-8824"/>
                 </a:stretch>
@@ -12329,7 +12384,7 @@
         </p:nvSpPr>
         <p:spPr>
           <a:xfrm>
-            <a:off x="6914936" y="8765438"/>
+            <a:off x="6914936" y="8716451"/>
             <a:ext cx="2031325" cy="276999"/>
           </a:xfrm>
           <a:prstGeom prst="rect">
@@ -12367,7 +12422,7 @@
             </p:nvSpPr>
             <p:spPr>
               <a:xfrm>
-                <a:off x="8726602" y="8647113"/>
+                <a:off x="8726602" y="8598126"/>
                 <a:ext cx="2058897" cy="542713"/>
               </a:xfrm>
               <a:prstGeom prst="rect">
@@ -12618,16 +12673,16 @@
             </p:nvSpPr>
             <p:spPr>
               <a:xfrm>
-                <a:off x="8726602" y="8647113"/>
+                <a:off x="8726602" y="8598126"/>
                 <a:ext cx="2058897" cy="542713"/>
               </a:xfrm>
               <a:prstGeom prst="rect">
                 <a:avLst/>
               </a:prstGeom>
-              <a:blipFill rotWithShape="1">
-                <a:blip r:embed="rId7"/>
+              <a:blipFill rotWithShape="0">
+                <a:blip r:embed="rId8"/>
                 <a:stretch>
-                  <a:fillRect l="-14540" t="-114444" r="-6528" b="-160000"/>
+                  <a:fillRect l="-14540" t="-115730" r="-6528" b="-162921"/>
                 </a:stretch>
               </a:blipFill>
             </p:spPr>
@@ -12654,7 +12709,7 @@
         </p:nvSpPr>
         <p:spPr>
           <a:xfrm>
-            <a:off x="6639970" y="9154708"/>
+            <a:off x="6639970" y="9105721"/>
             <a:ext cx="4920396" cy="276999"/>
           </a:xfrm>
           <a:prstGeom prst="rect">
@@ -12725,7 +12780,7 @@
             </p:nvSpPr>
             <p:spPr>
               <a:xfrm>
-                <a:off x="11560366" y="8643385"/>
+                <a:off x="11560366" y="8594398"/>
                 <a:ext cx="3025788" cy="819070"/>
               </a:xfrm>
               <a:prstGeom prst="rect">
@@ -13297,14 +13352,14 @@
             </p:nvSpPr>
             <p:spPr>
               <a:xfrm>
-                <a:off x="11560366" y="8643385"/>
+                <a:off x="11560366" y="8594398"/>
                 <a:ext cx="3025788" cy="819070"/>
               </a:xfrm>
               <a:prstGeom prst="rect">
                 <a:avLst/>
               </a:prstGeom>
               <a:blipFill rotWithShape="0">
-                <a:blip r:embed="rId8"/>
+                <a:blip r:embed="rId9"/>
                 <a:stretch>
                   <a:fillRect/>
                 </a:stretch>
@@ -13333,7 +13388,7 @@
         </p:nvSpPr>
         <p:spPr>
           <a:xfrm>
-            <a:off x="376781" y="5494638"/>
+            <a:off x="376781" y="5445651"/>
             <a:ext cx="2069797" cy="307777"/>
           </a:xfrm>
           <a:prstGeom prst="rect">
@@ -13401,7 +13456,7 @@
         </p:nvSpPr>
         <p:spPr>
           <a:xfrm>
-            <a:off x="6273041" y="9556285"/>
+            <a:off x="6273041" y="9507298"/>
             <a:ext cx="4587574" cy="1015663"/>
           </a:xfrm>
           <a:prstGeom prst="rect">
@@ -13503,60 +13558,6 @@
           </a:p>
         </p:txBody>
       </p:sp>
-      <p:pic>
-        <p:nvPicPr>
-          <p:cNvPr id="839" name="Picture 14"/>
-          <p:cNvPicPr>
-            <a:picLocks noChangeAspect="1" noChangeArrowheads="1"/>
-          </p:cNvPicPr>
-          <p:nvPr/>
-        </p:nvPicPr>
-        <p:blipFill>
-          <a:blip r:embed="rId9" cstate="print">
-            <a:extLst>
-              <a:ext uri="{28A0092B-C50C-407E-A947-70E740481C1C}">
-                <a14:useLocalDpi xmlns:a14="http://schemas.microsoft.com/office/drawing/2010/main" val="0"/>
-              </a:ext>
-            </a:extLst>
-          </a:blip>
-          <a:srcRect/>
-          <a:stretch>
-            <a:fillRect/>
-          </a:stretch>
-        </p:blipFill>
-        <p:spPr bwMode="auto">
-          <a:xfrm>
-            <a:off x="10860615" y="9498178"/>
-            <a:ext cx="3768739" cy="1051195"/>
-          </a:xfrm>
-          <a:prstGeom prst="rect">
-            <a:avLst/>
-          </a:prstGeom>
-          <a:noFill/>
-          <a:ln>
-            <a:noFill/>
-          </a:ln>
-          <a:extLst>
-            <a:ext uri="{909E8E84-426E-40DD-AFC4-6F175D3DCCD1}">
-              <a14:hiddenFill xmlns:a14="http://schemas.microsoft.com/office/drawing/2010/main">
-                <a:solidFill>
-                  <a:schemeClr val="accent1"/>
-                </a:solidFill>
-              </a14:hiddenFill>
-            </a:ext>
-            <a:ext uri="{91240B29-F687-4F45-9708-019B960494DF}">
-              <a14:hiddenLine xmlns:a14="http://schemas.microsoft.com/office/drawing/2010/main" w="9525">
-                <a:solidFill>
-                  <a:schemeClr val="tx1"/>
-                </a:solidFill>
-                <a:miter lim="800000"/>
-                <a:headEnd/>
-                <a:tailEnd/>
-              </a14:hiddenLine>
-            </a:ext>
-          </a:extLst>
-        </p:spPr>
-      </p:pic>
       <p:pic>
         <p:nvPicPr>
           <p:cNvPr id="958" name="Picture 16"/>
@@ -13580,7 +13581,7 @@
         </p:blipFill>
         <p:spPr bwMode="auto">
           <a:xfrm>
-            <a:off x="2654494" y="5522152"/>
+            <a:off x="2654494" y="5455236"/>
             <a:ext cx="3559990" cy="5057309"/>
           </a:xfrm>
           <a:prstGeom prst="rect">
@@ -13619,8 +13620,8 @@
         </p:nvSpPr>
         <p:spPr>
           <a:xfrm>
-            <a:off x="361020" y="5489913"/>
-            <a:ext cx="5896599" cy="5091387"/>
+            <a:off x="361020" y="5440927"/>
+            <a:ext cx="5896599" cy="5059459"/>
           </a:xfrm>
           <a:prstGeom prst="rect">
             <a:avLst/>
@@ -13680,7 +13681,7 @@
         </p:blipFill>
         <p:spPr bwMode="auto">
           <a:xfrm>
-            <a:off x="629563" y="7914277"/>
+            <a:off x="629563" y="7865290"/>
             <a:ext cx="1699602" cy="2033142"/>
           </a:xfrm>
           <a:prstGeom prst="rect">
@@ -13719,7 +13720,7 @@
         </p:nvSpPr>
         <p:spPr>
           <a:xfrm>
-            <a:off x="392103" y="6066709"/>
+            <a:off x="392103" y="6017722"/>
             <a:ext cx="2174522" cy="1384995"/>
           </a:xfrm>
           <a:prstGeom prst="rect">
